--- a/Ressources_perso/Screens_soutenance/Support_Soutenance_GUYOT.pptx
+++ b/Ressources_perso/Screens_soutenance/Support_Soutenance_GUYOT.pptx
@@ -10,21 +10,30 @@
     <p:sldMasterId id="2147483776" r:id="rId6"/>
     <p:sldMasterId id="2147483785" r:id="rId7"/>
   </p:sldMasterIdLst>
+  <p:notesMasterIdLst>
+    <p:notesMasterId r:id="rId28"/>
+  </p:notesMasterIdLst>
   <p:sldIdLst>
     <p:sldId id="256" r:id="rId8"/>
     <p:sldId id="258" r:id="rId9"/>
     <p:sldId id="261" r:id="rId10"/>
     <p:sldId id="262" r:id="rId11"/>
-    <p:sldId id="264" r:id="rId12"/>
-    <p:sldId id="265" r:id="rId13"/>
-    <p:sldId id="266" r:id="rId14"/>
-    <p:sldId id="268" r:id="rId15"/>
-    <p:sldId id="269" r:id="rId16"/>
-    <p:sldId id="270" r:id="rId17"/>
-    <p:sldId id="271" r:id="rId18"/>
-    <p:sldId id="267" r:id="rId19"/>
-    <p:sldId id="273" r:id="rId20"/>
-    <p:sldId id="263" r:id="rId21"/>
+    <p:sldId id="265" r:id="rId12"/>
+    <p:sldId id="274" r:id="rId13"/>
+    <p:sldId id="275" r:id="rId14"/>
+    <p:sldId id="266" r:id="rId15"/>
+    <p:sldId id="277" r:id="rId16"/>
+    <p:sldId id="276" r:id="rId17"/>
+    <p:sldId id="268" r:id="rId18"/>
+    <p:sldId id="280" r:id="rId19"/>
+    <p:sldId id="278" r:id="rId20"/>
+    <p:sldId id="279" r:id="rId21"/>
+    <p:sldId id="269" r:id="rId22"/>
+    <p:sldId id="270" r:id="rId23"/>
+    <p:sldId id="271" r:id="rId24"/>
+    <p:sldId id="267" r:id="rId25"/>
+    <p:sldId id="273" r:id="rId26"/>
+    <p:sldId id="263" r:id="rId27"/>
   </p:sldIdLst>
   <p:sldSz cx="12192000" cy="6858000"/>
   <p:notesSz cx="6799263" cy="9929813"/>
@@ -839,6 +848,739 @@
     </pc:docChg>
   </pc:docChgLst>
 </pc:chgInfo>
+</file>
+
+<file path=ppt/notesMasters/notesMaster1.xml><?xml version="1.0" encoding="utf-8"?>
+<p:notesMaster xmlns:a="http://schemas.openxmlformats.org/drawingml/2006/main" xmlns:r="http://schemas.openxmlformats.org/officeDocument/2006/relationships" xmlns:p="http://schemas.openxmlformats.org/presentationml/2006/main">
+  <p:cSld>
+    <p:bg>
+      <p:bgRef idx="1001">
+        <a:schemeClr val="bg1"/>
+      </p:bgRef>
+    </p:bg>
+    <p:spTree>
+      <p:nvGrpSpPr>
+        <p:cNvPr id="1" name=""/>
+        <p:cNvGrpSpPr/>
+        <p:nvPr/>
+      </p:nvGrpSpPr>
+      <p:grpSpPr>
+        <a:xfrm>
+          <a:off x="0" y="0"/>
+          <a:ext cx="0" cy="0"/>
+          <a:chOff x="0" y="0"/>
+          <a:chExt cx="0" cy="0"/>
+        </a:xfrm>
+      </p:grpSpPr>
+      <p:sp>
+        <p:nvSpPr>
+          <p:cNvPr id="2" name="Espace réservé de l'en-tête 1"/>
+          <p:cNvSpPr>
+            <a:spLocks noGrp="1"/>
+          </p:cNvSpPr>
+          <p:nvPr>
+            <p:ph type="hdr" sz="quarter"/>
+          </p:nvPr>
+        </p:nvSpPr>
+        <p:spPr>
+          <a:xfrm>
+            <a:off x="0" y="0"/>
+            <a:ext cx="2946400" cy="498475"/>
+          </a:xfrm>
+          <a:prstGeom prst="rect">
+            <a:avLst/>
+          </a:prstGeom>
+        </p:spPr>
+        <p:txBody>
+          <a:bodyPr vert="horz" lIns="91440" tIns="45720" rIns="91440" bIns="45720" rtlCol="0"/>
+          <a:lstStyle>
+            <a:lvl1pPr algn="l">
+              <a:defRPr sz="1200"/>
+            </a:lvl1pPr>
+          </a:lstStyle>
+          <a:p>
+            <a:endParaRPr lang="fr-FR"/>
+          </a:p>
+        </p:txBody>
+      </p:sp>
+      <p:sp>
+        <p:nvSpPr>
+          <p:cNvPr id="3" name="Espace réservé de la date 2"/>
+          <p:cNvSpPr>
+            <a:spLocks noGrp="1"/>
+          </p:cNvSpPr>
+          <p:nvPr>
+            <p:ph type="dt" idx="1"/>
+          </p:nvPr>
+        </p:nvSpPr>
+        <p:spPr>
+          <a:xfrm>
+            <a:off x="3851275" y="0"/>
+            <a:ext cx="2946400" cy="498475"/>
+          </a:xfrm>
+          <a:prstGeom prst="rect">
+            <a:avLst/>
+          </a:prstGeom>
+        </p:spPr>
+        <p:txBody>
+          <a:bodyPr vert="horz" lIns="91440" tIns="45720" rIns="91440" bIns="45720" rtlCol="0"/>
+          <a:lstStyle>
+            <a:lvl1pPr algn="r">
+              <a:defRPr sz="1200"/>
+            </a:lvl1pPr>
+          </a:lstStyle>
+          <a:p>
+            <a:fld id="{B1F5F8AD-BDD8-4811-A8D9-C908346ACE12}" type="datetimeFigureOut">
+              <a:rPr lang="fr-FR" smtClean="0"/>
+              <a:t>07/02/2023</a:t>
+            </a:fld>
+            <a:endParaRPr lang="fr-FR"/>
+          </a:p>
+        </p:txBody>
+      </p:sp>
+      <p:sp>
+        <p:nvSpPr>
+          <p:cNvPr id="4" name="Espace réservé de l'image des diapositives 3"/>
+          <p:cNvSpPr>
+            <a:spLocks noGrp="1" noRot="1" noChangeAspect="1"/>
+          </p:cNvSpPr>
+          <p:nvPr>
+            <p:ph type="sldImg" idx="2"/>
+          </p:nvPr>
+        </p:nvSpPr>
+        <p:spPr>
+          <a:xfrm>
+            <a:off x="422275" y="1241425"/>
+            <a:ext cx="5954713" cy="3351213"/>
+          </a:xfrm>
+          <a:prstGeom prst="rect">
+            <a:avLst/>
+          </a:prstGeom>
+          <a:noFill/>
+          <a:ln w="12700">
+            <a:solidFill>
+              <a:prstClr val="black"/>
+            </a:solidFill>
+          </a:ln>
+        </p:spPr>
+        <p:txBody>
+          <a:bodyPr vert="horz" lIns="91440" tIns="45720" rIns="91440" bIns="45720" rtlCol="0" anchor="ctr"/>
+          <a:lstStyle/>
+          <a:p>
+            <a:endParaRPr lang="fr-FR"/>
+          </a:p>
+        </p:txBody>
+      </p:sp>
+      <p:sp>
+        <p:nvSpPr>
+          <p:cNvPr id="5" name="Espace réservé des notes 4"/>
+          <p:cNvSpPr>
+            <a:spLocks noGrp="1"/>
+          </p:cNvSpPr>
+          <p:nvPr>
+            <p:ph type="body" sz="quarter" idx="3"/>
+          </p:nvPr>
+        </p:nvSpPr>
+        <p:spPr>
+          <a:xfrm>
+            <a:off x="679450" y="4778375"/>
+            <a:ext cx="5440363" cy="3910013"/>
+          </a:xfrm>
+          <a:prstGeom prst="rect">
+            <a:avLst/>
+          </a:prstGeom>
+        </p:spPr>
+        <p:txBody>
+          <a:bodyPr vert="horz" lIns="91440" tIns="45720" rIns="91440" bIns="45720" rtlCol="0"/>
+          <a:lstStyle/>
+          <a:p>
+            <a:pPr lvl="0"/>
+            <a:r>
+              <a:rPr lang="fr-FR"/>
+              <a:t>Cliquez pour modifier les styles du texte du masque</a:t>
+            </a:r>
+          </a:p>
+          <a:p>
+            <a:pPr lvl="1"/>
+            <a:r>
+              <a:rPr lang="fr-FR"/>
+              <a:t>Deuxième niveau</a:t>
+            </a:r>
+          </a:p>
+          <a:p>
+            <a:pPr lvl="2"/>
+            <a:r>
+              <a:rPr lang="fr-FR"/>
+              <a:t>Troisième niveau</a:t>
+            </a:r>
+          </a:p>
+          <a:p>
+            <a:pPr lvl="3"/>
+            <a:r>
+              <a:rPr lang="fr-FR"/>
+              <a:t>Quatrième niveau</a:t>
+            </a:r>
+          </a:p>
+          <a:p>
+            <a:pPr lvl="4"/>
+            <a:r>
+              <a:rPr lang="fr-FR"/>
+              <a:t>Cinquième niveau</a:t>
+            </a:r>
+          </a:p>
+        </p:txBody>
+      </p:sp>
+      <p:sp>
+        <p:nvSpPr>
+          <p:cNvPr id="6" name="Espace réservé du pied de page 5"/>
+          <p:cNvSpPr>
+            <a:spLocks noGrp="1"/>
+          </p:cNvSpPr>
+          <p:nvPr>
+            <p:ph type="ftr" sz="quarter" idx="4"/>
+          </p:nvPr>
+        </p:nvSpPr>
+        <p:spPr>
+          <a:xfrm>
+            <a:off x="0" y="9431338"/>
+            <a:ext cx="2946400" cy="498475"/>
+          </a:xfrm>
+          <a:prstGeom prst="rect">
+            <a:avLst/>
+          </a:prstGeom>
+        </p:spPr>
+        <p:txBody>
+          <a:bodyPr vert="horz" lIns="91440" tIns="45720" rIns="91440" bIns="45720" rtlCol="0" anchor="b"/>
+          <a:lstStyle>
+            <a:lvl1pPr algn="l">
+              <a:defRPr sz="1200"/>
+            </a:lvl1pPr>
+          </a:lstStyle>
+          <a:p>
+            <a:endParaRPr lang="fr-FR"/>
+          </a:p>
+        </p:txBody>
+      </p:sp>
+      <p:sp>
+        <p:nvSpPr>
+          <p:cNvPr id="7" name="Espace réservé du numéro de diapositive 6"/>
+          <p:cNvSpPr>
+            <a:spLocks noGrp="1"/>
+          </p:cNvSpPr>
+          <p:nvPr>
+            <p:ph type="sldNum" sz="quarter" idx="5"/>
+          </p:nvPr>
+        </p:nvSpPr>
+        <p:spPr>
+          <a:xfrm>
+            <a:off x="3851275" y="9431338"/>
+            <a:ext cx="2946400" cy="498475"/>
+          </a:xfrm>
+          <a:prstGeom prst="rect">
+            <a:avLst/>
+          </a:prstGeom>
+        </p:spPr>
+        <p:txBody>
+          <a:bodyPr vert="horz" lIns="91440" tIns="45720" rIns="91440" bIns="45720" rtlCol="0" anchor="b"/>
+          <a:lstStyle>
+            <a:lvl1pPr algn="r">
+              <a:defRPr sz="1200"/>
+            </a:lvl1pPr>
+          </a:lstStyle>
+          <a:p>
+            <a:fld id="{A1131108-E555-4F32-A518-627CBF0F6968}" type="slidenum">
+              <a:rPr lang="fr-FR" smtClean="0"/>
+              <a:t>‹N°›</a:t>
+            </a:fld>
+            <a:endParaRPr lang="fr-FR"/>
+          </a:p>
+        </p:txBody>
+      </p:sp>
+    </p:spTree>
+    <p:extLst>
+      <p:ext uri="{BB962C8B-B14F-4D97-AF65-F5344CB8AC3E}">
+        <p14:creationId xmlns:p14="http://schemas.microsoft.com/office/powerpoint/2010/main" val="2941867190"/>
+      </p:ext>
+    </p:extLst>
+  </p:cSld>
+  <p:clrMap bg1="lt1" tx1="dk1" bg2="lt2" tx2="dk2" accent1="accent1" accent2="accent2" accent3="accent3" accent4="accent4" accent5="accent5" accent6="accent6" hlink="hlink" folHlink="folHlink"/>
+  <p:notesStyle>
+    <a:lvl1pPr marL="0" algn="l" defTabSz="914400" rtl="0" eaLnBrk="1" latinLnBrk="0" hangingPunct="1">
+      <a:defRPr sz="1200" kern="1200">
+        <a:solidFill>
+          <a:schemeClr val="tx1"/>
+        </a:solidFill>
+        <a:latin typeface="+mn-lt"/>
+        <a:ea typeface="+mn-ea"/>
+        <a:cs typeface="+mn-cs"/>
+      </a:defRPr>
+    </a:lvl1pPr>
+    <a:lvl2pPr marL="457200" algn="l" defTabSz="914400" rtl="0" eaLnBrk="1" latinLnBrk="0" hangingPunct="1">
+      <a:defRPr sz="1200" kern="1200">
+        <a:solidFill>
+          <a:schemeClr val="tx1"/>
+        </a:solidFill>
+        <a:latin typeface="+mn-lt"/>
+        <a:ea typeface="+mn-ea"/>
+        <a:cs typeface="+mn-cs"/>
+      </a:defRPr>
+    </a:lvl2pPr>
+    <a:lvl3pPr marL="914400" algn="l" defTabSz="914400" rtl="0" eaLnBrk="1" latinLnBrk="0" hangingPunct="1">
+      <a:defRPr sz="1200" kern="1200">
+        <a:solidFill>
+          <a:schemeClr val="tx1"/>
+        </a:solidFill>
+        <a:latin typeface="+mn-lt"/>
+        <a:ea typeface="+mn-ea"/>
+        <a:cs typeface="+mn-cs"/>
+      </a:defRPr>
+    </a:lvl3pPr>
+    <a:lvl4pPr marL="1371600" algn="l" defTabSz="914400" rtl="0" eaLnBrk="1" latinLnBrk="0" hangingPunct="1">
+      <a:defRPr sz="1200" kern="1200">
+        <a:solidFill>
+          <a:schemeClr val="tx1"/>
+        </a:solidFill>
+        <a:latin typeface="+mn-lt"/>
+        <a:ea typeface="+mn-ea"/>
+        <a:cs typeface="+mn-cs"/>
+      </a:defRPr>
+    </a:lvl4pPr>
+    <a:lvl5pPr marL="1828800" algn="l" defTabSz="914400" rtl="0" eaLnBrk="1" latinLnBrk="0" hangingPunct="1">
+      <a:defRPr sz="1200" kern="1200">
+        <a:solidFill>
+          <a:schemeClr val="tx1"/>
+        </a:solidFill>
+        <a:latin typeface="+mn-lt"/>
+        <a:ea typeface="+mn-ea"/>
+        <a:cs typeface="+mn-cs"/>
+      </a:defRPr>
+    </a:lvl5pPr>
+    <a:lvl6pPr marL="2286000" algn="l" defTabSz="914400" rtl="0" eaLnBrk="1" latinLnBrk="0" hangingPunct="1">
+      <a:defRPr sz="1200" kern="1200">
+        <a:solidFill>
+          <a:schemeClr val="tx1"/>
+        </a:solidFill>
+        <a:latin typeface="+mn-lt"/>
+        <a:ea typeface="+mn-ea"/>
+        <a:cs typeface="+mn-cs"/>
+      </a:defRPr>
+    </a:lvl6pPr>
+    <a:lvl7pPr marL="2743200" algn="l" defTabSz="914400" rtl="0" eaLnBrk="1" latinLnBrk="0" hangingPunct="1">
+      <a:defRPr sz="1200" kern="1200">
+        <a:solidFill>
+          <a:schemeClr val="tx1"/>
+        </a:solidFill>
+        <a:latin typeface="+mn-lt"/>
+        <a:ea typeface="+mn-ea"/>
+        <a:cs typeface="+mn-cs"/>
+      </a:defRPr>
+    </a:lvl7pPr>
+    <a:lvl8pPr marL="3200400" algn="l" defTabSz="914400" rtl="0" eaLnBrk="1" latinLnBrk="0" hangingPunct="1">
+      <a:defRPr sz="1200" kern="1200">
+        <a:solidFill>
+          <a:schemeClr val="tx1"/>
+        </a:solidFill>
+        <a:latin typeface="+mn-lt"/>
+        <a:ea typeface="+mn-ea"/>
+        <a:cs typeface="+mn-cs"/>
+      </a:defRPr>
+    </a:lvl8pPr>
+    <a:lvl9pPr marL="3657600" algn="l" defTabSz="914400" rtl="0" eaLnBrk="1" latinLnBrk="0" hangingPunct="1">
+      <a:defRPr sz="1200" kern="1200">
+        <a:solidFill>
+          <a:schemeClr val="tx1"/>
+        </a:solidFill>
+        <a:latin typeface="+mn-lt"/>
+        <a:ea typeface="+mn-ea"/>
+        <a:cs typeface="+mn-cs"/>
+      </a:defRPr>
+    </a:lvl9pPr>
+  </p:notesStyle>
+</p:notesMaster>
+</file>
+
+<file path=ppt/notesSlides/notesSlide1.xml><?xml version="1.0" encoding="utf-8"?>
+<p:notes xmlns:a="http://schemas.openxmlformats.org/drawingml/2006/main" xmlns:r="http://schemas.openxmlformats.org/officeDocument/2006/relationships" xmlns:p="http://schemas.openxmlformats.org/presentationml/2006/main">
+  <p:cSld>
+    <p:spTree>
+      <p:nvGrpSpPr>
+        <p:cNvPr id="1" name=""/>
+        <p:cNvGrpSpPr/>
+        <p:nvPr/>
+      </p:nvGrpSpPr>
+      <p:grpSpPr>
+        <a:xfrm>
+          <a:off x="0" y="0"/>
+          <a:ext cx="0" cy="0"/>
+          <a:chOff x="0" y="0"/>
+          <a:chExt cx="0" cy="0"/>
+        </a:xfrm>
+      </p:grpSpPr>
+      <p:sp>
+        <p:nvSpPr>
+          <p:cNvPr id="2" name="Espace réservé de l'image des diapositives 1"/>
+          <p:cNvSpPr>
+            <a:spLocks noGrp="1" noRot="1" noChangeAspect="1"/>
+          </p:cNvSpPr>
+          <p:nvPr>
+            <p:ph type="sldImg"/>
+          </p:nvPr>
+        </p:nvSpPr>
+        <p:spPr/>
+      </p:sp>
+      <p:sp>
+        <p:nvSpPr>
+          <p:cNvPr id="3" name="Espace réservé des notes 2"/>
+          <p:cNvSpPr>
+            <a:spLocks noGrp="1"/>
+          </p:cNvSpPr>
+          <p:nvPr>
+            <p:ph type="body" idx="1"/>
+          </p:nvPr>
+        </p:nvSpPr>
+        <p:spPr/>
+        <p:txBody>
+          <a:bodyPr/>
+          <a:lstStyle/>
+          <a:p>
+            <a:r>
+              <a:rPr lang="fr-FR" dirty="0"/>
+              <a:t>Policy </a:t>
+            </a:r>
+            <a:r>
+              <a:rPr lang="fr-FR" dirty="0" err="1"/>
+              <a:t>Iteration</a:t>
+            </a:r>
+            <a:r>
+              <a:rPr lang="fr-FR" dirty="0"/>
+              <a:t> =&gt; </a:t>
+            </a:r>
+            <a:r>
+              <a:rPr lang="fr-FR" dirty="0" err="1"/>
+              <a:t>Learn</a:t>
+            </a:r>
+            <a:r>
+              <a:rPr lang="fr-FR" dirty="0"/>
+              <a:t> a </a:t>
+            </a:r>
+            <a:r>
+              <a:rPr lang="fr-FR" dirty="0" err="1"/>
+              <a:t>policy</a:t>
+            </a:r>
+            <a:r>
+              <a:rPr lang="fr-FR" dirty="0"/>
+              <a:t> </a:t>
+            </a:r>
+            <a:r>
+              <a:rPr lang="fr-FR" dirty="0" err="1"/>
+              <a:t>that</a:t>
+            </a:r>
+            <a:r>
+              <a:rPr lang="fr-FR" dirty="0"/>
+              <a:t> maximises the </a:t>
+            </a:r>
+            <a:r>
+              <a:rPr lang="fr-FR" dirty="0" err="1"/>
+              <a:t>reward</a:t>
+            </a:r>
+            <a:r>
+              <a:rPr lang="fr-FR" dirty="0"/>
+              <a:t> </a:t>
+            </a:r>
+            <a:r>
+              <a:rPr lang="fr-FR" dirty="0" err="1"/>
+              <a:t>with</a:t>
+            </a:r>
+            <a:r>
+              <a:rPr lang="fr-FR" dirty="0"/>
+              <a:t> observations in a </a:t>
+            </a:r>
+            <a:r>
+              <a:rPr lang="fr-FR" dirty="0" err="1"/>
+              <a:t>continuous</a:t>
+            </a:r>
+            <a:r>
+              <a:rPr lang="fr-FR" dirty="0"/>
+              <a:t> state</a:t>
+            </a:r>
+          </a:p>
+          <a:p>
+            <a:endParaRPr lang="fr-FR" dirty="0"/>
+          </a:p>
+          <a:p>
+            <a:r>
+              <a:rPr lang="fr-FR" dirty="0"/>
+              <a:t>Actor </a:t>
+            </a:r>
+            <a:r>
+              <a:rPr lang="fr-FR" dirty="0" err="1"/>
+              <a:t>critic</a:t>
+            </a:r>
+            <a:r>
+              <a:rPr lang="fr-FR" dirty="0"/>
+              <a:t> architecture =&gt; </a:t>
+            </a:r>
+          </a:p>
+        </p:txBody>
+      </p:sp>
+      <p:sp>
+        <p:nvSpPr>
+          <p:cNvPr id="4" name="Espace réservé du numéro de diapositive 3"/>
+          <p:cNvSpPr>
+            <a:spLocks noGrp="1"/>
+          </p:cNvSpPr>
+          <p:nvPr>
+            <p:ph type="sldNum" sz="quarter" idx="5"/>
+          </p:nvPr>
+        </p:nvSpPr>
+        <p:spPr/>
+        <p:txBody>
+          <a:bodyPr/>
+          <a:lstStyle/>
+          <a:p>
+            <a:fld id="{A1131108-E555-4F32-A518-627CBF0F6968}" type="slidenum">
+              <a:rPr lang="fr-FR" smtClean="0"/>
+              <a:t>4</a:t>
+            </a:fld>
+            <a:endParaRPr lang="fr-FR"/>
+          </a:p>
+        </p:txBody>
+      </p:sp>
+    </p:spTree>
+    <p:extLst>
+      <p:ext uri="{BB962C8B-B14F-4D97-AF65-F5344CB8AC3E}">
+        <p14:creationId xmlns:p14="http://schemas.microsoft.com/office/powerpoint/2010/main" val="3780244017"/>
+      </p:ext>
+    </p:extLst>
+  </p:cSld>
+  <p:clrMapOvr>
+    <a:masterClrMapping/>
+  </p:clrMapOvr>
+</p:notes>
+</file>
+
+<file path=ppt/notesSlides/notesSlide2.xml><?xml version="1.0" encoding="utf-8"?>
+<p:notes xmlns:a="http://schemas.openxmlformats.org/drawingml/2006/main" xmlns:r="http://schemas.openxmlformats.org/officeDocument/2006/relationships" xmlns:p="http://schemas.openxmlformats.org/presentationml/2006/main">
+  <p:cSld>
+    <p:spTree>
+      <p:nvGrpSpPr>
+        <p:cNvPr id="1" name=""/>
+        <p:cNvGrpSpPr/>
+        <p:nvPr/>
+      </p:nvGrpSpPr>
+      <p:grpSpPr>
+        <a:xfrm>
+          <a:off x="0" y="0"/>
+          <a:ext cx="0" cy="0"/>
+          <a:chOff x="0" y="0"/>
+          <a:chExt cx="0" cy="0"/>
+        </a:xfrm>
+      </p:grpSpPr>
+      <p:sp>
+        <p:nvSpPr>
+          <p:cNvPr id="2" name="Espace réservé de l'image des diapositives 1"/>
+          <p:cNvSpPr>
+            <a:spLocks noGrp="1" noRot="1" noChangeAspect="1"/>
+          </p:cNvSpPr>
+          <p:nvPr>
+            <p:ph type="sldImg"/>
+          </p:nvPr>
+        </p:nvSpPr>
+        <p:spPr/>
+      </p:sp>
+      <p:sp>
+        <p:nvSpPr>
+          <p:cNvPr id="3" name="Espace réservé des notes 2"/>
+          <p:cNvSpPr>
+            <a:spLocks noGrp="1"/>
+          </p:cNvSpPr>
+          <p:nvPr>
+            <p:ph type="body" idx="1"/>
+          </p:nvPr>
+        </p:nvSpPr>
+        <p:spPr/>
+        <p:txBody>
+          <a:bodyPr/>
+          <a:lstStyle/>
+          <a:p>
+            <a:pPr marL="0" marR="0" lvl="0" indent="0" algn="l" defTabSz="914400" rtl="0" eaLnBrk="1" fontAlgn="auto" latinLnBrk="0" hangingPunct="1">
+              <a:lnSpc>
+                <a:spcPct val="100000"/>
+              </a:lnSpc>
+              <a:spcBef>
+                <a:spcPts val="0"/>
+              </a:spcBef>
+              <a:spcAft>
+                <a:spcPts val="0"/>
+              </a:spcAft>
+              <a:buClrTx/>
+              <a:buSzTx/>
+              <a:buFontTx/>
+              <a:buNone/>
+              <a:tabLst/>
+              <a:defRPr/>
+            </a:pPr>
+            <a:r>
+              <a:rPr lang="fr-FR" dirty="0" err="1"/>
+              <a:t>Had</a:t>
+            </a:r>
+            <a:r>
+              <a:rPr lang="fr-FR" dirty="0"/>
+              <a:t> to update </a:t>
+            </a:r>
+            <a:r>
+              <a:rPr lang="fr-FR" dirty="0" err="1"/>
+              <a:t>it</a:t>
+            </a:r>
+            <a:r>
+              <a:rPr lang="fr-FR" dirty="0"/>
+              <a:t> =&gt; TP </a:t>
+            </a:r>
+            <a:r>
+              <a:rPr lang="fr-FR" dirty="0" err="1"/>
+              <a:t>preparation</a:t>
+            </a:r>
+            <a:endParaRPr lang="fr-FR" dirty="0"/>
+          </a:p>
+        </p:txBody>
+      </p:sp>
+      <p:sp>
+        <p:nvSpPr>
+          <p:cNvPr id="4" name="Espace réservé du numéro de diapositive 3"/>
+          <p:cNvSpPr>
+            <a:spLocks noGrp="1"/>
+          </p:cNvSpPr>
+          <p:nvPr>
+            <p:ph type="sldNum" sz="quarter" idx="5"/>
+          </p:nvPr>
+        </p:nvSpPr>
+        <p:spPr/>
+        <p:txBody>
+          <a:bodyPr/>
+          <a:lstStyle/>
+          <a:p>
+            <a:fld id="{A1131108-E555-4F32-A518-627CBF0F6968}" type="slidenum">
+              <a:rPr lang="fr-FR" smtClean="0"/>
+              <a:t>7</a:t>
+            </a:fld>
+            <a:endParaRPr lang="fr-FR"/>
+          </a:p>
+        </p:txBody>
+      </p:sp>
+    </p:spTree>
+    <p:extLst>
+      <p:ext uri="{BB962C8B-B14F-4D97-AF65-F5344CB8AC3E}">
+        <p14:creationId xmlns:p14="http://schemas.microsoft.com/office/powerpoint/2010/main" val="3369962964"/>
+      </p:ext>
+    </p:extLst>
+  </p:cSld>
+  <p:clrMapOvr>
+    <a:masterClrMapping/>
+  </p:clrMapOvr>
+</p:notes>
+</file>
+
+<file path=ppt/notesSlides/notesSlide3.xml><?xml version="1.0" encoding="utf-8"?>
+<p:notes xmlns:a="http://schemas.openxmlformats.org/drawingml/2006/main" xmlns:r="http://schemas.openxmlformats.org/officeDocument/2006/relationships" xmlns:p="http://schemas.openxmlformats.org/presentationml/2006/main">
+  <p:cSld>
+    <p:spTree>
+      <p:nvGrpSpPr>
+        <p:cNvPr id="1" name=""/>
+        <p:cNvGrpSpPr/>
+        <p:nvPr/>
+      </p:nvGrpSpPr>
+      <p:grpSpPr>
+        <a:xfrm>
+          <a:off x="0" y="0"/>
+          <a:ext cx="0" cy="0"/>
+          <a:chOff x="0" y="0"/>
+          <a:chExt cx="0" cy="0"/>
+        </a:xfrm>
+      </p:grpSpPr>
+      <p:sp>
+        <p:nvSpPr>
+          <p:cNvPr id="2" name="Espace réservé de l'image des diapositives 1"/>
+          <p:cNvSpPr>
+            <a:spLocks noGrp="1" noRot="1" noChangeAspect="1"/>
+          </p:cNvSpPr>
+          <p:nvPr>
+            <p:ph type="sldImg"/>
+          </p:nvPr>
+        </p:nvSpPr>
+        <p:spPr/>
+      </p:sp>
+      <p:sp>
+        <p:nvSpPr>
+          <p:cNvPr id="3" name="Espace réservé des notes 2"/>
+          <p:cNvSpPr>
+            <a:spLocks noGrp="1"/>
+          </p:cNvSpPr>
+          <p:nvPr>
+            <p:ph type="body" idx="1"/>
+          </p:nvPr>
+        </p:nvSpPr>
+        <p:spPr/>
+        <p:txBody>
+          <a:bodyPr/>
+          <a:lstStyle/>
+          <a:p>
+            <a:r>
+              <a:rPr lang="fr-FR" dirty="0"/>
+              <a:t>J’ai pris en main =&gt; I </a:t>
+            </a:r>
+            <a:r>
+              <a:rPr lang="fr-FR" dirty="0" err="1"/>
+              <a:t>got</a:t>
+            </a:r>
+            <a:r>
+              <a:rPr lang="fr-FR" dirty="0"/>
+              <a:t> the </a:t>
+            </a:r>
+            <a:r>
+              <a:rPr lang="fr-FR" dirty="0" err="1"/>
+              <a:t>hang</a:t>
+            </a:r>
+            <a:r>
+              <a:rPr lang="fr-FR" dirty="0"/>
+              <a:t> of</a:t>
+            </a:r>
+          </a:p>
+        </p:txBody>
+      </p:sp>
+      <p:sp>
+        <p:nvSpPr>
+          <p:cNvPr id="4" name="Espace réservé du numéro de diapositive 3"/>
+          <p:cNvSpPr>
+            <a:spLocks noGrp="1"/>
+          </p:cNvSpPr>
+          <p:nvPr>
+            <p:ph type="sldNum" sz="quarter" idx="5"/>
+          </p:nvPr>
+        </p:nvSpPr>
+        <p:spPr/>
+        <p:txBody>
+          <a:bodyPr/>
+          <a:lstStyle/>
+          <a:p>
+            <a:fld id="{A1131108-E555-4F32-A518-627CBF0F6968}" type="slidenum">
+              <a:rPr lang="fr-FR" smtClean="0"/>
+              <a:t>19</a:t>
+            </a:fld>
+            <a:endParaRPr lang="fr-FR"/>
+          </a:p>
+        </p:txBody>
+      </p:sp>
+    </p:spTree>
+    <p:extLst>
+      <p:ext uri="{BB962C8B-B14F-4D97-AF65-F5344CB8AC3E}">
+        <p14:creationId xmlns:p14="http://schemas.microsoft.com/office/powerpoint/2010/main" val="2456774440"/>
+      </p:ext>
+    </p:extLst>
+  </p:cSld>
+  <p:clrMapOvr>
+    <a:masterClrMapping/>
+  </p:clrMapOvr>
+</p:notes>
 </file>
 
 <file path=ppt/slideLayouts/slideLayout1.xml><?xml version="1.0" encoding="utf-8"?>
@@ -12644,22 +13386,42 @@
           <a:lstStyle/>
           <a:p>
             <a:r>
+              <a:rPr lang="fr-FR" dirty="0" err="1"/>
+              <a:t>Reinforcement</a:t>
+            </a:r>
+            <a:r>
               <a:rPr lang="fr-FR" dirty="0"/>
-              <a:t>Apprentissage </a:t>
+              <a:t> </a:t>
             </a:r>
             <a:br>
               <a:rPr lang="fr-FR" dirty="0"/>
             </a:br>
             <a:r>
               <a:rPr lang="fr-FR" dirty="0"/>
-              <a:t>par renforcement pour </a:t>
+              <a:t>Learning </a:t>
+            </a:r>
+            <a:r>
+              <a:rPr lang="fr-FR" dirty="0" err="1"/>
+              <a:t>Applied</a:t>
+            </a:r>
+            <a:r>
+              <a:rPr lang="fr-FR" dirty="0"/>
+              <a:t> to </a:t>
             </a:r>
             <a:br>
               <a:rPr lang="fr-FR" dirty="0"/>
             </a:br>
             <a:r>
+              <a:rPr lang="fr-FR" dirty="0" err="1"/>
+              <a:t>Autonomous</a:t>
+            </a:r>
+            <a:r>
               <a:rPr lang="fr-FR" dirty="0"/>
-              <a:t>véhicules autonomes</a:t>
+              <a:t> </a:t>
+            </a:r>
+            <a:r>
+              <a:rPr lang="fr-FR" dirty="0" err="1"/>
+              <a:t>Vehicles</a:t>
             </a:r>
             <a:endParaRPr lang="fr-FR" dirty="0">
               <a:latin typeface="+mn-lt"/>
@@ -12721,7 +13483,507 @@
       </p:grpSpPr>
       <p:sp>
         <p:nvSpPr>
-          <p:cNvPr id="2" name="Titre 1"/>
+          <p:cNvPr id="3" name="Espace réservé du contenu 2"/>
+          <p:cNvSpPr>
+            <a:spLocks noGrp="1"/>
+          </p:cNvSpPr>
+          <p:nvPr>
+            <p:ph idx="1"/>
+          </p:nvPr>
+        </p:nvSpPr>
+        <p:spPr>
+          <a:xfrm>
+            <a:off x="838200" y="1730375"/>
+            <a:ext cx="4685930" cy="4351338"/>
+          </a:xfrm>
+        </p:spPr>
+        <p:txBody>
+          <a:bodyPr/>
+          <a:lstStyle/>
+          <a:p>
+            <a:pPr marL="0" indent="0" algn="just">
+              <a:buNone/>
+            </a:pPr>
+            <a:r>
+              <a:rPr lang="fr-FR" dirty="0"/>
+              <a:t>First </a:t>
+            </a:r>
+            <a:r>
+              <a:rPr lang="fr-FR" dirty="0" err="1"/>
+              <a:t>experiment</a:t>
+            </a:r>
+            <a:r>
+              <a:rPr lang="fr-FR" dirty="0"/>
+              <a:t> : move </a:t>
+            </a:r>
+            <a:r>
+              <a:rPr lang="fr-FR" dirty="0" err="1"/>
+              <a:t>freely</a:t>
+            </a:r>
+            <a:r>
+              <a:rPr lang="fr-FR" dirty="0"/>
+              <a:t> in a </a:t>
+            </a:r>
+            <a:r>
+              <a:rPr lang="fr-FR" dirty="0" err="1"/>
+              <a:t>space</a:t>
+            </a:r>
+            <a:r>
+              <a:rPr lang="fr-FR" dirty="0"/>
+              <a:t> </a:t>
+            </a:r>
+            <a:r>
+              <a:rPr lang="fr-FR" dirty="0" err="1"/>
+              <a:t>with</a:t>
+            </a:r>
+            <a:r>
+              <a:rPr lang="fr-FR" dirty="0"/>
+              <a:t> obstacles </a:t>
+            </a:r>
+            <a:r>
+              <a:rPr lang="fr-FR" dirty="0" err="1"/>
+              <a:t>while</a:t>
+            </a:r>
+            <a:r>
+              <a:rPr lang="fr-FR" dirty="0"/>
+              <a:t> </a:t>
+            </a:r>
+            <a:r>
+              <a:rPr lang="fr-FR" dirty="0" err="1"/>
+              <a:t>avoiding</a:t>
+            </a:r>
+            <a:r>
+              <a:rPr lang="fr-FR" dirty="0"/>
+              <a:t> </a:t>
+            </a:r>
+            <a:r>
+              <a:rPr lang="fr-FR" dirty="0" err="1"/>
+              <a:t>them</a:t>
+            </a:r>
+            <a:endParaRPr lang="fr-FR" dirty="0"/>
+          </a:p>
+          <a:p>
+            <a:pPr lvl="1"/>
+            <a:endParaRPr lang="fr-FR" dirty="0"/>
+          </a:p>
+          <a:p>
+            <a:r>
+              <a:rPr lang="fr-FR" dirty="0"/>
+              <a:t>Observations</a:t>
+            </a:r>
+          </a:p>
+          <a:p>
+            <a:endParaRPr lang="fr-FR" dirty="0"/>
+          </a:p>
+          <a:p>
+            <a:r>
+              <a:rPr lang="fr-FR" dirty="0"/>
+              <a:t>Actions</a:t>
+            </a:r>
+          </a:p>
+          <a:p>
+            <a:pPr lvl="1">
+              <a:buFont typeface="Courier New" panose="02070309020205020404" pitchFamily="49" charset="0"/>
+              <a:buChar char="o"/>
+            </a:pPr>
+            <a:r>
+              <a:rPr lang="fr-FR" dirty="0"/>
+              <a:t>Velocity control</a:t>
+            </a:r>
+          </a:p>
+          <a:p>
+            <a:pPr lvl="1">
+              <a:buFont typeface="Courier New" panose="02070309020205020404" pitchFamily="49" charset="0"/>
+              <a:buChar char="o"/>
+            </a:pPr>
+            <a:r>
+              <a:rPr lang="fr-FR" dirty="0" err="1"/>
+              <a:t>Steering</a:t>
+            </a:r>
+            <a:r>
+              <a:rPr lang="fr-FR" dirty="0"/>
+              <a:t> control</a:t>
+            </a:r>
+          </a:p>
+          <a:p>
+            <a:pPr>
+              <a:buFont typeface="Courier New" panose="02070309020205020404" pitchFamily="49" charset="0"/>
+              <a:buChar char="o"/>
+            </a:pPr>
+            <a:endParaRPr lang="fr-FR" dirty="0"/>
+          </a:p>
+          <a:p>
+            <a:r>
+              <a:rPr lang="fr-FR" dirty="0" err="1"/>
+              <a:t>Reward</a:t>
+            </a:r>
+            <a:endParaRPr lang="fr-FR" dirty="0"/>
+          </a:p>
+        </p:txBody>
+      </p:sp>
+      <p:sp>
+        <p:nvSpPr>
+          <p:cNvPr id="4" name="Rectangle : coins arrondis 3">
+            <a:extLst>
+              <a:ext uri="{FF2B5EF4-FFF2-40B4-BE49-F238E27FC236}">
+                <a16:creationId xmlns:a16="http://schemas.microsoft.com/office/drawing/2014/main" id="{1D4704ED-501D-C298-45C7-A819E191057C}"/>
+              </a:ext>
+            </a:extLst>
+          </p:cNvPr>
+          <p:cNvSpPr/>
+          <p:nvPr/>
+        </p:nvSpPr>
+        <p:spPr>
+          <a:xfrm>
+            <a:off x="8105312" y="913555"/>
+            <a:ext cx="1899822" cy="614331"/>
+          </a:xfrm>
+          <a:prstGeom prst="roundRect">
+            <a:avLst/>
+          </a:prstGeom>
+          <a:solidFill>
+            <a:srgbClr val="009CDD"/>
+          </a:solidFill>
+        </p:spPr>
+        <p:style>
+          <a:lnRef idx="2">
+            <a:schemeClr val="accent1">
+              <a:shade val="50000"/>
+            </a:schemeClr>
+          </a:lnRef>
+          <a:fillRef idx="1">
+            <a:schemeClr val="accent1"/>
+          </a:fillRef>
+          <a:effectRef idx="0">
+            <a:schemeClr val="accent1"/>
+          </a:effectRef>
+          <a:fontRef idx="minor">
+            <a:schemeClr val="lt1"/>
+          </a:fontRef>
+        </p:style>
+        <p:txBody>
+          <a:bodyPr rtlCol="0" anchor="ctr"/>
+          <a:lstStyle/>
+          <a:p>
+            <a:pPr algn="ctr"/>
+            <a:r>
+              <a:rPr lang="fr-FR" dirty="0" err="1"/>
+              <a:t>Take</a:t>
+            </a:r>
+            <a:r>
+              <a:rPr lang="fr-FR" dirty="0"/>
+              <a:t> a </a:t>
+            </a:r>
+            <a:r>
+              <a:rPr lang="fr-FR" dirty="0" err="1"/>
+              <a:t>measurement</a:t>
+            </a:r>
+            <a:endParaRPr lang="fr-FR" dirty="0"/>
+          </a:p>
+        </p:txBody>
+      </p:sp>
+      <p:sp>
+        <p:nvSpPr>
+          <p:cNvPr id="5" name="Losange 4">
+            <a:extLst>
+              <a:ext uri="{FF2B5EF4-FFF2-40B4-BE49-F238E27FC236}">
+                <a16:creationId xmlns:a16="http://schemas.microsoft.com/office/drawing/2014/main" id="{B2E74E7A-9953-0CCA-697B-A104E22F7787}"/>
+              </a:ext>
+            </a:extLst>
+          </p:cNvPr>
+          <p:cNvSpPr/>
+          <p:nvPr/>
+        </p:nvSpPr>
+        <p:spPr>
+          <a:xfrm>
+            <a:off x="7992122" y="2192796"/>
+            <a:ext cx="2126202" cy="830957"/>
+          </a:xfrm>
+          <a:prstGeom prst="diamond">
+            <a:avLst/>
+          </a:prstGeom>
+          <a:solidFill>
+            <a:srgbClr val="009CDD"/>
+          </a:solidFill>
+        </p:spPr>
+        <p:style>
+          <a:lnRef idx="2">
+            <a:schemeClr val="accent1">
+              <a:shade val="50000"/>
+            </a:schemeClr>
+          </a:lnRef>
+          <a:fillRef idx="1">
+            <a:schemeClr val="accent1"/>
+          </a:fillRef>
+          <a:effectRef idx="0">
+            <a:schemeClr val="accent1"/>
+          </a:effectRef>
+          <a:fontRef idx="minor">
+            <a:schemeClr val="lt1"/>
+          </a:fontRef>
+        </p:style>
+        <p:txBody>
+          <a:bodyPr rtlCol="0" anchor="ctr"/>
+          <a:lstStyle/>
+          <a:p>
+            <a:pPr algn="ctr"/>
+            <a:r>
+              <a:rPr lang="fr-FR" dirty="0"/>
+              <a:t>Collision ?</a:t>
+            </a:r>
+          </a:p>
+        </p:txBody>
+      </p:sp>
+      <p:sp>
+        <p:nvSpPr>
+          <p:cNvPr id="6" name="Rectangle : coins arrondis 5">
+            <a:extLst>
+              <a:ext uri="{FF2B5EF4-FFF2-40B4-BE49-F238E27FC236}">
+                <a16:creationId xmlns:a16="http://schemas.microsoft.com/office/drawing/2014/main" id="{68E92B13-0EB0-491D-FF5A-BE357FF366A4}"/>
+              </a:ext>
+            </a:extLst>
+          </p:cNvPr>
+          <p:cNvSpPr/>
+          <p:nvPr/>
+        </p:nvSpPr>
+        <p:spPr>
+          <a:xfrm>
+            <a:off x="10189345" y="5285687"/>
+            <a:ext cx="1899822" cy="810155"/>
+          </a:xfrm>
+          <a:prstGeom prst="roundRect">
+            <a:avLst/>
+          </a:prstGeom>
+          <a:solidFill>
+            <a:srgbClr val="009CDD"/>
+          </a:solidFill>
+        </p:spPr>
+        <p:style>
+          <a:lnRef idx="2">
+            <a:schemeClr val="accent1">
+              <a:shade val="50000"/>
+            </a:schemeClr>
+          </a:lnRef>
+          <a:fillRef idx="1">
+            <a:schemeClr val="accent1"/>
+          </a:fillRef>
+          <a:effectRef idx="0">
+            <a:schemeClr val="accent1"/>
+          </a:effectRef>
+          <a:fontRef idx="minor">
+            <a:schemeClr val="lt1"/>
+          </a:fontRef>
+        </p:style>
+        <p:txBody>
+          <a:bodyPr rtlCol="0" anchor="ctr"/>
+          <a:lstStyle/>
+          <a:p>
+            <a:pPr algn="ctr"/>
+            <a:r>
+              <a:rPr lang="fr-FR" dirty="0" err="1"/>
+              <a:t>Reward</a:t>
+            </a:r>
+            <a:r>
+              <a:rPr lang="fr-FR" dirty="0"/>
+              <a:t> = -10</a:t>
+            </a:r>
+          </a:p>
+        </p:txBody>
+      </p:sp>
+      <p:sp>
+        <p:nvSpPr>
+          <p:cNvPr id="7" name="Losange 6">
+            <a:extLst>
+              <a:ext uri="{FF2B5EF4-FFF2-40B4-BE49-F238E27FC236}">
+                <a16:creationId xmlns:a16="http://schemas.microsoft.com/office/drawing/2014/main" id="{2290E190-498D-7640-721D-33CB639C0595}"/>
+              </a:ext>
+            </a:extLst>
+          </p:cNvPr>
+          <p:cNvSpPr/>
+          <p:nvPr/>
+        </p:nvSpPr>
+        <p:spPr>
+          <a:xfrm>
+            <a:off x="7360697" y="3739241"/>
+            <a:ext cx="2126202" cy="830957"/>
+          </a:xfrm>
+          <a:prstGeom prst="diamond">
+            <a:avLst/>
+          </a:prstGeom>
+          <a:solidFill>
+            <a:srgbClr val="009CDD"/>
+          </a:solidFill>
+        </p:spPr>
+        <p:style>
+          <a:lnRef idx="2">
+            <a:schemeClr val="accent1">
+              <a:shade val="50000"/>
+            </a:schemeClr>
+          </a:lnRef>
+          <a:fillRef idx="1">
+            <a:schemeClr val="accent1"/>
+          </a:fillRef>
+          <a:effectRef idx="0">
+            <a:schemeClr val="accent1"/>
+          </a:effectRef>
+          <a:fontRef idx="minor">
+            <a:schemeClr val="lt1"/>
+          </a:fontRef>
+        </p:style>
+        <p:txBody>
+          <a:bodyPr rtlCol="0" anchor="ctr"/>
+          <a:lstStyle/>
+          <a:p>
+            <a:pPr algn="ctr"/>
+            <a:r>
+              <a:rPr lang="fr-FR" dirty="0"/>
+              <a:t>Near the </a:t>
+            </a:r>
+            <a:r>
+              <a:rPr lang="fr-FR" dirty="0" err="1"/>
+              <a:t>wall</a:t>
+            </a:r>
+            <a:r>
+              <a:rPr lang="fr-FR" dirty="0"/>
+              <a:t> ?</a:t>
+            </a:r>
+          </a:p>
+        </p:txBody>
+      </p:sp>
+      <p:sp>
+        <p:nvSpPr>
+          <p:cNvPr id="8" name="Rectangle : coins arrondis 7">
+            <a:extLst>
+              <a:ext uri="{FF2B5EF4-FFF2-40B4-BE49-F238E27FC236}">
+                <a16:creationId xmlns:a16="http://schemas.microsoft.com/office/drawing/2014/main" id="{B4340DA2-D444-A1FF-F814-640BC479FAB9}"/>
+              </a:ext>
+            </a:extLst>
+          </p:cNvPr>
+          <p:cNvSpPr/>
+          <p:nvPr/>
+        </p:nvSpPr>
+        <p:spPr>
+          <a:xfrm>
+            <a:off x="7473887" y="5285687"/>
+            <a:ext cx="1899822" cy="810154"/>
+          </a:xfrm>
+          <a:prstGeom prst="roundRect">
+            <a:avLst/>
+          </a:prstGeom>
+          <a:solidFill>
+            <a:srgbClr val="009CDD"/>
+          </a:solidFill>
+        </p:spPr>
+        <p:style>
+          <a:lnRef idx="2">
+            <a:schemeClr val="accent1">
+              <a:shade val="50000"/>
+            </a:schemeClr>
+          </a:lnRef>
+          <a:fillRef idx="1">
+            <a:schemeClr val="accent1"/>
+          </a:fillRef>
+          <a:effectRef idx="0">
+            <a:schemeClr val="accent1"/>
+          </a:effectRef>
+          <a:fontRef idx="minor">
+            <a:schemeClr val="lt1"/>
+          </a:fontRef>
+        </p:style>
+        <p:txBody>
+          <a:bodyPr rtlCol="0" anchor="ctr"/>
+          <a:lstStyle/>
+          <a:p>
+            <a:pPr algn="ctr"/>
+            <a:r>
+              <a:rPr lang="fr-FR" dirty="0" err="1"/>
+              <a:t>Reward</a:t>
+            </a:r>
+            <a:r>
+              <a:rPr lang="fr-FR" dirty="0"/>
+              <a:t> = distance to </a:t>
+            </a:r>
+            <a:r>
+              <a:rPr lang="fr-FR" dirty="0" err="1"/>
+              <a:t>wall</a:t>
+            </a:r>
+            <a:endParaRPr lang="fr-FR" dirty="0"/>
+          </a:p>
+        </p:txBody>
+      </p:sp>
+      <p:sp>
+        <p:nvSpPr>
+          <p:cNvPr id="9" name="Rectangle : coins arrondis 8">
+            <a:extLst>
+              <a:ext uri="{FF2B5EF4-FFF2-40B4-BE49-F238E27FC236}">
+                <a16:creationId xmlns:a16="http://schemas.microsoft.com/office/drawing/2014/main" id="{118B4A29-264E-AED6-1CB0-E622908AE965}"/>
+              </a:ext>
+            </a:extLst>
+          </p:cNvPr>
+          <p:cNvSpPr/>
+          <p:nvPr/>
+        </p:nvSpPr>
+        <p:spPr>
+          <a:xfrm>
+            <a:off x="4758430" y="5285687"/>
+            <a:ext cx="1899822" cy="810155"/>
+          </a:xfrm>
+          <a:prstGeom prst="roundRect">
+            <a:avLst/>
+          </a:prstGeom>
+          <a:solidFill>
+            <a:srgbClr val="009CDD"/>
+          </a:solidFill>
+        </p:spPr>
+        <p:style>
+          <a:lnRef idx="2">
+            <a:schemeClr val="accent1">
+              <a:shade val="50000"/>
+            </a:schemeClr>
+          </a:lnRef>
+          <a:fillRef idx="1">
+            <a:schemeClr val="accent1"/>
+          </a:fillRef>
+          <a:effectRef idx="0">
+            <a:schemeClr val="accent1"/>
+          </a:effectRef>
+          <a:fontRef idx="minor">
+            <a:schemeClr val="lt1"/>
+          </a:fontRef>
+        </p:style>
+        <p:txBody>
+          <a:bodyPr rtlCol="0" anchor="ctr"/>
+          <a:lstStyle/>
+          <a:p>
+            <a:pPr algn="ctr"/>
+            <a:r>
+              <a:rPr lang="fr-FR" dirty="0" err="1"/>
+              <a:t>Reward</a:t>
+            </a:r>
+            <a:r>
+              <a:rPr lang="fr-FR" dirty="0"/>
+              <a:t> = distance to </a:t>
+            </a:r>
+            <a:r>
+              <a:rPr lang="fr-FR" dirty="0" err="1"/>
+              <a:t>wall</a:t>
+            </a:r>
+            <a:r>
+              <a:rPr lang="fr-FR" dirty="0"/>
+              <a:t> + speed</a:t>
+            </a:r>
+          </a:p>
+        </p:txBody>
+      </p:sp>
+      <p:sp>
+        <p:nvSpPr>
+          <p:cNvPr id="11" name="Titre 1">
+            <a:extLst>
+              <a:ext uri="{FF2B5EF4-FFF2-40B4-BE49-F238E27FC236}">
+                <a16:creationId xmlns:a16="http://schemas.microsoft.com/office/drawing/2014/main" id="{3782EEA7-E8AE-610E-C9E0-F5FD318DC5AB}"/>
+              </a:ext>
+            </a:extLst>
+          </p:cNvPr>
           <p:cNvSpPr>
             <a:spLocks noGrp="1"/>
           </p:cNvSpPr>
@@ -12741,63 +14003,388 @@
           <a:p>
             <a:r>
               <a:rPr lang="fr-FR" dirty="0"/>
-              <a:t>Implémentation de l’apprentissage par renforcement</a:t>
+              <a:t>Simulation </a:t>
+            </a:r>
+            <a:r>
+              <a:rPr lang="fr-FR" dirty="0" err="1"/>
+              <a:t>with</a:t>
+            </a:r>
+            <a:r>
+              <a:rPr lang="fr-FR" dirty="0"/>
+              <a:t> MATLAB Simulink</a:t>
+            </a:r>
+          </a:p>
+        </p:txBody>
+      </p:sp>
+      <p:cxnSp>
+        <p:nvCxnSpPr>
+          <p:cNvPr id="13" name="Connecteur droit avec flèche 12">
+            <a:extLst>
+              <a:ext uri="{FF2B5EF4-FFF2-40B4-BE49-F238E27FC236}">
+                <a16:creationId xmlns:a16="http://schemas.microsoft.com/office/drawing/2014/main" id="{1D1D904D-8664-58E5-ED3B-FDFD3D7E6880}"/>
+              </a:ext>
+            </a:extLst>
+          </p:cNvPr>
+          <p:cNvCxnSpPr>
+            <a:stCxn id="4" idx="2"/>
+            <a:endCxn id="5" idx="0"/>
+          </p:cNvCxnSpPr>
+          <p:nvPr/>
+        </p:nvCxnSpPr>
+        <p:spPr>
+          <a:xfrm>
+            <a:off x="9055223" y="1527886"/>
+            <a:ext cx="0" cy="664910"/>
+          </a:xfrm>
+          <a:prstGeom prst="straightConnector1">
+            <a:avLst/>
+          </a:prstGeom>
+          <a:ln>
+            <a:solidFill>
+              <a:srgbClr val="004877"/>
+            </a:solidFill>
+            <a:tailEnd type="triangle"/>
+          </a:ln>
+        </p:spPr>
+        <p:style>
+          <a:lnRef idx="1">
+            <a:schemeClr val="accent1"/>
+          </a:lnRef>
+          <a:fillRef idx="0">
+            <a:schemeClr val="accent1"/>
+          </a:fillRef>
+          <a:effectRef idx="0">
+            <a:schemeClr val="accent1"/>
+          </a:effectRef>
+          <a:fontRef idx="minor">
+            <a:schemeClr val="tx1"/>
+          </a:fontRef>
+        </p:style>
+      </p:cxnSp>
+      <p:cxnSp>
+        <p:nvCxnSpPr>
+          <p:cNvPr id="15" name="Connecteur : en angle 14">
+            <a:extLst>
+              <a:ext uri="{FF2B5EF4-FFF2-40B4-BE49-F238E27FC236}">
+                <a16:creationId xmlns:a16="http://schemas.microsoft.com/office/drawing/2014/main" id="{2260A4ED-AED5-AD2C-F448-8B9F426BBE52}"/>
+              </a:ext>
+            </a:extLst>
+          </p:cNvPr>
+          <p:cNvCxnSpPr>
+            <a:stCxn id="5" idx="3"/>
+            <a:endCxn id="6" idx="0"/>
+          </p:cNvCxnSpPr>
+          <p:nvPr/>
+        </p:nvCxnSpPr>
+        <p:spPr>
+          <a:xfrm>
+            <a:off x="10118324" y="2608275"/>
+            <a:ext cx="1020932" cy="2677412"/>
+          </a:xfrm>
+          <a:prstGeom prst="bentConnector2">
+            <a:avLst/>
+          </a:prstGeom>
+          <a:ln>
+            <a:solidFill>
+              <a:srgbClr val="004877"/>
+            </a:solidFill>
+            <a:tailEnd type="triangle"/>
+          </a:ln>
+        </p:spPr>
+        <p:style>
+          <a:lnRef idx="1">
+            <a:schemeClr val="accent1"/>
+          </a:lnRef>
+          <a:fillRef idx="0">
+            <a:schemeClr val="accent1"/>
+          </a:fillRef>
+          <a:effectRef idx="0">
+            <a:schemeClr val="accent1"/>
+          </a:effectRef>
+          <a:fontRef idx="minor">
+            <a:schemeClr val="tx1"/>
+          </a:fontRef>
+        </p:style>
+      </p:cxnSp>
+      <p:cxnSp>
+        <p:nvCxnSpPr>
+          <p:cNvPr id="17" name="Connecteur : en angle 16">
+            <a:extLst>
+              <a:ext uri="{FF2B5EF4-FFF2-40B4-BE49-F238E27FC236}">
+                <a16:creationId xmlns:a16="http://schemas.microsoft.com/office/drawing/2014/main" id="{AB571CF3-02A5-F126-31E7-144DDDA1E864}"/>
+              </a:ext>
+            </a:extLst>
+          </p:cNvPr>
+          <p:cNvCxnSpPr>
+            <a:stCxn id="5" idx="2"/>
+            <a:endCxn id="7" idx="0"/>
+          </p:cNvCxnSpPr>
+          <p:nvPr/>
+        </p:nvCxnSpPr>
+        <p:spPr>
+          <a:xfrm rot="5400000">
+            <a:off x="8381767" y="3065785"/>
+            <a:ext cx="715488" cy="631425"/>
+          </a:xfrm>
+          <a:prstGeom prst="bentConnector3">
+            <a:avLst/>
+          </a:prstGeom>
+          <a:ln>
+            <a:solidFill>
+              <a:srgbClr val="004877"/>
+            </a:solidFill>
+            <a:tailEnd type="triangle"/>
+          </a:ln>
+        </p:spPr>
+        <p:style>
+          <a:lnRef idx="1">
+            <a:schemeClr val="accent1"/>
+          </a:lnRef>
+          <a:fillRef idx="0">
+            <a:schemeClr val="accent1"/>
+          </a:fillRef>
+          <a:effectRef idx="0">
+            <a:schemeClr val="accent1"/>
+          </a:effectRef>
+          <a:fontRef idx="minor">
+            <a:schemeClr val="tx1"/>
+          </a:fontRef>
+        </p:style>
+      </p:cxnSp>
+      <p:cxnSp>
+        <p:nvCxnSpPr>
+          <p:cNvPr id="19" name="Connecteur droit avec flèche 18">
+            <a:extLst>
+              <a:ext uri="{FF2B5EF4-FFF2-40B4-BE49-F238E27FC236}">
+                <a16:creationId xmlns:a16="http://schemas.microsoft.com/office/drawing/2014/main" id="{F82BBC12-9677-C200-3588-1A63607673DF}"/>
+              </a:ext>
+            </a:extLst>
+          </p:cNvPr>
+          <p:cNvCxnSpPr>
+            <a:stCxn id="7" idx="2"/>
+            <a:endCxn id="8" idx="0"/>
+          </p:cNvCxnSpPr>
+          <p:nvPr/>
+        </p:nvCxnSpPr>
+        <p:spPr>
+          <a:xfrm>
+            <a:off x="8423798" y="4570198"/>
+            <a:ext cx="0" cy="715489"/>
+          </a:xfrm>
+          <a:prstGeom prst="straightConnector1">
+            <a:avLst/>
+          </a:prstGeom>
+          <a:ln>
+            <a:solidFill>
+              <a:srgbClr val="004877"/>
+            </a:solidFill>
+            <a:tailEnd type="triangle"/>
+          </a:ln>
+        </p:spPr>
+        <p:style>
+          <a:lnRef idx="1">
+            <a:schemeClr val="accent1"/>
+          </a:lnRef>
+          <a:fillRef idx="0">
+            <a:schemeClr val="accent1"/>
+          </a:fillRef>
+          <a:effectRef idx="0">
+            <a:schemeClr val="accent1"/>
+          </a:effectRef>
+          <a:fontRef idx="minor">
+            <a:schemeClr val="tx1"/>
+          </a:fontRef>
+        </p:style>
+      </p:cxnSp>
+      <p:cxnSp>
+        <p:nvCxnSpPr>
+          <p:cNvPr id="21" name="Connecteur : en angle 20">
+            <a:extLst>
+              <a:ext uri="{FF2B5EF4-FFF2-40B4-BE49-F238E27FC236}">
+                <a16:creationId xmlns:a16="http://schemas.microsoft.com/office/drawing/2014/main" id="{BA7CFD86-D6E8-A4E9-C467-20052D92B070}"/>
+              </a:ext>
+            </a:extLst>
+          </p:cNvPr>
+          <p:cNvCxnSpPr>
+            <a:stCxn id="7" idx="1"/>
+            <a:endCxn id="9" idx="0"/>
+          </p:cNvCxnSpPr>
+          <p:nvPr/>
+        </p:nvCxnSpPr>
+        <p:spPr>
+          <a:xfrm rot="10800000" flipV="1">
+            <a:off x="5708341" y="4154719"/>
+            <a:ext cx="1652356" cy="1130967"/>
+          </a:xfrm>
+          <a:prstGeom prst="bentConnector2">
+            <a:avLst/>
+          </a:prstGeom>
+          <a:ln>
+            <a:solidFill>
+              <a:srgbClr val="004877"/>
+            </a:solidFill>
+            <a:tailEnd type="triangle"/>
+          </a:ln>
+        </p:spPr>
+        <p:style>
+          <a:lnRef idx="1">
+            <a:schemeClr val="accent1"/>
+          </a:lnRef>
+          <a:fillRef idx="0">
+            <a:schemeClr val="accent1"/>
+          </a:fillRef>
+          <a:effectRef idx="0">
+            <a:schemeClr val="accent1"/>
+          </a:effectRef>
+          <a:fontRef idx="minor">
+            <a:schemeClr val="tx1"/>
+          </a:fontRef>
+        </p:style>
+      </p:cxnSp>
+      <p:sp>
+        <p:nvSpPr>
+          <p:cNvPr id="22" name="ZoneTexte 21">
+            <a:extLst>
+              <a:ext uri="{FF2B5EF4-FFF2-40B4-BE49-F238E27FC236}">
+                <a16:creationId xmlns:a16="http://schemas.microsoft.com/office/drawing/2014/main" id="{961D4795-4D9E-7E7F-83A2-EDF2F40908C2}"/>
+              </a:ext>
+            </a:extLst>
+          </p:cNvPr>
+          <p:cNvSpPr txBox="1"/>
+          <p:nvPr/>
+        </p:nvSpPr>
+        <p:spPr>
+          <a:xfrm>
+            <a:off x="10113556" y="2358383"/>
+            <a:ext cx="386837" cy="276999"/>
+          </a:xfrm>
+          <a:prstGeom prst="rect">
+            <a:avLst/>
+          </a:prstGeom>
+          <a:noFill/>
+        </p:spPr>
+        <p:txBody>
+          <a:bodyPr wrap="none" rtlCol="0">
+            <a:spAutoFit/>
+          </a:bodyPr>
+          <a:lstStyle/>
+          <a:p>
+            <a:r>
+              <a:rPr lang="fr-FR" sz="1200" dirty="0"/>
+              <a:t>Yes</a:t>
             </a:r>
           </a:p>
         </p:txBody>
       </p:sp>
       <p:sp>
         <p:nvSpPr>
-          <p:cNvPr id="3" name="Espace réservé du contenu 2"/>
-          <p:cNvSpPr>
-            <a:spLocks noGrp="1"/>
-          </p:cNvSpPr>
-          <p:nvPr>
-            <p:ph idx="1"/>
-          </p:nvPr>
+          <p:cNvPr id="23" name="ZoneTexte 22">
+            <a:extLst>
+              <a:ext uri="{FF2B5EF4-FFF2-40B4-BE49-F238E27FC236}">
+                <a16:creationId xmlns:a16="http://schemas.microsoft.com/office/drawing/2014/main" id="{4224E7F7-2A79-3460-9601-A0B25D1CA719}"/>
+              </a:ext>
+            </a:extLst>
+          </p:cNvPr>
+          <p:cNvSpPr txBox="1"/>
+          <p:nvPr/>
         </p:nvSpPr>
-        <p:spPr/>
+        <p:spPr>
+          <a:xfrm>
+            <a:off x="8414653" y="4559776"/>
+            <a:ext cx="386837" cy="276999"/>
+          </a:xfrm>
+          <a:prstGeom prst="rect">
+            <a:avLst/>
+          </a:prstGeom>
+          <a:noFill/>
+        </p:spPr>
         <p:txBody>
-          <a:bodyPr/>
+          <a:bodyPr wrap="none" rtlCol="0">
+            <a:spAutoFit/>
+          </a:bodyPr>
           <a:lstStyle/>
           <a:p>
             <a:r>
-              <a:rPr lang="fr-FR" dirty="0"/>
-              <a:t>Régulation de vitesse</a:t>
-            </a:r>
-          </a:p>
-          <a:p>
-            <a:endParaRPr lang="fr-FR" dirty="0"/>
-          </a:p>
-          <a:p>
-            <a:pPr lvl="1"/>
-            <a:r>
-              <a:rPr lang="fr-FR" dirty="0"/>
-              <a:t>Algo Point to Point =&gt; gérer vitesse via RL</a:t>
-            </a:r>
-          </a:p>
-          <a:p>
-            <a:pPr lvl="1"/>
-            <a:endParaRPr lang="fr-FR" dirty="0"/>
-          </a:p>
-          <a:p>
-            <a:pPr lvl="1"/>
-            <a:r>
-              <a:rPr lang="fr-FR" dirty="0"/>
-              <a:t>Basé sur programme de Peter </a:t>
-            </a:r>
-            <a:r>
-              <a:rPr lang="fr-FR" dirty="0" err="1"/>
-              <a:t>Corke</a:t>
-            </a:r>
-            <a:endParaRPr lang="fr-FR" dirty="0"/>
+              <a:rPr lang="fr-FR" sz="1200" dirty="0"/>
+              <a:t>Yes</a:t>
+            </a:r>
+          </a:p>
+        </p:txBody>
+      </p:sp>
+      <p:sp>
+        <p:nvSpPr>
+          <p:cNvPr id="24" name="ZoneTexte 23">
+            <a:extLst>
+              <a:ext uri="{FF2B5EF4-FFF2-40B4-BE49-F238E27FC236}">
+                <a16:creationId xmlns:a16="http://schemas.microsoft.com/office/drawing/2014/main" id="{57C1BDB3-3CCE-ACDE-7ADA-9D5AF3C2042C}"/>
+              </a:ext>
+            </a:extLst>
+          </p:cNvPr>
+          <p:cNvSpPr txBox="1"/>
+          <p:nvPr/>
+        </p:nvSpPr>
+        <p:spPr>
+          <a:xfrm>
+            <a:off x="9007903" y="3023045"/>
+            <a:ext cx="365806" cy="276999"/>
+          </a:xfrm>
+          <a:prstGeom prst="rect">
+            <a:avLst/>
+          </a:prstGeom>
+          <a:noFill/>
+        </p:spPr>
+        <p:txBody>
+          <a:bodyPr wrap="none" rtlCol="0">
+            <a:spAutoFit/>
+          </a:bodyPr>
+          <a:lstStyle/>
+          <a:p>
+            <a:r>
+              <a:rPr lang="fr-FR" sz="1200" dirty="0"/>
+              <a:t>No</a:t>
+            </a:r>
+          </a:p>
+        </p:txBody>
+      </p:sp>
+      <p:sp>
+        <p:nvSpPr>
+          <p:cNvPr id="25" name="ZoneTexte 24">
+            <a:extLst>
+              <a:ext uri="{FF2B5EF4-FFF2-40B4-BE49-F238E27FC236}">
+                <a16:creationId xmlns:a16="http://schemas.microsoft.com/office/drawing/2014/main" id="{6B85045B-9E17-7FD4-204B-603E62A6F266}"/>
+              </a:ext>
+            </a:extLst>
+          </p:cNvPr>
+          <p:cNvSpPr txBox="1"/>
+          <p:nvPr/>
+        </p:nvSpPr>
+        <p:spPr>
+          <a:xfrm>
+            <a:off x="7051486" y="3915172"/>
+            <a:ext cx="365806" cy="276999"/>
+          </a:xfrm>
+          <a:prstGeom prst="rect">
+            <a:avLst/>
+          </a:prstGeom>
+          <a:noFill/>
+        </p:spPr>
+        <p:txBody>
+          <a:bodyPr wrap="none" rtlCol="0">
+            <a:spAutoFit/>
+          </a:bodyPr>
+          <a:lstStyle/>
+          <a:p>
+            <a:r>
+              <a:rPr lang="fr-FR" sz="1200" dirty="0"/>
+              <a:t>No</a:t>
+            </a:r>
           </a:p>
         </p:txBody>
       </p:sp>
     </p:spTree>
     <p:extLst>
       <p:ext uri="{BB962C8B-B14F-4D97-AF65-F5344CB8AC3E}">
-        <p14:creationId xmlns:p14="http://schemas.microsoft.com/office/powerpoint/2010/main" val="60080820"/>
+        <p14:creationId xmlns:p14="http://schemas.microsoft.com/office/powerpoint/2010/main" val="3024318513"/>
       </p:ext>
     </p:extLst>
   </p:cSld>
@@ -12824,6 +14411,36 @@
           <a:chExt cx="0" cy="0"/>
         </a:xfrm>
       </p:grpSpPr>
+      <p:pic>
+        <p:nvPicPr>
+          <p:cNvPr id="11" name="Image 10">
+            <a:extLst>
+              <a:ext uri="{FF2B5EF4-FFF2-40B4-BE49-F238E27FC236}">
+                <a16:creationId xmlns:a16="http://schemas.microsoft.com/office/drawing/2014/main" id="{DE66FC27-7D56-1B96-969B-348C518EDEFD}"/>
+              </a:ext>
+            </a:extLst>
+          </p:cNvPr>
+          <p:cNvPicPr>
+            <a:picLocks noChangeAspect="1"/>
+          </p:cNvPicPr>
+          <p:nvPr/>
+        </p:nvPicPr>
+        <p:blipFill>
+          <a:blip r:embed="rId2"/>
+          <a:stretch>
+            <a:fillRect/>
+          </a:stretch>
+        </p:blipFill>
+        <p:spPr>
+          <a:xfrm>
+            <a:off x="759446" y="2032986"/>
+            <a:ext cx="11432554" cy="4143977"/>
+          </a:xfrm>
+          <a:prstGeom prst="rect">
+            <a:avLst/>
+          </a:prstGeom>
+        </p:spPr>
+      </p:pic>
       <p:sp>
         <p:nvSpPr>
           <p:cNvPr id="2" name="Titre 1"/>
@@ -12836,8 +14453,8 @@
         </p:nvSpPr>
         <p:spPr>
           <a:xfrm>
-            <a:off x="838200" y="880533"/>
-            <a:ext cx="10830886" cy="810155"/>
+            <a:off x="838199" y="880533"/>
+            <a:ext cx="11013489" cy="810155"/>
           </a:xfrm>
         </p:spPr>
         <p:txBody>
@@ -12846,47 +14463,270 @@
           <a:p>
             <a:r>
               <a:rPr lang="fr-FR" dirty="0"/>
-              <a:t>Implémentation de l’apprentissage par renforcement</a:t>
+              <a:t>Simulation </a:t>
+            </a:r>
+            <a:r>
+              <a:rPr lang="fr-FR" dirty="0" err="1"/>
+              <a:t>with</a:t>
+            </a:r>
+            <a:r>
+              <a:rPr lang="fr-FR" dirty="0"/>
+              <a:t> MATLAB Simulink – Obstacle</a:t>
             </a:r>
           </a:p>
         </p:txBody>
       </p:sp>
-      <p:sp>
-        <p:nvSpPr>
-          <p:cNvPr id="3" name="Espace réservé du contenu 2"/>
-          <p:cNvSpPr>
-            <a:spLocks noGrp="1"/>
-          </p:cNvSpPr>
-          <p:nvPr>
-            <p:ph idx="1"/>
-          </p:nvPr>
-        </p:nvSpPr>
-        <p:spPr/>
-        <p:txBody>
-          <a:bodyPr/>
-          <a:lstStyle/>
-          <a:p>
-            <a:r>
-              <a:rPr lang="fr-FR" dirty="0"/>
-              <a:t>Régulation de vitesse</a:t>
-            </a:r>
-          </a:p>
-          <a:p>
-            <a:endParaRPr lang="fr-FR" dirty="0"/>
-          </a:p>
-          <a:p>
-            <a:pPr lvl="1"/>
-            <a:r>
-              <a:rPr lang="fr-FR" dirty="0"/>
-              <a:t>Résultats obtenus / Implémentation IRL</a:t>
-            </a:r>
-          </a:p>
-        </p:txBody>
-      </p:sp>
+      <mc:AlternateContent xmlns:mc="http://schemas.openxmlformats.org/markup-compatibility/2006">
+        <mc:Choice xmlns:a14="http://schemas.microsoft.com/office/drawing/2010/main" Requires="a14">
+          <p:sp>
+            <p:nvSpPr>
+              <p:cNvPr id="3" name="Espace réservé du contenu 2"/>
+              <p:cNvSpPr>
+                <a:spLocks noGrp="1"/>
+              </p:cNvSpPr>
+              <p:nvPr>
+                <p:ph idx="1"/>
+              </p:nvPr>
+            </p:nvSpPr>
+            <p:spPr>
+              <a:xfrm>
+                <a:off x="838200" y="1730375"/>
+                <a:ext cx="10515600" cy="4351338"/>
+              </a:xfrm>
+            </p:spPr>
+            <p:txBody>
+              <a:bodyPr/>
+              <a:lstStyle/>
+              <a:p>
+                <a:r>
+                  <a:rPr lang="fr-FR" dirty="0"/>
+                  <a:t>Help convergence : </a:t>
+                </a:r>
+                <a:r>
+                  <a:rPr lang="fr-FR" dirty="0" err="1"/>
+                  <a:t>MinMax</a:t>
+                </a:r>
+                <a:r>
+                  <a:rPr lang="fr-FR" dirty="0"/>
+                  <a:t> </a:t>
+                </a:r>
+                <a:r>
+                  <a:rPr lang="fr-FR" dirty="0" err="1"/>
+                  <a:t>normalization</a:t>
+                </a:r>
+                <a:endParaRPr lang="fr-FR" dirty="0"/>
+              </a:p>
+              <a:p>
+                <a:pPr lvl="1">
+                  <a:buFont typeface="Courier New" panose="02070309020205020404" pitchFamily="49" charset="0"/>
+                  <a:buChar char="o"/>
+                </a:pPr>
+                <a14:m>
+                  <m:oMath xmlns:m="http://schemas.openxmlformats.org/officeDocument/2006/math">
+                    <m:sSub>
+                      <m:sSubPr>
+                        <m:ctrlPr>
+                          <a:rPr lang="fr-FR" i="1" smtClean="0">
+                            <a:latin typeface="Cambria Math" panose="02040503050406030204" pitchFamily="18" charset="0"/>
+                          </a:rPr>
+                        </m:ctrlPr>
+                      </m:sSubPr>
+                      <m:e>
+                        <m:r>
+                          <a:rPr lang="fr-FR" b="0" i="1" smtClean="0">
+                            <a:latin typeface="Cambria Math" panose="02040503050406030204" pitchFamily="18" charset="0"/>
+                          </a:rPr>
+                          <m:t>𝑀</m:t>
+                        </m:r>
+                      </m:e>
+                      <m:sub>
+                        <m:r>
+                          <a:rPr lang="fr-FR" b="0" i="1" smtClean="0">
+                            <a:latin typeface="Cambria Math" panose="02040503050406030204" pitchFamily="18" charset="0"/>
+                          </a:rPr>
+                          <m:t>𝑛𝑜𝑟𝑚</m:t>
+                        </m:r>
+                      </m:sub>
+                    </m:sSub>
+                    <m:r>
+                      <a:rPr lang="fr-FR" b="0" i="1" smtClean="0">
+                        <a:latin typeface="Cambria Math" panose="02040503050406030204" pitchFamily="18" charset="0"/>
+                      </a:rPr>
+                      <m:t>= </m:t>
+                    </m:r>
+                    <m:f>
+                      <m:fPr>
+                        <m:ctrlPr>
+                          <a:rPr lang="fr-FR" b="0" i="1" smtClean="0">
+                            <a:latin typeface="Cambria Math" panose="02040503050406030204" pitchFamily="18" charset="0"/>
+                          </a:rPr>
+                        </m:ctrlPr>
+                      </m:fPr>
+                      <m:num>
+                        <m:r>
+                          <a:rPr lang="fr-FR" b="0" i="1" smtClean="0">
+                            <a:latin typeface="Cambria Math" panose="02040503050406030204" pitchFamily="18" charset="0"/>
+                          </a:rPr>
+                          <m:t>𝑀</m:t>
+                        </m:r>
+                        <m:r>
+                          <a:rPr lang="fr-FR" b="0" i="1" smtClean="0">
+                            <a:latin typeface="Cambria Math" panose="02040503050406030204" pitchFamily="18" charset="0"/>
+                          </a:rPr>
+                          <m:t> − </m:t>
+                        </m:r>
+                        <m:sSub>
+                          <m:sSubPr>
+                            <m:ctrlPr>
+                              <a:rPr lang="fr-FR" b="0" i="1" smtClean="0">
+                                <a:latin typeface="Cambria Math" panose="02040503050406030204" pitchFamily="18" charset="0"/>
+                              </a:rPr>
+                            </m:ctrlPr>
+                          </m:sSubPr>
+                          <m:e>
+                            <m:r>
+                              <a:rPr lang="fr-FR" b="0" i="1" smtClean="0">
+                                <a:latin typeface="Cambria Math" panose="02040503050406030204" pitchFamily="18" charset="0"/>
+                              </a:rPr>
+                              <m:t>𝑀</m:t>
+                            </m:r>
+                          </m:e>
+                          <m:sub>
+                            <m:r>
+                              <a:rPr lang="fr-FR" b="0" i="1" smtClean="0">
+                                <a:latin typeface="Cambria Math" panose="02040503050406030204" pitchFamily="18" charset="0"/>
+                              </a:rPr>
+                              <m:t>𝑚𝑖𝑛</m:t>
+                            </m:r>
+                          </m:sub>
+                        </m:sSub>
+                      </m:num>
+                      <m:den>
+                        <m:sSub>
+                          <m:sSubPr>
+                            <m:ctrlPr>
+                              <a:rPr lang="fr-FR" b="0" i="1" smtClean="0">
+                                <a:latin typeface="Cambria Math" panose="02040503050406030204" pitchFamily="18" charset="0"/>
+                              </a:rPr>
+                            </m:ctrlPr>
+                          </m:sSubPr>
+                          <m:e>
+                            <m:r>
+                              <a:rPr lang="fr-FR" b="0" i="1" smtClean="0">
+                                <a:latin typeface="Cambria Math" panose="02040503050406030204" pitchFamily="18" charset="0"/>
+                              </a:rPr>
+                              <m:t>𝑀</m:t>
+                            </m:r>
+                          </m:e>
+                          <m:sub>
+                            <m:r>
+                              <a:rPr lang="fr-FR" b="0" i="1" smtClean="0">
+                                <a:latin typeface="Cambria Math" panose="02040503050406030204" pitchFamily="18" charset="0"/>
+                              </a:rPr>
+                              <m:t>𝑚𝑎𝑥</m:t>
+                            </m:r>
+                          </m:sub>
+                        </m:sSub>
+                        <m:r>
+                          <a:rPr lang="fr-FR" b="0" i="1" smtClean="0">
+                            <a:latin typeface="Cambria Math" panose="02040503050406030204" pitchFamily="18" charset="0"/>
+                          </a:rPr>
+                          <m:t> − </m:t>
+                        </m:r>
+                        <m:sSub>
+                          <m:sSubPr>
+                            <m:ctrlPr>
+                              <a:rPr lang="fr-FR" b="0" i="1" smtClean="0">
+                                <a:latin typeface="Cambria Math" panose="02040503050406030204" pitchFamily="18" charset="0"/>
+                              </a:rPr>
+                            </m:ctrlPr>
+                          </m:sSubPr>
+                          <m:e>
+                            <m:r>
+                              <a:rPr lang="fr-FR" b="0" i="1" smtClean="0">
+                                <a:latin typeface="Cambria Math" panose="02040503050406030204" pitchFamily="18" charset="0"/>
+                              </a:rPr>
+                              <m:t>𝑀</m:t>
+                            </m:r>
+                          </m:e>
+                          <m:sub>
+                            <m:r>
+                              <a:rPr lang="fr-FR" b="0" i="1" smtClean="0">
+                                <a:latin typeface="Cambria Math" panose="02040503050406030204" pitchFamily="18" charset="0"/>
+                              </a:rPr>
+                              <m:t>𝑚𝑖𝑛</m:t>
+                            </m:r>
+                          </m:sub>
+                        </m:sSub>
+                      </m:den>
+                    </m:f>
+                  </m:oMath>
+                </a14:m>
+                <a:endParaRPr lang="fr-FR" dirty="0"/>
+              </a:p>
+              <a:p>
+                <a:pPr lvl="1"/>
+                <a:endParaRPr lang="fr-FR" dirty="0"/>
+              </a:p>
+              <a:p>
+                <a:endParaRPr lang="fr-FR" dirty="0"/>
+              </a:p>
+              <a:p>
+                <a:endParaRPr lang="fr-FR" dirty="0"/>
+              </a:p>
+              <a:p>
+                <a:pPr lvl="1"/>
+                <a:endParaRPr lang="fr-FR" dirty="0"/>
+              </a:p>
+              <a:p>
+                <a:pPr lvl="1"/>
+                <a:endParaRPr lang="fr-FR" dirty="0"/>
+              </a:p>
+            </p:txBody>
+          </p:sp>
+        </mc:Choice>
+        <mc:Fallback>
+          <p:sp>
+            <p:nvSpPr>
+              <p:cNvPr id="3" name="Espace réservé du contenu 2"/>
+              <p:cNvSpPr>
+                <a:spLocks noGrp="1" noRot="1" noChangeAspect="1" noMove="1" noResize="1" noEditPoints="1" noAdjustHandles="1" noChangeArrowheads="1" noChangeShapeType="1" noTextEdit="1"/>
+              </p:cNvSpPr>
+              <p:nvPr>
+                <p:ph idx="1"/>
+              </p:nvPr>
+            </p:nvSpPr>
+            <p:spPr>
+              <a:xfrm>
+                <a:off x="838200" y="1730375"/>
+                <a:ext cx="10515600" cy="4351338"/>
+              </a:xfrm>
+              <a:blipFill>
+                <a:blip r:embed="rId3"/>
+                <a:stretch>
+                  <a:fillRect l="-812" t="-1821"/>
+                </a:stretch>
+              </a:blipFill>
+            </p:spPr>
+            <p:txBody>
+              <a:bodyPr/>
+              <a:lstStyle/>
+              <a:p>
+                <a:r>
+                  <a:rPr lang="fr-FR">
+                    <a:noFill/>
+                  </a:rPr>
+                  <a:t> </a:t>
+                </a:r>
+              </a:p>
+            </p:txBody>
+          </p:sp>
+        </mc:Fallback>
+      </mc:AlternateContent>
     </p:spTree>
     <p:extLst>
       <p:ext uri="{BB962C8B-B14F-4D97-AF65-F5344CB8AC3E}">
-        <p14:creationId xmlns:p14="http://schemas.microsoft.com/office/powerpoint/2010/main" val="291875127"/>
+        <p14:creationId xmlns:p14="http://schemas.microsoft.com/office/powerpoint/2010/main" val="1598521386"/>
       </p:ext>
     </p:extLst>
   </p:cSld>
@@ -12923,14 +14763,27 @@
             <p:ph type="title"/>
           </p:nvPr>
         </p:nvSpPr>
-        <p:spPr/>
+        <p:spPr>
+          <a:xfrm>
+            <a:off x="838200" y="880533"/>
+            <a:ext cx="10830886" cy="810155"/>
+          </a:xfrm>
+        </p:spPr>
         <p:txBody>
           <a:bodyPr/>
           <a:lstStyle/>
           <a:p>
             <a:r>
               <a:rPr lang="fr-FR" dirty="0"/>
-              <a:t>Travaux annexes</a:t>
+              <a:t>Simulation </a:t>
+            </a:r>
+            <a:r>
+              <a:rPr lang="fr-FR" dirty="0" err="1"/>
+              <a:t>with</a:t>
+            </a:r>
+            <a:r>
+              <a:rPr lang="fr-FR" dirty="0"/>
+              <a:t> MATLAB Simulink – Obstacle</a:t>
             </a:r>
           </a:p>
         </p:txBody>
@@ -12945,66 +14798,123 @@
             <p:ph idx="1"/>
           </p:nvPr>
         </p:nvSpPr>
-        <p:spPr/>
+        <p:spPr>
+          <a:xfrm>
+            <a:off x="838200" y="1730375"/>
+            <a:ext cx="10515600" cy="4351338"/>
+          </a:xfrm>
+        </p:spPr>
         <p:txBody>
           <a:bodyPr/>
           <a:lstStyle/>
           <a:p>
             <a:r>
               <a:rPr lang="fr-FR" dirty="0"/>
-              <a:t>Prise en main et correction des travaux de Peter </a:t>
+              <a:t>First </a:t>
             </a:r>
             <a:r>
               <a:rPr lang="fr-FR" dirty="0" err="1"/>
-              <a:t>Corke</a:t>
+              <a:t>result</a:t>
+            </a:r>
+            <a:r>
+              <a:rPr lang="fr-FR" dirty="0"/>
+              <a:t> : no good </a:t>
+            </a:r>
+            <a:r>
+              <a:rPr lang="fr-FR" dirty="0" err="1"/>
+              <a:t>policy</a:t>
             </a:r>
             <a:endParaRPr lang="fr-FR" dirty="0"/>
-          </a:p>
-          <a:p>
-            <a:endParaRPr lang="fr-FR" dirty="0"/>
-          </a:p>
-          <a:p>
-            <a:pPr lvl="1"/>
-            <a:r>
-              <a:rPr lang="fr-FR" dirty="0"/>
-              <a:t>Apprentissage d’utilisation de modèle bicyclette pour différentes tâches</a:t>
-            </a:r>
-          </a:p>
-          <a:p>
-            <a:endParaRPr lang="fr-FR" dirty="0"/>
-          </a:p>
-          <a:p>
-            <a:pPr lvl="1"/>
-            <a:r>
-              <a:rPr lang="fr-FR" dirty="0"/>
-              <a:t>Tuto installation </a:t>
-            </a:r>
-            <a:r>
-              <a:rPr lang="fr-FR" dirty="0" err="1"/>
-              <a:t>Robotics</a:t>
-            </a:r>
-            <a:r>
-              <a:rPr lang="fr-FR" dirty="0"/>
-              <a:t> Toolbox</a:t>
-            </a:r>
           </a:p>
           <a:p>
             <a:pPr lvl="1"/>
             <a:endParaRPr lang="fr-FR" dirty="0"/>
           </a:p>
           <a:p>
+            <a:endParaRPr lang="fr-FR" dirty="0"/>
+          </a:p>
+          <a:p>
+            <a:endParaRPr lang="fr-FR" dirty="0"/>
+          </a:p>
+          <a:p>
             <a:pPr lvl="1"/>
-            <a:r>
-              <a:rPr lang="fr-FR" dirty="0"/>
-              <a:t>Correction des programmes pour utilisation dans  le TP</a:t>
-            </a:r>
+            <a:endParaRPr lang="fr-FR" dirty="0"/>
+          </a:p>
+          <a:p>
+            <a:pPr lvl="1"/>
+            <a:endParaRPr lang="fr-FR" dirty="0"/>
           </a:p>
         </p:txBody>
       </p:sp>
+      <p:pic>
+        <p:nvPicPr>
+          <p:cNvPr id="4" name="Image 3">
+            <a:extLst>
+              <a:ext uri="{FF2B5EF4-FFF2-40B4-BE49-F238E27FC236}">
+                <a16:creationId xmlns:a16="http://schemas.microsoft.com/office/drawing/2014/main" id="{7357091E-070D-A42C-FBA1-1D2D897E645C}"/>
+              </a:ext>
+            </a:extLst>
+          </p:cNvPr>
+          <p:cNvPicPr>
+            <a:picLocks noChangeAspect="1"/>
+          </p:cNvPicPr>
+          <p:nvPr/>
+        </p:nvPicPr>
+        <p:blipFill>
+          <a:blip r:embed="rId2"/>
+          <a:stretch>
+            <a:fillRect/>
+          </a:stretch>
+        </p:blipFill>
+        <p:spPr>
+          <a:xfrm>
+            <a:off x="621438" y="2192630"/>
+            <a:ext cx="3613210" cy="3784837"/>
+          </a:xfrm>
+          <a:prstGeom prst="rect">
+            <a:avLst/>
+          </a:prstGeom>
+        </p:spPr>
+      </p:pic>
+      <p:pic>
+        <p:nvPicPr>
+          <p:cNvPr id="5" name="Image 4">
+            <a:extLst>
+              <a:ext uri="{FF2B5EF4-FFF2-40B4-BE49-F238E27FC236}">
+                <a16:creationId xmlns:a16="http://schemas.microsoft.com/office/drawing/2014/main" id="{729FF91C-A46C-2233-AFA0-DF41E99AD03E}"/>
+              </a:ext>
+            </a:extLst>
+          </p:cNvPr>
+          <p:cNvPicPr>
+            <a:picLocks noChangeAspect="1"/>
+          </p:cNvPicPr>
+          <p:nvPr/>
+        </p:nvPicPr>
+        <p:blipFill rotWithShape="1">
+          <a:blip r:embed="rId3">
+            <a:extLst>
+              <a:ext uri="{28A0092B-C50C-407E-A947-70E740481C1C}">
+                <a14:useLocalDpi xmlns:a14="http://schemas.microsoft.com/office/drawing/2010/main" val="0"/>
+              </a:ext>
+            </a:extLst>
+          </a:blip>
+          <a:srcRect l="730" t="3051" r="24562" b="12393"/>
+          <a:stretch/>
+        </p:blipFill>
+        <p:spPr>
+          <a:xfrm>
+            <a:off x="4979285" y="1626129"/>
+            <a:ext cx="7097732" cy="4351338"/>
+          </a:xfrm>
+          <a:prstGeom prst="rect">
+            <a:avLst/>
+          </a:prstGeom>
+        </p:spPr>
+      </p:pic>
     </p:spTree>
     <p:extLst>
       <p:ext uri="{BB962C8B-B14F-4D97-AF65-F5344CB8AC3E}">
-        <p14:creationId xmlns:p14="http://schemas.microsoft.com/office/powerpoint/2010/main" val="1815499060"/>
+        <p14:creationId xmlns:p14="http://schemas.microsoft.com/office/powerpoint/2010/main" val="3566847417"/>
       </p:ext>
     </p:extLst>
   </p:cSld>
@@ -13015,6 +14925,1829 @@
 </file>
 
 <file path=ppt/slides/slide13.xml><?xml version="1.0" encoding="utf-8"?>
+<p:sld xmlns:a="http://schemas.openxmlformats.org/drawingml/2006/main" xmlns:r="http://schemas.openxmlformats.org/officeDocument/2006/relationships" xmlns:p="http://schemas.openxmlformats.org/presentationml/2006/main">
+  <p:cSld>
+    <p:spTree>
+      <p:nvGrpSpPr>
+        <p:cNvPr id="1" name=""/>
+        <p:cNvGrpSpPr/>
+        <p:nvPr/>
+      </p:nvGrpSpPr>
+      <p:grpSpPr>
+        <a:xfrm>
+          <a:off x="0" y="0"/>
+          <a:ext cx="0" cy="0"/>
+          <a:chOff x="0" y="0"/>
+          <a:chExt cx="0" cy="0"/>
+        </a:xfrm>
+      </p:grpSpPr>
+      <p:pic>
+        <p:nvPicPr>
+          <p:cNvPr id="6" name="Image 5">
+            <a:extLst>
+              <a:ext uri="{FF2B5EF4-FFF2-40B4-BE49-F238E27FC236}">
+                <a16:creationId xmlns:a16="http://schemas.microsoft.com/office/drawing/2014/main" id="{1B4599E5-F599-B142-89FC-BA35316DB1AB}"/>
+              </a:ext>
+            </a:extLst>
+          </p:cNvPr>
+          <p:cNvPicPr>
+            <a:picLocks noChangeAspect="1"/>
+          </p:cNvPicPr>
+          <p:nvPr/>
+        </p:nvPicPr>
+        <p:blipFill>
+          <a:blip r:embed="rId2">
+            <a:extLst>
+              <a:ext uri="{28A0092B-C50C-407E-A947-70E740481C1C}">
+                <a14:useLocalDpi xmlns:a14="http://schemas.microsoft.com/office/drawing/2010/main" val="0"/>
+              </a:ext>
+            </a:extLst>
+          </a:blip>
+          <a:stretch>
+            <a:fillRect/>
+          </a:stretch>
+        </p:blipFill>
+        <p:spPr>
+          <a:xfrm>
+            <a:off x="621438" y="2192630"/>
+            <a:ext cx="3757930" cy="3784836"/>
+          </a:xfrm>
+          <a:prstGeom prst="rect">
+            <a:avLst/>
+          </a:prstGeom>
+        </p:spPr>
+      </p:pic>
+      <p:sp>
+        <p:nvSpPr>
+          <p:cNvPr id="2" name="Titre 1"/>
+          <p:cNvSpPr>
+            <a:spLocks noGrp="1"/>
+          </p:cNvSpPr>
+          <p:nvPr>
+            <p:ph type="title"/>
+          </p:nvPr>
+        </p:nvSpPr>
+        <p:spPr>
+          <a:xfrm>
+            <a:off x="838200" y="880533"/>
+            <a:ext cx="10830886" cy="810155"/>
+          </a:xfrm>
+        </p:spPr>
+        <p:txBody>
+          <a:bodyPr/>
+          <a:lstStyle/>
+          <a:p>
+            <a:r>
+              <a:rPr lang="fr-FR" dirty="0"/>
+              <a:t>Simulation </a:t>
+            </a:r>
+            <a:r>
+              <a:rPr lang="fr-FR" dirty="0" err="1"/>
+              <a:t>with</a:t>
+            </a:r>
+            <a:r>
+              <a:rPr lang="fr-FR" dirty="0"/>
+              <a:t> MATLAB Simulink – Obstacle</a:t>
+            </a:r>
+          </a:p>
+        </p:txBody>
+      </p:sp>
+      <p:sp>
+        <p:nvSpPr>
+          <p:cNvPr id="3" name="Espace réservé du contenu 2"/>
+          <p:cNvSpPr>
+            <a:spLocks noGrp="1"/>
+          </p:cNvSpPr>
+          <p:nvPr>
+            <p:ph idx="1"/>
+          </p:nvPr>
+        </p:nvSpPr>
+        <p:spPr>
+          <a:xfrm>
+            <a:off x="838200" y="1730375"/>
+            <a:ext cx="10515600" cy="4351338"/>
+          </a:xfrm>
+        </p:spPr>
+        <p:txBody>
+          <a:bodyPr/>
+          <a:lstStyle/>
+          <a:p>
+            <a:r>
+              <a:rPr lang="fr-FR" dirty="0"/>
+              <a:t>Second </a:t>
+            </a:r>
+            <a:r>
+              <a:rPr lang="fr-FR" dirty="0" err="1"/>
+              <a:t>result</a:t>
+            </a:r>
+            <a:r>
+              <a:rPr lang="fr-FR" dirty="0"/>
+              <a:t> : convergence</a:t>
+            </a:r>
+          </a:p>
+          <a:p>
+            <a:pPr lvl="1"/>
+            <a:endParaRPr lang="fr-FR" dirty="0"/>
+          </a:p>
+          <a:p>
+            <a:endParaRPr lang="fr-FR" dirty="0"/>
+          </a:p>
+          <a:p>
+            <a:endParaRPr lang="fr-FR" dirty="0"/>
+          </a:p>
+          <a:p>
+            <a:pPr lvl="1"/>
+            <a:endParaRPr lang="fr-FR" dirty="0"/>
+          </a:p>
+          <a:p>
+            <a:pPr lvl="1"/>
+            <a:endParaRPr lang="fr-FR" dirty="0"/>
+          </a:p>
+        </p:txBody>
+      </p:sp>
+      <p:pic>
+        <p:nvPicPr>
+          <p:cNvPr id="9" name="Image 8">
+            <a:extLst>
+              <a:ext uri="{FF2B5EF4-FFF2-40B4-BE49-F238E27FC236}">
+                <a16:creationId xmlns:a16="http://schemas.microsoft.com/office/drawing/2014/main" id="{317B449B-45FB-FFAC-BB3A-983DCBEE116B}"/>
+              </a:ext>
+            </a:extLst>
+          </p:cNvPr>
+          <p:cNvPicPr>
+            <a:picLocks noChangeAspect="1"/>
+          </p:cNvPicPr>
+          <p:nvPr/>
+        </p:nvPicPr>
+        <p:blipFill rotWithShape="1">
+          <a:blip r:embed="rId3">
+            <a:extLst>
+              <a:ext uri="{28A0092B-C50C-407E-A947-70E740481C1C}">
+                <a14:useLocalDpi xmlns:a14="http://schemas.microsoft.com/office/drawing/2010/main" val="0"/>
+              </a:ext>
+            </a:extLst>
+          </a:blip>
+          <a:srcRect l="727" t="3454" r="24636" b="13335"/>
+          <a:stretch/>
+        </p:blipFill>
+        <p:spPr>
+          <a:xfrm>
+            <a:off x="5223138" y="1762849"/>
+            <a:ext cx="6871437" cy="4149679"/>
+          </a:xfrm>
+          <a:prstGeom prst="rect">
+            <a:avLst/>
+          </a:prstGeom>
+        </p:spPr>
+      </p:pic>
+    </p:spTree>
+    <p:extLst>
+      <p:ext uri="{BB962C8B-B14F-4D97-AF65-F5344CB8AC3E}">
+        <p14:creationId xmlns:p14="http://schemas.microsoft.com/office/powerpoint/2010/main" val="629336153"/>
+      </p:ext>
+    </p:extLst>
+  </p:cSld>
+  <p:clrMapOvr>
+    <a:masterClrMapping/>
+  </p:clrMapOvr>
+</p:sld>
+</file>
+
+<file path=ppt/slides/slide14.xml><?xml version="1.0" encoding="utf-8"?>
+<p:sld xmlns:a="http://schemas.openxmlformats.org/drawingml/2006/main" xmlns:r="http://schemas.openxmlformats.org/officeDocument/2006/relationships" xmlns:p="http://schemas.openxmlformats.org/presentationml/2006/main">
+  <p:cSld>
+    <p:spTree>
+      <p:nvGrpSpPr>
+        <p:cNvPr id="1" name=""/>
+        <p:cNvGrpSpPr/>
+        <p:nvPr/>
+      </p:nvGrpSpPr>
+      <p:grpSpPr>
+        <a:xfrm>
+          <a:off x="0" y="0"/>
+          <a:ext cx="0" cy="0"/>
+          <a:chOff x="0" y="0"/>
+          <a:chExt cx="0" cy="0"/>
+        </a:xfrm>
+      </p:grpSpPr>
+      <p:sp>
+        <p:nvSpPr>
+          <p:cNvPr id="2" name="Titre 1"/>
+          <p:cNvSpPr>
+            <a:spLocks noGrp="1"/>
+          </p:cNvSpPr>
+          <p:nvPr>
+            <p:ph type="title"/>
+          </p:nvPr>
+        </p:nvSpPr>
+        <p:spPr>
+          <a:xfrm>
+            <a:off x="838200" y="880533"/>
+            <a:ext cx="10830886" cy="810155"/>
+          </a:xfrm>
+        </p:spPr>
+        <p:txBody>
+          <a:bodyPr/>
+          <a:lstStyle/>
+          <a:p>
+            <a:r>
+              <a:rPr lang="fr-FR" dirty="0"/>
+              <a:t>Simulation </a:t>
+            </a:r>
+            <a:r>
+              <a:rPr lang="fr-FR" dirty="0" err="1"/>
+              <a:t>with</a:t>
+            </a:r>
+            <a:r>
+              <a:rPr lang="fr-FR" dirty="0"/>
+              <a:t> MATLAB Simulink – Obstacle</a:t>
+            </a:r>
+          </a:p>
+        </p:txBody>
+      </p:sp>
+      <p:sp>
+        <p:nvSpPr>
+          <p:cNvPr id="3" name="Espace réservé du contenu 2"/>
+          <p:cNvSpPr>
+            <a:spLocks noGrp="1"/>
+          </p:cNvSpPr>
+          <p:nvPr>
+            <p:ph idx="1"/>
+          </p:nvPr>
+        </p:nvSpPr>
+        <p:spPr>
+          <a:xfrm>
+            <a:off x="838200" y="1730375"/>
+            <a:ext cx="10515600" cy="4351338"/>
+          </a:xfrm>
+        </p:spPr>
+        <p:txBody>
+          <a:bodyPr/>
+          <a:lstStyle/>
+          <a:p>
+            <a:r>
+              <a:rPr lang="fr-FR" dirty="0" err="1"/>
+              <a:t>Improvements</a:t>
+            </a:r>
+            <a:endParaRPr lang="fr-FR" dirty="0"/>
+          </a:p>
+          <a:p>
+            <a:endParaRPr lang="fr-FR" dirty="0"/>
+          </a:p>
+          <a:p>
+            <a:pPr lvl="1">
+              <a:buFont typeface="Courier New" panose="02070309020205020404" pitchFamily="49" charset="0"/>
+              <a:buChar char="o"/>
+            </a:pPr>
+            <a:r>
+              <a:rPr lang="fr-FR" dirty="0"/>
+              <a:t>Let </a:t>
+            </a:r>
+            <a:r>
+              <a:rPr lang="fr-FR" dirty="0" err="1"/>
+              <a:t>it</a:t>
+            </a:r>
+            <a:r>
+              <a:rPr lang="fr-FR" dirty="0"/>
+              <a:t> train for longer</a:t>
+            </a:r>
+          </a:p>
+          <a:p>
+            <a:pPr lvl="1">
+              <a:buFont typeface="Courier New" panose="02070309020205020404" pitchFamily="49" charset="0"/>
+              <a:buChar char="o"/>
+            </a:pPr>
+            <a:endParaRPr lang="fr-FR" dirty="0"/>
+          </a:p>
+          <a:p>
+            <a:pPr lvl="1">
+              <a:buFont typeface="Courier New" panose="02070309020205020404" pitchFamily="49" charset="0"/>
+              <a:buChar char="o"/>
+            </a:pPr>
+            <a:r>
+              <a:rPr lang="fr-FR" dirty="0" err="1"/>
+              <a:t>Improve</a:t>
+            </a:r>
+            <a:r>
+              <a:rPr lang="fr-FR" dirty="0"/>
+              <a:t> </a:t>
+            </a:r>
+            <a:r>
+              <a:rPr lang="fr-FR" dirty="0" err="1"/>
+              <a:t>reward</a:t>
+            </a:r>
+            <a:r>
+              <a:rPr lang="fr-FR" dirty="0"/>
+              <a:t> </a:t>
+            </a:r>
+            <a:r>
+              <a:rPr lang="fr-FR" dirty="0" err="1"/>
+              <a:t>function</a:t>
+            </a:r>
+            <a:r>
+              <a:rPr lang="fr-FR" dirty="0"/>
+              <a:t> </a:t>
+            </a:r>
+          </a:p>
+          <a:p>
+            <a:pPr lvl="1">
+              <a:buFont typeface="Courier New" panose="02070309020205020404" pitchFamily="49" charset="0"/>
+              <a:buChar char="o"/>
+            </a:pPr>
+            <a:endParaRPr lang="fr-FR" dirty="0"/>
+          </a:p>
+          <a:p>
+            <a:pPr lvl="1">
+              <a:buFont typeface="Courier New" panose="02070309020205020404" pitchFamily="49" charset="0"/>
+              <a:buChar char="o"/>
+            </a:pPr>
+            <a:r>
+              <a:rPr lang="fr-FR" dirty="0" err="1"/>
+              <a:t>Better</a:t>
+            </a:r>
+            <a:r>
+              <a:rPr lang="fr-FR" dirty="0"/>
+              <a:t> control of </a:t>
+            </a:r>
+            <a:r>
+              <a:rPr lang="fr-FR" dirty="0" err="1"/>
+              <a:t>velocity</a:t>
+            </a:r>
+            <a:r>
+              <a:rPr lang="fr-FR" dirty="0"/>
+              <a:t> (</a:t>
+            </a:r>
+            <a:r>
+              <a:rPr lang="fr-FR" dirty="0" err="1"/>
+              <a:t>backtracking</a:t>
+            </a:r>
+            <a:r>
+              <a:rPr lang="fr-FR" dirty="0"/>
+              <a:t>)</a:t>
+            </a:r>
+          </a:p>
+          <a:p>
+            <a:pPr lvl="1"/>
+            <a:endParaRPr lang="fr-FR" dirty="0"/>
+          </a:p>
+          <a:p>
+            <a:endParaRPr lang="fr-FR" dirty="0"/>
+          </a:p>
+          <a:p>
+            <a:endParaRPr lang="fr-FR" dirty="0"/>
+          </a:p>
+          <a:p>
+            <a:pPr lvl="1"/>
+            <a:endParaRPr lang="fr-FR" dirty="0"/>
+          </a:p>
+          <a:p>
+            <a:pPr lvl="1"/>
+            <a:endParaRPr lang="fr-FR" dirty="0"/>
+          </a:p>
+        </p:txBody>
+      </p:sp>
+    </p:spTree>
+    <p:extLst>
+      <p:ext uri="{BB962C8B-B14F-4D97-AF65-F5344CB8AC3E}">
+        <p14:creationId xmlns:p14="http://schemas.microsoft.com/office/powerpoint/2010/main" val="1549512342"/>
+      </p:ext>
+    </p:extLst>
+  </p:cSld>
+  <p:clrMapOvr>
+    <a:masterClrMapping/>
+  </p:clrMapOvr>
+</p:sld>
+</file>
+
+<file path=ppt/slides/slide15.xml><?xml version="1.0" encoding="utf-8"?>
+<p:sld xmlns:a="http://schemas.openxmlformats.org/drawingml/2006/main" xmlns:r="http://schemas.openxmlformats.org/officeDocument/2006/relationships" xmlns:p="http://schemas.openxmlformats.org/presentationml/2006/main">
+  <p:cSld>
+    <p:spTree>
+      <p:nvGrpSpPr>
+        <p:cNvPr id="1" name=""/>
+        <p:cNvGrpSpPr/>
+        <p:nvPr/>
+      </p:nvGrpSpPr>
+      <p:grpSpPr>
+        <a:xfrm>
+          <a:off x="0" y="0"/>
+          <a:ext cx="0" cy="0"/>
+          <a:chOff x="0" y="0"/>
+          <a:chExt cx="0" cy="0"/>
+        </a:xfrm>
+      </p:grpSpPr>
+      <p:sp>
+        <p:nvSpPr>
+          <p:cNvPr id="2" name="Titre 1"/>
+          <p:cNvSpPr>
+            <a:spLocks noGrp="1"/>
+          </p:cNvSpPr>
+          <p:nvPr>
+            <p:ph type="title"/>
+          </p:nvPr>
+        </p:nvSpPr>
+        <p:spPr>
+          <a:xfrm>
+            <a:off x="838200" y="880533"/>
+            <a:ext cx="10830886" cy="810155"/>
+          </a:xfrm>
+        </p:spPr>
+        <p:txBody>
+          <a:bodyPr/>
+          <a:lstStyle/>
+          <a:p>
+            <a:r>
+              <a:rPr lang="fr-FR" dirty="0"/>
+              <a:t>Simulation </a:t>
+            </a:r>
+            <a:r>
+              <a:rPr lang="fr-FR" dirty="0" err="1"/>
+              <a:t>with</a:t>
+            </a:r>
+            <a:r>
+              <a:rPr lang="fr-FR" dirty="0"/>
+              <a:t> MATLAB Simulink</a:t>
+            </a:r>
+          </a:p>
+        </p:txBody>
+      </p:sp>
+      <p:sp>
+        <p:nvSpPr>
+          <p:cNvPr id="4" name="Espace réservé du contenu 2">
+            <a:extLst>
+              <a:ext uri="{FF2B5EF4-FFF2-40B4-BE49-F238E27FC236}">
+                <a16:creationId xmlns:a16="http://schemas.microsoft.com/office/drawing/2014/main" id="{DF040833-8E8A-149B-E61A-C5A0A5483454}"/>
+              </a:ext>
+            </a:extLst>
+          </p:cNvPr>
+          <p:cNvSpPr txBox="1">
+            <a:spLocks/>
+          </p:cNvSpPr>
+          <p:nvPr/>
+        </p:nvSpPr>
+        <p:spPr bwMode="auto">
+          <a:xfrm>
+            <a:off x="838200" y="1730375"/>
+            <a:ext cx="4685930" cy="4351338"/>
+          </a:xfrm>
+          <a:prstGeom prst="rect">
+            <a:avLst/>
+          </a:prstGeom>
+          <a:noFill/>
+          <a:ln>
+            <a:noFill/>
+          </a:ln>
+          <a:extLst>
+            <a:ext uri="{909E8E84-426E-40DD-AFC4-6F175D3DCCD1}">
+              <a14:hiddenFill xmlns:a14="http://schemas.microsoft.com/office/drawing/2010/main">
+                <a:solidFill>
+                  <a:srgbClr val="FFFFFF"/>
+                </a:solidFill>
+              </a14:hiddenFill>
+            </a:ext>
+            <a:ext uri="{91240B29-F687-4F45-9708-019B960494DF}">
+              <a14:hiddenLine xmlns:a14="http://schemas.microsoft.com/office/drawing/2010/main" w="9525">
+                <a:solidFill>
+                  <a:srgbClr val="000000"/>
+                </a:solidFill>
+                <a:miter lim="800000"/>
+                <a:headEnd/>
+                <a:tailEnd/>
+              </a14:hiddenLine>
+            </a:ext>
+          </a:extLst>
+        </p:spPr>
+        <p:txBody>
+          <a:bodyPr vert="horz" wrap="square" lIns="91440" tIns="45720" rIns="91440" bIns="45720" numCol="1" anchor="t" anchorCtr="0" compatLnSpc="1">
+            <a:prstTxWarp prst="textNoShape">
+              <a:avLst/>
+            </a:prstTxWarp>
+          </a:bodyPr>
+          <a:lstStyle>
+            <a:lvl1pPr marL="228600" indent="-228600" algn="l" rtl="0" eaLnBrk="0" fontAlgn="base" hangingPunct="0">
+              <a:lnSpc>
+                <a:spcPct val="90000"/>
+              </a:lnSpc>
+              <a:spcBef>
+                <a:spcPts val="1000"/>
+              </a:spcBef>
+              <a:spcAft>
+                <a:spcPct val="0"/>
+              </a:spcAft>
+              <a:buSzPct val="100000"/>
+              <a:buFont typeface="Wingdings" panose="05000000000000000000" pitchFamily="2" charset="2"/>
+              <a:buChar char="§"/>
+              <a:defRPr sz="2400" kern="1200">
+                <a:solidFill>
+                  <a:schemeClr val="tx1"/>
+                </a:solidFill>
+                <a:latin typeface="Arial" panose="020B0604020202020204" pitchFamily="34" charset="0"/>
+                <a:ea typeface="+mn-ea"/>
+                <a:cs typeface="Arial" panose="020B0604020202020204" pitchFamily="34" charset="0"/>
+              </a:defRPr>
+            </a:lvl1pPr>
+            <a:lvl2pPr marL="685800" indent="-228600" algn="l" rtl="0" eaLnBrk="0" fontAlgn="base" hangingPunct="0">
+              <a:lnSpc>
+                <a:spcPct val="90000"/>
+              </a:lnSpc>
+              <a:spcBef>
+                <a:spcPts val="500"/>
+              </a:spcBef>
+              <a:spcAft>
+                <a:spcPct val="0"/>
+              </a:spcAft>
+              <a:buSzPct val="100000"/>
+              <a:buFont typeface="Wingdings" panose="05000000000000000000" pitchFamily="2" charset="2"/>
+              <a:buChar char="§"/>
+              <a:defRPr sz="2000" kern="1200">
+                <a:solidFill>
+                  <a:schemeClr val="tx1"/>
+                </a:solidFill>
+                <a:latin typeface="Arial" panose="020B0604020202020204" pitchFamily="34" charset="0"/>
+                <a:ea typeface="+mn-ea"/>
+                <a:cs typeface="Arial" panose="020B0604020202020204" pitchFamily="34" charset="0"/>
+              </a:defRPr>
+            </a:lvl2pPr>
+            <a:lvl3pPr marL="1143000" indent="-228600" algn="l" rtl="0" eaLnBrk="0" fontAlgn="base" hangingPunct="0">
+              <a:lnSpc>
+                <a:spcPct val="90000"/>
+              </a:lnSpc>
+              <a:spcBef>
+                <a:spcPts val="500"/>
+              </a:spcBef>
+              <a:spcAft>
+                <a:spcPct val="0"/>
+              </a:spcAft>
+              <a:buSzPct val="100000"/>
+              <a:buFont typeface="Wingdings" panose="05000000000000000000" pitchFamily="2" charset="2"/>
+              <a:buChar char="§"/>
+              <a:defRPr sz="1800" kern="1200">
+                <a:solidFill>
+                  <a:schemeClr val="tx1"/>
+                </a:solidFill>
+                <a:latin typeface="Arial" panose="020B0604020202020204" pitchFamily="34" charset="0"/>
+                <a:ea typeface="+mn-ea"/>
+                <a:cs typeface="Arial" panose="020B0604020202020204" pitchFamily="34" charset="0"/>
+              </a:defRPr>
+            </a:lvl3pPr>
+            <a:lvl4pPr marL="1600200" indent="-228600" algn="l" rtl="0" eaLnBrk="0" fontAlgn="base" hangingPunct="0">
+              <a:lnSpc>
+                <a:spcPct val="90000"/>
+              </a:lnSpc>
+              <a:spcBef>
+                <a:spcPts val="500"/>
+              </a:spcBef>
+              <a:spcAft>
+                <a:spcPct val="0"/>
+              </a:spcAft>
+              <a:buSzPct val="100000"/>
+              <a:buFont typeface="Wingdings" panose="05000000000000000000" pitchFamily="2" charset="2"/>
+              <a:buChar char="§"/>
+              <a:defRPr sz="1600" kern="1200">
+                <a:solidFill>
+                  <a:schemeClr val="tx1"/>
+                </a:solidFill>
+                <a:latin typeface="Arial" panose="020B0604020202020204" pitchFamily="34" charset="0"/>
+                <a:ea typeface="+mn-ea"/>
+                <a:cs typeface="Arial" panose="020B0604020202020204" pitchFamily="34" charset="0"/>
+              </a:defRPr>
+            </a:lvl4pPr>
+            <a:lvl5pPr marL="2057400" indent="-228600" algn="l" rtl="0" eaLnBrk="0" fontAlgn="base" hangingPunct="0">
+              <a:lnSpc>
+                <a:spcPct val="90000"/>
+              </a:lnSpc>
+              <a:spcBef>
+                <a:spcPts val="500"/>
+              </a:spcBef>
+              <a:spcAft>
+                <a:spcPct val="0"/>
+              </a:spcAft>
+              <a:buSzPct val="100000"/>
+              <a:buFont typeface="Wingdings" panose="05000000000000000000" pitchFamily="2" charset="2"/>
+              <a:buChar char="§"/>
+              <a:defRPr sz="1600" kern="1200">
+                <a:solidFill>
+                  <a:schemeClr val="tx1"/>
+                </a:solidFill>
+                <a:latin typeface="Arial" panose="020B0604020202020204" pitchFamily="34" charset="0"/>
+                <a:ea typeface="+mn-ea"/>
+                <a:cs typeface="Arial" panose="020B0604020202020204" pitchFamily="34" charset="0"/>
+              </a:defRPr>
+            </a:lvl5pPr>
+            <a:lvl6pPr marL="2514600" indent="-228600" algn="l" defTabSz="914400" rtl="0" eaLnBrk="1" latinLnBrk="0" hangingPunct="1">
+              <a:lnSpc>
+                <a:spcPct val="90000"/>
+              </a:lnSpc>
+              <a:spcBef>
+                <a:spcPts val="500"/>
+              </a:spcBef>
+              <a:buFont typeface="Arial" panose="020B0604020202020204" pitchFamily="34" charset="0"/>
+              <a:buChar char="•"/>
+              <a:defRPr sz="1800" kern="1200">
+                <a:solidFill>
+                  <a:schemeClr val="tx1"/>
+                </a:solidFill>
+                <a:latin typeface="+mn-lt"/>
+                <a:ea typeface="+mn-ea"/>
+                <a:cs typeface="+mn-cs"/>
+              </a:defRPr>
+            </a:lvl6pPr>
+            <a:lvl7pPr marL="2971800" indent="-228600" algn="l" defTabSz="914400" rtl="0" eaLnBrk="1" latinLnBrk="0" hangingPunct="1">
+              <a:lnSpc>
+                <a:spcPct val="90000"/>
+              </a:lnSpc>
+              <a:spcBef>
+                <a:spcPts val="500"/>
+              </a:spcBef>
+              <a:buFont typeface="Arial" panose="020B0604020202020204" pitchFamily="34" charset="0"/>
+              <a:buChar char="•"/>
+              <a:defRPr sz="1800" kern="1200">
+                <a:solidFill>
+                  <a:schemeClr val="tx1"/>
+                </a:solidFill>
+                <a:latin typeface="+mn-lt"/>
+                <a:ea typeface="+mn-ea"/>
+                <a:cs typeface="+mn-cs"/>
+              </a:defRPr>
+            </a:lvl7pPr>
+            <a:lvl8pPr marL="3429000" indent="-228600" algn="l" defTabSz="914400" rtl="0" eaLnBrk="1" latinLnBrk="0" hangingPunct="1">
+              <a:lnSpc>
+                <a:spcPct val="90000"/>
+              </a:lnSpc>
+              <a:spcBef>
+                <a:spcPts val="500"/>
+              </a:spcBef>
+              <a:buFont typeface="Arial" panose="020B0604020202020204" pitchFamily="34" charset="0"/>
+              <a:buChar char="•"/>
+              <a:defRPr sz="1800" kern="1200">
+                <a:solidFill>
+                  <a:schemeClr val="tx1"/>
+                </a:solidFill>
+                <a:latin typeface="+mn-lt"/>
+                <a:ea typeface="+mn-ea"/>
+                <a:cs typeface="+mn-cs"/>
+              </a:defRPr>
+            </a:lvl8pPr>
+            <a:lvl9pPr marL="3886200" indent="-228600" algn="l" defTabSz="914400" rtl="0" eaLnBrk="1" latinLnBrk="0" hangingPunct="1">
+              <a:lnSpc>
+                <a:spcPct val="90000"/>
+              </a:lnSpc>
+              <a:spcBef>
+                <a:spcPts val="500"/>
+              </a:spcBef>
+              <a:buFont typeface="Arial" panose="020B0604020202020204" pitchFamily="34" charset="0"/>
+              <a:buChar char="•"/>
+              <a:defRPr sz="1800" kern="1200">
+                <a:solidFill>
+                  <a:schemeClr val="tx1"/>
+                </a:solidFill>
+                <a:latin typeface="+mn-lt"/>
+                <a:ea typeface="+mn-ea"/>
+                <a:cs typeface="+mn-cs"/>
+              </a:defRPr>
+            </a:lvl9pPr>
+          </a:lstStyle>
+          <a:p>
+            <a:pPr marL="0" indent="0" algn="just">
+              <a:buNone/>
+            </a:pPr>
+            <a:r>
+              <a:rPr lang="fr-FR" dirty="0"/>
+              <a:t>Second </a:t>
+            </a:r>
+            <a:r>
+              <a:rPr lang="fr-FR" dirty="0" err="1"/>
+              <a:t>experiment</a:t>
+            </a:r>
+            <a:r>
+              <a:rPr lang="fr-FR" dirty="0"/>
+              <a:t> : Point to point drive</a:t>
+            </a:r>
+          </a:p>
+          <a:p>
+            <a:pPr lvl="1"/>
+            <a:endParaRPr lang="fr-FR" dirty="0"/>
+          </a:p>
+          <a:p>
+            <a:r>
+              <a:rPr lang="fr-FR" dirty="0"/>
+              <a:t>Observations</a:t>
+            </a:r>
+          </a:p>
+          <a:p>
+            <a:pPr lvl="1">
+              <a:buFont typeface="Courier New" panose="02070309020205020404" pitchFamily="49" charset="0"/>
+              <a:buChar char="o"/>
+            </a:pPr>
+            <a:r>
+              <a:rPr lang="fr-FR" dirty="0"/>
+              <a:t>Distance and orientation </a:t>
+            </a:r>
+            <a:r>
+              <a:rPr lang="fr-FR" dirty="0" err="1"/>
+              <a:t>from</a:t>
+            </a:r>
+            <a:r>
+              <a:rPr lang="fr-FR" dirty="0"/>
+              <a:t> goal</a:t>
+            </a:r>
+          </a:p>
+          <a:p>
+            <a:pPr lvl="1">
+              <a:buFont typeface="Courier New" panose="02070309020205020404" pitchFamily="49" charset="0"/>
+              <a:buChar char="o"/>
+            </a:pPr>
+            <a:r>
+              <a:rPr lang="fr-FR" dirty="0"/>
+              <a:t>Relative position </a:t>
+            </a:r>
+            <a:r>
+              <a:rPr lang="fr-FR" dirty="0" err="1"/>
+              <a:t>from</a:t>
+            </a:r>
+            <a:r>
+              <a:rPr lang="fr-FR" dirty="0"/>
+              <a:t> goal</a:t>
+            </a:r>
+          </a:p>
+          <a:p>
+            <a:pPr lvl="1">
+              <a:buFont typeface="Courier New" panose="02070309020205020404" pitchFamily="49" charset="0"/>
+              <a:buChar char="o"/>
+            </a:pPr>
+            <a:endParaRPr lang="fr-FR" dirty="0"/>
+          </a:p>
+          <a:p>
+            <a:r>
+              <a:rPr lang="fr-FR" dirty="0"/>
+              <a:t>Actions</a:t>
+            </a:r>
+          </a:p>
+          <a:p>
+            <a:pPr marL="0" indent="0">
+              <a:buNone/>
+            </a:pPr>
+            <a:r>
+              <a:rPr lang="fr-FR" dirty="0"/>
+              <a:t>	</a:t>
+            </a:r>
+          </a:p>
+          <a:p>
+            <a:r>
+              <a:rPr lang="fr-FR" dirty="0" err="1"/>
+              <a:t>Reward</a:t>
+            </a:r>
+            <a:endParaRPr lang="fr-FR" dirty="0"/>
+          </a:p>
+        </p:txBody>
+      </p:sp>
+      <p:sp>
+        <p:nvSpPr>
+          <p:cNvPr id="13" name="Rectangle : coins arrondis 12">
+            <a:extLst>
+              <a:ext uri="{FF2B5EF4-FFF2-40B4-BE49-F238E27FC236}">
+                <a16:creationId xmlns:a16="http://schemas.microsoft.com/office/drawing/2014/main" id="{A03981C4-64E0-1D47-E27A-D7984B493BDB}"/>
+              </a:ext>
+            </a:extLst>
+          </p:cNvPr>
+          <p:cNvSpPr/>
+          <p:nvPr/>
+        </p:nvSpPr>
+        <p:spPr>
+          <a:xfrm>
+            <a:off x="8105312" y="913555"/>
+            <a:ext cx="1899822" cy="614331"/>
+          </a:xfrm>
+          <a:prstGeom prst="roundRect">
+            <a:avLst/>
+          </a:prstGeom>
+          <a:solidFill>
+            <a:srgbClr val="009CDD"/>
+          </a:solidFill>
+        </p:spPr>
+        <p:style>
+          <a:lnRef idx="2">
+            <a:schemeClr val="accent1">
+              <a:shade val="50000"/>
+            </a:schemeClr>
+          </a:lnRef>
+          <a:fillRef idx="1">
+            <a:schemeClr val="accent1"/>
+          </a:fillRef>
+          <a:effectRef idx="0">
+            <a:schemeClr val="accent1"/>
+          </a:effectRef>
+          <a:fontRef idx="minor">
+            <a:schemeClr val="lt1"/>
+          </a:fontRef>
+        </p:style>
+        <p:txBody>
+          <a:bodyPr rtlCol="0" anchor="ctr"/>
+          <a:lstStyle/>
+          <a:p>
+            <a:pPr algn="ctr"/>
+            <a:r>
+              <a:rPr lang="fr-FR" dirty="0" err="1"/>
+              <a:t>Measure</a:t>
+            </a:r>
+            <a:r>
+              <a:rPr lang="fr-FR" dirty="0"/>
+              <a:t> relative position</a:t>
+            </a:r>
+          </a:p>
+        </p:txBody>
+      </p:sp>
+      <p:sp>
+        <p:nvSpPr>
+          <p:cNvPr id="14" name="Losange 13">
+            <a:extLst>
+              <a:ext uri="{FF2B5EF4-FFF2-40B4-BE49-F238E27FC236}">
+                <a16:creationId xmlns:a16="http://schemas.microsoft.com/office/drawing/2014/main" id="{35A557A3-C30A-FA93-8F37-35FC346C2707}"/>
+              </a:ext>
+            </a:extLst>
+          </p:cNvPr>
+          <p:cNvSpPr/>
+          <p:nvPr/>
+        </p:nvSpPr>
+        <p:spPr>
+          <a:xfrm>
+            <a:off x="7992122" y="1967083"/>
+            <a:ext cx="2126202" cy="1151675"/>
+          </a:xfrm>
+          <a:prstGeom prst="diamond">
+            <a:avLst/>
+          </a:prstGeom>
+          <a:solidFill>
+            <a:srgbClr val="009CDD"/>
+          </a:solidFill>
+        </p:spPr>
+        <p:style>
+          <a:lnRef idx="2">
+            <a:schemeClr val="accent1">
+              <a:shade val="50000"/>
+            </a:schemeClr>
+          </a:lnRef>
+          <a:fillRef idx="1">
+            <a:schemeClr val="accent1"/>
+          </a:fillRef>
+          <a:effectRef idx="0">
+            <a:schemeClr val="accent1"/>
+          </a:effectRef>
+          <a:fontRef idx="minor">
+            <a:schemeClr val="lt1"/>
+          </a:fontRef>
+        </p:style>
+        <p:txBody>
+          <a:bodyPr rtlCol="0" anchor="ctr"/>
+          <a:lstStyle/>
+          <a:p>
+            <a:pPr algn="ctr"/>
+            <a:r>
+              <a:rPr lang="fr-FR" dirty="0" err="1"/>
+              <a:t>Aligned</a:t>
+            </a:r>
+            <a:r>
+              <a:rPr lang="fr-FR" dirty="0"/>
+              <a:t> in one axis ?</a:t>
+            </a:r>
+          </a:p>
+        </p:txBody>
+      </p:sp>
+      <p:sp>
+        <p:nvSpPr>
+          <p:cNvPr id="15" name="Rectangle : coins arrondis 14">
+            <a:extLst>
+              <a:ext uri="{FF2B5EF4-FFF2-40B4-BE49-F238E27FC236}">
+                <a16:creationId xmlns:a16="http://schemas.microsoft.com/office/drawing/2014/main" id="{D17B686E-23F3-D6B1-6DF0-C95FC6A48C90}"/>
+              </a:ext>
+            </a:extLst>
+          </p:cNvPr>
+          <p:cNvSpPr/>
+          <p:nvPr/>
+        </p:nvSpPr>
+        <p:spPr>
+          <a:xfrm>
+            <a:off x="10189345" y="5285687"/>
+            <a:ext cx="1899822" cy="810155"/>
+          </a:xfrm>
+          <a:prstGeom prst="roundRect">
+            <a:avLst/>
+          </a:prstGeom>
+          <a:solidFill>
+            <a:srgbClr val="009CDD"/>
+          </a:solidFill>
+        </p:spPr>
+        <p:style>
+          <a:lnRef idx="2">
+            <a:schemeClr val="accent1">
+              <a:shade val="50000"/>
+            </a:schemeClr>
+          </a:lnRef>
+          <a:fillRef idx="1">
+            <a:schemeClr val="accent1"/>
+          </a:fillRef>
+          <a:effectRef idx="0">
+            <a:schemeClr val="accent1"/>
+          </a:effectRef>
+          <a:fontRef idx="minor">
+            <a:schemeClr val="lt1"/>
+          </a:fontRef>
+        </p:style>
+        <p:txBody>
+          <a:bodyPr rtlCol="0" anchor="ctr"/>
+          <a:lstStyle/>
+          <a:p>
+            <a:pPr algn="ctr"/>
+            <a:r>
+              <a:rPr lang="fr-FR" dirty="0" err="1"/>
+              <a:t>Reward</a:t>
+            </a:r>
+            <a:r>
+              <a:rPr lang="fr-FR" dirty="0"/>
+              <a:t> = 0</a:t>
+            </a:r>
+          </a:p>
+        </p:txBody>
+      </p:sp>
+      <p:sp>
+        <p:nvSpPr>
+          <p:cNvPr id="16" name="Losange 15">
+            <a:extLst>
+              <a:ext uri="{FF2B5EF4-FFF2-40B4-BE49-F238E27FC236}">
+                <a16:creationId xmlns:a16="http://schemas.microsoft.com/office/drawing/2014/main" id="{849663B7-7A59-D9B9-6BDA-F77C20F322E8}"/>
+              </a:ext>
+            </a:extLst>
+          </p:cNvPr>
+          <p:cNvSpPr/>
+          <p:nvPr/>
+        </p:nvSpPr>
+        <p:spPr>
+          <a:xfrm>
+            <a:off x="7360697" y="3623063"/>
+            <a:ext cx="2126202" cy="1151675"/>
+          </a:xfrm>
+          <a:prstGeom prst="diamond">
+            <a:avLst/>
+          </a:prstGeom>
+          <a:solidFill>
+            <a:srgbClr val="009CDD"/>
+          </a:solidFill>
+        </p:spPr>
+        <p:style>
+          <a:lnRef idx="2">
+            <a:schemeClr val="accent1">
+              <a:shade val="50000"/>
+            </a:schemeClr>
+          </a:lnRef>
+          <a:fillRef idx="1">
+            <a:schemeClr val="accent1"/>
+          </a:fillRef>
+          <a:effectRef idx="0">
+            <a:schemeClr val="accent1"/>
+          </a:effectRef>
+          <a:fontRef idx="minor">
+            <a:schemeClr val="lt1"/>
+          </a:fontRef>
+        </p:style>
+        <p:txBody>
+          <a:bodyPr rtlCol="0" anchor="ctr"/>
+          <a:lstStyle/>
+          <a:p>
+            <a:pPr algn="ctr"/>
+            <a:r>
+              <a:rPr lang="fr-FR" dirty="0" err="1"/>
+              <a:t>Arrived</a:t>
+            </a:r>
+            <a:r>
+              <a:rPr lang="fr-FR" dirty="0"/>
+              <a:t> to goal ?</a:t>
+            </a:r>
+          </a:p>
+        </p:txBody>
+      </p:sp>
+      <p:sp>
+        <p:nvSpPr>
+          <p:cNvPr id="17" name="Rectangle : coins arrondis 16">
+            <a:extLst>
+              <a:ext uri="{FF2B5EF4-FFF2-40B4-BE49-F238E27FC236}">
+                <a16:creationId xmlns:a16="http://schemas.microsoft.com/office/drawing/2014/main" id="{74007521-50B6-BF9C-7AB0-F69F0FE27CE8}"/>
+              </a:ext>
+            </a:extLst>
+          </p:cNvPr>
+          <p:cNvSpPr/>
+          <p:nvPr/>
+        </p:nvSpPr>
+        <p:spPr>
+          <a:xfrm>
+            <a:off x="7473887" y="5285687"/>
+            <a:ext cx="1899822" cy="810154"/>
+          </a:xfrm>
+          <a:prstGeom prst="roundRect">
+            <a:avLst/>
+          </a:prstGeom>
+          <a:solidFill>
+            <a:srgbClr val="009CDD"/>
+          </a:solidFill>
+        </p:spPr>
+        <p:style>
+          <a:lnRef idx="2">
+            <a:schemeClr val="accent1">
+              <a:shade val="50000"/>
+            </a:schemeClr>
+          </a:lnRef>
+          <a:fillRef idx="1">
+            <a:schemeClr val="accent1"/>
+          </a:fillRef>
+          <a:effectRef idx="0">
+            <a:schemeClr val="accent1"/>
+          </a:effectRef>
+          <a:fontRef idx="minor">
+            <a:schemeClr val="lt1"/>
+          </a:fontRef>
+        </p:style>
+        <p:txBody>
+          <a:bodyPr rtlCol="0" anchor="ctr"/>
+          <a:lstStyle/>
+          <a:p>
+            <a:pPr algn="ctr"/>
+            <a:r>
+              <a:rPr lang="fr-FR" dirty="0" err="1"/>
+              <a:t>Reward</a:t>
+            </a:r>
+            <a:r>
+              <a:rPr lang="fr-FR" dirty="0"/>
+              <a:t> = 5</a:t>
+            </a:r>
+          </a:p>
+        </p:txBody>
+      </p:sp>
+      <p:sp>
+        <p:nvSpPr>
+          <p:cNvPr id="18" name="Rectangle : coins arrondis 17">
+            <a:extLst>
+              <a:ext uri="{FF2B5EF4-FFF2-40B4-BE49-F238E27FC236}">
+                <a16:creationId xmlns:a16="http://schemas.microsoft.com/office/drawing/2014/main" id="{89B092F0-A00D-BD51-3858-2EDE1165849B}"/>
+              </a:ext>
+            </a:extLst>
+          </p:cNvPr>
+          <p:cNvSpPr/>
+          <p:nvPr/>
+        </p:nvSpPr>
+        <p:spPr>
+          <a:xfrm>
+            <a:off x="4758430" y="5285687"/>
+            <a:ext cx="1899822" cy="810155"/>
+          </a:xfrm>
+          <a:prstGeom prst="roundRect">
+            <a:avLst/>
+          </a:prstGeom>
+          <a:solidFill>
+            <a:srgbClr val="009CDD"/>
+          </a:solidFill>
+        </p:spPr>
+        <p:style>
+          <a:lnRef idx="2">
+            <a:schemeClr val="accent1">
+              <a:shade val="50000"/>
+            </a:schemeClr>
+          </a:lnRef>
+          <a:fillRef idx="1">
+            <a:schemeClr val="accent1"/>
+          </a:fillRef>
+          <a:effectRef idx="0">
+            <a:schemeClr val="accent1"/>
+          </a:effectRef>
+          <a:fontRef idx="minor">
+            <a:schemeClr val="lt1"/>
+          </a:fontRef>
+        </p:style>
+        <p:txBody>
+          <a:bodyPr rtlCol="0" anchor="ctr"/>
+          <a:lstStyle/>
+          <a:p>
+            <a:pPr algn="ctr"/>
+            <a:r>
+              <a:rPr lang="fr-FR" dirty="0" err="1"/>
+              <a:t>Reward</a:t>
+            </a:r>
+            <a:r>
+              <a:rPr lang="fr-FR" dirty="0"/>
+              <a:t> = 2</a:t>
+            </a:r>
+          </a:p>
+        </p:txBody>
+      </p:sp>
+      <p:cxnSp>
+        <p:nvCxnSpPr>
+          <p:cNvPr id="19" name="Connecteur droit avec flèche 18">
+            <a:extLst>
+              <a:ext uri="{FF2B5EF4-FFF2-40B4-BE49-F238E27FC236}">
+                <a16:creationId xmlns:a16="http://schemas.microsoft.com/office/drawing/2014/main" id="{FCC7E005-20B6-553F-2CAC-20AE319DAF47}"/>
+              </a:ext>
+            </a:extLst>
+          </p:cNvPr>
+          <p:cNvCxnSpPr>
+            <a:cxnSpLocks/>
+            <a:stCxn id="13" idx="2"/>
+            <a:endCxn id="14" idx="0"/>
+          </p:cNvCxnSpPr>
+          <p:nvPr/>
+        </p:nvCxnSpPr>
+        <p:spPr>
+          <a:xfrm>
+            <a:off x="9055223" y="1527886"/>
+            <a:ext cx="0" cy="439197"/>
+          </a:xfrm>
+          <a:prstGeom prst="straightConnector1">
+            <a:avLst/>
+          </a:prstGeom>
+          <a:ln>
+            <a:solidFill>
+              <a:srgbClr val="004877"/>
+            </a:solidFill>
+            <a:tailEnd type="triangle"/>
+          </a:ln>
+        </p:spPr>
+        <p:style>
+          <a:lnRef idx="1">
+            <a:schemeClr val="accent1"/>
+          </a:lnRef>
+          <a:fillRef idx="0">
+            <a:schemeClr val="accent1"/>
+          </a:fillRef>
+          <a:effectRef idx="0">
+            <a:schemeClr val="accent1"/>
+          </a:effectRef>
+          <a:fontRef idx="minor">
+            <a:schemeClr val="tx1"/>
+          </a:fontRef>
+        </p:style>
+      </p:cxnSp>
+      <p:cxnSp>
+        <p:nvCxnSpPr>
+          <p:cNvPr id="20" name="Connecteur : en angle 19">
+            <a:extLst>
+              <a:ext uri="{FF2B5EF4-FFF2-40B4-BE49-F238E27FC236}">
+                <a16:creationId xmlns:a16="http://schemas.microsoft.com/office/drawing/2014/main" id="{BCE7F145-1950-0933-C1B3-F7EB00D259CC}"/>
+              </a:ext>
+            </a:extLst>
+          </p:cNvPr>
+          <p:cNvCxnSpPr>
+            <a:cxnSpLocks/>
+            <a:stCxn id="14" idx="3"/>
+            <a:endCxn id="15" idx="0"/>
+          </p:cNvCxnSpPr>
+          <p:nvPr/>
+        </p:nvCxnSpPr>
+        <p:spPr>
+          <a:xfrm>
+            <a:off x="10118324" y="2542921"/>
+            <a:ext cx="1020932" cy="2742766"/>
+          </a:xfrm>
+          <a:prstGeom prst="bentConnector2">
+            <a:avLst/>
+          </a:prstGeom>
+          <a:ln>
+            <a:solidFill>
+              <a:srgbClr val="004877"/>
+            </a:solidFill>
+            <a:tailEnd type="triangle"/>
+          </a:ln>
+        </p:spPr>
+        <p:style>
+          <a:lnRef idx="1">
+            <a:schemeClr val="accent1"/>
+          </a:lnRef>
+          <a:fillRef idx="0">
+            <a:schemeClr val="accent1"/>
+          </a:fillRef>
+          <a:effectRef idx="0">
+            <a:schemeClr val="accent1"/>
+          </a:effectRef>
+          <a:fontRef idx="minor">
+            <a:schemeClr val="tx1"/>
+          </a:fontRef>
+        </p:style>
+      </p:cxnSp>
+      <p:cxnSp>
+        <p:nvCxnSpPr>
+          <p:cNvPr id="21" name="Connecteur : en angle 20">
+            <a:extLst>
+              <a:ext uri="{FF2B5EF4-FFF2-40B4-BE49-F238E27FC236}">
+                <a16:creationId xmlns:a16="http://schemas.microsoft.com/office/drawing/2014/main" id="{F9E41DEE-CAB3-5ACD-599F-F3D95C93CB96}"/>
+              </a:ext>
+            </a:extLst>
+          </p:cNvPr>
+          <p:cNvCxnSpPr>
+            <a:cxnSpLocks/>
+            <a:stCxn id="14" idx="2"/>
+            <a:endCxn id="16" idx="0"/>
+          </p:cNvCxnSpPr>
+          <p:nvPr/>
+        </p:nvCxnSpPr>
+        <p:spPr>
+          <a:xfrm rot="5400000">
+            <a:off x="8487359" y="3055198"/>
+            <a:ext cx="504305" cy="631425"/>
+          </a:xfrm>
+          <a:prstGeom prst="bentConnector3">
+            <a:avLst/>
+          </a:prstGeom>
+          <a:ln>
+            <a:solidFill>
+              <a:srgbClr val="004877"/>
+            </a:solidFill>
+            <a:tailEnd type="triangle"/>
+          </a:ln>
+        </p:spPr>
+        <p:style>
+          <a:lnRef idx="1">
+            <a:schemeClr val="accent1"/>
+          </a:lnRef>
+          <a:fillRef idx="0">
+            <a:schemeClr val="accent1"/>
+          </a:fillRef>
+          <a:effectRef idx="0">
+            <a:schemeClr val="accent1"/>
+          </a:effectRef>
+          <a:fontRef idx="minor">
+            <a:schemeClr val="tx1"/>
+          </a:fontRef>
+        </p:style>
+      </p:cxnSp>
+      <p:cxnSp>
+        <p:nvCxnSpPr>
+          <p:cNvPr id="22" name="Connecteur droit avec flèche 21">
+            <a:extLst>
+              <a:ext uri="{FF2B5EF4-FFF2-40B4-BE49-F238E27FC236}">
+                <a16:creationId xmlns:a16="http://schemas.microsoft.com/office/drawing/2014/main" id="{E06F3F99-3990-AD7B-6A94-54DA9D9D20FF}"/>
+              </a:ext>
+            </a:extLst>
+          </p:cNvPr>
+          <p:cNvCxnSpPr>
+            <a:cxnSpLocks/>
+            <a:stCxn id="16" idx="2"/>
+            <a:endCxn id="17" idx="0"/>
+          </p:cNvCxnSpPr>
+          <p:nvPr/>
+        </p:nvCxnSpPr>
+        <p:spPr>
+          <a:xfrm>
+            <a:off x="8423798" y="4774738"/>
+            <a:ext cx="0" cy="510949"/>
+          </a:xfrm>
+          <a:prstGeom prst="straightConnector1">
+            <a:avLst/>
+          </a:prstGeom>
+          <a:ln>
+            <a:solidFill>
+              <a:srgbClr val="004877"/>
+            </a:solidFill>
+            <a:tailEnd type="triangle"/>
+          </a:ln>
+        </p:spPr>
+        <p:style>
+          <a:lnRef idx="1">
+            <a:schemeClr val="accent1"/>
+          </a:lnRef>
+          <a:fillRef idx="0">
+            <a:schemeClr val="accent1"/>
+          </a:fillRef>
+          <a:effectRef idx="0">
+            <a:schemeClr val="accent1"/>
+          </a:effectRef>
+          <a:fontRef idx="minor">
+            <a:schemeClr val="tx1"/>
+          </a:fontRef>
+        </p:style>
+      </p:cxnSp>
+      <p:cxnSp>
+        <p:nvCxnSpPr>
+          <p:cNvPr id="23" name="Connecteur : en angle 22">
+            <a:extLst>
+              <a:ext uri="{FF2B5EF4-FFF2-40B4-BE49-F238E27FC236}">
+                <a16:creationId xmlns:a16="http://schemas.microsoft.com/office/drawing/2014/main" id="{1DCC538D-E842-13F9-7856-5A800469D2F7}"/>
+              </a:ext>
+            </a:extLst>
+          </p:cNvPr>
+          <p:cNvCxnSpPr>
+            <a:cxnSpLocks/>
+            <a:stCxn id="16" idx="1"/>
+            <a:endCxn id="18" idx="0"/>
+          </p:cNvCxnSpPr>
+          <p:nvPr/>
+        </p:nvCxnSpPr>
+        <p:spPr>
+          <a:xfrm rot="10800000" flipV="1">
+            <a:off x="5708341" y="4198901"/>
+            <a:ext cx="1652356" cy="1086786"/>
+          </a:xfrm>
+          <a:prstGeom prst="bentConnector2">
+            <a:avLst/>
+          </a:prstGeom>
+          <a:ln>
+            <a:solidFill>
+              <a:srgbClr val="004877"/>
+            </a:solidFill>
+            <a:tailEnd type="triangle"/>
+          </a:ln>
+        </p:spPr>
+        <p:style>
+          <a:lnRef idx="1">
+            <a:schemeClr val="accent1"/>
+          </a:lnRef>
+          <a:fillRef idx="0">
+            <a:schemeClr val="accent1"/>
+          </a:fillRef>
+          <a:effectRef idx="0">
+            <a:schemeClr val="accent1"/>
+          </a:effectRef>
+          <a:fontRef idx="minor">
+            <a:schemeClr val="tx1"/>
+          </a:fontRef>
+        </p:style>
+      </p:cxnSp>
+      <p:sp>
+        <p:nvSpPr>
+          <p:cNvPr id="25" name="ZoneTexte 24">
+            <a:extLst>
+              <a:ext uri="{FF2B5EF4-FFF2-40B4-BE49-F238E27FC236}">
+                <a16:creationId xmlns:a16="http://schemas.microsoft.com/office/drawing/2014/main" id="{72B861EB-D5CC-7848-723D-6711790C2673}"/>
+              </a:ext>
+            </a:extLst>
+          </p:cNvPr>
+          <p:cNvSpPr txBox="1"/>
+          <p:nvPr/>
+        </p:nvSpPr>
+        <p:spPr>
+          <a:xfrm>
+            <a:off x="8379141" y="4737329"/>
+            <a:ext cx="386837" cy="276999"/>
+          </a:xfrm>
+          <a:prstGeom prst="rect">
+            <a:avLst/>
+          </a:prstGeom>
+          <a:noFill/>
+        </p:spPr>
+        <p:txBody>
+          <a:bodyPr wrap="none" rtlCol="0">
+            <a:spAutoFit/>
+          </a:bodyPr>
+          <a:lstStyle/>
+          <a:p>
+            <a:r>
+              <a:rPr lang="fr-FR" sz="1200" dirty="0"/>
+              <a:t>Yes</a:t>
+            </a:r>
+          </a:p>
+        </p:txBody>
+      </p:sp>
+      <p:sp>
+        <p:nvSpPr>
+          <p:cNvPr id="27" name="ZoneTexte 26">
+            <a:extLst>
+              <a:ext uri="{FF2B5EF4-FFF2-40B4-BE49-F238E27FC236}">
+                <a16:creationId xmlns:a16="http://schemas.microsoft.com/office/drawing/2014/main" id="{FA129DC4-2C4D-AF0E-E810-B053B404AC28}"/>
+              </a:ext>
+            </a:extLst>
+          </p:cNvPr>
+          <p:cNvSpPr txBox="1"/>
+          <p:nvPr/>
+        </p:nvSpPr>
+        <p:spPr>
+          <a:xfrm>
+            <a:off x="7051486" y="3977318"/>
+            <a:ext cx="365806" cy="276999"/>
+          </a:xfrm>
+          <a:prstGeom prst="rect">
+            <a:avLst/>
+          </a:prstGeom>
+          <a:noFill/>
+        </p:spPr>
+        <p:txBody>
+          <a:bodyPr wrap="none" rtlCol="0">
+            <a:spAutoFit/>
+          </a:bodyPr>
+          <a:lstStyle/>
+          <a:p>
+            <a:r>
+              <a:rPr lang="fr-FR" sz="1200" dirty="0"/>
+              <a:t>No</a:t>
+            </a:r>
+          </a:p>
+        </p:txBody>
+      </p:sp>
+      <p:sp>
+        <p:nvSpPr>
+          <p:cNvPr id="34" name="ZoneTexte 33">
+            <a:extLst>
+              <a:ext uri="{FF2B5EF4-FFF2-40B4-BE49-F238E27FC236}">
+                <a16:creationId xmlns:a16="http://schemas.microsoft.com/office/drawing/2014/main" id="{EF3EF008-4AD4-E07C-53FF-8F0BC4A36463}"/>
+              </a:ext>
+            </a:extLst>
+          </p:cNvPr>
+          <p:cNvSpPr txBox="1"/>
+          <p:nvPr/>
+        </p:nvSpPr>
+        <p:spPr>
+          <a:xfrm>
+            <a:off x="10113556" y="2313993"/>
+            <a:ext cx="365806" cy="276999"/>
+          </a:xfrm>
+          <a:prstGeom prst="rect">
+            <a:avLst/>
+          </a:prstGeom>
+          <a:noFill/>
+        </p:spPr>
+        <p:txBody>
+          <a:bodyPr wrap="none" rtlCol="0">
+            <a:spAutoFit/>
+          </a:bodyPr>
+          <a:lstStyle/>
+          <a:p>
+            <a:r>
+              <a:rPr lang="fr-FR" sz="1200" dirty="0"/>
+              <a:t>No</a:t>
+            </a:r>
+          </a:p>
+        </p:txBody>
+      </p:sp>
+      <p:sp>
+        <p:nvSpPr>
+          <p:cNvPr id="35" name="ZoneTexte 34">
+            <a:extLst>
+              <a:ext uri="{FF2B5EF4-FFF2-40B4-BE49-F238E27FC236}">
+                <a16:creationId xmlns:a16="http://schemas.microsoft.com/office/drawing/2014/main" id="{1868CC39-956F-1A86-39D1-EB7AD88E809C}"/>
+              </a:ext>
+            </a:extLst>
+          </p:cNvPr>
+          <p:cNvSpPr txBox="1"/>
+          <p:nvPr/>
+        </p:nvSpPr>
+        <p:spPr>
+          <a:xfrm>
+            <a:off x="9007903" y="3076313"/>
+            <a:ext cx="386837" cy="276999"/>
+          </a:xfrm>
+          <a:prstGeom prst="rect">
+            <a:avLst/>
+          </a:prstGeom>
+          <a:noFill/>
+        </p:spPr>
+        <p:txBody>
+          <a:bodyPr wrap="none" rtlCol="0">
+            <a:spAutoFit/>
+          </a:bodyPr>
+          <a:lstStyle/>
+          <a:p>
+            <a:r>
+              <a:rPr lang="fr-FR" sz="1200" dirty="0"/>
+              <a:t>Yes</a:t>
+            </a:r>
+          </a:p>
+        </p:txBody>
+      </p:sp>
+    </p:spTree>
+    <p:extLst>
+      <p:ext uri="{BB962C8B-B14F-4D97-AF65-F5344CB8AC3E}">
+        <p14:creationId xmlns:p14="http://schemas.microsoft.com/office/powerpoint/2010/main" val="2046171194"/>
+      </p:ext>
+    </p:extLst>
+  </p:cSld>
+  <p:clrMapOvr>
+    <a:masterClrMapping/>
+  </p:clrMapOvr>
+</p:sld>
+</file>
+
+<file path=ppt/slides/slide16.xml><?xml version="1.0" encoding="utf-8"?>
+<p:sld xmlns:a="http://schemas.openxmlformats.org/drawingml/2006/main" xmlns:r="http://schemas.openxmlformats.org/officeDocument/2006/relationships" xmlns:p="http://schemas.openxmlformats.org/presentationml/2006/main">
+  <p:cSld>
+    <p:spTree>
+      <p:nvGrpSpPr>
+        <p:cNvPr id="1" name=""/>
+        <p:cNvGrpSpPr/>
+        <p:nvPr/>
+      </p:nvGrpSpPr>
+      <p:grpSpPr>
+        <a:xfrm>
+          <a:off x="0" y="0"/>
+          <a:ext cx="0" cy="0"/>
+          <a:chOff x="0" y="0"/>
+          <a:chExt cx="0" cy="0"/>
+        </a:xfrm>
+      </p:grpSpPr>
+      <p:pic>
+        <p:nvPicPr>
+          <p:cNvPr id="11" name="Image 10">
+            <a:extLst>
+              <a:ext uri="{FF2B5EF4-FFF2-40B4-BE49-F238E27FC236}">
+                <a16:creationId xmlns:a16="http://schemas.microsoft.com/office/drawing/2014/main" id="{5AABC9DB-8720-6BB0-021E-A1551B88D9FC}"/>
+              </a:ext>
+            </a:extLst>
+          </p:cNvPr>
+          <p:cNvPicPr>
+            <a:picLocks noChangeAspect="1"/>
+          </p:cNvPicPr>
+          <p:nvPr/>
+        </p:nvPicPr>
+        <p:blipFill>
+          <a:blip r:embed="rId2"/>
+          <a:stretch>
+            <a:fillRect/>
+          </a:stretch>
+        </p:blipFill>
+        <p:spPr>
+          <a:xfrm>
+            <a:off x="1100830" y="2164250"/>
+            <a:ext cx="11091169" cy="4010646"/>
+          </a:xfrm>
+          <a:prstGeom prst="rect">
+            <a:avLst/>
+          </a:prstGeom>
+        </p:spPr>
+      </p:pic>
+      <p:sp>
+        <p:nvSpPr>
+          <p:cNvPr id="2" name="Titre 1"/>
+          <p:cNvSpPr>
+            <a:spLocks noGrp="1"/>
+          </p:cNvSpPr>
+          <p:nvPr>
+            <p:ph type="title"/>
+          </p:nvPr>
+        </p:nvSpPr>
+        <p:spPr>
+          <a:xfrm>
+            <a:off x="838200" y="880533"/>
+            <a:ext cx="10830886" cy="810155"/>
+          </a:xfrm>
+        </p:spPr>
+        <p:txBody>
+          <a:bodyPr/>
+          <a:lstStyle/>
+          <a:p>
+            <a:r>
+              <a:rPr lang="fr-FR" dirty="0"/>
+              <a:t>Simulation </a:t>
+            </a:r>
+            <a:r>
+              <a:rPr lang="fr-FR" dirty="0" err="1"/>
+              <a:t>with</a:t>
+            </a:r>
+            <a:r>
+              <a:rPr lang="fr-FR" dirty="0"/>
+              <a:t> MATLAB Simulink – Point to Point</a:t>
+            </a:r>
+          </a:p>
+        </p:txBody>
+      </p:sp>
+      <p:sp>
+        <p:nvSpPr>
+          <p:cNvPr id="3" name="Espace réservé du contenu 2"/>
+          <p:cNvSpPr>
+            <a:spLocks noGrp="1"/>
+          </p:cNvSpPr>
+          <p:nvPr>
+            <p:ph idx="1"/>
+          </p:nvPr>
+        </p:nvSpPr>
+        <p:spPr>
+          <a:xfrm>
+            <a:off x="838200" y="1730375"/>
+            <a:ext cx="10515600" cy="4351338"/>
+          </a:xfrm>
+        </p:spPr>
+        <p:txBody>
+          <a:bodyPr/>
+          <a:lstStyle/>
+          <a:p>
+            <a:r>
+              <a:rPr lang="fr-FR" dirty="0" err="1"/>
+              <a:t>Simplified</a:t>
+            </a:r>
+            <a:r>
+              <a:rPr lang="fr-FR" dirty="0"/>
+              <a:t> </a:t>
+            </a:r>
+            <a:r>
+              <a:rPr lang="fr-FR" dirty="0" err="1"/>
+              <a:t>environment</a:t>
+            </a:r>
+            <a:endParaRPr lang="fr-FR" dirty="0"/>
+          </a:p>
+        </p:txBody>
+      </p:sp>
+      <p:pic>
+        <p:nvPicPr>
+          <p:cNvPr id="5" name="Image 4">
+            <a:extLst>
+              <a:ext uri="{FF2B5EF4-FFF2-40B4-BE49-F238E27FC236}">
+                <a16:creationId xmlns:a16="http://schemas.microsoft.com/office/drawing/2014/main" id="{19065581-D366-D4DE-E9A1-CD9B3B3219B9}"/>
+              </a:ext>
+            </a:extLst>
+          </p:cNvPr>
+          <p:cNvPicPr>
+            <a:picLocks noChangeAspect="1"/>
+          </p:cNvPicPr>
+          <p:nvPr/>
+        </p:nvPicPr>
+        <p:blipFill>
+          <a:blip r:embed="rId3"/>
+          <a:stretch>
+            <a:fillRect/>
+          </a:stretch>
+        </p:blipFill>
+        <p:spPr>
+          <a:xfrm>
+            <a:off x="152611" y="2124563"/>
+            <a:ext cx="2368648" cy="2445627"/>
+          </a:xfrm>
+          <a:prstGeom prst="rect">
+            <a:avLst/>
+          </a:prstGeom>
+        </p:spPr>
+      </p:pic>
+    </p:spTree>
+    <p:extLst>
+      <p:ext uri="{BB962C8B-B14F-4D97-AF65-F5344CB8AC3E}">
+        <p14:creationId xmlns:p14="http://schemas.microsoft.com/office/powerpoint/2010/main" val="60080820"/>
+      </p:ext>
+    </p:extLst>
+  </p:cSld>
+  <p:clrMapOvr>
+    <a:masterClrMapping/>
+  </p:clrMapOvr>
+</p:sld>
+</file>
+
+<file path=ppt/slides/slide17.xml><?xml version="1.0" encoding="utf-8"?>
+<p:sld xmlns:a="http://schemas.openxmlformats.org/drawingml/2006/main" xmlns:r="http://schemas.openxmlformats.org/officeDocument/2006/relationships" xmlns:p="http://schemas.openxmlformats.org/presentationml/2006/main">
+  <p:cSld>
+    <p:spTree>
+      <p:nvGrpSpPr>
+        <p:cNvPr id="1" name=""/>
+        <p:cNvGrpSpPr/>
+        <p:nvPr/>
+      </p:nvGrpSpPr>
+      <p:grpSpPr>
+        <a:xfrm>
+          <a:off x="0" y="0"/>
+          <a:ext cx="0" cy="0"/>
+          <a:chOff x="0" y="0"/>
+          <a:chExt cx="0" cy="0"/>
+        </a:xfrm>
+      </p:grpSpPr>
+      <p:sp>
+        <p:nvSpPr>
+          <p:cNvPr id="2" name="Titre 1"/>
+          <p:cNvSpPr>
+            <a:spLocks noGrp="1"/>
+          </p:cNvSpPr>
+          <p:nvPr>
+            <p:ph type="title"/>
+          </p:nvPr>
+        </p:nvSpPr>
+        <p:spPr>
+          <a:xfrm>
+            <a:off x="838200" y="880533"/>
+            <a:ext cx="10830886" cy="810155"/>
+          </a:xfrm>
+        </p:spPr>
+        <p:txBody>
+          <a:bodyPr/>
+          <a:lstStyle/>
+          <a:p>
+            <a:r>
+              <a:rPr lang="fr-FR" dirty="0"/>
+              <a:t>Simulation </a:t>
+            </a:r>
+            <a:r>
+              <a:rPr lang="fr-FR" dirty="0" err="1"/>
+              <a:t>with</a:t>
+            </a:r>
+            <a:r>
+              <a:rPr lang="fr-FR" dirty="0"/>
+              <a:t> MATLAB Simulink – Point to Point</a:t>
+            </a:r>
+          </a:p>
+        </p:txBody>
+      </p:sp>
+      <p:sp>
+        <p:nvSpPr>
+          <p:cNvPr id="3" name="Espace réservé du contenu 2"/>
+          <p:cNvSpPr>
+            <a:spLocks noGrp="1"/>
+          </p:cNvSpPr>
+          <p:nvPr>
+            <p:ph idx="1"/>
+          </p:nvPr>
+        </p:nvSpPr>
+        <p:spPr>
+          <a:xfrm>
+            <a:off x="838200" y="1730375"/>
+            <a:ext cx="10515600" cy="4351338"/>
+          </a:xfrm>
+        </p:spPr>
+        <p:txBody>
+          <a:bodyPr/>
+          <a:lstStyle/>
+          <a:p>
+            <a:r>
+              <a:rPr lang="fr-FR" dirty="0" err="1"/>
+              <a:t>Results</a:t>
+            </a:r>
+            <a:r>
+              <a:rPr lang="fr-FR" dirty="0"/>
+              <a:t> : no good </a:t>
+            </a:r>
+            <a:r>
+              <a:rPr lang="fr-FR" dirty="0" err="1"/>
+              <a:t>policy</a:t>
+            </a:r>
+            <a:endParaRPr lang="fr-FR" dirty="0"/>
+          </a:p>
+        </p:txBody>
+      </p:sp>
+      <p:pic>
+        <p:nvPicPr>
+          <p:cNvPr id="5" name="Image 4">
+            <a:extLst>
+              <a:ext uri="{FF2B5EF4-FFF2-40B4-BE49-F238E27FC236}">
+                <a16:creationId xmlns:a16="http://schemas.microsoft.com/office/drawing/2014/main" id="{68A45AED-6C56-DA99-0636-77C5697F3DAB}"/>
+              </a:ext>
+            </a:extLst>
+          </p:cNvPr>
+          <p:cNvPicPr>
+            <a:picLocks noChangeAspect="1"/>
+          </p:cNvPicPr>
+          <p:nvPr/>
+        </p:nvPicPr>
+        <p:blipFill rotWithShape="1">
+          <a:blip r:embed="rId2">
+            <a:extLst>
+              <a:ext uri="{28A0092B-C50C-407E-A947-70E740481C1C}">
+                <a14:useLocalDpi xmlns:a14="http://schemas.microsoft.com/office/drawing/2010/main" val="0"/>
+              </a:ext>
+            </a:extLst>
+          </a:blip>
+          <a:srcRect l="1485" t="3458" r="24453" b="13977"/>
+          <a:stretch/>
+        </p:blipFill>
+        <p:spPr>
+          <a:xfrm>
+            <a:off x="4886324" y="1617894"/>
+            <a:ext cx="7212697" cy="4359573"/>
+          </a:xfrm>
+          <a:prstGeom prst="rect">
+            <a:avLst/>
+          </a:prstGeom>
+        </p:spPr>
+      </p:pic>
+      <p:pic>
+        <p:nvPicPr>
+          <p:cNvPr id="7" name="Image 6">
+            <a:extLst>
+              <a:ext uri="{FF2B5EF4-FFF2-40B4-BE49-F238E27FC236}">
+                <a16:creationId xmlns:a16="http://schemas.microsoft.com/office/drawing/2014/main" id="{9F2756AE-92E5-A99E-6C36-921AE530AF0C}"/>
+              </a:ext>
+            </a:extLst>
+          </p:cNvPr>
+          <p:cNvPicPr>
+            <a:picLocks noChangeAspect="1"/>
+          </p:cNvPicPr>
+          <p:nvPr/>
+        </p:nvPicPr>
+        <p:blipFill>
+          <a:blip r:embed="rId3"/>
+          <a:stretch>
+            <a:fillRect/>
+          </a:stretch>
+        </p:blipFill>
+        <p:spPr>
+          <a:xfrm>
+            <a:off x="838200" y="2557992"/>
+            <a:ext cx="3411255" cy="3419475"/>
+          </a:xfrm>
+          <a:prstGeom prst="rect">
+            <a:avLst/>
+          </a:prstGeom>
+        </p:spPr>
+      </p:pic>
+    </p:spTree>
+    <p:extLst>
+      <p:ext uri="{BB962C8B-B14F-4D97-AF65-F5344CB8AC3E}">
+        <p14:creationId xmlns:p14="http://schemas.microsoft.com/office/powerpoint/2010/main" val="291875127"/>
+      </p:ext>
+    </p:extLst>
+  </p:cSld>
+  <p:clrMapOvr>
+    <a:masterClrMapping/>
+  </p:clrMapOvr>
+</p:sld>
+</file>
+
+<file path=ppt/slides/slide18.xml><?xml version="1.0" encoding="utf-8"?>
 <p:sld xmlns:a="http://schemas.openxmlformats.org/drawingml/2006/main" xmlns:r="http://schemas.openxmlformats.org/officeDocument/2006/relationships" xmlns:p="http://schemas.openxmlformats.org/presentationml/2006/main">
   <p:cSld>
     <p:spTree>
@@ -13047,9 +16780,18 @@
           <a:lstStyle/>
           <a:p>
             <a:r>
+              <a:rPr lang="fr-FR" dirty="0" err="1"/>
+              <a:t>HiL</a:t>
+            </a:r>
+            <a:r>
               <a:rPr lang="fr-FR" dirty="0"/>
-              <a:t>Conclusion</a:t>
-            </a:r>
+              <a:t> </a:t>
+            </a:r>
+            <a:r>
+              <a:rPr lang="fr-FR" dirty="0" err="1"/>
+              <a:t>integration</a:t>
+            </a:r>
+            <a:endParaRPr lang="fr-FR" dirty="0"/>
           </a:p>
         </p:txBody>
       </p:sp>
@@ -13063,63 +16805,75 @@
             <p:ph idx="1"/>
           </p:nvPr>
         </p:nvSpPr>
-        <p:spPr/>
+        <p:spPr>
+          <a:xfrm>
+            <a:off x="838200" y="1730375"/>
+            <a:ext cx="10515600" cy="4351338"/>
+          </a:xfrm>
+        </p:spPr>
         <p:txBody>
           <a:bodyPr/>
           <a:lstStyle/>
           <a:p>
             <a:r>
               <a:rPr lang="fr-FR" dirty="0"/>
-              <a:t>Très bonne découverte de RL</a:t>
+              <a:t>Use of </a:t>
+            </a:r>
+            <a:r>
+              <a:rPr lang="fr-FR" dirty="0" err="1"/>
+              <a:t>Quanser</a:t>
+            </a:r>
+            <a:r>
+              <a:rPr lang="fr-FR" dirty="0"/>
+              <a:t> Toolbox</a:t>
             </a:r>
           </a:p>
           <a:p>
             <a:endParaRPr lang="fr-FR" dirty="0"/>
           </a:p>
           <a:p>
-            <a:pPr lvl="1"/>
+            <a:r>
+              <a:rPr lang="fr-FR" dirty="0" err="1"/>
+              <a:t>Accelerometer</a:t>
+            </a:r>
             <a:r>
               <a:rPr lang="fr-FR" dirty="0"/>
-              <a:t>Réflexion sur simulation fidèle à réalité</a:t>
-            </a:r>
-          </a:p>
-          <a:p>
-            <a:pPr lvl="1"/>
+              <a:t> and LIDAR </a:t>
+            </a:r>
+            <a:r>
+              <a:rPr lang="fr-FR" dirty="0" err="1"/>
+              <a:t>reading</a:t>
+            </a:r>
+            <a:endParaRPr lang="fr-FR" dirty="0"/>
+          </a:p>
+          <a:p>
+            <a:endParaRPr lang="fr-FR" dirty="0"/>
+          </a:p>
+          <a:p>
+            <a:r>
+              <a:rPr lang="fr-FR" dirty="0" err="1"/>
+              <a:t>Calculate</a:t>
+            </a:r>
             <a:r>
               <a:rPr lang="fr-FR" dirty="0"/>
-              <a:t>Démarche d’analyse de résultats</a:t>
-            </a:r>
-          </a:p>
-          <a:p>
-            <a:pPr lvl="1"/>
+              <a:t> via bicycle model and </a:t>
+            </a:r>
+            <a:r>
+              <a:rPr lang="fr-FR" dirty="0" err="1"/>
+              <a:t>inject</a:t>
+            </a:r>
             <a:r>
               <a:rPr lang="fr-FR" dirty="0"/>
-              <a:t>Difficulté =&gt; prise en main de DDPG (fonctionnement boite noire)</a:t>
-            </a:r>
-          </a:p>
-          <a:p>
-            <a:pPr lvl="1"/>
+              <a:t> control in the QCAR</a:t>
+            </a:r>
+          </a:p>
+          <a:p>
+            <a:endParaRPr lang="fr-FR" dirty="0"/>
+          </a:p>
+          <a:p>
             <a:r>
               <a:rPr lang="fr-FR" dirty="0"/>
-              <a:t>Résultats obtenus et améliorations (IRL)</a:t>
-            </a:r>
-          </a:p>
-          <a:p>
-            <a:endParaRPr lang="fr-FR" dirty="0"/>
-          </a:p>
-          <a:p>
-            <a:r>
-              <a:rPr lang="fr-FR" dirty="0"/>
-              <a:t>Découverte et appropriation d’un modèle simplifié mais complexe</a:t>
-            </a:r>
-          </a:p>
-          <a:p>
-            <a:endParaRPr lang="fr-FR" dirty="0"/>
-          </a:p>
-          <a:p>
-            <a:r>
-              <a:rPr lang="fr-FR" dirty="0"/>
-              <a:t>Prise en main QCAR et technologies embarquées (et problème qui viennent avec)</a:t>
+              <a:t>*** A COMPLETER A L ECOLE AVEC SCREENSHOTS***</a:t>
             </a:r>
           </a:p>
         </p:txBody>
@@ -13127,7 +16881,7 @@
     </p:spTree>
     <p:extLst>
       <p:ext uri="{BB962C8B-B14F-4D97-AF65-F5344CB8AC3E}">
-        <p14:creationId xmlns:p14="http://schemas.microsoft.com/office/powerpoint/2010/main" val="3591741461"/>
+        <p14:creationId xmlns:p14="http://schemas.microsoft.com/office/powerpoint/2010/main" val="1815499060"/>
       </p:ext>
     </p:extLst>
   </p:cSld>
@@ -13137,7 +16891,7 @@
 </p:sld>
 </file>
 
-<file path=ppt/slides/slide14.xml><?xml version="1.0" encoding="utf-8"?>
+<file path=ppt/slides/slide19.xml><?xml version="1.0" encoding="utf-8"?>
 <p:sld xmlns:a="http://schemas.openxmlformats.org/drawingml/2006/main" xmlns:r="http://schemas.openxmlformats.org/officeDocument/2006/relationships" xmlns:p="http://schemas.openxmlformats.org/presentationml/2006/main">
   <p:cSld>
     <p:spTree>
@@ -13156,12 +16910,12 @@
       </p:grpSpPr>
       <p:sp>
         <p:nvSpPr>
-          <p:cNvPr id="4" name="Titre 3"/>
+          <p:cNvPr id="2" name="Titre 1"/>
           <p:cNvSpPr>
             <a:spLocks noGrp="1"/>
           </p:cNvSpPr>
           <p:nvPr>
-            <p:ph type="ctrTitle"/>
+            <p:ph type="title"/>
           </p:nvPr>
         </p:nvSpPr>
         <p:spPr/>
@@ -13171,7 +16925,235 @@
           <a:p>
             <a:r>
               <a:rPr lang="fr-FR" dirty="0"/>
-              <a:t>Merci de votre attention</a:t>
+              <a:t>Conclusion</a:t>
+            </a:r>
+          </a:p>
+        </p:txBody>
+      </p:sp>
+      <p:sp>
+        <p:nvSpPr>
+          <p:cNvPr id="3" name="Espace réservé du contenu 2"/>
+          <p:cNvSpPr>
+            <a:spLocks noGrp="1"/>
+          </p:cNvSpPr>
+          <p:nvPr>
+            <p:ph idx="1"/>
+          </p:nvPr>
+        </p:nvSpPr>
+        <p:spPr>
+          <a:xfrm>
+            <a:off x="838200" y="1730375"/>
+            <a:ext cx="10515600" cy="4470400"/>
+          </a:xfrm>
+        </p:spPr>
+        <p:txBody>
+          <a:bodyPr/>
+          <a:lstStyle/>
+          <a:p>
+            <a:r>
+              <a:rPr lang="fr-FR" dirty="0"/>
+              <a:t>Discovery of RL </a:t>
+            </a:r>
+            <a:r>
+              <a:rPr lang="fr-FR" dirty="0" err="1"/>
+              <a:t>algorithms</a:t>
+            </a:r>
+            <a:endParaRPr lang="fr-FR" dirty="0"/>
+          </a:p>
+          <a:p>
+            <a:pPr lvl="1">
+              <a:buFont typeface="Courier New" panose="02070309020205020404" pitchFamily="49" charset="0"/>
+              <a:buChar char="o"/>
+            </a:pPr>
+            <a:r>
+              <a:rPr lang="fr-FR" dirty="0" err="1"/>
+              <a:t>Correlation</a:t>
+            </a:r>
+            <a:r>
+              <a:rPr lang="fr-FR" dirty="0"/>
+              <a:t> </a:t>
+            </a:r>
+            <a:r>
+              <a:rPr lang="fr-FR" dirty="0" err="1"/>
+              <a:t>between</a:t>
+            </a:r>
+            <a:r>
+              <a:rPr lang="fr-FR" dirty="0"/>
+              <a:t> simulation and reality</a:t>
+            </a:r>
+          </a:p>
+          <a:p>
+            <a:pPr lvl="1">
+              <a:buFont typeface="Courier New" panose="02070309020205020404" pitchFamily="49" charset="0"/>
+              <a:buChar char="o"/>
+            </a:pPr>
+            <a:r>
+              <a:rPr lang="fr-FR" dirty="0" err="1"/>
+              <a:t>Results</a:t>
+            </a:r>
+            <a:r>
+              <a:rPr lang="fr-FR" dirty="0"/>
+              <a:t> </a:t>
+            </a:r>
+            <a:r>
+              <a:rPr lang="fr-FR" dirty="0" err="1"/>
+              <a:t>analysis</a:t>
+            </a:r>
+            <a:endParaRPr lang="fr-FR" dirty="0"/>
+          </a:p>
+          <a:p>
+            <a:pPr lvl="1">
+              <a:buFont typeface="Courier New" panose="02070309020205020404" pitchFamily="49" charset="0"/>
+              <a:buChar char="o"/>
+            </a:pPr>
+            <a:r>
+              <a:rPr lang="fr-FR" dirty="0" err="1"/>
+              <a:t>Difficulty</a:t>
+            </a:r>
+            <a:r>
+              <a:rPr lang="fr-FR" dirty="0"/>
+              <a:t> =&gt; DDPG </a:t>
+            </a:r>
+            <a:r>
+              <a:rPr lang="fr-FR" dirty="0" err="1"/>
+              <a:t>complete</a:t>
+            </a:r>
+            <a:r>
+              <a:rPr lang="fr-FR" dirty="0"/>
+              <a:t> </a:t>
+            </a:r>
+            <a:r>
+              <a:rPr lang="fr-FR" dirty="0" err="1"/>
+              <a:t>understanding</a:t>
+            </a:r>
+            <a:r>
+              <a:rPr lang="fr-FR" dirty="0"/>
+              <a:t> (black box)</a:t>
+            </a:r>
+          </a:p>
+          <a:p>
+            <a:pPr lvl="1">
+              <a:buFont typeface="Courier New" panose="02070309020205020404" pitchFamily="49" charset="0"/>
+              <a:buChar char="o"/>
+            </a:pPr>
+            <a:r>
+              <a:rPr lang="fr-FR" dirty="0"/>
+              <a:t>Next </a:t>
+            </a:r>
+            <a:r>
+              <a:rPr lang="fr-FR" dirty="0" err="1"/>
+              <a:t>step</a:t>
+            </a:r>
+            <a:r>
+              <a:rPr lang="fr-FR" dirty="0"/>
+              <a:t> =&gt; </a:t>
+            </a:r>
+            <a:r>
+              <a:rPr lang="fr-FR" dirty="0" err="1"/>
+              <a:t>fully</a:t>
+            </a:r>
+            <a:r>
+              <a:rPr lang="fr-FR" dirty="0"/>
+              <a:t> </a:t>
+            </a:r>
+            <a:r>
+              <a:rPr lang="fr-FR" dirty="0" err="1"/>
+              <a:t>integrate</a:t>
+            </a:r>
+            <a:r>
+              <a:rPr lang="fr-FR" dirty="0"/>
+              <a:t> </a:t>
+            </a:r>
+            <a:r>
+              <a:rPr lang="fr-FR" dirty="0" err="1"/>
+              <a:t>HiL</a:t>
+            </a:r>
+            <a:r>
+              <a:rPr lang="fr-FR" dirty="0"/>
+              <a:t> and </a:t>
+            </a:r>
+            <a:r>
+              <a:rPr lang="fr-FR" dirty="0" err="1"/>
+              <a:t>try</a:t>
+            </a:r>
+            <a:r>
+              <a:rPr lang="fr-FR" dirty="0"/>
+              <a:t> more </a:t>
+            </a:r>
+            <a:r>
+              <a:rPr lang="fr-FR" dirty="0" err="1"/>
+              <a:t>difficult</a:t>
+            </a:r>
+            <a:r>
+              <a:rPr lang="fr-FR" dirty="0"/>
+              <a:t> </a:t>
+            </a:r>
+            <a:r>
+              <a:rPr lang="fr-FR" dirty="0" err="1"/>
+              <a:t>tasks</a:t>
+            </a:r>
+            <a:endParaRPr lang="fr-FR" dirty="0"/>
+          </a:p>
+          <a:p>
+            <a:pPr lvl="1">
+              <a:buFont typeface="Courier New" panose="02070309020205020404" pitchFamily="49" charset="0"/>
+              <a:buChar char="o"/>
+            </a:pPr>
+            <a:endParaRPr lang="fr-FR" dirty="0"/>
+          </a:p>
+          <a:p>
+            <a:r>
+              <a:rPr lang="fr-FR" dirty="0"/>
+              <a:t>Appropriation of a </a:t>
+            </a:r>
+            <a:r>
+              <a:rPr lang="fr-FR" dirty="0" err="1"/>
+              <a:t>simplified</a:t>
+            </a:r>
+            <a:r>
+              <a:rPr lang="fr-FR" dirty="0"/>
+              <a:t> but </a:t>
+            </a:r>
+            <a:r>
+              <a:rPr lang="fr-FR" dirty="0" err="1"/>
+              <a:t>complex</a:t>
+            </a:r>
+            <a:r>
+              <a:rPr lang="fr-FR" dirty="0"/>
+              <a:t> model</a:t>
+            </a:r>
+          </a:p>
+          <a:p>
+            <a:endParaRPr lang="fr-FR" dirty="0"/>
+          </a:p>
+          <a:p>
+            <a:r>
+              <a:rPr lang="fr-FR" dirty="0"/>
+              <a:t>Hang of the QCAR and </a:t>
+            </a:r>
+            <a:r>
+              <a:rPr lang="fr-FR" dirty="0" err="1"/>
+              <a:t>embedded</a:t>
+            </a:r>
+            <a:r>
+              <a:rPr lang="fr-FR" dirty="0"/>
+              <a:t> system (and </a:t>
+            </a:r>
+            <a:r>
+              <a:rPr lang="fr-FR" dirty="0" err="1"/>
+              <a:t>problems</a:t>
+            </a:r>
+            <a:r>
+              <a:rPr lang="fr-FR" dirty="0"/>
+              <a:t> </a:t>
+            </a:r>
+            <a:r>
+              <a:rPr lang="fr-FR" dirty="0" err="1"/>
+              <a:t>associated</a:t>
+            </a:r>
+            <a:r>
+              <a:rPr lang="fr-FR" dirty="0"/>
+              <a:t>)</a:t>
             </a:r>
           </a:p>
         </p:txBody>
@@ -13179,7 +17161,7 @@
     </p:spTree>
     <p:extLst>
       <p:ext uri="{BB962C8B-B14F-4D97-AF65-F5344CB8AC3E}">
-        <p14:creationId xmlns:p14="http://schemas.microsoft.com/office/powerpoint/2010/main" val="2151210281"/>
+        <p14:creationId xmlns:p14="http://schemas.microsoft.com/office/powerpoint/2010/main" val="3591741461"/>
       </p:ext>
     </p:extLst>
   </p:cSld>
@@ -13223,7 +17205,7 @@
           <a:p>
             <a:r>
               <a:rPr lang="fr-FR" dirty="0"/>
-              <a:t>Sommaire</a:t>
+              <a:t>Content</a:t>
             </a:r>
           </a:p>
         </p:txBody>
@@ -13238,50 +17220,131 @@
             <p:ph idx="1"/>
           </p:nvPr>
         </p:nvSpPr>
-        <p:spPr/>
+        <p:spPr>
+          <a:xfrm>
+            <a:off x="838200" y="1730375"/>
+            <a:ext cx="10515600" cy="4351338"/>
+          </a:xfrm>
+        </p:spPr>
         <p:txBody>
           <a:bodyPr/>
           <a:lstStyle/>
           <a:p>
             <a:r>
+              <a:rPr lang="fr-FR" dirty="0" err="1"/>
+              <a:t>Context</a:t>
+            </a:r>
+            <a:endParaRPr lang="fr-FR" dirty="0"/>
+          </a:p>
+          <a:p>
+            <a:pPr lvl="1">
+              <a:buFont typeface="Courier New" panose="02070309020205020404" pitchFamily="49" charset="0"/>
+              <a:buChar char="o"/>
+            </a:pPr>
+            <a:r>
               <a:rPr lang="fr-FR" dirty="0"/>
-              <a:t>Présentation de la QCAR</a:t>
-            </a:r>
-          </a:p>
-          <a:p>
+              <a:t>QCAR </a:t>
+            </a:r>
+            <a:r>
+              <a:rPr lang="fr-FR" dirty="0" err="1"/>
+              <a:t>presentation</a:t>
+            </a:r>
             <a:endParaRPr lang="fr-FR" dirty="0"/>
           </a:p>
           <a:p>
+            <a:pPr lvl="1">
+              <a:buFont typeface="Courier New" panose="02070309020205020404" pitchFamily="49" charset="0"/>
+              <a:buChar char="o"/>
+            </a:pPr>
+            <a:r>
+              <a:rPr lang="fr-FR" dirty="0" err="1"/>
+              <a:t>Reinforcement</a:t>
+            </a:r>
             <a:r>
               <a:rPr lang="fr-FR" dirty="0"/>
-              <a:t>Introduction à l’apprentissage par renforcement</a:t>
-            </a:r>
-          </a:p>
-          <a:p>
+              <a:t> Learning introduction</a:t>
+            </a:r>
+          </a:p>
+          <a:p>
+            <a:pPr lvl="1">
+              <a:buFont typeface="Courier New" panose="02070309020205020404" pitchFamily="49" charset="0"/>
+              <a:buChar char="o"/>
+            </a:pPr>
             <a:endParaRPr lang="fr-FR" dirty="0"/>
           </a:p>
           <a:p>
             <a:r>
+              <a:rPr lang="fr-FR" dirty="0" err="1"/>
+              <a:t>Strategy</a:t>
+            </a:r>
+            <a:r>
               <a:rPr lang="fr-FR" dirty="0"/>
-              <a:t>Introduction au modèle bicyclette</a:t>
-            </a:r>
-          </a:p>
-          <a:p>
+              <a:t> and </a:t>
+            </a:r>
+            <a:r>
+              <a:rPr lang="fr-FR" dirty="0" err="1"/>
+              <a:t>results</a:t>
+            </a:r>
             <a:endParaRPr lang="fr-FR" dirty="0"/>
           </a:p>
           <a:p>
+            <a:pPr lvl="1">
+              <a:buFont typeface="Courier New" panose="02070309020205020404" pitchFamily="49" charset="0"/>
+              <a:buChar char="o"/>
+            </a:pPr>
             <a:r>
               <a:rPr lang="fr-FR" dirty="0"/>
-              <a:t>Implémentation de l’algorithme (simulation et conditions réelles)</a:t>
-            </a:r>
-          </a:p>
-          <a:p>
+              <a:t>Bicycle model control</a:t>
+            </a:r>
+          </a:p>
+          <a:p>
+            <a:pPr lvl="1">
+              <a:buFont typeface="Courier New" panose="02070309020205020404" pitchFamily="49" charset="0"/>
+              <a:buChar char="o"/>
+            </a:pPr>
+            <a:r>
+              <a:rPr lang="fr-FR" dirty="0"/>
+              <a:t>Simulation </a:t>
+            </a:r>
+            <a:r>
+              <a:rPr lang="fr-FR" dirty="0" err="1"/>
+              <a:t>with</a:t>
+            </a:r>
+            <a:r>
+              <a:rPr lang="fr-FR" dirty="0"/>
+              <a:t> MATLAB/Simulink</a:t>
+            </a:r>
+          </a:p>
+          <a:p>
+            <a:pPr lvl="1">
+              <a:buFont typeface="Courier New" panose="02070309020205020404" pitchFamily="49" charset="0"/>
+              <a:buChar char="o"/>
+            </a:pPr>
+            <a:r>
+              <a:rPr lang="fr-FR" dirty="0" err="1"/>
+              <a:t>HiL</a:t>
+            </a:r>
+            <a:r>
+              <a:rPr lang="fr-FR" dirty="0"/>
+              <a:t> </a:t>
+            </a:r>
+            <a:r>
+              <a:rPr lang="fr-FR" dirty="0" err="1"/>
+              <a:t>integration</a:t>
+            </a:r>
             <a:endParaRPr lang="fr-FR" dirty="0"/>
           </a:p>
           <a:p>
+            <a:pPr lvl="1">
+              <a:buFont typeface="Courier New" panose="02070309020205020404" pitchFamily="49" charset="0"/>
+              <a:buChar char="o"/>
+            </a:pPr>
+            <a:endParaRPr lang="fr-FR" dirty="0"/>
+          </a:p>
+          <a:p>
             <a:r>
               <a:rPr lang="fr-FR" dirty="0"/>
-              <a:t>Travaux annexes (préparation de TP)</a:t>
+              <a:t>Conclusion</a:t>
             </a:r>
           </a:p>
           <a:p>
@@ -13293,6 +17356,89 @@
     <p:extLst>
       <p:ext uri="{BB962C8B-B14F-4D97-AF65-F5344CB8AC3E}">
         <p14:creationId xmlns:p14="http://schemas.microsoft.com/office/powerpoint/2010/main" val="746370004"/>
+      </p:ext>
+    </p:extLst>
+  </p:cSld>
+  <p:clrMapOvr>
+    <a:masterClrMapping/>
+  </p:clrMapOvr>
+</p:sld>
+</file>
+
+<file path=ppt/slides/slide20.xml><?xml version="1.0" encoding="utf-8"?>
+<p:sld xmlns:a="http://schemas.openxmlformats.org/drawingml/2006/main" xmlns:r="http://schemas.openxmlformats.org/officeDocument/2006/relationships" xmlns:p="http://schemas.openxmlformats.org/presentationml/2006/main">
+  <p:cSld>
+    <p:spTree>
+      <p:nvGrpSpPr>
+        <p:cNvPr id="1" name=""/>
+        <p:cNvGrpSpPr/>
+        <p:nvPr/>
+      </p:nvGrpSpPr>
+      <p:grpSpPr>
+        <a:xfrm>
+          <a:off x="0" y="0"/>
+          <a:ext cx="0" cy="0"/>
+          <a:chOff x="0" y="0"/>
+          <a:chExt cx="0" cy="0"/>
+        </a:xfrm>
+      </p:grpSpPr>
+      <p:sp>
+        <p:nvSpPr>
+          <p:cNvPr id="4" name="Titre 3"/>
+          <p:cNvSpPr>
+            <a:spLocks noGrp="1"/>
+          </p:cNvSpPr>
+          <p:nvPr>
+            <p:ph type="ctrTitle"/>
+          </p:nvPr>
+        </p:nvSpPr>
+        <p:spPr/>
+        <p:txBody>
+          <a:bodyPr/>
+          <a:lstStyle/>
+          <a:p>
+            <a:r>
+              <a:rPr lang="fr-FR" dirty="0" err="1"/>
+              <a:t>Thank</a:t>
+            </a:r>
+            <a:r>
+              <a:rPr lang="fr-FR" dirty="0"/>
+              <a:t> </a:t>
+            </a:r>
+            <a:r>
+              <a:rPr lang="fr-FR" dirty="0" err="1"/>
+              <a:t>you</a:t>
+            </a:r>
+            <a:r>
+              <a:rPr lang="fr-FR" dirty="0"/>
+              <a:t> for </a:t>
+            </a:r>
+            <a:r>
+              <a:rPr lang="fr-FR" dirty="0" err="1"/>
+              <a:t>listening</a:t>
+            </a:r>
+            <a:r>
+              <a:rPr lang="fr-FR" dirty="0"/>
+              <a:t> !</a:t>
+            </a:r>
+            <a:br>
+              <a:rPr lang="fr-FR" dirty="0"/>
+            </a:br>
+            <a:r>
+              <a:rPr lang="fr-FR" dirty="0" err="1"/>
+              <a:t>Any</a:t>
+            </a:r>
+            <a:r>
+              <a:rPr lang="fr-FR" dirty="0"/>
+              <a:t> questions ?</a:t>
+            </a:r>
+          </a:p>
+        </p:txBody>
+      </p:sp>
+    </p:spTree>
+    <p:extLst>
+      <p:ext uri="{BB962C8B-B14F-4D97-AF65-F5344CB8AC3E}">
+        <p14:creationId xmlns:p14="http://schemas.microsoft.com/office/powerpoint/2010/main" val="2151210281"/>
       </p:ext>
     </p:extLst>
   </p:cSld>
@@ -13336,8 +17482,13 @@
           <a:p>
             <a:r>
               <a:rPr lang="fr-FR" dirty="0"/>
-              <a:t>Présentation de la QCAR</a:t>
-            </a:r>
+              <a:t>QCAR </a:t>
+            </a:r>
+            <a:r>
+              <a:rPr lang="fr-FR" dirty="0" err="1"/>
+              <a:t>presentation</a:t>
+            </a:r>
+            <a:endParaRPr lang="fr-FR" dirty="0"/>
           </a:p>
         </p:txBody>
       </p:sp>
@@ -13351,14 +17502,23 @@
             <p:ph idx="1"/>
           </p:nvPr>
         </p:nvSpPr>
-        <p:spPr/>
+        <p:spPr>
+          <a:xfrm>
+            <a:off x="838200" y="1730375"/>
+            <a:ext cx="10515600" cy="4351338"/>
+          </a:xfrm>
+        </p:spPr>
         <p:txBody>
           <a:bodyPr/>
           <a:lstStyle/>
           <a:p>
             <a:r>
+              <a:rPr lang="fr-FR" dirty="0" err="1"/>
+              <a:t>Developped</a:t>
+            </a:r>
+            <a:r>
               <a:rPr lang="fr-FR" dirty="0"/>
-              <a:t>Développée par </a:t>
+              <a:t> by </a:t>
             </a:r>
             <a:r>
               <a:rPr lang="fr-FR" dirty="0" err="1"/>
@@ -13366,7 +17526,7 @@
             </a:r>
             <a:r>
               <a:rPr lang="fr-FR" dirty="0"/>
-              <a:t> (MATLAB Toolbox)</a:t>
+              <a:t> </a:t>
             </a:r>
           </a:p>
           <a:p>
@@ -13375,7 +17535,7 @@
           <a:p>
             <a:r>
               <a:rPr lang="fr-FR" dirty="0"/>
-              <a:t>Caractéristique techniques</a:t>
+              <a:t>MATLAB Toolbox</a:t>
             </a:r>
           </a:p>
           <a:p>
@@ -13384,11 +17544,85 @@
           <a:p>
             <a:r>
               <a:rPr lang="fr-FR" dirty="0"/>
-              <a:t>Présentation des capteurs</a:t>
-            </a:r>
+              <a:t>Control </a:t>
+            </a:r>
+            <a:r>
+              <a:rPr lang="fr-FR" dirty="0" err="1"/>
+              <a:t>with</a:t>
+            </a:r>
+            <a:r>
+              <a:rPr lang="fr-FR" dirty="0"/>
+              <a:t> </a:t>
+            </a:r>
+            <a:r>
+              <a:rPr lang="fr-FR" dirty="0" err="1"/>
+              <a:t>WiFi</a:t>
+            </a:r>
+            <a:endParaRPr lang="fr-FR" dirty="0"/>
+          </a:p>
+          <a:p>
+            <a:endParaRPr lang="fr-FR" dirty="0"/>
+          </a:p>
+          <a:p>
+            <a:r>
+              <a:rPr lang="fr-FR" dirty="0"/>
+              <a:t>LIDAR, 360 Vision, RGBD Camera, </a:t>
+            </a:r>
+            <a:r>
+              <a:rPr lang="fr-FR" dirty="0" err="1"/>
+              <a:t>Accelerometers</a:t>
+            </a:r>
+            <a:endParaRPr lang="fr-FR" dirty="0"/>
           </a:p>
         </p:txBody>
       </p:sp>
+      <p:pic>
+        <p:nvPicPr>
+          <p:cNvPr id="2" name="Picture 2" descr="QUANSER - Voiture Autonome QCar - Mesureur - Enseignement &amp; Recherche">
+            <a:extLst>
+              <a:ext uri="{FF2B5EF4-FFF2-40B4-BE49-F238E27FC236}">
+                <a16:creationId xmlns:a16="http://schemas.microsoft.com/office/drawing/2014/main" id="{9916DFB5-EA07-B333-74E9-C19D4D321FEC}"/>
+              </a:ext>
+            </a:extLst>
+          </p:cNvPr>
+          <p:cNvPicPr>
+            <a:picLocks noChangeAspect="1" noChangeArrowheads="1"/>
+          </p:cNvPicPr>
+          <p:nvPr/>
+        </p:nvPicPr>
+        <p:blipFill>
+          <a:blip r:embed="rId2">
+            <a:extLst>
+              <a:ext uri="{28A0092B-C50C-407E-A947-70E740481C1C}">
+                <a14:useLocalDpi xmlns:a14="http://schemas.microsoft.com/office/drawing/2010/main" val="0"/>
+              </a:ext>
+            </a:extLst>
+          </a:blip>
+          <a:srcRect/>
+          <a:stretch>
+            <a:fillRect/>
+          </a:stretch>
+        </p:blipFill>
+        <p:spPr bwMode="auto">
+          <a:xfrm>
+            <a:off x="5939160" y="880533"/>
+            <a:ext cx="5130787" cy="3400483"/>
+          </a:xfrm>
+          <a:prstGeom prst="rect">
+            <a:avLst/>
+          </a:prstGeom>
+          <a:noFill/>
+          <a:extLst>
+            <a:ext uri="{909E8E84-426E-40DD-AFC4-6F175D3DCCD1}">
+              <a14:hiddenFill xmlns:a14="http://schemas.microsoft.com/office/drawing/2010/main">
+                <a:solidFill>
+                  <a:srgbClr val="FFFFFF"/>
+                </a:solidFill>
+              </a14:hiddenFill>
+            </a:ext>
+          </a:extLst>
+        </p:spPr>
+      </p:pic>
     </p:spTree>
     <p:extLst>
       <p:ext uri="{BB962C8B-B14F-4D97-AF65-F5344CB8AC3E}">
@@ -13435,8 +17669,12 @@
           <a:lstStyle/>
           <a:p>
             <a:r>
+              <a:rPr lang="fr-FR" dirty="0" err="1"/>
+              <a:t>Reinforcement</a:t>
+            </a:r>
+            <a:r>
               <a:rPr lang="fr-FR" dirty="0"/>
-              <a:t>Introduction à l’apprentissage par renforcement</a:t>
+              <a:t> Learning (RL) introduction</a:t>
             </a:r>
           </a:p>
         </p:txBody>
@@ -13451,15 +17689,41 @@
             <p:ph idx="1"/>
           </p:nvPr>
         </p:nvSpPr>
-        <p:spPr/>
+        <p:spPr>
+          <a:xfrm>
+            <a:off x="838200" y="1730375"/>
+            <a:ext cx="10515600" cy="4351338"/>
+          </a:xfrm>
+        </p:spPr>
         <p:txBody>
           <a:bodyPr/>
           <a:lstStyle/>
           <a:p>
             <a:r>
               <a:rPr lang="fr-FR" dirty="0"/>
-              <a:t>RL =&gt; démarche d’essai erreur pour apprendre une politique</a:t>
-            </a:r>
+              <a:t>RL =&gt; an agent tries to </a:t>
+            </a:r>
+            <a:r>
+              <a:rPr lang="fr-FR" dirty="0" err="1"/>
+              <a:t>learn</a:t>
+            </a:r>
+            <a:r>
+              <a:rPr lang="fr-FR" dirty="0"/>
+              <a:t> a </a:t>
+            </a:r>
+            <a:r>
+              <a:rPr lang="fr-FR" dirty="0" err="1"/>
+              <a:t>policy</a:t>
+            </a:r>
+            <a:r>
+              <a:rPr lang="fr-FR" dirty="0"/>
+              <a:t> by trial and </a:t>
+            </a:r>
+            <a:r>
+              <a:rPr lang="fr-FR" dirty="0" err="1"/>
+              <a:t>error</a:t>
+            </a:r>
+            <a:endParaRPr lang="fr-FR" dirty="0"/>
           </a:p>
           <a:p>
             <a:endParaRPr lang="fr-FR" dirty="0"/>
@@ -13471,24 +17735,37 @@
             </a:r>
           </a:p>
           <a:p>
-            <a:pPr lvl="1"/>
+            <a:pPr lvl="1">
+              <a:buFont typeface="Courier New" panose="02070309020205020404" pitchFamily="49" charset="0"/>
+              <a:buChar char="o"/>
+            </a:pPr>
             <a:r>
               <a:rPr lang="fr-FR" dirty="0"/>
               <a:t>Observations</a:t>
             </a:r>
           </a:p>
           <a:p>
-            <a:pPr lvl="1"/>
+            <a:pPr lvl="1">
+              <a:buFont typeface="Courier New" panose="02070309020205020404" pitchFamily="49" charset="0"/>
+              <a:buChar char="o"/>
+            </a:pPr>
             <a:r>
               <a:rPr lang="fr-FR" dirty="0"/>
               <a:t>Actions</a:t>
             </a:r>
           </a:p>
           <a:p>
-            <a:pPr lvl="1"/>
+            <a:pPr lvl="1">
+              <a:buFont typeface="Courier New" panose="02070309020205020404" pitchFamily="49" charset="0"/>
+              <a:buChar char="o"/>
+            </a:pPr>
+            <a:r>
+              <a:rPr lang="fr-FR" dirty="0" err="1"/>
+              <a:t>Reward</a:t>
+            </a:r>
             <a:r>
               <a:rPr lang="fr-FR" dirty="0"/>
-              <a:t>Récompense </a:t>
+              <a:t> </a:t>
             </a:r>
           </a:p>
           <a:p>
@@ -13498,7 +17775,7 @@
           <a:p>
             <a:r>
               <a:rPr lang="fr-FR" dirty="0"/>
-              <a:t>Différence Value et Policy </a:t>
+              <a:t>DDPG =&gt; Policy </a:t>
             </a:r>
             <a:r>
               <a:rPr lang="fr-FR" dirty="0" err="1"/>
@@ -13506,8 +17783,82 @@
             </a:r>
             <a:r>
               <a:rPr lang="fr-FR" dirty="0"/>
-              <a:t> (escape discret pour VI)</a:t>
-            </a:r>
+              <a:t> (</a:t>
+            </a:r>
+            <a:r>
+              <a:rPr lang="fr-FR" dirty="0" err="1"/>
+              <a:t>actor</a:t>
+            </a:r>
+            <a:r>
+              <a:rPr lang="fr-FR" dirty="0"/>
+              <a:t>/</a:t>
+            </a:r>
+            <a:r>
+              <a:rPr lang="fr-FR" dirty="0" err="1"/>
+              <a:t>critic</a:t>
+            </a:r>
+            <a:r>
+              <a:rPr lang="fr-FR" dirty="0"/>
+              <a:t> architecture)</a:t>
+            </a:r>
+          </a:p>
+          <a:p>
+            <a:pPr lvl="1">
+              <a:buFont typeface="Courier New" panose="02070309020205020404" pitchFamily="49" charset="0"/>
+              <a:buChar char="o"/>
+            </a:pPr>
+            <a:r>
+              <a:rPr lang="fr-FR" dirty="0"/>
+              <a:t>Actor </a:t>
+            </a:r>
+            <a:r>
+              <a:rPr lang="fr-FR" dirty="0" err="1"/>
+              <a:t>applies</a:t>
+            </a:r>
+            <a:r>
+              <a:rPr lang="fr-FR" dirty="0"/>
+              <a:t> the </a:t>
+            </a:r>
+            <a:r>
+              <a:rPr lang="fr-FR" dirty="0" err="1"/>
+              <a:t>policy</a:t>
+            </a:r>
+            <a:endParaRPr lang="fr-FR" dirty="0"/>
+          </a:p>
+          <a:p>
+            <a:pPr lvl="1">
+              <a:buFont typeface="Courier New" panose="02070309020205020404" pitchFamily="49" charset="0"/>
+              <a:buChar char="o"/>
+            </a:pPr>
+            <a:r>
+              <a:rPr lang="fr-FR" dirty="0" err="1"/>
+              <a:t>Critic</a:t>
+            </a:r>
+            <a:r>
+              <a:rPr lang="fr-FR" dirty="0"/>
+              <a:t> looks at the </a:t>
+            </a:r>
+            <a:r>
+              <a:rPr lang="fr-FR" dirty="0" err="1"/>
+              <a:t>associated</a:t>
+            </a:r>
+            <a:r>
+              <a:rPr lang="fr-FR" dirty="0"/>
+              <a:t> </a:t>
+            </a:r>
+            <a:r>
+              <a:rPr lang="fr-FR" dirty="0" err="1"/>
+              <a:t>reward</a:t>
+            </a:r>
+            <a:r>
+              <a:rPr lang="fr-FR" dirty="0"/>
+              <a:t> to tune the </a:t>
+            </a:r>
+            <a:r>
+              <a:rPr lang="fr-FR" dirty="0" err="1"/>
+              <a:t>policy</a:t>
+            </a:r>
+            <a:endParaRPr lang="fr-FR" dirty="0"/>
           </a:p>
         </p:txBody>
       </p:sp>
@@ -13541,6 +17892,53 @@
           <a:chExt cx="0" cy="0"/>
         </a:xfrm>
       </p:grpSpPr>
+      <p:pic>
+        <p:nvPicPr>
+          <p:cNvPr id="1026" name="Picture 2" descr="Simple Understanding of Kinematic Bicycle Model | by Yan Ding | Medium">
+            <a:extLst>
+              <a:ext uri="{FF2B5EF4-FFF2-40B4-BE49-F238E27FC236}">
+                <a16:creationId xmlns:a16="http://schemas.microsoft.com/office/drawing/2014/main" id="{5FA36EDB-82C4-02DB-F2EC-B5DBFB994401}"/>
+              </a:ext>
+            </a:extLst>
+          </p:cNvPr>
+          <p:cNvPicPr>
+            <a:picLocks noChangeAspect="1" noChangeArrowheads="1"/>
+          </p:cNvPicPr>
+          <p:nvPr/>
+        </p:nvPicPr>
+        <p:blipFill>
+          <a:blip r:embed="rId2">
+            <a:extLst>
+              <a:ext uri="{28A0092B-C50C-407E-A947-70E740481C1C}">
+                <a14:useLocalDpi xmlns:a14="http://schemas.microsoft.com/office/drawing/2010/main" val="0"/>
+              </a:ext>
+            </a:extLst>
+          </a:blip>
+          <a:srcRect/>
+          <a:stretch>
+            <a:fillRect/>
+          </a:stretch>
+        </p:blipFill>
+        <p:spPr bwMode="auto">
+          <a:xfrm>
+            <a:off x="6096000" y="3213310"/>
+            <a:ext cx="6096000" cy="2861171"/>
+          </a:xfrm>
+          <a:prstGeom prst="rect">
+            <a:avLst/>
+          </a:prstGeom>
+          <a:noFill/>
+          <a:extLst>
+            <a:ext uri="{909E8E84-426E-40DD-AFC4-6F175D3DCCD1}">
+              <a14:hiddenFill xmlns:a14="http://schemas.microsoft.com/office/drawing/2010/main">
+                <a:solidFill>
+                  <a:srgbClr val="FFFFFF"/>
+                </a:solidFill>
+              </a14:hiddenFill>
+            </a:ext>
+          </a:extLst>
+        </p:spPr>
+      </p:pic>
       <p:sp>
         <p:nvSpPr>
           <p:cNvPr id="2" name="Titre 1"/>
@@ -13558,81 +17956,503 @@
           <a:p>
             <a:r>
               <a:rPr lang="fr-FR" dirty="0"/>
-              <a:t>Introduction à l’apprentissage par renforcement</a:t>
+              <a:t>Bicycle model control</a:t>
             </a:r>
           </a:p>
         </p:txBody>
       </p:sp>
-      <p:sp>
-        <p:nvSpPr>
-          <p:cNvPr id="3" name="Espace réservé du contenu 2"/>
-          <p:cNvSpPr>
-            <a:spLocks noGrp="1"/>
-          </p:cNvSpPr>
-          <p:nvPr>
-            <p:ph idx="1"/>
-          </p:nvPr>
-        </p:nvSpPr>
-        <p:spPr/>
-        <p:txBody>
-          <a:bodyPr/>
-          <a:lstStyle/>
-          <a:p>
-            <a:r>
-              <a:rPr lang="fr-FR" dirty="0"/>
-              <a:t>DDPG : Algo de Policy </a:t>
-            </a:r>
-            <a:r>
-              <a:rPr lang="fr-FR" dirty="0" err="1"/>
-              <a:t>Iteration</a:t>
-            </a:r>
-            <a:endParaRPr lang="fr-FR" dirty="0"/>
-          </a:p>
-          <a:p>
-            <a:endParaRPr lang="fr-FR" dirty="0"/>
-          </a:p>
-          <a:p>
-            <a:r>
-              <a:rPr lang="fr-FR" dirty="0"/>
-              <a:t>Architecture </a:t>
-            </a:r>
-            <a:r>
-              <a:rPr lang="fr-FR" dirty="0" err="1"/>
-              <a:t>actor-critic</a:t>
-            </a:r>
-            <a:r>
-              <a:rPr lang="fr-FR" dirty="0"/>
-              <a:t> :</a:t>
-            </a:r>
-          </a:p>
-          <a:p>
-            <a:pPr lvl="1"/>
-            <a:r>
-              <a:rPr lang="fr-FR" dirty="0"/>
-              <a:t>Actor applique la politique actuelle selon observations (avec bruit pour </a:t>
-            </a:r>
-            <a:r>
-              <a:rPr lang="fr-FR" dirty="0" err="1"/>
-              <a:t>random</a:t>
-            </a:r>
-            <a:r>
-              <a:rPr lang="fr-FR" dirty="0"/>
-              <a:t>)</a:t>
-            </a:r>
-          </a:p>
-          <a:p>
-            <a:pPr lvl="1"/>
-            <a:r>
-              <a:rPr lang="fr-FR" dirty="0"/>
-              <a:t>Critique met a jour les valeurs de la politique</a:t>
-            </a:r>
-          </a:p>
-        </p:txBody>
-      </p:sp>
+      <mc:AlternateContent xmlns:mc="http://schemas.openxmlformats.org/markup-compatibility/2006" xmlns:a14="http://schemas.microsoft.com/office/drawing/2010/main">
+        <mc:Choice Requires="a14">
+          <p:sp>
+            <p:nvSpPr>
+              <p:cNvPr id="3" name="Espace réservé du contenu 2"/>
+              <p:cNvSpPr>
+                <a:spLocks noGrp="1"/>
+              </p:cNvSpPr>
+              <p:nvPr>
+                <p:ph idx="1"/>
+              </p:nvPr>
+            </p:nvSpPr>
+            <p:spPr>
+              <a:xfrm>
+                <a:off x="838200" y="1730375"/>
+                <a:ext cx="9135794" cy="4351338"/>
+              </a:xfrm>
+            </p:spPr>
+            <p:txBody>
+              <a:bodyPr/>
+              <a:lstStyle/>
+              <a:p>
+                <a:r>
+                  <a:rPr lang="fr-FR" dirty="0"/>
+                  <a:t>Simplified </a:t>
+                </a:r>
+                <a:r>
+                  <a:rPr lang="fr-FR" dirty="0" err="1"/>
+                  <a:t>representation</a:t>
+                </a:r>
+                <a:r>
+                  <a:rPr lang="fr-FR" dirty="0"/>
+                  <a:t> of a 4 </a:t>
+                </a:r>
+                <a:r>
+                  <a:rPr lang="fr-FR" dirty="0" err="1"/>
+                  <a:t>wheels</a:t>
+                </a:r>
+                <a:r>
+                  <a:rPr lang="fr-FR" dirty="0"/>
+                  <a:t> </a:t>
+                </a:r>
+                <a:r>
+                  <a:rPr lang="fr-FR" dirty="0" err="1"/>
+                  <a:t>vehicle</a:t>
+                </a:r>
+                <a:endParaRPr lang="fr-FR" dirty="0"/>
+              </a:p>
+              <a:p>
+                <a:endParaRPr lang="fr-FR" dirty="0"/>
+              </a:p>
+              <a:p>
+                <a:r>
+                  <a:rPr lang="fr-FR" dirty="0"/>
+                  <a:t>2 </a:t>
+                </a:r>
+                <a:r>
+                  <a:rPr lang="fr-FR" dirty="0" err="1"/>
+                  <a:t>wheels</a:t>
+                </a:r>
+                <a:r>
+                  <a:rPr lang="fr-FR" dirty="0"/>
+                  <a:t>, one </a:t>
+                </a:r>
+                <a:r>
+                  <a:rPr lang="fr-FR" dirty="0" err="1"/>
+                  <a:t>steering</a:t>
+                </a:r>
+                <a:r>
+                  <a:rPr lang="fr-FR" dirty="0"/>
+                  <a:t> </a:t>
+                </a:r>
+                <a:r>
+                  <a:rPr lang="fr-FR" dirty="0" err="1"/>
+                  <a:t>wheel</a:t>
+                </a:r>
+                <a:endParaRPr lang="fr-FR" dirty="0"/>
+              </a:p>
+              <a:p>
+                <a:endParaRPr lang="fr-FR" dirty="0"/>
+              </a:p>
+              <a:p>
+                <a:r>
+                  <a:rPr lang="fr-FR" dirty="0" err="1"/>
+                  <a:t>Represented</a:t>
+                </a:r>
+                <a:r>
+                  <a:rPr lang="fr-FR" dirty="0"/>
+                  <a:t> by a position and an orientation, </a:t>
+                </a:r>
+                <a:r>
+                  <a:rPr lang="fr-FR" dirty="0" err="1"/>
+                  <a:t>controled</a:t>
+                </a:r>
+                <a:r>
+                  <a:rPr lang="fr-FR" dirty="0"/>
+                  <a:t> by a </a:t>
+                </a:r>
+                <a:r>
+                  <a:rPr lang="fr-FR" dirty="0" err="1"/>
+                  <a:t>velocity</a:t>
+                </a:r>
+                <a:r>
+                  <a:rPr lang="fr-FR" dirty="0"/>
+                  <a:t> and a </a:t>
+                </a:r>
+                <a:r>
+                  <a:rPr lang="fr-FR" dirty="0" err="1"/>
+                  <a:t>steering</a:t>
+                </a:r>
+                <a:r>
+                  <a:rPr lang="fr-FR" dirty="0"/>
+                  <a:t> angle</a:t>
+                </a:r>
+              </a:p>
+              <a:p>
+                <a:pPr lvl="1"/>
+                <a14:m>
+                  <m:oMath xmlns:m="http://schemas.openxmlformats.org/officeDocument/2006/math">
+                    <m:sSub>
+                      <m:sSubPr>
+                        <m:ctrlPr>
+                          <a:rPr lang="fr-FR" i="1" smtClean="0">
+                            <a:latin typeface="Cambria Math" panose="02040503050406030204" pitchFamily="18" charset="0"/>
+                          </a:rPr>
+                        </m:ctrlPr>
+                      </m:sSubPr>
+                      <m:e>
+                        <m:acc>
+                          <m:accPr>
+                            <m:chr m:val="̇"/>
+                            <m:ctrlPr>
+                              <a:rPr lang="fr-FR" i="1" smtClean="0">
+                                <a:latin typeface="Cambria Math" panose="02040503050406030204" pitchFamily="18" charset="0"/>
+                              </a:rPr>
+                            </m:ctrlPr>
+                          </m:accPr>
+                          <m:e>
+                            <m:r>
+                              <a:rPr lang="fr-FR" b="0" i="1" smtClean="0">
+                                <a:latin typeface="Cambria Math" panose="02040503050406030204" pitchFamily="18" charset="0"/>
+                              </a:rPr>
+                              <m:t>𝑥</m:t>
+                            </m:r>
+                          </m:e>
+                        </m:acc>
+                      </m:e>
+                      <m:sub>
+                        <m:r>
+                          <a:rPr lang="fr-FR" b="0" i="1" smtClean="0">
+                            <a:latin typeface="Cambria Math" panose="02040503050406030204" pitchFamily="18" charset="0"/>
+                          </a:rPr>
+                          <m:t>𝑟</m:t>
+                        </m:r>
+                      </m:sub>
+                    </m:sSub>
+                    <m:r>
+                      <a:rPr lang="fr-FR" b="0" i="1" smtClean="0">
+                        <a:latin typeface="Cambria Math" panose="02040503050406030204" pitchFamily="18" charset="0"/>
+                      </a:rPr>
+                      <m:t>=</m:t>
+                    </m:r>
+                    <m:r>
+                      <a:rPr lang="fr-FR" b="0" i="1" smtClean="0">
+                        <a:latin typeface="Cambria Math" panose="02040503050406030204" pitchFamily="18" charset="0"/>
+                      </a:rPr>
+                      <m:t>𝑣</m:t>
+                    </m:r>
+                    <m:r>
+                      <a:rPr lang="fr-FR" b="0" i="1" smtClean="0">
+                        <a:latin typeface="Cambria Math" panose="02040503050406030204" pitchFamily="18" charset="0"/>
+                        <a:ea typeface="Cambria Math" panose="02040503050406030204" pitchFamily="18" charset="0"/>
+                      </a:rPr>
+                      <m:t>∙</m:t>
+                    </m:r>
+                    <m:r>
+                      <m:rPr>
+                        <m:sty m:val="p"/>
+                      </m:rPr>
+                      <a:rPr lang="fr-FR" b="0" i="0" smtClean="0">
+                        <a:latin typeface="Cambria Math" panose="02040503050406030204" pitchFamily="18" charset="0"/>
+                        <a:ea typeface="Cambria Math" panose="02040503050406030204" pitchFamily="18" charset="0"/>
+                      </a:rPr>
+                      <m:t>cos</m:t>
+                    </m:r>
+                    <m:r>
+                      <a:rPr lang="fr-FR" b="0" i="1" smtClean="0">
+                        <a:latin typeface="Cambria Math" panose="02040503050406030204" pitchFamily="18" charset="0"/>
+                        <a:ea typeface="Cambria Math" panose="02040503050406030204" pitchFamily="18" charset="0"/>
+                      </a:rPr>
+                      <m:t>⁡(</m:t>
+                    </m:r>
+                    <m:r>
+                      <a:rPr lang="fr-FR" b="0" i="1" smtClean="0">
+                        <a:latin typeface="Cambria Math" panose="02040503050406030204" pitchFamily="18" charset="0"/>
+                        <a:ea typeface="Cambria Math" panose="02040503050406030204" pitchFamily="18" charset="0"/>
+                      </a:rPr>
+                      <m:t>𝜃</m:t>
+                    </m:r>
+                    <m:r>
+                      <a:rPr lang="fr-FR" b="0" i="1" smtClean="0">
+                        <a:latin typeface="Cambria Math" panose="02040503050406030204" pitchFamily="18" charset="0"/>
+                        <a:ea typeface="Cambria Math" panose="02040503050406030204" pitchFamily="18" charset="0"/>
+                      </a:rPr>
+                      <m:t>)</m:t>
+                    </m:r>
+                  </m:oMath>
+                </a14:m>
+                <a:endParaRPr lang="fr-FR" b="0" i="1" dirty="0">
+                  <a:latin typeface="Cambria Math" panose="02040503050406030204" pitchFamily="18" charset="0"/>
+                </a:endParaRPr>
+              </a:p>
+              <a:p>
+                <a:pPr lvl="1"/>
+                <a14:m>
+                  <m:oMath xmlns:m="http://schemas.openxmlformats.org/officeDocument/2006/math">
+                    <m:sSub>
+                      <m:sSubPr>
+                        <m:ctrlPr>
+                          <a:rPr lang="fr-FR" i="1" smtClean="0">
+                            <a:latin typeface="Cambria Math" panose="02040503050406030204" pitchFamily="18" charset="0"/>
+                          </a:rPr>
+                        </m:ctrlPr>
+                      </m:sSubPr>
+                      <m:e>
+                        <m:acc>
+                          <m:accPr>
+                            <m:chr m:val="̇"/>
+                            <m:ctrlPr>
+                              <a:rPr lang="fr-FR" i="1" smtClean="0">
+                                <a:latin typeface="Cambria Math" panose="02040503050406030204" pitchFamily="18" charset="0"/>
+                              </a:rPr>
+                            </m:ctrlPr>
+                          </m:accPr>
+                          <m:e>
+                            <m:r>
+                              <a:rPr lang="fr-FR" b="0" i="1" smtClean="0">
+                                <a:latin typeface="Cambria Math" panose="02040503050406030204" pitchFamily="18" charset="0"/>
+                              </a:rPr>
+                              <m:t>𝑦</m:t>
+                            </m:r>
+                          </m:e>
+                        </m:acc>
+                      </m:e>
+                      <m:sub>
+                        <m:r>
+                          <a:rPr lang="fr-FR" b="0" i="1" smtClean="0">
+                            <a:latin typeface="Cambria Math" panose="02040503050406030204" pitchFamily="18" charset="0"/>
+                          </a:rPr>
+                          <m:t>𝑟</m:t>
+                        </m:r>
+                      </m:sub>
+                    </m:sSub>
+                    <m:r>
+                      <a:rPr lang="fr-FR" b="0" i="1" smtClean="0">
+                        <a:latin typeface="Cambria Math" panose="02040503050406030204" pitchFamily="18" charset="0"/>
+                      </a:rPr>
+                      <m:t>=</m:t>
+                    </m:r>
+                    <m:r>
+                      <a:rPr lang="fr-FR" b="0" i="1" smtClean="0">
+                        <a:latin typeface="Cambria Math" panose="02040503050406030204" pitchFamily="18" charset="0"/>
+                      </a:rPr>
+                      <m:t>𝑣</m:t>
+                    </m:r>
+                    <m:r>
+                      <a:rPr lang="fr-FR" b="0" i="1" smtClean="0">
+                        <a:latin typeface="Cambria Math" panose="02040503050406030204" pitchFamily="18" charset="0"/>
+                        <a:ea typeface="Cambria Math" panose="02040503050406030204" pitchFamily="18" charset="0"/>
+                      </a:rPr>
+                      <m:t>∙</m:t>
+                    </m:r>
+                    <m:func>
+                      <m:funcPr>
+                        <m:ctrlPr>
+                          <a:rPr lang="fr-FR" b="0" i="1" smtClean="0">
+                            <a:latin typeface="Cambria Math" panose="02040503050406030204" pitchFamily="18" charset="0"/>
+                            <a:ea typeface="Cambria Math" panose="02040503050406030204" pitchFamily="18" charset="0"/>
+                          </a:rPr>
+                        </m:ctrlPr>
+                      </m:funcPr>
+                      <m:fName>
+                        <m:r>
+                          <m:rPr>
+                            <m:sty m:val="p"/>
+                          </m:rPr>
+                          <a:rPr lang="fr-FR" b="0" i="0" smtClean="0">
+                            <a:latin typeface="Cambria Math" panose="02040503050406030204" pitchFamily="18" charset="0"/>
+                            <a:ea typeface="Cambria Math" panose="02040503050406030204" pitchFamily="18" charset="0"/>
+                          </a:rPr>
+                          <m:t>sin</m:t>
+                        </m:r>
+                      </m:fName>
+                      <m:e>
+                        <m:d>
+                          <m:dPr>
+                            <m:ctrlPr>
+                              <a:rPr lang="fr-FR" b="0" i="1" smtClean="0">
+                                <a:latin typeface="Cambria Math" panose="02040503050406030204" pitchFamily="18" charset="0"/>
+                                <a:ea typeface="Cambria Math" panose="02040503050406030204" pitchFamily="18" charset="0"/>
+                              </a:rPr>
+                            </m:ctrlPr>
+                          </m:dPr>
+                          <m:e>
+                            <m:r>
+                              <a:rPr lang="fr-FR" b="0" i="1" smtClean="0">
+                                <a:latin typeface="Cambria Math" panose="02040503050406030204" pitchFamily="18" charset="0"/>
+                                <a:ea typeface="Cambria Math" panose="02040503050406030204" pitchFamily="18" charset="0"/>
+                              </a:rPr>
+                              <m:t>𝜃</m:t>
+                            </m:r>
+                          </m:e>
+                        </m:d>
+                      </m:e>
+                    </m:func>
+                  </m:oMath>
+                </a14:m>
+                <a:endParaRPr lang="fr-FR" b="0" i="1" dirty="0">
+                  <a:latin typeface="Cambria Math" panose="02040503050406030204" pitchFamily="18" charset="0"/>
+                  <a:ea typeface="Cambria Math" panose="02040503050406030204" pitchFamily="18" charset="0"/>
+                </a:endParaRPr>
+              </a:p>
+              <a:p>
+                <a:pPr lvl="1"/>
+                <a14:m>
+                  <m:oMath xmlns:m="http://schemas.openxmlformats.org/officeDocument/2006/math">
+                    <m:acc>
+                      <m:accPr>
+                        <m:chr m:val="̇"/>
+                        <m:ctrlPr>
+                          <a:rPr lang="fr-FR" b="0" i="1" smtClean="0">
+                            <a:latin typeface="Cambria Math" panose="02040503050406030204" pitchFamily="18" charset="0"/>
+                          </a:rPr>
+                        </m:ctrlPr>
+                      </m:accPr>
+                      <m:e>
+                        <m:r>
+                          <a:rPr lang="fr-FR" b="0" i="1" smtClean="0">
+                            <a:latin typeface="Cambria Math" panose="02040503050406030204" pitchFamily="18" charset="0"/>
+                            <a:ea typeface="Cambria Math" panose="02040503050406030204" pitchFamily="18" charset="0"/>
+                          </a:rPr>
+                          <m:t>𝜃</m:t>
+                        </m:r>
+                      </m:e>
+                    </m:acc>
+                    <m:r>
+                      <a:rPr lang="fr-FR" b="0" i="1" smtClean="0">
+                        <a:latin typeface="Cambria Math" panose="02040503050406030204" pitchFamily="18" charset="0"/>
+                      </a:rPr>
+                      <m:t>= </m:t>
+                    </m:r>
+                    <m:f>
+                      <m:fPr>
+                        <m:ctrlPr>
+                          <a:rPr lang="fr-FR" b="0" i="1" smtClean="0">
+                            <a:latin typeface="Cambria Math" panose="02040503050406030204" pitchFamily="18" charset="0"/>
+                          </a:rPr>
+                        </m:ctrlPr>
+                      </m:fPr>
+                      <m:num>
+                        <m:r>
+                          <a:rPr lang="fr-FR" b="0" i="1" smtClean="0">
+                            <a:latin typeface="Cambria Math" panose="02040503050406030204" pitchFamily="18" charset="0"/>
+                          </a:rPr>
+                          <m:t>𝑣</m:t>
+                        </m:r>
+                      </m:num>
+                      <m:den>
+                        <m:r>
+                          <a:rPr lang="fr-FR" b="0" i="1" smtClean="0">
+                            <a:latin typeface="Cambria Math" panose="02040503050406030204" pitchFamily="18" charset="0"/>
+                          </a:rPr>
+                          <m:t>𝐿</m:t>
+                        </m:r>
+                      </m:den>
+                    </m:f>
+                    <m:r>
+                      <a:rPr lang="fr-FR" b="0" i="1" smtClean="0">
+                        <a:latin typeface="Cambria Math" panose="02040503050406030204" pitchFamily="18" charset="0"/>
+                        <a:ea typeface="Cambria Math" panose="02040503050406030204" pitchFamily="18" charset="0"/>
+                      </a:rPr>
+                      <m:t>∙</m:t>
+                    </m:r>
+                    <m:r>
+                      <m:rPr>
+                        <m:sty m:val="p"/>
+                      </m:rPr>
+                      <a:rPr lang="fr-FR" b="0" i="0" smtClean="0">
+                        <a:latin typeface="Cambria Math" panose="02040503050406030204" pitchFamily="18" charset="0"/>
+                        <a:ea typeface="Cambria Math" panose="02040503050406030204" pitchFamily="18" charset="0"/>
+                      </a:rPr>
+                      <m:t>tan</m:t>
+                    </m:r>
+                    <m:r>
+                      <a:rPr lang="fr-FR" b="0" i="1" smtClean="0">
+                        <a:latin typeface="Cambria Math" panose="02040503050406030204" pitchFamily="18" charset="0"/>
+                        <a:ea typeface="Cambria Math" panose="02040503050406030204" pitchFamily="18" charset="0"/>
+                      </a:rPr>
+                      <m:t>⁡(</m:t>
+                    </m:r>
+                    <m:r>
+                      <a:rPr lang="fr-FR" b="0" i="1" smtClean="0">
+                        <a:latin typeface="Cambria Math" panose="02040503050406030204" pitchFamily="18" charset="0"/>
+                        <a:ea typeface="Cambria Math" panose="02040503050406030204" pitchFamily="18" charset="0"/>
+                      </a:rPr>
+                      <m:t>𝛾</m:t>
+                    </m:r>
+                    <m:r>
+                      <a:rPr lang="fr-FR" b="0" i="1" smtClean="0">
+                        <a:latin typeface="Cambria Math" panose="02040503050406030204" pitchFamily="18" charset="0"/>
+                        <a:ea typeface="Cambria Math" panose="02040503050406030204" pitchFamily="18" charset="0"/>
+                      </a:rPr>
+                      <m:t>)</m:t>
+                    </m:r>
+                  </m:oMath>
+                </a14:m>
+                <a:endParaRPr lang="fr-FR" b="0" i="1" dirty="0">
+                  <a:latin typeface="Cambria Math" panose="02040503050406030204" pitchFamily="18" charset="0"/>
+                </a:endParaRPr>
+              </a:p>
+              <a:p>
+                <a:pPr lvl="1"/>
+                <a:endParaRPr lang="fr-FR" b="0" i="1" dirty="0">
+                  <a:latin typeface="Cambria Math" panose="02040503050406030204" pitchFamily="18" charset="0"/>
+                </a:endParaRPr>
+              </a:p>
+              <a:p>
+                <a:pPr marL="457200" lvl="1" indent="0">
+                  <a:buNone/>
+                </a:pPr>
+                <a14:m>
+                  <m:oMathPara xmlns:m="http://schemas.openxmlformats.org/officeDocument/2006/math">
+                    <m:oMathParaPr>
+                      <m:jc m:val="centerGroup"/>
+                    </m:oMathParaPr>
+                    <m:oMath xmlns:m="http://schemas.openxmlformats.org/officeDocument/2006/math">
+                      <m:r>
+                        <a:rPr lang="fr-FR" b="0" i="1" smtClean="0">
+                          <a:latin typeface="Cambria Math" panose="02040503050406030204" pitchFamily="18" charset="0"/>
+                        </a:rPr>
+                        <m:t> </m:t>
+                      </m:r>
+                    </m:oMath>
+                  </m:oMathPara>
+                </a14:m>
+                <a:endParaRPr lang="fr-FR" dirty="0"/>
+              </a:p>
+            </p:txBody>
+          </p:sp>
+        </mc:Choice>
+        <mc:Fallback xmlns="">
+          <p:sp>
+            <p:nvSpPr>
+              <p:cNvPr id="3" name="Espace réservé du contenu 2"/>
+              <p:cNvSpPr>
+                <a:spLocks noGrp="1" noRot="1" noChangeAspect="1" noMove="1" noResize="1" noEditPoints="1" noAdjustHandles="1" noChangeArrowheads="1" noChangeShapeType="1" noTextEdit="1"/>
+              </p:cNvSpPr>
+              <p:nvPr>
+                <p:ph idx="1"/>
+              </p:nvPr>
+            </p:nvSpPr>
+            <p:spPr>
+              <a:xfrm>
+                <a:off x="838200" y="1730375"/>
+                <a:ext cx="9135794" cy="4351338"/>
+              </a:xfrm>
+              <a:blipFill>
+                <a:blip r:embed="rId3"/>
+                <a:stretch>
+                  <a:fillRect l="-935" t="-1821"/>
+                </a:stretch>
+              </a:blipFill>
+            </p:spPr>
+            <p:txBody>
+              <a:bodyPr/>
+              <a:lstStyle/>
+              <a:p>
+                <a:r>
+                  <a:rPr lang="fr-FR">
+                    <a:noFill/>
+                  </a:rPr>
+                  <a:t> </a:t>
+                </a:r>
+              </a:p>
+            </p:txBody>
+          </p:sp>
+        </mc:Fallback>
+      </mc:AlternateContent>
     </p:spTree>
     <p:extLst>
       <p:ext uri="{BB962C8B-B14F-4D97-AF65-F5344CB8AC3E}">
-        <p14:creationId xmlns:p14="http://schemas.microsoft.com/office/powerpoint/2010/main" val="3265870747"/>
+        <p14:creationId xmlns:p14="http://schemas.microsoft.com/office/powerpoint/2010/main" val="606159236"/>
       </p:ext>
     </p:extLst>
   </p:cSld>
@@ -13676,63 +18496,771 @@
           <a:p>
             <a:r>
               <a:rPr lang="fr-FR" dirty="0"/>
-              <a:t>Introduction au modèle bicyclette</a:t>
+              <a:t>Bicycle model control</a:t>
             </a:r>
           </a:p>
         </p:txBody>
       </p:sp>
-      <p:sp>
-        <p:nvSpPr>
-          <p:cNvPr id="3" name="Espace réservé du contenu 2"/>
-          <p:cNvSpPr>
-            <a:spLocks noGrp="1"/>
-          </p:cNvSpPr>
-          <p:nvPr>
-            <p:ph idx="1"/>
-          </p:nvPr>
-        </p:nvSpPr>
-        <p:spPr/>
-        <p:txBody>
-          <a:bodyPr/>
-          <a:lstStyle/>
-          <a:p>
-            <a:r>
-              <a:rPr lang="fr-FR" dirty="0"/>
-              <a:t>Représentation simplifiée de véhicules à 4 roues</a:t>
-            </a:r>
-          </a:p>
-          <a:p>
-            <a:endParaRPr lang="fr-FR" dirty="0"/>
-          </a:p>
-          <a:p>
-            <a:r>
-              <a:rPr lang="fr-FR" dirty="0"/>
-              <a:t>Deux roues et une seule peut tourner</a:t>
-            </a:r>
-          </a:p>
-          <a:p>
-            <a:endParaRPr lang="fr-FR" dirty="0"/>
-          </a:p>
-          <a:p>
-            <a:r>
-              <a:rPr lang="fr-FR" dirty="0"/>
-              <a:t>Représenté par une vélocité, une orientation et un </a:t>
-            </a:r>
-            <a:r>
-              <a:rPr lang="fr-FR" dirty="0" err="1"/>
-              <a:t>steering</a:t>
-            </a:r>
-            <a:r>
-              <a:rPr lang="fr-FR" dirty="0"/>
-              <a:t> angle (angle de braquage)</a:t>
-            </a:r>
-          </a:p>
-        </p:txBody>
-      </p:sp>
+      <mc:AlternateContent xmlns:mc="http://schemas.openxmlformats.org/markup-compatibility/2006" xmlns:a14="http://schemas.microsoft.com/office/drawing/2010/main">
+        <mc:Choice Requires="a14">
+          <p:sp>
+            <p:nvSpPr>
+              <p:cNvPr id="6" name="Espace réservé du contenu 2">
+                <a:extLst>
+                  <a:ext uri="{FF2B5EF4-FFF2-40B4-BE49-F238E27FC236}">
+                    <a16:creationId xmlns:a16="http://schemas.microsoft.com/office/drawing/2014/main" id="{1A9CCBD4-36E9-E152-C880-71929BE43EE4}"/>
+                  </a:ext>
+                </a:extLst>
+              </p:cNvPr>
+              <p:cNvSpPr>
+                <a:spLocks noGrp="1"/>
+              </p:cNvSpPr>
+              <p:nvPr>
+                <p:ph idx="1"/>
+              </p:nvPr>
+            </p:nvSpPr>
+            <p:spPr>
+              <a:xfrm>
+                <a:off x="838200" y="1730375"/>
+                <a:ext cx="10515600" cy="4351338"/>
+              </a:xfrm>
+            </p:spPr>
+            <p:txBody>
+              <a:bodyPr/>
+              <a:lstStyle/>
+              <a:p>
+                <a:r>
+                  <a:rPr lang="fr-FR" dirty="0"/>
+                  <a:t>To </a:t>
+                </a:r>
+                <a:r>
+                  <a:rPr lang="fr-FR" dirty="0" err="1"/>
+                  <a:t>get</a:t>
+                </a:r>
+                <a:r>
+                  <a:rPr lang="fr-FR" dirty="0"/>
+                  <a:t> </a:t>
+                </a:r>
+                <a:r>
+                  <a:rPr lang="fr-FR" dirty="0" err="1"/>
+                  <a:t>started</a:t>
+                </a:r>
+                <a:r>
+                  <a:rPr lang="fr-FR" dirty="0"/>
+                  <a:t> =&gt; </a:t>
+                </a:r>
+                <a:r>
+                  <a:rPr lang="fr-FR" dirty="0" err="1"/>
+                  <a:t>work</a:t>
+                </a:r>
+                <a:r>
+                  <a:rPr lang="fr-FR" dirty="0"/>
+                  <a:t> of Peter </a:t>
+                </a:r>
+                <a:r>
+                  <a:rPr lang="fr-FR" dirty="0" err="1"/>
+                  <a:t>Corke</a:t>
+                </a:r>
+                <a:endParaRPr lang="fr-FR" dirty="0"/>
+              </a:p>
+              <a:p>
+                <a:endParaRPr lang="fr-FR" dirty="0"/>
+              </a:p>
+              <a:p>
+                <a:r>
+                  <a:rPr lang="fr-FR" dirty="0"/>
+                  <a:t>Point to point control</a:t>
+                </a:r>
+              </a:p>
+              <a:p>
+                <a:pPr lvl="1">
+                  <a:buFont typeface="Courier New" panose="02070309020205020404" pitchFamily="49" charset="0"/>
+                  <a:buChar char="o"/>
+                </a:pPr>
+                <a:r>
+                  <a:rPr lang="fr-FR" dirty="0"/>
+                  <a:t>Goal of </a:t>
+                </a:r>
+                <a:r>
+                  <a:rPr lang="fr-FR" dirty="0" err="1"/>
+                  <a:t>coordinates</a:t>
+                </a:r>
+                <a:r>
+                  <a:rPr lang="fr-FR" dirty="0"/>
+                  <a:t> </a:t>
+                </a:r>
+                <a14:m>
+                  <m:oMath xmlns:m="http://schemas.openxmlformats.org/officeDocument/2006/math">
+                    <m:d>
+                      <m:dPr>
+                        <m:ctrlPr>
+                          <a:rPr lang="fr-FR" i="1">
+                            <a:latin typeface="Cambria Math" panose="02040503050406030204" pitchFamily="18" charset="0"/>
+                          </a:rPr>
+                        </m:ctrlPr>
+                      </m:dPr>
+                      <m:e>
+                        <m:sSub>
+                          <m:sSubPr>
+                            <m:ctrlPr>
+                              <a:rPr lang="fr-FR" i="1" smtClean="0">
+                                <a:latin typeface="Cambria Math" panose="02040503050406030204" pitchFamily="18" charset="0"/>
+                              </a:rPr>
+                            </m:ctrlPr>
+                          </m:sSubPr>
+                          <m:e>
+                            <m:r>
+                              <a:rPr lang="fr-FR" b="0" i="1" smtClean="0">
+                                <a:latin typeface="Cambria Math" panose="02040503050406030204" pitchFamily="18" charset="0"/>
+                              </a:rPr>
+                              <m:t>𝑥</m:t>
+                            </m:r>
+                          </m:e>
+                          <m:sub>
+                            <m:r>
+                              <a:rPr lang="fr-FR" b="0" i="1" smtClean="0">
+                                <a:latin typeface="Cambria Math" panose="02040503050406030204" pitchFamily="18" charset="0"/>
+                              </a:rPr>
+                              <m:t>𝑔</m:t>
+                            </m:r>
+                          </m:sub>
+                        </m:sSub>
+                        <m:r>
+                          <a:rPr lang="fr-FR" i="1">
+                            <a:latin typeface="Cambria Math" panose="02040503050406030204" pitchFamily="18" charset="0"/>
+                          </a:rPr>
+                          <m:t>, </m:t>
+                        </m:r>
+                        <m:sSub>
+                          <m:sSubPr>
+                            <m:ctrlPr>
+                              <a:rPr lang="fr-FR" i="1" smtClean="0">
+                                <a:latin typeface="Cambria Math" panose="02040503050406030204" pitchFamily="18" charset="0"/>
+                              </a:rPr>
+                            </m:ctrlPr>
+                          </m:sSubPr>
+                          <m:e>
+                            <m:r>
+                              <a:rPr lang="fr-FR" b="0" i="1" smtClean="0">
+                                <a:latin typeface="Cambria Math" panose="02040503050406030204" pitchFamily="18" charset="0"/>
+                              </a:rPr>
+                              <m:t>𝑦</m:t>
+                            </m:r>
+                          </m:e>
+                          <m:sub>
+                            <m:r>
+                              <a:rPr lang="fr-FR" b="0" i="1" smtClean="0">
+                                <a:latin typeface="Cambria Math" panose="02040503050406030204" pitchFamily="18" charset="0"/>
+                              </a:rPr>
+                              <m:t>𝑔</m:t>
+                            </m:r>
+                          </m:sub>
+                        </m:sSub>
+                      </m:e>
+                    </m:d>
+                  </m:oMath>
+                </a14:m>
+                <a:endParaRPr lang="fr-FR" dirty="0"/>
+              </a:p>
+              <a:p>
+                <a:pPr lvl="1">
+                  <a:buFont typeface="Courier New" panose="02070309020205020404" pitchFamily="49" charset="0"/>
+                  <a:buChar char="o"/>
+                </a:pPr>
+                <a:endParaRPr lang="fr-FR" dirty="0"/>
+              </a:p>
+              <a:p>
+                <a:pPr lvl="1">
+                  <a:buFont typeface="Courier New" panose="02070309020205020404" pitchFamily="49" charset="0"/>
+                  <a:buChar char="o"/>
+                </a:pPr>
+                <a14:m>
+                  <m:oMath xmlns:m="http://schemas.openxmlformats.org/officeDocument/2006/math">
+                    <m:r>
+                      <a:rPr lang="fr-FR" b="0" i="1" smtClean="0">
+                        <a:latin typeface="Cambria Math" panose="02040503050406030204" pitchFamily="18" charset="0"/>
+                      </a:rPr>
+                      <m:t>𝑣</m:t>
+                    </m:r>
+                    <m:r>
+                      <a:rPr lang="fr-FR" b="0" i="1" smtClean="0">
+                        <a:latin typeface="Cambria Math" panose="02040503050406030204" pitchFamily="18" charset="0"/>
+                      </a:rPr>
+                      <m:t>=</m:t>
+                    </m:r>
+                    <m:sSub>
+                      <m:sSubPr>
+                        <m:ctrlPr>
+                          <a:rPr lang="fr-FR" b="0" i="1" smtClean="0">
+                            <a:latin typeface="Cambria Math" panose="02040503050406030204" pitchFamily="18" charset="0"/>
+                          </a:rPr>
+                        </m:ctrlPr>
+                      </m:sSubPr>
+                      <m:e>
+                        <m:r>
+                          <a:rPr lang="fr-FR" b="0" i="1" smtClean="0">
+                            <a:latin typeface="Cambria Math" panose="02040503050406030204" pitchFamily="18" charset="0"/>
+                          </a:rPr>
+                          <m:t>𝐾</m:t>
+                        </m:r>
+                      </m:e>
+                      <m:sub>
+                        <m:r>
+                          <a:rPr lang="fr-FR" b="0" i="1" smtClean="0">
+                            <a:latin typeface="Cambria Math" panose="02040503050406030204" pitchFamily="18" charset="0"/>
+                          </a:rPr>
+                          <m:t>𝑣</m:t>
+                        </m:r>
+                      </m:sub>
+                    </m:sSub>
+                    <m:r>
+                      <a:rPr lang="fr-FR" b="0" i="1" smtClean="0">
+                        <a:latin typeface="Cambria Math" panose="02040503050406030204" pitchFamily="18" charset="0"/>
+                        <a:ea typeface="Cambria Math" panose="02040503050406030204" pitchFamily="18" charset="0"/>
+                      </a:rPr>
+                      <m:t>∙</m:t>
+                    </m:r>
+                    <m:rad>
+                      <m:radPr>
+                        <m:degHide m:val="on"/>
+                        <m:ctrlPr>
+                          <a:rPr lang="fr-FR" b="0" i="1" smtClean="0">
+                            <a:latin typeface="Cambria Math" panose="02040503050406030204" pitchFamily="18" charset="0"/>
+                            <a:ea typeface="Cambria Math" panose="02040503050406030204" pitchFamily="18" charset="0"/>
+                          </a:rPr>
+                        </m:ctrlPr>
+                      </m:radPr>
+                      <m:deg/>
+                      <m:e>
+                        <m:sSup>
+                          <m:sSupPr>
+                            <m:ctrlPr>
+                              <a:rPr lang="fr-FR" b="0" i="1" smtClean="0">
+                                <a:latin typeface="Cambria Math" panose="02040503050406030204" pitchFamily="18" charset="0"/>
+                                <a:ea typeface="Cambria Math" panose="02040503050406030204" pitchFamily="18" charset="0"/>
+                              </a:rPr>
+                            </m:ctrlPr>
+                          </m:sSupPr>
+                          <m:e>
+                            <m:d>
+                              <m:dPr>
+                                <m:ctrlPr>
+                                  <a:rPr lang="fr-FR" b="0" i="1" smtClean="0">
+                                    <a:latin typeface="Cambria Math" panose="02040503050406030204" pitchFamily="18" charset="0"/>
+                                    <a:ea typeface="Cambria Math" panose="02040503050406030204" pitchFamily="18" charset="0"/>
+                                  </a:rPr>
+                                </m:ctrlPr>
+                              </m:dPr>
+                              <m:e>
+                                <m:sSub>
+                                  <m:sSubPr>
+                                    <m:ctrlPr>
+                                      <a:rPr lang="fr-FR" b="0" i="1" smtClean="0">
+                                        <a:latin typeface="Cambria Math" panose="02040503050406030204" pitchFamily="18" charset="0"/>
+                                        <a:ea typeface="Cambria Math" panose="02040503050406030204" pitchFamily="18" charset="0"/>
+                                      </a:rPr>
+                                    </m:ctrlPr>
+                                  </m:sSubPr>
+                                  <m:e>
+                                    <m:r>
+                                      <a:rPr lang="fr-FR" b="0" i="1" smtClean="0">
+                                        <a:latin typeface="Cambria Math" panose="02040503050406030204" pitchFamily="18" charset="0"/>
+                                        <a:ea typeface="Cambria Math" panose="02040503050406030204" pitchFamily="18" charset="0"/>
+                                      </a:rPr>
+                                      <m:t>𝑥</m:t>
+                                    </m:r>
+                                  </m:e>
+                                  <m:sub>
+                                    <m:r>
+                                      <a:rPr lang="fr-FR" b="0" i="1" smtClean="0">
+                                        <a:latin typeface="Cambria Math" panose="02040503050406030204" pitchFamily="18" charset="0"/>
+                                        <a:ea typeface="Cambria Math" panose="02040503050406030204" pitchFamily="18" charset="0"/>
+                                      </a:rPr>
+                                      <m:t>𝑔</m:t>
+                                    </m:r>
+                                  </m:sub>
+                                </m:sSub>
+                                <m:r>
+                                  <a:rPr lang="fr-FR" b="0" i="1" smtClean="0">
+                                    <a:latin typeface="Cambria Math" panose="02040503050406030204" pitchFamily="18" charset="0"/>
+                                    <a:ea typeface="Cambria Math" panose="02040503050406030204" pitchFamily="18" charset="0"/>
+                                  </a:rPr>
+                                  <m:t>−</m:t>
+                                </m:r>
+                                <m:sSub>
+                                  <m:sSubPr>
+                                    <m:ctrlPr>
+                                      <a:rPr lang="fr-FR" b="0" i="1" smtClean="0">
+                                        <a:latin typeface="Cambria Math" panose="02040503050406030204" pitchFamily="18" charset="0"/>
+                                        <a:ea typeface="Cambria Math" panose="02040503050406030204" pitchFamily="18" charset="0"/>
+                                      </a:rPr>
+                                    </m:ctrlPr>
+                                  </m:sSubPr>
+                                  <m:e>
+                                    <m:r>
+                                      <a:rPr lang="fr-FR" b="0" i="1" smtClean="0">
+                                        <a:latin typeface="Cambria Math" panose="02040503050406030204" pitchFamily="18" charset="0"/>
+                                        <a:ea typeface="Cambria Math" panose="02040503050406030204" pitchFamily="18" charset="0"/>
+                                      </a:rPr>
+                                      <m:t>𝑥</m:t>
+                                    </m:r>
+                                  </m:e>
+                                  <m:sub>
+                                    <m:r>
+                                      <a:rPr lang="fr-FR" b="0" i="1" smtClean="0">
+                                        <a:latin typeface="Cambria Math" panose="02040503050406030204" pitchFamily="18" charset="0"/>
+                                        <a:ea typeface="Cambria Math" panose="02040503050406030204" pitchFamily="18" charset="0"/>
+                                      </a:rPr>
+                                      <m:t>𝑟</m:t>
+                                    </m:r>
+                                  </m:sub>
+                                </m:sSub>
+                              </m:e>
+                            </m:d>
+                          </m:e>
+                          <m:sup>
+                            <m:r>
+                              <a:rPr lang="fr-FR" b="0" i="1" smtClean="0">
+                                <a:latin typeface="Cambria Math" panose="02040503050406030204" pitchFamily="18" charset="0"/>
+                                <a:ea typeface="Cambria Math" panose="02040503050406030204" pitchFamily="18" charset="0"/>
+                              </a:rPr>
+                              <m:t>2</m:t>
+                            </m:r>
+                          </m:sup>
+                        </m:sSup>
+                        <m:r>
+                          <a:rPr lang="fr-FR" b="0" i="1" smtClean="0">
+                            <a:latin typeface="Cambria Math" panose="02040503050406030204" pitchFamily="18" charset="0"/>
+                            <a:ea typeface="Cambria Math" panose="02040503050406030204" pitchFamily="18" charset="0"/>
+                          </a:rPr>
+                          <m:t>+</m:t>
+                        </m:r>
+                        <m:sSup>
+                          <m:sSupPr>
+                            <m:ctrlPr>
+                              <a:rPr lang="fr-FR" i="1">
+                                <a:latin typeface="Cambria Math" panose="02040503050406030204" pitchFamily="18" charset="0"/>
+                                <a:ea typeface="Cambria Math" panose="02040503050406030204" pitchFamily="18" charset="0"/>
+                              </a:rPr>
+                            </m:ctrlPr>
+                          </m:sSupPr>
+                          <m:e>
+                            <m:d>
+                              <m:dPr>
+                                <m:ctrlPr>
+                                  <a:rPr lang="fr-FR" i="1">
+                                    <a:latin typeface="Cambria Math" panose="02040503050406030204" pitchFamily="18" charset="0"/>
+                                    <a:ea typeface="Cambria Math" panose="02040503050406030204" pitchFamily="18" charset="0"/>
+                                  </a:rPr>
+                                </m:ctrlPr>
+                              </m:dPr>
+                              <m:e>
+                                <m:sSub>
+                                  <m:sSubPr>
+                                    <m:ctrlPr>
+                                      <a:rPr lang="fr-FR" i="1" smtClean="0">
+                                        <a:latin typeface="Cambria Math" panose="02040503050406030204" pitchFamily="18" charset="0"/>
+                                        <a:ea typeface="Cambria Math" panose="02040503050406030204" pitchFamily="18" charset="0"/>
+                                      </a:rPr>
+                                    </m:ctrlPr>
+                                  </m:sSubPr>
+                                  <m:e>
+                                    <m:r>
+                                      <a:rPr lang="fr-FR" b="0" i="1" smtClean="0">
+                                        <a:latin typeface="Cambria Math" panose="02040503050406030204" pitchFamily="18" charset="0"/>
+                                        <a:ea typeface="Cambria Math" panose="02040503050406030204" pitchFamily="18" charset="0"/>
+                                      </a:rPr>
+                                      <m:t>𝑦</m:t>
+                                    </m:r>
+                                  </m:e>
+                                  <m:sub>
+                                    <m:r>
+                                      <a:rPr lang="fr-FR" i="1">
+                                        <a:latin typeface="Cambria Math" panose="02040503050406030204" pitchFamily="18" charset="0"/>
+                                        <a:ea typeface="Cambria Math" panose="02040503050406030204" pitchFamily="18" charset="0"/>
+                                      </a:rPr>
+                                      <m:t>𝑔</m:t>
+                                    </m:r>
+                                  </m:sub>
+                                </m:sSub>
+                                <m:r>
+                                  <a:rPr lang="fr-FR" i="1">
+                                    <a:latin typeface="Cambria Math" panose="02040503050406030204" pitchFamily="18" charset="0"/>
+                                    <a:ea typeface="Cambria Math" panose="02040503050406030204" pitchFamily="18" charset="0"/>
+                                  </a:rPr>
+                                  <m:t>−</m:t>
+                                </m:r>
+                                <m:sSub>
+                                  <m:sSubPr>
+                                    <m:ctrlPr>
+                                      <a:rPr lang="fr-FR" i="1">
+                                        <a:latin typeface="Cambria Math" panose="02040503050406030204" pitchFamily="18" charset="0"/>
+                                        <a:ea typeface="Cambria Math" panose="02040503050406030204" pitchFamily="18" charset="0"/>
+                                      </a:rPr>
+                                    </m:ctrlPr>
+                                  </m:sSubPr>
+                                  <m:e>
+                                    <m:r>
+                                      <a:rPr lang="fr-FR" b="0" i="1" smtClean="0">
+                                        <a:latin typeface="Cambria Math" panose="02040503050406030204" pitchFamily="18" charset="0"/>
+                                        <a:ea typeface="Cambria Math" panose="02040503050406030204" pitchFamily="18" charset="0"/>
+                                      </a:rPr>
+                                      <m:t>𝑦</m:t>
+                                    </m:r>
+                                  </m:e>
+                                  <m:sub>
+                                    <m:r>
+                                      <a:rPr lang="fr-FR" i="1">
+                                        <a:latin typeface="Cambria Math" panose="02040503050406030204" pitchFamily="18" charset="0"/>
+                                        <a:ea typeface="Cambria Math" panose="02040503050406030204" pitchFamily="18" charset="0"/>
+                                      </a:rPr>
+                                      <m:t>𝑟</m:t>
+                                    </m:r>
+                                  </m:sub>
+                                </m:sSub>
+                              </m:e>
+                            </m:d>
+                          </m:e>
+                          <m:sup>
+                            <m:r>
+                              <a:rPr lang="fr-FR" i="1">
+                                <a:latin typeface="Cambria Math" panose="02040503050406030204" pitchFamily="18" charset="0"/>
+                                <a:ea typeface="Cambria Math" panose="02040503050406030204" pitchFamily="18" charset="0"/>
+                              </a:rPr>
+                              <m:t>2</m:t>
+                            </m:r>
+                          </m:sup>
+                        </m:sSup>
+                      </m:e>
+                    </m:rad>
+                  </m:oMath>
+                </a14:m>
+                <a:endParaRPr lang="fr-FR" dirty="0"/>
+              </a:p>
+              <a:p>
+                <a:pPr lvl="1">
+                  <a:buFont typeface="Courier New" panose="02070309020205020404" pitchFamily="49" charset="0"/>
+                  <a:buChar char="o"/>
+                </a:pPr>
+                <a14:m>
+                  <m:oMath xmlns:m="http://schemas.openxmlformats.org/officeDocument/2006/math">
+                    <m:r>
+                      <a:rPr lang="fr-FR" i="1" smtClean="0">
+                        <a:latin typeface="Cambria Math" panose="02040503050406030204" pitchFamily="18" charset="0"/>
+                        <a:ea typeface="Cambria Math" panose="02040503050406030204" pitchFamily="18" charset="0"/>
+                      </a:rPr>
+                      <m:t>𝛾</m:t>
+                    </m:r>
+                    <m:r>
+                      <a:rPr lang="fr-FR" b="0" i="1" smtClean="0">
+                        <a:latin typeface="Cambria Math" panose="02040503050406030204" pitchFamily="18" charset="0"/>
+                        <a:ea typeface="Cambria Math" panose="02040503050406030204" pitchFamily="18" charset="0"/>
+                      </a:rPr>
+                      <m:t>=</m:t>
+                    </m:r>
+                    <m:sSub>
+                      <m:sSubPr>
+                        <m:ctrlPr>
+                          <a:rPr lang="fr-FR" b="0" i="1" smtClean="0">
+                            <a:latin typeface="Cambria Math" panose="02040503050406030204" pitchFamily="18" charset="0"/>
+                            <a:ea typeface="Cambria Math" panose="02040503050406030204" pitchFamily="18" charset="0"/>
+                          </a:rPr>
+                        </m:ctrlPr>
+                      </m:sSubPr>
+                      <m:e>
+                        <m:r>
+                          <a:rPr lang="fr-FR" b="0" i="1" smtClean="0">
+                            <a:latin typeface="Cambria Math" panose="02040503050406030204" pitchFamily="18" charset="0"/>
+                            <a:ea typeface="Cambria Math" panose="02040503050406030204" pitchFamily="18" charset="0"/>
+                          </a:rPr>
+                          <m:t>𝐾</m:t>
+                        </m:r>
+                      </m:e>
+                      <m:sub>
+                        <m:r>
+                          <a:rPr lang="fr-FR" b="0" i="1" smtClean="0">
+                            <a:latin typeface="Cambria Math" panose="02040503050406030204" pitchFamily="18" charset="0"/>
+                            <a:ea typeface="Cambria Math" panose="02040503050406030204" pitchFamily="18" charset="0"/>
+                          </a:rPr>
+                          <m:t>h</m:t>
+                        </m:r>
+                      </m:sub>
+                    </m:sSub>
+                    <m:r>
+                      <a:rPr lang="fr-FR" b="0" i="1" smtClean="0">
+                        <a:latin typeface="Cambria Math" panose="02040503050406030204" pitchFamily="18" charset="0"/>
+                        <a:ea typeface="Cambria Math" panose="02040503050406030204" pitchFamily="18" charset="0"/>
+                      </a:rPr>
+                      <m:t>∙(</m:t>
+                    </m:r>
+                    <m:sSup>
+                      <m:sSupPr>
+                        <m:ctrlPr>
+                          <a:rPr lang="fr-FR" b="0" i="1" smtClean="0">
+                            <a:latin typeface="Cambria Math" panose="02040503050406030204" pitchFamily="18" charset="0"/>
+                            <a:ea typeface="Cambria Math" panose="02040503050406030204" pitchFamily="18" charset="0"/>
+                          </a:rPr>
+                        </m:ctrlPr>
+                      </m:sSupPr>
+                      <m:e>
+                        <m:r>
+                          <a:rPr lang="fr-FR" b="0" i="1" smtClean="0">
+                            <a:latin typeface="Cambria Math" panose="02040503050406030204" pitchFamily="18" charset="0"/>
+                            <a:ea typeface="Cambria Math" panose="02040503050406030204" pitchFamily="18" charset="0"/>
+                          </a:rPr>
+                          <m:t>𝑡𝑎𝑛</m:t>
+                        </m:r>
+                      </m:e>
+                      <m:sup>
+                        <m:r>
+                          <a:rPr lang="fr-FR" b="0" i="1" smtClean="0">
+                            <a:latin typeface="Cambria Math" panose="02040503050406030204" pitchFamily="18" charset="0"/>
+                            <a:ea typeface="Cambria Math" panose="02040503050406030204" pitchFamily="18" charset="0"/>
+                          </a:rPr>
+                          <m:t>−1</m:t>
+                        </m:r>
+                      </m:sup>
+                    </m:sSup>
+                    <m:d>
+                      <m:dPr>
+                        <m:ctrlPr>
+                          <a:rPr lang="fr-FR" b="0" i="1" smtClean="0">
+                            <a:latin typeface="Cambria Math" panose="02040503050406030204" pitchFamily="18" charset="0"/>
+                            <a:ea typeface="Cambria Math" panose="02040503050406030204" pitchFamily="18" charset="0"/>
+                          </a:rPr>
+                        </m:ctrlPr>
+                      </m:dPr>
+                      <m:e>
+                        <m:f>
+                          <m:fPr>
+                            <m:ctrlPr>
+                              <a:rPr lang="fr-FR" b="0" i="1" smtClean="0">
+                                <a:latin typeface="Cambria Math" panose="02040503050406030204" pitchFamily="18" charset="0"/>
+                                <a:ea typeface="Cambria Math" panose="02040503050406030204" pitchFamily="18" charset="0"/>
+                              </a:rPr>
+                            </m:ctrlPr>
+                          </m:fPr>
+                          <m:num>
+                            <m:sSub>
+                              <m:sSubPr>
+                                <m:ctrlPr>
+                                  <a:rPr lang="fr-FR" i="1">
+                                    <a:latin typeface="Cambria Math" panose="02040503050406030204" pitchFamily="18" charset="0"/>
+                                    <a:ea typeface="Cambria Math" panose="02040503050406030204" pitchFamily="18" charset="0"/>
+                                  </a:rPr>
+                                </m:ctrlPr>
+                              </m:sSubPr>
+                              <m:e>
+                                <m:r>
+                                  <a:rPr lang="fr-FR" i="1">
+                                    <a:latin typeface="Cambria Math" panose="02040503050406030204" pitchFamily="18" charset="0"/>
+                                    <a:ea typeface="Cambria Math" panose="02040503050406030204" pitchFamily="18" charset="0"/>
+                                  </a:rPr>
+                                  <m:t>𝑦</m:t>
+                                </m:r>
+                              </m:e>
+                              <m:sub>
+                                <m:r>
+                                  <a:rPr lang="fr-FR" i="1">
+                                    <a:latin typeface="Cambria Math" panose="02040503050406030204" pitchFamily="18" charset="0"/>
+                                    <a:ea typeface="Cambria Math" panose="02040503050406030204" pitchFamily="18" charset="0"/>
+                                  </a:rPr>
+                                  <m:t>𝑔</m:t>
+                                </m:r>
+                              </m:sub>
+                            </m:sSub>
+                            <m:r>
+                              <a:rPr lang="fr-FR" i="1">
+                                <a:latin typeface="Cambria Math" panose="02040503050406030204" pitchFamily="18" charset="0"/>
+                                <a:ea typeface="Cambria Math" panose="02040503050406030204" pitchFamily="18" charset="0"/>
+                              </a:rPr>
+                              <m:t>−</m:t>
+                            </m:r>
+                            <m:sSub>
+                              <m:sSubPr>
+                                <m:ctrlPr>
+                                  <a:rPr lang="fr-FR" i="1">
+                                    <a:latin typeface="Cambria Math" panose="02040503050406030204" pitchFamily="18" charset="0"/>
+                                    <a:ea typeface="Cambria Math" panose="02040503050406030204" pitchFamily="18" charset="0"/>
+                                  </a:rPr>
+                                </m:ctrlPr>
+                              </m:sSubPr>
+                              <m:e>
+                                <m:r>
+                                  <a:rPr lang="fr-FR" i="1">
+                                    <a:latin typeface="Cambria Math" panose="02040503050406030204" pitchFamily="18" charset="0"/>
+                                    <a:ea typeface="Cambria Math" panose="02040503050406030204" pitchFamily="18" charset="0"/>
+                                  </a:rPr>
+                                  <m:t>𝑦</m:t>
+                                </m:r>
+                              </m:e>
+                              <m:sub>
+                                <m:r>
+                                  <a:rPr lang="fr-FR" i="1">
+                                    <a:latin typeface="Cambria Math" panose="02040503050406030204" pitchFamily="18" charset="0"/>
+                                    <a:ea typeface="Cambria Math" panose="02040503050406030204" pitchFamily="18" charset="0"/>
+                                  </a:rPr>
+                                  <m:t>𝑟</m:t>
+                                </m:r>
+                              </m:sub>
+                            </m:sSub>
+                          </m:num>
+                          <m:den>
+                            <m:sSub>
+                              <m:sSubPr>
+                                <m:ctrlPr>
+                                  <a:rPr lang="fr-FR" i="1">
+                                    <a:latin typeface="Cambria Math" panose="02040503050406030204" pitchFamily="18" charset="0"/>
+                                    <a:ea typeface="Cambria Math" panose="02040503050406030204" pitchFamily="18" charset="0"/>
+                                  </a:rPr>
+                                </m:ctrlPr>
+                              </m:sSubPr>
+                              <m:e>
+                                <m:r>
+                                  <a:rPr lang="fr-FR" i="1">
+                                    <a:latin typeface="Cambria Math" panose="02040503050406030204" pitchFamily="18" charset="0"/>
+                                    <a:ea typeface="Cambria Math" panose="02040503050406030204" pitchFamily="18" charset="0"/>
+                                  </a:rPr>
+                                  <m:t>𝑥</m:t>
+                                </m:r>
+                              </m:e>
+                              <m:sub>
+                                <m:r>
+                                  <a:rPr lang="fr-FR" i="1">
+                                    <a:latin typeface="Cambria Math" panose="02040503050406030204" pitchFamily="18" charset="0"/>
+                                    <a:ea typeface="Cambria Math" panose="02040503050406030204" pitchFamily="18" charset="0"/>
+                                  </a:rPr>
+                                  <m:t>𝑔</m:t>
+                                </m:r>
+                              </m:sub>
+                            </m:sSub>
+                            <m:r>
+                              <a:rPr lang="fr-FR" i="1">
+                                <a:latin typeface="Cambria Math" panose="02040503050406030204" pitchFamily="18" charset="0"/>
+                                <a:ea typeface="Cambria Math" panose="02040503050406030204" pitchFamily="18" charset="0"/>
+                              </a:rPr>
+                              <m:t>−</m:t>
+                            </m:r>
+                            <m:sSub>
+                              <m:sSubPr>
+                                <m:ctrlPr>
+                                  <a:rPr lang="fr-FR" i="1">
+                                    <a:latin typeface="Cambria Math" panose="02040503050406030204" pitchFamily="18" charset="0"/>
+                                    <a:ea typeface="Cambria Math" panose="02040503050406030204" pitchFamily="18" charset="0"/>
+                                  </a:rPr>
+                                </m:ctrlPr>
+                              </m:sSubPr>
+                              <m:e>
+                                <m:r>
+                                  <a:rPr lang="fr-FR" i="1">
+                                    <a:latin typeface="Cambria Math" panose="02040503050406030204" pitchFamily="18" charset="0"/>
+                                    <a:ea typeface="Cambria Math" panose="02040503050406030204" pitchFamily="18" charset="0"/>
+                                  </a:rPr>
+                                  <m:t>𝑥</m:t>
+                                </m:r>
+                              </m:e>
+                              <m:sub>
+                                <m:r>
+                                  <a:rPr lang="fr-FR" i="1">
+                                    <a:latin typeface="Cambria Math" panose="02040503050406030204" pitchFamily="18" charset="0"/>
+                                    <a:ea typeface="Cambria Math" panose="02040503050406030204" pitchFamily="18" charset="0"/>
+                                  </a:rPr>
+                                  <m:t>𝑟</m:t>
+                                </m:r>
+                              </m:sub>
+                            </m:sSub>
+                          </m:den>
+                        </m:f>
+                      </m:e>
+                    </m:d>
+                    <m:r>
+                      <a:rPr lang="fr-FR" b="0" i="1" smtClean="0">
+                        <a:latin typeface="Cambria Math" panose="02040503050406030204" pitchFamily="18" charset="0"/>
+                        <a:ea typeface="Cambria Math" panose="02040503050406030204" pitchFamily="18" charset="0"/>
+                      </a:rPr>
+                      <m:t>−</m:t>
+                    </m:r>
+                    <m:r>
+                      <a:rPr lang="fr-FR" b="0" i="1" smtClean="0">
+                        <a:latin typeface="Cambria Math" panose="02040503050406030204" pitchFamily="18" charset="0"/>
+                        <a:ea typeface="Cambria Math" panose="02040503050406030204" pitchFamily="18" charset="0"/>
+                      </a:rPr>
+                      <m:t>𝜃</m:t>
+                    </m:r>
+                    <m:r>
+                      <a:rPr lang="fr-FR" b="0" i="1" smtClean="0">
+                        <a:latin typeface="Cambria Math" panose="02040503050406030204" pitchFamily="18" charset="0"/>
+                        <a:ea typeface="Cambria Math" panose="02040503050406030204" pitchFamily="18" charset="0"/>
+                      </a:rPr>
+                      <m:t>)</m:t>
+                    </m:r>
+                  </m:oMath>
+                </a14:m>
+                <a:endParaRPr lang="fr-FR" dirty="0"/>
+              </a:p>
+              <a:p>
+                <a:pPr lvl="1"/>
+                <a:endParaRPr lang="fr-FR" dirty="0"/>
+              </a:p>
+              <a:p>
+                <a:pPr lvl="1"/>
+                <a:endParaRPr lang="fr-FR" dirty="0"/>
+              </a:p>
+              <a:p>
+                <a:pPr lvl="1"/>
+                <a:endParaRPr lang="fr-FR" dirty="0"/>
+              </a:p>
+            </p:txBody>
+          </p:sp>
+        </mc:Choice>
+        <mc:Fallback xmlns="">
+          <p:sp>
+            <p:nvSpPr>
+              <p:cNvPr id="6" name="Espace réservé du contenu 2">
+                <a:extLst>
+                  <a:ext uri="{FF2B5EF4-FFF2-40B4-BE49-F238E27FC236}">
+                    <a16:creationId xmlns:a16="http://schemas.microsoft.com/office/drawing/2014/main" id="{1A9CCBD4-36E9-E152-C880-71929BE43EE4}"/>
+                  </a:ext>
+                </a:extLst>
+              </p:cNvPr>
+              <p:cNvSpPr>
+                <a:spLocks noGrp="1" noRot="1" noChangeAspect="1" noMove="1" noResize="1" noEditPoints="1" noAdjustHandles="1" noChangeArrowheads="1" noChangeShapeType="1" noTextEdit="1"/>
+              </p:cNvSpPr>
+              <p:nvPr>
+                <p:ph idx="1"/>
+              </p:nvPr>
+            </p:nvSpPr>
+            <p:spPr>
+              <a:xfrm>
+                <a:off x="838200" y="1730375"/>
+                <a:ext cx="10515600" cy="4351338"/>
+              </a:xfrm>
+              <a:blipFill>
+                <a:blip r:embed="rId2"/>
+                <a:stretch>
+                  <a:fillRect l="-812" t="-1821"/>
+                </a:stretch>
+              </a:blipFill>
+            </p:spPr>
+            <p:txBody>
+              <a:bodyPr/>
+              <a:lstStyle/>
+              <a:p>
+                <a:r>
+                  <a:rPr lang="fr-FR">
+                    <a:noFill/>
+                  </a:rPr>
+                  <a:t> </a:t>
+                </a:r>
+              </a:p>
+            </p:txBody>
+          </p:sp>
+        </mc:Fallback>
+      </mc:AlternateContent>
     </p:spTree>
     <p:extLst>
       <p:ext uri="{BB962C8B-B14F-4D97-AF65-F5344CB8AC3E}">
-        <p14:creationId xmlns:p14="http://schemas.microsoft.com/office/powerpoint/2010/main" val="606159236"/>
+        <p14:creationId xmlns:p14="http://schemas.microsoft.com/office/powerpoint/2010/main" val="484745250"/>
       </p:ext>
     </p:extLst>
   </p:cSld>
@@ -13759,6 +19287,72 @@
           <a:chExt cx="0" cy="0"/>
         </a:xfrm>
       </p:grpSpPr>
+      <p:pic>
+        <p:nvPicPr>
+          <p:cNvPr id="9" name="Image 8">
+            <a:extLst>
+              <a:ext uri="{FF2B5EF4-FFF2-40B4-BE49-F238E27FC236}">
+                <a16:creationId xmlns:a16="http://schemas.microsoft.com/office/drawing/2014/main" id="{4E85841A-096C-1D40-8F8A-CA3838245BD7}"/>
+              </a:ext>
+            </a:extLst>
+          </p:cNvPr>
+          <p:cNvPicPr>
+            <a:picLocks noChangeAspect="1"/>
+          </p:cNvPicPr>
+          <p:nvPr/>
+        </p:nvPicPr>
+        <p:blipFill>
+          <a:blip r:embed="rId3"/>
+          <a:stretch>
+            <a:fillRect/>
+          </a:stretch>
+        </p:blipFill>
+        <p:spPr>
+          <a:xfrm>
+            <a:off x="5663953" y="217417"/>
+            <a:ext cx="6528047" cy="2786063"/>
+          </a:xfrm>
+          <a:prstGeom prst="corner">
+            <a:avLst>
+              <a:gd name="adj1" fmla="val 72624"/>
+              <a:gd name="adj2" fmla="val 153241"/>
+            </a:avLst>
+          </a:prstGeom>
+        </p:spPr>
+      </p:pic>
+      <p:pic>
+        <p:nvPicPr>
+          <p:cNvPr id="4" name="Image 3">
+            <a:extLst>
+              <a:ext uri="{FF2B5EF4-FFF2-40B4-BE49-F238E27FC236}">
+                <a16:creationId xmlns:a16="http://schemas.microsoft.com/office/drawing/2014/main" id="{0472355E-D1E0-6BFB-3A7D-AB89CA5A4AC7}"/>
+              </a:ext>
+            </a:extLst>
+          </p:cNvPr>
+          <p:cNvPicPr>
+            <a:picLocks noChangeAspect="1"/>
+          </p:cNvPicPr>
+          <p:nvPr/>
+        </p:nvPicPr>
+        <p:blipFill>
+          <a:blip r:embed="rId4"/>
+          <a:stretch>
+            <a:fillRect/>
+          </a:stretch>
+        </p:blipFill>
+        <p:spPr>
+          <a:xfrm>
+            <a:off x="0" y="2333981"/>
+            <a:ext cx="7432182" cy="3842982"/>
+          </a:xfrm>
+          <a:prstGeom prst="corner">
+            <a:avLst>
+              <a:gd name="adj1" fmla="val 87424"/>
+              <a:gd name="adj2" fmla="val 170587"/>
+            </a:avLst>
+          </a:prstGeom>
+        </p:spPr>
+      </p:pic>
       <p:sp>
         <p:nvSpPr>
           <p:cNvPr id="2" name="Titre 1"/>
@@ -13769,26 +19363,27 @@
             <p:ph type="title"/>
           </p:nvPr>
         </p:nvSpPr>
-        <p:spPr>
-          <a:xfrm>
-            <a:off x="838200" y="880533"/>
-            <a:ext cx="10830886" cy="810155"/>
-          </a:xfrm>
-        </p:spPr>
+        <p:spPr/>
         <p:txBody>
           <a:bodyPr/>
           <a:lstStyle/>
           <a:p>
             <a:r>
               <a:rPr lang="fr-FR" dirty="0"/>
-              <a:t>Implémentation de l’apprentissage par renforcement</a:t>
+              <a:t>Bicycle model control</a:t>
             </a:r>
           </a:p>
         </p:txBody>
       </p:sp>
       <p:sp>
         <p:nvSpPr>
-          <p:cNvPr id="3" name="Espace réservé du contenu 2"/>
+          <p:cNvPr id="6" name="Espace réservé du contenu 2">
+            <a:extLst>
+              <a:ext uri="{FF2B5EF4-FFF2-40B4-BE49-F238E27FC236}">
+                <a16:creationId xmlns:a16="http://schemas.microsoft.com/office/drawing/2014/main" id="{1A9CCBD4-36E9-E152-C880-71929BE43EE4}"/>
+              </a:ext>
+            </a:extLst>
+          </p:cNvPr>
           <p:cNvSpPr>
             <a:spLocks noGrp="1"/>
           </p:cNvSpPr>
@@ -13796,55 +19391,94 @@
             <p:ph idx="1"/>
           </p:nvPr>
         </p:nvSpPr>
-        <p:spPr/>
+        <p:spPr>
+          <a:xfrm>
+            <a:off x="838200" y="1730375"/>
+            <a:ext cx="10515600" cy="4351338"/>
+          </a:xfrm>
+        </p:spPr>
         <p:txBody>
           <a:bodyPr/>
           <a:lstStyle/>
           <a:p>
             <a:r>
               <a:rPr lang="fr-FR" dirty="0"/>
-              <a:t>Rouler dans un espace clos en évitant les obstacles</a:t>
+              <a:t>Simulink Model</a:t>
             </a:r>
           </a:p>
           <a:p>
             <a:endParaRPr lang="fr-FR" dirty="0"/>
           </a:p>
           <a:p>
+            <a:pPr marL="0" indent="0">
+              <a:buNone/>
+            </a:pPr>
+            <a:endParaRPr lang="fr-FR" dirty="0"/>
+          </a:p>
+          <a:p>
+            <a:pPr marL="0" indent="0">
+              <a:buNone/>
+            </a:pPr>
+            <a:endParaRPr lang="fr-FR" dirty="0"/>
+          </a:p>
+          <a:p>
+            <a:pPr marL="0" indent="0">
+              <a:buNone/>
+            </a:pPr>
+            <a:endParaRPr lang="fr-FR" dirty="0"/>
+          </a:p>
+          <a:p>
+            <a:pPr marL="0" indent="0">
+              <a:buNone/>
+            </a:pPr>
+            <a:endParaRPr lang="fr-FR" dirty="0"/>
+          </a:p>
+          <a:p>
+            <a:pPr marL="457200" lvl="1" indent="0">
+              <a:buNone/>
+            </a:pPr>
+            <a:endParaRPr lang="fr-FR" dirty="0"/>
+          </a:p>
+          <a:p>
             <a:pPr lvl="1"/>
-            <a:r>
-              <a:rPr lang="fr-FR" dirty="0"/>
-              <a:t>Simulation LIDAR (explication </a:t>
-            </a:r>
-            <a:r>
-              <a:rPr lang="fr-FR" dirty="0" err="1"/>
-              <a:t>testDetectiondistance.mlx</a:t>
-            </a:r>
-            <a:r>
-              <a:rPr lang="fr-FR" dirty="0"/>
-              <a:t>)</a:t>
-            </a:r>
-          </a:p>
-          <a:p>
-            <a:endParaRPr lang="fr-FR" dirty="0"/>
-          </a:p>
-          <a:p>
-            <a:pPr lvl="1"/>
-            <a:r>
-              <a:rPr lang="fr-FR" dirty="0"/>
-              <a:t>Mise en place </a:t>
-            </a:r>
-            <a:r>
-              <a:rPr lang="fr-FR" dirty="0" err="1"/>
-              <a:t>BinaryMap</a:t>
-            </a:r>
             <a:endParaRPr lang="fr-FR" dirty="0"/>
           </a:p>
         </p:txBody>
       </p:sp>
+      <p:pic>
+        <p:nvPicPr>
+          <p:cNvPr id="7" name="Image 6">
+            <a:extLst>
+              <a:ext uri="{FF2B5EF4-FFF2-40B4-BE49-F238E27FC236}">
+                <a16:creationId xmlns:a16="http://schemas.microsoft.com/office/drawing/2014/main" id="{0184ACFA-DA80-D897-41B1-BC5B743C1B1C}"/>
+              </a:ext>
+            </a:extLst>
+          </p:cNvPr>
+          <p:cNvPicPr>
+            <a:picLocks noChangeAspect="1"/>
+          </p:cNvPicPr>
+          <p:nvPr/>
+        </p:nvPicPr>
+        <p:blipFill>
+          <a:blip r:embed="rId5"/>
+          <a:stretch>
+            <a:fillRect/>
+          </a:stretch>
+        </p:blipFill>
+        <p:spPr>
+          <a:xfrm>
+            <a:off x="7985235" y="3166234"/>
+            <a:ext cx="3590925" cy="2847975"/>
+          </a:xfrm>
+          <a:prstGeom prst="rect">
+            <a:avLst/>
+          </a:prstGeom>
+        </p:spPr>
+      </p:pic>
     </p:spTree>
     <p:extLst>
       <p:ext uri="{BB962C8B-B14F-4D97-AF65-F5344CB8AC3E}">
-        <p14:creationId xmlns:p14="http://schemas.microsoft.com/office/powerpoint/2010/main" val="2979524745"/>
+        <p14:creationId xmlns:p14="http://schemas.microsoft.com/office/powerpoint/2010/main" val="147649150"/>
       </p:ext>
     </p:extLst>
   </p:cSld>
@@ -13893,7 +19527,15 @@
           <a:p>
             <a:r>
               <a:rPr lang="fr-FR" dirty="0"/>
-              <a:t>Implémentation de l’apprentissage par renforcement</a:t>
+              <a:t>Simulation </a:t>
+            </a:r>
+            <a:r>
+              <a:rPr lang="fr-FR" dirty="0" err="1"/>
+              <a:t>with</a:t>
+            </a:r>
+            <a:r>
+              <a:rPr lang="fr-FR" dirty="0"/>
+              <a:t> MATLAB Simulink</a:t>
             </a:r>
           </a:p>
         </p:txBody>
@@ -13908,56 +19550,128 @@
             <p:ph idx="1"/>
           </p:nvPr>
         </p:nvSpPr>
-        <p:spPr/>
+        <p:spPr>
+          <a:xfrm>
+            <a:off x="838200" y="1730375"/>
+            <a:ext cx="10515600" cy="4351338"/>
+          </a:xfrm>
+        </p:spPr>
         <p:txBody>
           <a:bodyPr/>
           <a:lstStyle/>
           <a:p>
             <a:r>
+              <a:rPr lang="fr-FR" dirty="0" err="1"/>
+              <a:t>Modelisation</a:t>
+            </a:r>
+            <a:r>
               <a:rPr lang="fr-FR" dirty="0"/>
-              <a:t>Rouler dans un espace clos en évitant les obstacles</a:t>
-            </a:r>
-          </a:p>
-          <a:p>
-            <a:endParaRPr lang="fr-FR" dirty="0"/>
-          </a:p>
-          <a:p>
-            <a:pPr lvl="1"/>
-            <a:r>
-              <a:rPr lang="fr-FR" dirty="0"/>
-              <a:t>Détermination algo (stratégie)</a:t>
-            </a:r>
-          </a:p>
-          <a:p>
-            <a:pPr marL="0" indent="0">
+              <a:t> of the components</a:t>
+            </a:r>
+          </a:p>
+          <a:p>
+            <a:pPr marL="457200" lvl="1" indent="0">
               <a:buNone/>
             </a:pPr>
             <a:endParaRPr lang="fr-FR" dirty="0"/>
           </a:p>
           <a:p>
-            <a:pPr lvl="2"/>
+            <a:pPr lvl="1">
+              <a:buFont typeface="Courier New" panose="02070309020205020404" pitchFamily="49" charset="0"/>
+              <a:buChar char="o"/>
+            </a:pPr>
+            <a:r>
+              <a:rPr lang="fr-FR" dirty="0" err="1"/>
+              <a:t>Environment</a:t>
+            </a:r>
+            <a:endParaRPr lang="fr-FR" dirty="0"/>
+          </a:p>
+          <a:p>
+            <a:pPr lvl="1">
+              <a:buFont typeface="Courier New" panose="02070309020205020404" pitchFamily="49" charset="0"/>
+              <a:buChar char="o"/>
+            </a:pPr>
+            <a:endParaRPr lang="fr-FR" dirty="0"/>
+          </a:p>
+          <a:p>
+            <a:pPr lvl="1">
+              <a:buFont typeface="Courier New" panose="02070309020205020404" pitchFamily="49" charset="0"/>
+              <a:buChar char="o"/>
+            </a:pPr>
             <a:r>
               <a:rPr lang="fr-FR" dirty="0"/>
-              <a:t>Fonction récompense choisie</a:t>
-            </a:r>
-          </a:p>
-          <a:p>
-            <a:pPr lvl="2"/>
+              <a:t>LIDAR</a:t>
+            </a:r>
+          </a:p>
+          <a:p>
             <a:endParaRPr lang="fr-FR" dirty="0"/>
-          </a:p>
-          <a:p>
-            <a:pPr lvl="2"/>
-            <a:r>
-              <a:rPr lang="fr-FR" dirty="0"/>
-              <a:t>Normalisation Min-Max pour améliorer convergence</a:t>
-            </a:r>
           </a:p>
         </p:txBody>
       </p:sp>
+      <p:pic>
+        <p:nvPicPr>
+          <p:cNvPr id="5" name="Image 4">
+            <a:extLst>
+              <a:ext uri="{FF2B5EF4-FFF2-40B4-BE49-F238E27FC236}">
+                <a16:creationId xmlns:a16="http://schemas.microsoft.com/office/drawing/2014/main" id="{9E3199FE-996E-DAEF-651F-E96A0B6DA812}"/>
+              </a:ext>
+            </a:extLst>
+          </p:cNvPr>
+          <p:cNvPicPr>
+            <a:picLocks noChangeAspect="1"/>
+          </p:cNvPicPr>
+          <p:nvPr/>
+        </p:nvPicPr>
+        <p:blipFill>
+          <a:blip r:embed="rId2"/>
+          <a:stretch>
+            <a:fillRect/>
+          </a:stretch>
+        </p:blipFill>
+        <p:spPr>
+          <a:xfrm>
+            <a:off x="3240350" y="2360052"/>
+            <a:ext cx="4127377" cy="3816911"/>
+          </a:xfrm>
+          <a:prstGeom prst="rect">
+            <a:avLst/>
+          </a:prstGeom>
+        </p:spPr>
+      </p:pic>
+      <p:pic>
+        <p:nvPicPr>
+          <p:cNvPr id="7" name="Image 6">
+            <a:extLst>
+              <a:ext uri="{FF2B5EF4-FFF2-40B4-BE49-F238E27FC236}">
+                <a16:creationId xmlns:a16="http://schemas.microsoft.com/office/drawing/2014/main" id="{D7C1920A-BC57-BF58-7F8B-9176CD202040}"/>
+              </a:ext>
+            </a:extLst>
+          </p:cNvPr>
+          <p:cNvPicPr>
+            <a:picLocks noChangeAspect="1"/>
+          </p:cNvPicPr>
+          <p:nvPr/>
+        </p:nvPicPr>
+        <p:blipFill>
+          <a:blip r:embed="rId3"/>
+          <a:stretch>
+            <a:fillRect/>
+          </a:stretch>
+        </p:blipFill>
+        <p:spPr>
+          <a:xfrm>
+            <a:off x="7560399" y="2963582"/>
+            <a:ext cx="3857625" cy="2609850"/>
+          </a:xfrm>
+          <a:prstGeom prst="rect">
+            <a:avLst/>
+          </a:prstGeom>
+        </p:spPr>
+      </p:pic>
     </p:spTree>
     <p:extLst>
       <p:ext uri="{BB962C8B-B14F-4D97-AF65-F5344CB8AC3E}">
-        <p14:creationId xmlns:p14="http://schemas.microsoft.com/office/powerpoint/2010/main" val="1598521386"/>
+        <p14:creationId xmlns:p14="http://schemas.microsoft.com/office/powerpoint/2010/main" val="2979524745"/>
       </p:ext>
     </p:extLst>
   </p:cSld>
@@ -14006,7 +19720,15 @@
           <a:p>
             <a:r>
               <a:rPr lang="fr-FR" dirty="0"/>
-              <a:t>Implémentation de l’apprentissage par renforcement</a:t>
+              <a:t>Simulation </a:t>
+            </a:r>
+            <a:r>
+              <a:rPr lang="fr-FR" dirty="0" err="1"/>
+              <a:t>with</a:t>
+            </a:r>
+            <a:r>
+              <a:rPr lang="fr-FR" dirty="0"/>
+              <a:t> MATLAB Simulink</a:t>
             </a:r>
           </a:p>
         </p:txBody>
@@ -14021,43 +19743,116 @@
             <p:ph idx="1"/>
           </p:nvPr>
         </p:nvSpPr>
-        <p:spPr/>
+        <p:spPr>
+          <a:xfrm>
+            <a:off x="838200" y="1730375"/>
+            <a:ext cx="10515600" cy="4351338"/>
+          </a:xfrm>
+        </p:spPr>
         <p:txBody>
           <a:bodyPr/>
           <a:lstStyle/>
           <a:p>
             <a:r>
               <a:rPr lang="fr-FR" dirty="0"/>
-              <a:t>Rouler dans un espace clos en évitant les obstacles</a:t>
-            </a:r>
-          </a:p>
-          <a:p>
-            <a:endParaRPr lang="fr-FR" dirty="0"/>
-          </a:p>
-          <a:p>
-            <a:pPr lvl="1"/>
-            <a:r>
-              <a:rPr lang="fr-FR" dirty="0"/>
-              <a:t>Résultats obtenus</a:t>
-            </a:r>
-          </a:p>
-          <a:p>
-            <a:pPr lvl="1"/>
-            <a:endParaRPr lang="fr-FR" dirty="0"/>
-          </a:p>
-          <a:p>
-            <a:pPr lvl="1"/>
-            <a:r>
-              <a:rPr lang="fr-FR" dirty="0"/>
-              <a:t>Implémentation pas possible car dysfonctionnement LIDAR</a:t>
+              <a:t>RL Toolbox</a:t>
             </a:r>
           </a:p>
         </p:txBody>
       </p:sp>
+      <p:pic>
+        <p:nvPicPr>
+          <p:cNvPr id="6" name="Image 5">
+            <a:extLst>
+              <a:ext uri="{FF2B5EF4-FFF2-40B4-BE49-F238E27FC236}">
+                <a16:creationId xmlns:a16="http://schemas.microsoft.com/office/drawing/2014/main" id="{F7D793EF-F5EA-0492-06A4-50869B8FE31A}"/>
+              </a:ext>
+            </a:extLst>
+          </p:cNvPr>
+          <p:cNvPicPr>
+            <a:picLocks noChangeAspect="1"/>
+          </p:cNvPicPr>
+          <p:nvPr/>
+        </p:nvPicPr>
+        <p:blipFill>
+          <a:blip r:embed="rId2"/>
+          <a:stretch>
+            <a:fillRect/>
+          </a:stretch>
+        </p:blipFill>
+        <p:spPr>
+          <a:xfrm>
+            <a:off x="9188220" y="2755786"/>
+            <a:ext cx="2841606" cy="2091422"/>
+          </a:xfrm>
+          <a:prstGeom prst="rect">
+            <a:avLst/>
+          </a:prstGeom>
+        </p:spPr>
+      </p:pic>
+      <p:pic>
+        <p:nvPicPr>
+          <p:cNvPr id="9" name="Image 8">
+            <a:extLst>
+              <a:ext uri="{FF2B5EF4-FFF2-40B4-BE49-F238E27FC236}">
+                <a16:creationId xmlns:a16="http://schemas.microsoft.com/office/drawing/2014/main" id="{BD435654-FB18-27DB-3992-172ED528533B}"/>
+              </a:ext>
+            </a:extLst>
+          </p:cNvPr>
+          <p:cNvPicPr>
+            <a:picLocks noChangeAspect="1"/>
+          </p:cNvPicPr>
+          <p:nvPr/>
+        </p:nvPicPr>
+        <p:blipFill>
+          <a:blip r:embed="rId3"/>
+          <a:stretch>
+            <a:fillRect/>
+          </a:stretch>
+        </p:blipFill>
+        <p:spPr>
+          <a:xfrm>
+            <a:off x="641042" y="2451691"/>
+            <a:ext cx="1279494" cy="3331096"/>
+          </a:xfrm>
+          <a:prstGeom prst="rect">
+            <a:avLst/>
+          </a:prstGeom>
+        </p:spPr>
+      </p:pic>
+      <p:pic>
+        <p:nvPicPr>
+          <p:cNvPr id="11" name="Image 10">
+            <a:extLst>
+              <a:ext uri="{FF2B5EF4-FFF2-40B4-BE49-F238E27FC236}">
+                <a16:creationId xmlns:a16="http://schemas.microsoft.com/office/drawing/2014/main" id="{9D86746A-4B11-DC76-0B8B-E270339768B2}"/>
+              </a:ext>
+            </a:extLst>
+          </p:cNvPr>
+          <p:cNvPicPr>
+            <a:picLocks noChangeAspect="1"/>
+          </p:cNvPicPr>
+          <p:nvPr/>
+        </p:nvPicPr>
+        <p:blipFill rotWithShape="1">
+          <a:blip r:embed="rId4"/>
+          <a:srcRect l="5004"/>
+          <a:stretch/>
+        </p:blipFill>
+        <p:spPr>
+          <a:xfrm>
+            <a:off x="2689934" y="2057515"/>
+            <a:ext cx="6067355" cy="4119448"/>
+          </a:xfrm>
+          <a:prstGeom prst="rect">
+            <a:avLst/>
+          </a:prstGeom>
+        </p:spPr>
+      </p:pic>
     </p:spTree>
     <p:extLst>
       <p:ext uri="{BB962C8B-B14F-4D97-AF65-F5344CB8AC3E}">
-        <p14:creationId xmlns:p14="http://schemas.microsoft.com/office/powerpoint/2010/main" val="2046171194"/>
+        <p14:creationId xmlns:p14="http://schemas.microsoft.com/office/powerpoint/2010/main" val="1379701163"/>
       </p:ext>
     </p:extLst>
   </p:cSld>
@@ -15472,4 +21267,299 @@
     </a:ext>
   </a:extLst>
 </a:theme>
+</file>
+
+<file path=ppt/theme/theme8.xml><?xml version="1.0" encoding="utf-8"?>
+<a:theme xmlns:a="http://schemas.openxmlformats.org/drawingml/2006/main" name="Thème Office">
+  <a:themeElements>
+    <a:clrScheme name="Office">
+      <a:dk1>
+        <a:sysClr val="windowText" lastClr="000000"/>
+      </a:dk1>
+      <a:lt1>
+        <a:sysClr val="window" lastClr="FFFFFF"/>
+      </a:lt1>
+      <a:dk2>
+        <a:srgbClr val="44546A"/>
+      </a:dk2>
+      <a:lt2>
+        <a:srgbClr val="E7E6E6"/>
+      </a:lt2>
+      <a:accent1>
+        <a:srgbClr val="4472C4"/>
+      </a:accent1>
+      <a:accent2>
+        <a:srgbClr val="ED7D31"/>
+      </a:accent2>
+      <a:accent3>
+        <a:srgbClr val="A5A5A5"/>
+      </a:accent3>
+      <a:accent4>
+        <a:srgbClr val="FFC000"/>
+      </a:accent4>
+      <a:accent5>
+        <a:srgbClr val="5B9BD5"/>
+      </a:accent5>
+      <a:accent6>
+        <a:srgbClr val="70AD47"/>
+      </a:accent6>
+      <a:hlink>
+        <a:srgbClr val="0563C1"/>
+      </a:hlink>
+      <a:folHlink>
+        <a:srgbClr val="954F72"/>
+      </a:folHlink>
+    </a:clrScheme>
+    <a:fontScheme name="Office">
+      <a:majorFont>
+        <a:latin typeface="Calibri Light" panose="020F0302020204030204"/>
+        <a:ea typeface=""/>
+        <a:cs typeface=""/>
+        <a:font script="Jpan" typeface="游ゴシック Light"/>
+        <a:font script="Hang" typeface="맑은 고딕"/>
+        <a:font script="Hans" typeface="等线 Light"/>
+        <a:font script="Hant" typeface="新細明體"/>
+        <a:font script="Arab" typeface="Times New Roman"/>
+        <a:font script="Hebr" typeface="Times New Roman"/>
+        <a:font script="Thai" typeface="Angsana New"/>
+        <a:font script="Ethi" typeface="Nyala"/>
+        <a:font script="Beng" typeface="Vrinda"/>
+        <a:font script="Gujr" typeface="Shruti"/>
+        <a:font script="Khmr" typeface="MoolBoran"/>
+        <a:font script="Knda" typeface="Tunga"/>
+        <a:font script="Guru" typeface="Raavi"/>
+        <a:font script="Cans" typeface="Euphemia"/>
+        <a:font script="Cher" typeface="Plantagenet Cherokee"/>
+        <a:font script="Yiii" typeface="Microsoft Yi Baiti"/>
+        <a:font script="Tibt" typeface="Microsoft Himalaya"/>
+        <a:font script="Thaa" typeface="MV Boli"/>
+        <a:font script="Deva" typeface="Mangal"/>
+        <a:font script="Telu" typeface="Gautami"/>
+        <a:font script="Taml" typeface="Latha"/>
+        <a:font script="Syrc" typeface="Estrangelo Edessa"/>
+        <a:font script="Orya" typeface="Kalinga"/>
+        <a:font script="Mlym" typeface="Kartika"/>
+        <a:font script="Laoo" typeface="DokChampa"/>
+        <a:font script="Sinh" typeface="Iskoola Pota"/>
+        <a:font script="Mong" typeface="Mongolian Baiti"/>
+        <a:font script="Viet" typeface="Times New Roman"/>
+        <a:font script="Uigh" typeface="Microsoft Uighur"/>
+        <a:font script="Geor" typeface="Sylfaen"/>
+        <a:font script="Armn" typeface="Arial"/>
+        <a:font script="Bugi" typeface="Leelawadee UI"/>
+        <a:font script="Bopo" typeface="Microsoft JhengHei"/>
+        <a:font script="Java" typeface="Javanese Text"/>
+        <a:font script="Lisu" typeface="Segoe UI"/>
+        <a:font script="Mymr" typeface="Myanmar Text"/>
+        <a:font script="Nkoo" typeface="Ebrima"/>
+        <a:font script="Olck" typeface="Nirmala UI"/>
+        <a:font script="Osma" typeface="Ebrima"/>
+        <a:font script="Phag" typeface="Phagspa"/>
+        <a:font script="Syrn" typeface="Estrangelo Edessa"/>
+        <a:font script="Syrj" typeface="Estrangelo Edessa"/>
+        <a:font script="Syre" typeface="Estrangelo Edessa"/>
+        <a:font script="Sora" typeface="Nirmala UI"/>
+        <a:font script="Tale" typeface="Microsoft Tai Le"/>
+        <a:font script="Talu" typeface="Microsoft New Tai Lue"/>
+        <a:font script="Tfng" typeface="Ebrima"/>
+      </a:majorFont>
+      <a:minorFont>
+        <a:latin typeface="Calibri" panose="020F0502020204030204"/>
+        <a:ea typeface=""/>
+        <a:cs typeface=""/>
+        <a:font script="Jpan" typeface="游ゴシック"/>
+        <a:font script="Hang" typeface="맑은 고딕"/>
+        <a:font script="Hans" typeface="等线"/>
+        <a:font script="Hant" typeface="新細明體"/>
+        <a:font script="Arab" typeface="Arial"/>
+        <a:font script="Hebr" typeface="Arial"/>
+        <a:font script="Thai" typeface="Cordia New"/>
+        <a:font script="Ethi" typeface="Nyala"/>
+        <a:font script="Beng" typeface="Vrinda"/>
+        <a:font script="Gujr" typeface="Shruti"/>
+        <a:font script="Khmr" typeface="DaunPenh"/>
+        <a:font script="Knda" typeface="Tunga"/>
+        <a:font script="Guru" typeface="Raavi"/>
+        <a:font script="Cans" typeface="Euphemia"/>
+        <a:font script="Cher" typeface="Plantagenet Cherokee"/>
+        <a:font script="Yiii" typeface="Microsoft Yi Baiti"/>
+        <a:font script="Tibt" typeface="Microsoft Himalaya"/>
+        <a:font script="Thaa" typeface="MV Boli"/>
+        <a:font script="Deva" typeface="Mangal"/>
+        <a:font script="Telu" typeface="Gautami"/>
+        <a:font script="Taml" typeface="Latha"/>
+        <a:font script="Syrc" typeface="Estrangelo Edessa"/>
+        <a:font script="Orya" typeface="Kalinga"/>
+        <a:font script="Mlym" typeface="Kartika"/>
+        <a:font script="Laoo" typeface="DokChampa"/>
+        <a:font script="Sinh" typeface="Iskoola Pota"/>
+        <a:font script="Mong" typeface="Mongolian Baiti"/>
+        <a:font script="Viet" typeface="Arial"/>
+        <a:font script="Uigh" typeface="Microsoft Uighur"/>
+        <a:font script="Geor" typeface="Sylfaen"/>
+        <a:font script="Armn" typeface="Arial"/>
+        <a:font script="Bugi" typeface="Leelawadee UI"/>
+        <a:font script="Bopo" typeface="Microsoft JhengHei"/>
+        <a:font script="Java" typeface="Javanese Text"/>
+        <a:font script="Lisu" typeface="Segoe UI"/>
+        <a:font script="Mymr" typeface="Myanmar Text"/>
+        <a:font script="Nkoo" typeface="Ebrima"/>
+        <a:font script="Olck" typeface="Nirmala UI"/>
+        <a:font script="Osma" typeface="Ebrima"/>
+        <a:font script="Phag" typeface="Phagspa"/>
+        <a:font script="Syrn" typeface="Estrangelo Edessa"/>
+        <a:font script="Syrj" typeface="Estrangelo Edessa"/>
+        <a:font script="Syre" typeface="Estrangelo Edessa"/>
+        <a:font script="Sora" typeface="Nirmala UI"/>
+        <a:font script="Tale" typeface="Microsoft Tai Le"/>
+        <a:font script="Talu" typeface="Microsoft New Tai Lue"/>
+        <a:font script="Tfng" typeface="Ebrima"/>
+      </a:minorFont>
+    </a:fontScheme>
+    <a:fmtScheme name="Office">
+      <a:fillStyleLst>
+        <a:solidFill>
+          <a:schemeClr val="phClr"/>
+        </a:solidFill>
+        <a:gradFill rotWithShape="1">
+          <a:gsLst>
+            <a:gs pos="0">
+              <a:schemeClr val="phClr">
+                <a:lumMod val="110000"/>
+                <a:satMod val="105000"/>
+                <a:tint val="67000"/>
+              </a:schemeClr>
+            </a:gs>
+            <a:gs pos="50000">
+              <a:schemeClr val="phClr">
+                <a:lumMod val="105000"/>
+                <a:satMod val="103000"/>
+                <a:tint val="73000"/>
+              </a:schemeClr>
+            </a:gs>
+            <a:gs pos="100000">
+              <a:schemeClr val="phClr">
+                <a:lumMod val="105000"/>
+                <a:satMod val="109000"/>
+                <a:tint val="81000"/>
+              </a:schemeClr>
+            </a:gs>
+          </a:gsLst>
+          <a:lin ang="5400000" scaled="0"/>
+        </a:gradFill>
+        <a:gradFill rotWithShape="1">
+          <a:gsLst>
+            <a:gs pos="0">
+              <a:schemeClr val="phClr">
+                <a:satMod val="103000"/>
+                <a:lumMod val="102000"/>
+                <a:tint val="94000"/>
+              </a:schemeClr>
+            </a:gs>
+            <a:gs pos="50000">
+              <a:schemeClr val="phClr">
+                <a:satMod val="110000"/>
+                <a:lumMod val="100000"/>
+                <a:shade val="100000"/>
+              </a:schemeClr>
+            </a:gs>
+            <a:gs pos="100000">
+              <a:schemeClr val="phClr">
+                <a:lumMod val="99000"/>
+                <a:satMod val="120000"/>
+                <a:shade val="78000"/>
+              </a:schemeClr>
+            </a:gs>
+          </a:gsLst>
+          <a:lin ang="5400000" scaled="0"/>
+        </a:gradFill>
+      </a:fillStyleLst>
+      <a:lnStyleLst>
+        <a:ln w="6350" cap="flat" cmpd="sng" algn="ctr">
+          <a:solidFill>
+            <a:schemeClr val="phClr"/>
+          </a:solidFill>
+          <a:prstDash val="solid"/>
+          <a:miter lim="800000"/>
+        </a:ln>
+        <a:ln w="12700" cap="flat" cmpd="sng" algn="ctr">
+          <a:solidFill>
+            <a:schemeClr val="phClr"/>
+          </a:solidFill>
+          <a:prstDash val="solid"/>
+          <a:miter lim="800000"/>
+        </a:ln>
+        <a:ln w="19050" cap="flat" cmpd="sng" algn="ctr">
+          <a:solidFill>
+            <a:schemeClr val="phClr"/>
+          </a:solidFill>
+          <a:prstDash val="solid"/>
+          <a:miter lim="800000"/>
+        </a:ln>
+      </a:lnStyleLst>
+      <a:effectStyleLst>
+        <a:effectStyle>
+          <a:effectLst/>
+        </a:effectStyle>
+        <a:effectStyle>
+          <a:effectLst/>
+        </a:effectStyle>
+        <a:effectStyle>
+          <a:effectLst>
+            <a:outerShdw blurRad="57150" dist="19050" dir="5400000" algn="ctr" rotWithShape="0">
+              <a:srgbClr val="000000">
+                <a:alpha val="63000"/>
+              </a:srgbClr>
+            </a:outerShdw>
+          </a:effectLst>
+        </a:effectStyle>
+      </a:effectStyleLst>
+      <a:bgFillStyleLst>
+        <a:solidFill>
+          <a:schemeClr val="phClr"/>
+        </a:solidFill>
+        <a:solidFill>
+          <a:schemeClr val="phClr">
+            <a:tint val="95000"/>
+            <a:satMod val="170000"/>
+          </a:schemeClr>
+        </a:solidFill>
+        <a:gradFill rotWithShape="1">
+          <a:gsLst>
+            <a:gs pos="0">
+              <a:schemeClr val="phClr">
+                <a:tint val="93000"/>
+                <a:satMod val="150000"/>
+                <a:shade val="98000"/>
+                <a:lumMod val="102000"/>
+              </a:schemeClr>
+            </a:gs>
+            <a:gs pos="50000">
+              <a:schemeClr val="phClr">
+                <a:tint val="98000"/>
+                <a:satMod val="130000"/>
+                <a:shade val="90000"/>
+                <a:lumMod val="103000"/>
+              </a:schemeClr>
+            </a:gs>
+            <a:gs pos="100000">
+              <a:schemeClr val="phClr">
+                <a:shade val="63000"/>
+                <a:satMod val="120000"/>
+              </a:schemeClr>
+            </a:gs>
+          </a:gsLst>
+          <a:lin ang="5400000" scaled="0"/>
+        </a:gradFill>
+      </a:bgFillStyleLst>
+    </a:fmtScheme>
+  </a:themeElements>
+  <a:objectDefaults/>
+  <a:extraClrSchemeLst/>
+  <a:extLst>
+    <a:ext uri="{05A4C25C-085E-4340-85A3-A5531E510DB2}">
+      <thm15:themeFamily xmlns:thm15="http://schemas.microsoft.com/office/thememl/2012/main" name="Office Theme 2013 - 2022" id="{62F939B6-93AF-4DB8-9C6B-D6C7DFDC589F}" vid="{4A3C46E8-61CC-4603-A589-7422A47A8E4A}"/>
+    </a:ext>
+  </a:extLst>
+</a:theme>
 </file>
--- a/Ressources_perso/Screens_soutenance/Support_Soutenance_GUYOT.pptx
+++ b/Ressources_perso/Screens_soutenance/Support_Soutenance_GUYOT.pptx
@@ -11,7 +11,7 @@
     <p:sldMasterId id="2147483785" r:id="rId7"/>
   </p:sldMasterIdLst>
   <p:notesMasterIdLst>
-    <p:notesMasterId r:id="rId28"/>
+    <p:notesMasterId r:id="rId30"/>
   </p:notesMasterIdLst>
   <p:sldIdLst>
     <p:sldId id="256" r:id="rId8"/>
@@ -32,8 +32,10 @@
     <p:sldId id="270" r:id="rId23"/>
     <p:sldId id="271" r:id="rId24"/>
     <p:sldId id="267" r:id="rId25"/>
-    <p:sldId id="273" r:id="rId26"/>
-    <p:sldId id="263" r:id="rId27"/>
+    <p:sldId id="281" r:id="rId26"/>
+    <p:sldId id="282" r:id="rId27"/>
+    <p:sldId id="273" r:id="rId28"/>
+    <p:sldId id="263" r:id="rId29"/>
   </p:sldIdLst>
   <p:sldSz cx="12192000" cy="6858000"/>
   <p:notesSz cx="6799263" cy="9929813"/>
@@ -1526,23 +1528,7 @@
           <a:p>
             <a:r>
               <a:rPr lang="fr-FR" dirty="0"/>
-              <a:t>J’ai pris en main =&gt; I </a:t>
-            </a:r>
-            <a:r>
-              <a:rPr lang="fr-FR" dirty="0" err="1"/>
-              <a:t>got</a:t>
-            </a:r>
-            <a:r>
-              <a:rPr lang="fr-FR" dirty="0"/>
-              <a:t> the </a:t>
-            </a:r>
-            <a:r>
-              <a:rPr lang="fr-FR" dirty="0" err="1"/>
-              <a:t>hang</a:t>
-            </a:r>
-            <a:r>
-              <a:rPr lang="fr-FR" dirty="0"/>
-              <a:t> of</a:t>
+              <a:t>Calculation AND supervision of the system</a:t>
             </a:r>
           </a:p>
         </p:txBody>
@@ -1564,7 +1550,110 @@
           <a:p>
             <a:fld id="{A1131108-E555-4F32-A518-627CBF0F6968}" type="slidenum">
               <a:rPr lang="fr-FR" smtClean="0"/>
-              <a:t>19</a:t>
+              <a:t>20</a:t>
+            </a:fld>
+            <a:endParaRPr lang="fr-FR"/>
+          </a:p>
+        </p:txBody>
+      </p:sp>
+    </p:spTree>
+    <p:extLst>
+      <p:ext uri="{BB962C8B-B14F-4D97-AF65-F5344CB8AC3E}">
+        <p14:creationId xmlns:p14="http://schemas.microsoft.com/office/powerpoint/2010/main" val="2400817221"/>
+      </p:ext>
+    </p:extLst>
+  </p:cSld>
+  <p:clrMapOvr>
+    <a:masterClrMapping/>
+  </p:clrMapOvr>
+</p:notes>
+</file>
+
+<file path=ppt/notesSlides/notesSlide4.xml><?xml version="1.0" encoding="utf-8"?>
+<p:notes xmlns:a="http://schemas.openxmlformats.org/drawingml/2006/main" xmlns:r="http://schemas.openxmlformats.org/officeDocument/2006/relationships" xmlns:p="http://schemas.openxmlformats.org/presentationml/2006/main">
+  <p:cSld>
+    <p:spTree>
+      <p:nvGrpSpPr>
+        <p:cNvPr id="1" name=""/>
+        <p:cNvGrpSpPr/>
+        <p:nvPr/>
+      </p:nvGrpSpPr>
+      <p:grpSpPr>
+        <a:xfrm>
+          <a:off x="0" y="0"/>
+          <a:ext cx="0" cy="0"/>
+          <a:chOff x="0" y="0"/>
+          <a:chExt cx="0" cy="0"/>
+        </a:xfrm>
+      </p:grpSpPr>
+      <p:sp>
+        <p:nvSpPr>
+          <p:cNvPr id="2" name="Espace réservé de l'image des diapositives 1"/>
+          <p:cNvSpPr>
+            <a:spLocks noGrp="1" noRot="1" noChangeAspect="1"/>
+          </p:cNvSpPr>
+          <p:nvPr>
+            <p:ph type="sldImg"/>
+          </p:nvPr>
+        </p:nvSpPr>
+        <p:spPr/>
+      </p:sp>
+      <p:sp>
+        <p:nvSpPr>
+          <p:cNvPr id="3" name="Espace réservé des notes 2"/>
+          <p:cNvSpPr>
+            <a:spLocks noGrp="1"/>
+          </p:cNvSpPr>
+          <p:nvPr>
+            <p:ph type="body" idx="1"/>
+          </p:nvPr>
+        </p:nvSpPr>
+        <p:spPr/>
+        <p:txBody>
+          <a:bodyPr/>
+          <a:lstStyle/>
+          <a:p>
+            <a:r>
+              <a:rPr lang="fr-FR" dirty="0"/>
+              <a:t>J’ai pris en main =&gt; I </a:t>
+            </a:r>
+            <a:r>
+              <a:rPr lang="fr-FR" dirty="0" err="1"/>
+              <a:t>got</a:t>
+            </a:r>
+            <a:r>
+              <a:rPr lang="fr-FR" dirty="0"/>
+              <a:t> the </a:t>
+            </a:r>
+            <a:r>
+              <a:rPr lang="fr-FR" dirty="0" err="1"/>
+              <a:t>hang</a:t>
+            </a:r>
+            <a:r>
+              <a:rPr lang="fr-FR" dirty="0"/>
+              <a:t> of</a:t>
+            </a:r>
+          </a:p>
+        </p:txBody>
+      </p:sp>
+      <p:sp>
+        <p:nvSpPr>
+          <p:cNvPr id="4" name="Espace réservé du numéro de diapositive 3"/>
+          <p:cNvSpPr>
+            <a:spLocks noGrp="1"/>
+          </p:cNvSpPr>
+          <p:nvPr>
+            <p:ph type="sldNum" sz="quarter" idx="5"/>
+          </p:nvPr>
+        </p:nvSpPr>
+        <p:spPr/>
+        <p:txBody>
+          <a:bodyPr/>
+          <a:lstStyle/>
+          <a:p>
+            <a:fld id="{A1131108-E555-4F32-A518-627CBF0F6968}" type="slidenum">
+              <a:rPr lang="fr-FR" smtClean="0"/>
+              <a:t>21</a:t>
             </a:fld>
             <a:endParaRPr lang="fr-FR"/>
           </a:p>
@@ -14476,8 +14565,8 @@
           </a:p>
         </p:txBody>
       </p:sp>
-      <mc:AlternateContent xmlns:mc="http://schemas.openxmlformats.org/markup-compatibility/2006">
-        <mc:Choice xmlns:a14="http://schemas.microsoft.com/office/drawing/2010/main" Requires="a14">
+      <mc:AlternateContent xmlns:mc="http://schemas.openxmlformats.org/markup-compatibility/2006" xmlns:a14="http://schemas.microsoft.com/office/drawing/2010/main">
+        <mc:Choice Requires="a14">
           <p:sp>
             <p:nvSpPr>
               <p:cNvPr id="3" name="Espace réservé du contenu 2"/>
@@ -14685,7 +14774,7 @@
             </p:txBody>
           </p:sp>
         </mc:Choice>
-        <mc:Fallback>
+        <mc:Fallback xmlns="">
           <p:sp>
             <p:nvSpPr>
               <p:cNvPr id="3" name="Espace réservé du contenu 2"/>
@@ -16829,55 +16918,98 @@
             </a:r>
           </a:p>
           <a:p>
+            <a:pPr marL="0" indent="0">
+              <a:buNone/>
+            </a:pPr>
             <a:endParaRPr lang="fr-FR" dirty="0"/>
           </a:p>
           <a:p>
             <a:r>
+              <a:rPr lang="fr-FR" dirty="0"/>
+              <a:t>Velocity and </a:t>
+            </a:r>
+            <a:r>
               <a:rPr lang="fr-FR" dirty="0" err="1"/>
-              <a:t>Accelerometer</a:t>
+              <a:t>steering</a:t>
             </a:r>
             <a:r>
               <a:rPr lang="fr-FR" dirty="0"/>
-              <a:t> and LIDAR </a:t>
-            </a:r>
-            <a:r>
-              <a:rPr lang="fr-FR" dirty="0" err="1"/>
-              <a:t>reading</a:t>
-            </a:r>
-            <a:endParaRPr lang="fr-FR" dirty="0"/>
-          </a:p>
-          <a:p>
-            <a:endParaRPr lang="fr-FR" dirty="0"/>
-          </a:p>
-          <a:p>
-            <a:r>
-              <a:rPr lang="fr-FR" dirty="0" err="1"/>
-              <a:t>Calculate</a:t>
-            </a:r>
-            <a:r>
-              <a:rPr lang="fr-FR" dirty="0"/>
-              <a:t> via bicycle model and </a:t>
-            </a:r>
-            <a:r>
-              <a:rPr lang="fr-FR" dirty="0" err="1"/>
-              <a:t>inject</a:t>
-            </a:r>
-            <a:r>
-              <a:rPr lang="fr-FR" dirty="0"/>
-              <a:t> control in the QCAR</a:t>
-            </a:r>
-          </a:p>
-          <a:p>
-            <a:endParaRPr lang="fr-FR" dirty="0"/>
-          </a:p>
-          <a:p>
-            <a:r>
-              <a:rPr lang="fr-FR" dirty="0"/>
-              <a:t>*** A COMPLETER A L ECOLE AVEC SCREENSHOTS***</a:t>
+              <a:t> control</a:t>
             </a:r>
           </a:p>
         </p:txBody>
       </p:sp>
+      <p:pic>
+        <p:nvPicPr>
+          <p:cNvPr id="7" name="Image 6">
+            <a:extLst>
+              <a:ext uri="{FF2B5EF4-FFF2-40B4-BE49-F238E27FC236}">
+                <a16:creationId xmlns:a16="http://schemas.microsoft.com/office/drawing/2014/main" id="{FCBE86B2-1CC8-4F47-9C59-FA26495C1649}"/>
+              </a:ext>
+            </a:extLst>
+          </p:cNvPr>
+          <p:cNvPicPr>
+            <a:picLocks noChangeAspect="1"/>
+          </p:cNvPicPr>
+          <p:nvPr/>
+        </p:nvPicPr>
+        <p:blipFill>
+          <a:blip r:embed="rId2">
+            <a:extLst>
+              <a:ext uri="{28A0092B-C50C-407E-A947-70E740481C1C}">
+                <a14:useLocalDpi xmlns:a14="http://schemas.microsoft.com/office/drawing/2010/main" val="0"/>
+              </a:ext>
+            </a:extLst>
+          </a:blip>
+          <a:stretch>
+            <a:fillRect/>
+          </a:stretch>
+        </p:blipFill>
+        <p:spPr>
+          <a:xfrm>
+            <a:off x="9052512" y="2068497"/>
+            <a:ext cx="3139487" cy="3908970"/>
+          </a:xfrm>
+          <a:prstGeom prst="rect">
+            <a:avLst/>
+          </a:prstGeom>
+        </p:spPr>
+      </p:pic>
+      <p:pic>
+        <p:nvPicPr>
+          <p:cNvPr id="11" name="Image 10">
+            <a:extLst>
+              <a:ext uri="{FF2B5EF4-FFF2-40B4-BE49-F238E27FC236}">
+                <a16:creationId xmlns:a16="http://schemas.microsoft.com/office/drawing/2014/main" id="{AE9E64A7-453F-4C34-846B-3C3F74C4DAB0}"/>
+              </a:ext>
+            </a:extLst>
+          </p:cNvPr>
+          <p:cNvPicPr>
+            <a:picLocks noChangeAspect="1"/>
+          </p:cNvPicPr>
+          <p:nvPr/>
+        </p:nvPicPr>
+        <p:blipFill rotWithShape="1">
+          <a:blip r:embed="rId3">
+            <a:extLst>
+              <a:ext uri="{28A0092B-C50C-407E-A947-70E740481C1C}">
+                <a14:useLocalDpi xmlns:a14="http://schemas.microsoft.com/office/drawing/2010/main" val="0"/>
+              </a:ext>
+            </a:extLst>
+          </a:blip>
+          <a:srcRect b="5888"/>
+          <a:stretch/>
+        </p:blipFill>
+        <p:spPr>
+          <a:xfrm>
+            <a:off x="5127511" y="1807626"/>
+            <a:ext cx="3154206" cy="4169841"/>
+          </a:xfrm>
+          <a:prstGeom prst="rect">
+            <a:avLst/>
+          </a:prstGeom>
+        </p:spPr>
+      </p:pic>
     </p:spTree>
     <p:extLst>
       <p:ext uri="{BB962C8B-B14F-4D97-AF65-F5344CB8AC3E}">
@@ -16924,9 +17056,18 @@
           <a:lstStyle/>
           <a:p>
             <a:r>
+              <a:rPr lang="fr-FR" dirty="0" err="1"/>
+              <a:t>HiL</a:t>
+            </a:r>
+            <a:r>
               <a:rPr lang="fr-FR" dirty="0"/>
-              <a:t>Conclusion</a:t>
-            </a:r>
+              <a:t> </a:t>
+            </a:r>
+            <a:r>
+              <a:rPr lang="fr-FR" dirty="0" err="1"/>
+              <a:t>integration</a:t>
+            </a:r>
+            <a:endParaRPr lang="fr-FR" dirty="0"/>
           </a:p>
         </p:txBody>
       </p:sp>
@@ -16943,7 +17084,7 @@
         <p:spPr>
           <a:xfrm>
             <a:off x="838200" y="1730375"/>
-            <a:ext cx="10515600" cy="4470400"/>
+            <a:ext cx="10515600" cy="4351338"/>
           </a:xfrm>
         </p:spPr>
         <p:txBody>
@@ -16952,216 +17093,51 @@
           <a:p>
             <a:r>
               <a:rPr lang="fr-FR" dirty="0"/>
-              <a:t>Discovery of RL </a:t>
-            </a:r>
-            <a:r>
-              <a:rPr lang="fr-FR" dirty="0" err="1"/>
-              <a:t>algorithms</a:t>
-            </a:r>
-            <a:endParaRPr lang="fr-FR" dirty="0"/>
-          </a:p>
-          <a:p>
-            <a:pPr lvl="1">
-              <a:buFont typeface="Courier New" panose="02070309020205020404" pitchFamily="49" charset="0"/>
-              <a:buChar char="o"/>
-            </a:pPr>
-            <a:r>
-              <a:rPr lang="fr-FR" dirty="0" err="1"/>
-              <a:t>Correlation</a:t>
-            </a:r>
-            <a:r>
-              <a:rPr lang="fr-FR" dirty="0"/>
-              <a:t> </a:t>
-            </a:r>
-            <a:r>
-              <a:rPr lang="fr-FR" dirty="0" err="1"/>
-              <a:t>between</a:t>
-            </a:r>
-            <a:r>
-              <a:rPr lang="fr-FR" dirty="0"/>
-              <a:t> simulation and reality</a:t>
-            </a:r>
-          </a:p>
-          <a:p>
-            <a:pPr lvl="1">
-              <a:buFont typeface="Courier New" panose="02070309020205020404" pitchFamily="49" charset="0"/>
-              <a:buChar char="o"/>
-            </a:pPr>
-            <a:r>
-              <a:rPr lang="fr-FR" dirty="0" err="1"/>
-              <a:t>Results</a:t>
-            </a:r>
-            <a:r>
-              <a:rPr lang="fr-FR" dirty="0"/>
-              <a:t> </a:t>
-            </a:r>
-            <a:r>
-              <a:rPr lang="fr-FR" dirty="0" err="1"/>
-              <a:t>analysis</a:t>
-            </a:r>
-            <a:endParaRPr lang="fr-FR" dirty="0"/>
-          </a:p>
-          <a:p>
-            <a:pPr lvl="1">
-              <a:buFont typeface="Courier New" panose="02070309020205020404" pitchFamily="49" charset="0"/>
-              <a:buChar char="o"/>
-            </a:pPr>
-            <a:r>
-              <a:rPr lang="fr-FR" dirty="0" err="1"/>
-              <a:t>Difficulty</a:t>
-            </a:r>
-            <a:r>
-              <a:rPr lang="fr-FR" dirty="0"/>
-              <a:t> =&gt; DDPG </a:t>
-            </a:r>
-            <a:r>
-              <a:rPr lang="fr-FR" dirty="0" err="1"/>
-              <a:t>complete</a:t>
-            </a:r>
-            <a:r>
-              <a:rPr lang="fr-FR" dirty="0"/>
-              <a:t> </a:t>
-            </a:r>
-            <a:r>
-              <a:rPr lang="fr-FR" dirty="0" err="1"/>
-              <a:t>understanding</a:t>
-            </a:r>
-            <a:r>
-              <a:rPr lang="fr-FR" dirty="0"/>
-              <a:t> (black box)</a:t>
-            </a:r>
-          </a:p>
-          <a:p>
-            <a:pPr lvl="1">
-              <a:buFont typeface="Courier New" panose="02070309020205020404" pitchFamily="49" charset="0"/>
-              <a:buChar char="o"/>
-            </a:pPr>
-            <a:r>
-              <a:rPr lang="fr-FR" dirty="0"/>
-              <a:t>Next </a:t>
-            </a:r>
-            <a:r>
-              <a:rPr lang="fr-FR" dirty="0" err="1"/>
-              <a:t>step</a:t>
-            </a:r>
-            <a:r>
-              <a:rPr lang="fr-FR" dirty="0"/>
-              <a:t> =&gt; </a:t>
-            </a:r>
-            <a:r>
-              <a:rPr lang="fr-FR" dirty="0" err="1"/>
-              <a:t>fully</a:t>
-            </a:r>
-            <a:r>
-              <a:rPr lang="fr-FR" dirty="0"/>
-              <a:t> </a:t>
-            </a:r>
-            <a:r>
-              <a:rPr lang="fr-FR" dirty="0" err="1"/>
-              <a:t>integrate</a:t>
-            </a:r>
-            <a:r>
-              <a:rPr lang="fr-FR" dirty="0"/>
-              <a:t> </a:t>
-            </a:r>
-            <a:r>
-              <a:rPr lang="fr-FR" dirty="0" err="1"/>
-              <a:t>HiL</a:t>
-            </a:r>
-            <a:r>
-              <a:rPr lang="fr-FR" dirty="0"/>
-              <a:t> and </a:t>
-            </a:r>
-            <a:r>
-              <a:rPr lang="fr-FR" dirty="0" err="1"/>
-              <a:t>try</a:t>
-            </a:r>
-            <a:r>
-              <a:rPr lang="fr-FR" dirty="0"/>
-              <a:t> more </a:t>
-            </a:r>
-            <a:r>
-              <a:rPr lang="fr-FR" dirty="0" err="1"/>
-              <a:t>difficult</a:t>
-            </a:r>
-            <a:r>
-              <a:rPr lang="fr-FR" dirty="0"/>
-              <a:t> </a:t>
-            </a:r>
-            <a:r>
-              <a:rPr lang="fr-FR" dirty="0" err="1"/>
-              <a:t>tasks</a:t>
-            </a:r>
-            <a:endParaRPr lang="fr-FR" dirty="0"/>
-          </a:p>
-          <a:p>
-            <a:pPr lvl="1">
-              <a:buFont typeface="Courier New" panose="02070309020205020404" pitchFamily="49" charset="0"/>
-              <a:buChar char="o"/>
-            </a:pPr>
-            <a:endParaRPr lang="fr-FR" dirty="0"/>
-          </a:p>
-          <a:p>
-            <a:r>
-              <a:rPr lang="fr-FR" dirty="0"/>
-              <a:t>Appropriation of a </a:t>
-            </a:r>
-            <a:r>
-              <a:rPr lang="fr-FR" dirty="0" err="1"/>
-              <a:t>simplified</a:t>
-            </a:r>
-            <a:r>
-              <a:rPr lang="fr-FR" dirty="0"/>
-              <a:t> but </a:t>
-            </a:r>
-            <a:r>
-              <a:rPr lang="fr-FR" dirty="0" err="1"/>
-              <a:t>complex</a:t>
-            </a:r>
-            <a:r>
-              <a:rPr lang="fr-FR" dirty="0"/>
-              <a:t> model</a:t>
-            </a:r>
-          </a:p>
-          <a:p>
-            <a:endParaRPr lang="fr-FR" dirty="0"/>
-          </a:p>
-          <a:p>
-            <a:r>
-              <a:rPr lang="fr-FR" dirty="0"/>
-              <a:t>Hang of the QCAR and </a:t>
-            </a:r>
-            <a:r>
-              <a:rPr lang="fr-FR" dirty="0" err="1"/>
-              <a:t>embedded</a:t>
-            </a:r>
-            <a:r>
-              <a:rPr lang="fr-FR" dirty="0"/>
-              <a:t> system (and </a:t>
-            </a:r>
-            <a:r>
-              <a:rPr lang="fr-FR" dirty="0" err="1"/>
-              <a:t>problems</a:t>
-            </a:r>
-            <a:r>
-              <a:rPr lang="fr-FR" dirty="0"/>
-              <a:t> </a:t>
-            </a:r>
-            <a:r>
-              <a:rPr lang="fr-FR" dirty="0" err="1"/>
-              <a:t>associated</a:t>
-            </a:r>
-            <a:r>
-              <a:rPr lang="fr-FR" dirty="0"/>
-              <a:t>)</a:t>
+              <a:t>LIDAR informations acquisition</a:t>
             </a:r>
           </a:p>
         </p:txBody>
       </p:sp>
+      <p:pic>
+        <p:nvPicPr>
+          <p:cNvPr id="9" name="Image 8">
+            <a:extLst>
+              <a:ext uri="{FF2B5EF4-FFF2-40B4-BE49-F238E27FC236}">
+                <a16:creationId xmlns:a16="http://schemas.microsoft.com/office/drawing/2014/main" id="{549A7FEE-C594-4788-B41C-D94FB7CD6B90}"/>
+              </a:ext>
+            </a:extLst>
+          </p:cNvPr>
+          <p:cNvPicPr>
+            <a:picLocks noChangeAspect="1"/>
+          </p:cNvPicPr>
+          <p:nvPr/>
+        </p:nvPicPr>
+        <p:blipFill>
+          <a:blip r:embed="rId2">
+            <a:extLst>
+              <a:ext uri="{28A0092B-C50C-407E-A947-70E740481C1C}">
+                <a14:useLocalDpi xmlns:a14="http://schemas.microsoft.com/office/drawing/2010/main" val="0"/>
+              </a:ext>
+            </a:extLst>
+          </a:blip>
+          <a:stretch>
+            <a:fillRect/>
+          </a:stretch>
+        </p:blipFill>
+        <p:spPr>
+          <a:xfrm>
+            <a:off x="3036163" y="2059620"/>
+            <a:ext cx="8137507" cy="4126714"/>
+          </a:xfrm>
+          <a:prstGeom prst="rect">
+            <a:avLst/>
+          </a:prstGeom>
+        </p:spPr>
+      </p:pic>
     </p:spTree>
     <p:extLst>
       <p:ext uri="{BB962C8B-B14F-4D97-AF65-F5344CB8AC3E}">
-        <p14:creationId xmlns:p14="http://schemas.microsoft.com/office/powerpoint/2010/main" val="3591741461"/>
+        <p14:creationId xmlns:p14="http://schemas.microsoft.com/office/powerpoint/2010/main" val="1193486501"/>
       </p:ext>
     </p:extLst>
   </p:cSld>
@@ -17366,6 +17342,422 @@
 </file>
 
 <file path=ppt/slides/slide20.xml><?xml version="1.0" encoding="utf-8"?>
+<p:sld xmlns:a="http://schemas.openxmlformats.org/drawingml/2006/main" xmlns:r="http://schemas.openxmlformats.org/officeDocument/2006/relationships" xmlns:p="http://schemas.openxmlformats.org/presentationml/2006/main">
+  <p:cSld>
+    <p:spTree>
+      <p:nvGrpSpPr>
+        <p:cNvPr id="1" name=""/>
+        <p:cNvGrpSpPr/>
+        <p:nvPr/>
+      </p:nvGrpSpPr>
+      <p:grpSpPr>
+        <a:xfrm>
+          <a:off x="0" y="0"/>
+          <a:ext cx="0" cy="0"/>
+          <a:chOff x="0" y="0"/>
+          <a:chExt cx="0" cy="0"/>
+        </a:xfrm>
+      </p:grpSpPr>
+      <p:sp>
+        <p:nvSpPr>
+          <p:cNvPr id="2" name="Titre 1"/>
+          <p:cNvSpPr>
+            <a:spLocks noGrp="1"/>
+          </p:cNvSpPr>
+          <p:nvPr>
+            <p:ph type="title"/>
+          </p:nvPr>
+        </p:nvSpPr>
+        <p:spPr/>
+        <p:txBody>
+          <a:bodyPr/>
+          <a:lstStyle/>
+          <a:p>
+            <a:r>
+              <a:rPr lang="fr-FR" dirty="0" err="1"/>
+              <a:t>HiL</a:t>
+            </a:r>
+            <a:r>
+              <a:rPr lang="fr-FR" dirty="0"/>
+              <a:t> </a:t>
+            </a:r>
+            <a:r>
+              <a:rPr lang="fr-FR" dirty="0" err="1"/>
+              <a:t>integration</a:t>
+            </a:r>
+            <a:endParaRPr lang="fr-FR" dirty="0"/>
+          </a:p>
+        </p:txBody>
+      </p:sp>
+      <p:sp>
+        <p:nvSpPr>
+          <p:cNvPr id="3" name="Espace réservé du contenu 2"/>
+          <p:cNvSpPr>
+            <a:spLocks noGrp="1"/>
+          </p:cNvSpPr>
+          <p:nvPr>
+            <p:ph idx="1"/>
+          </p:nvPr>
+        </p:nvSpPr>
+        <p:spPr>
+          <a:xfrm>
+            <a:off x="838200" y="1730375"/>
+            <a:ext cx="10515600" cy="4351338"/>
+          </a:xfrm>
+        </p:spPr>
+        <p:txBody>
+          <a:bodyPr/>
+          <a:lstStyle/>
+          <a:p>
+            <a:r>
+              <a:rPr lang="fr-FR" dirty="0" err="1"/>
+              <a:t>Calculations</a:t>
+            </a:r>
+            <a:r>
+              <a:rPr lang="fr-FR" dirty="0"/>
+              <a:t> made on bicycle model and control </a:t>
+            </a:r>
+            <a:r>
+              <a:rPr lang="fr-FR" dirty="0" err="1"/>
+              <a:t>injected</a:t>
+            </a:r>
+            <a:r>
+              <a:rPr lang="fr-FR" dirty="0"/>
+              <a:t> to the QCAR</a:t>
+            </a:r>
+          </a:p>
+        </p:txBody>
+      </p:sp>
+      <p:pic>
+        <p:nvPicPr>
+          <p:cNvPr id="7" name="Image 6">
+            <a:extLst>
+              <a:ext uri="{FF2B5EF4-FFF2-40B4-BE49-F238E27FC236}">
+                <a16:creationId xmlns:a16="http://schemas.microsoft.com/office/drawing/2014/main" id="{FB6FF215-7D59-4D68-82CD-78D50C74B1AD}"/>
+              </a:ext>
+            </a:extLst>
+          </p:cNvPr>
+          <p:cNvPicPr>
+            <a:picLocks noChangeAspect="1"/>
+          </p:cNvPicPr>
+          <p:nvPr/>
+        </p:nvPicPr>
+        <p:blipFill>
+          <a:blip r:embed="rId3">
+            <a:extLst>
+              <a:ext uri="{28A0092B-C50C-407E-A947-70E740481C1C}">
+                <a14:useLocalDpi xmlns:a14="http://schemas.microsoft.com/office/drawing/2010/main" val="0"/>
+              </a:ext>
+            </a:extLst>
+          </a:blip>
+          <a:stretch>
+            <a:fillRect/>
+          </a:stretch>
+        </p:blipFill>
+        <p:spPr>
+          <a:xfrm>
+            <a:off x="670264" y="2112714"/>
+            <a:ext cx="10851472" cy="4071926"/>
+          </a:xfrm>
+          <a:prstGeom prst="rect">
+            <a:avLst/>
+          </a:prstGeom>
+        </p:spPr>
+      </p:pic>
+    </p:spTree>
+    <p:extLst>
+      <p:ext uri="{BB962C8B-B14F-4D97-AF65-F5344CB8AC3E}">
+        <p14:creationId xmlns:p14="http://schemas.microsoft.com/office/powerpoint/2010/main" val="1631168127"/>
+      </p:ext>
+    </p:extLst>
+  </p:cSld>
+  <p:clrMapOvr>
+    <a:masterClrMapping/>
+  </p:clrMapOvr>
+</p:sld>
+</file>
+
+<file path=ppt/slides/slide21.xml><?xml version="1.0" encoding="utf-8"?>
+<p:sld xmlns:a="http://schemas.openxmlformats.org/drawingml/2006/main" xmlns:r="http://schemas.openxmlformats.org/officeDocument/2006/relationships" xmlns:p="http://schemas.openxmlformats.org/presentationml/2006/main">
+  <p:cSld>
+    <p:spTree>
+      <p:nvGrpSpPr>
+        <p:cNvPr id="1" name=""/>
+        <p:cNvGrpSpPr/>
+        <p:nvPr/>
+      </p:nvGrpSpPr>
+      <p:grpSpPr>
+        <a:xfrm>
+          <a:off x="0" y="0"/>
+          <a:ext cx="0" cy="0"/>
+          <a:chOff x="0" y="0"/>
+          <a:chExt cx="0" cy="0"/>
+        </a:xfrm>
+      </p:grpSpPr>
+      <p:sp>
+        <p:nvSpPr>
+          <p:cNvPr id="2" name="Titre 1"/>
+          <p:cNvSpPr>
+            <a:spLocks noGrp="1"/>
+          </p:cNvSpPr>
+          <p:nvPr>
+            <p:ph type="title"/>
+          </p:nvPr>
+        </p:nvSpPr>
+        <p:spPr/>
+        <p:txBody>
+          <a:bodyPr/>
+          <a:lstStyle/>
+          <a:p>
+            <a:r>
+              <a:rPr lang="fr-FR" dirty="0"/>
+              <a:t>Conclusion</a:t>
+            </a:r>
+          </a:p>
+        </p:txBody>
+      </p:sp>
+      <p:sp>
+        <p:nvSpPr>
+          <p:cNvPr id="3" name="Espace réservé du contenu 2"/>
+          <p:cNvSpPr>
+            <a:spLocks noGrp="1"/>
+          </p:cNvSpPr>
+          <p:nvPr>
+            <p:ph idx="1"/>
+          </p:nvPr>
+        </p:nvSpPr>
+        <p:spPr>
+          <a:xfrm>
+            <a:off x="838200" y="1730375"/>
+            <a:ext cx="10515600" cy="4470400"/>
+          </a:xfrm>
+        </p:spPr>
+        <p:txBody>
+          <a:bodyPr/>
+          <a:lstStyle/>
+          <a:p>
+            <a:r>
+              <a:rPr lang="fr-FR" dirty="0"/>
+              <a:t>Discovery of RL </a:t>
+            </a:r>
+            <a:r>
+              <a:rPr lang="fr-FR" dirty="0" err="1"/>
+              <a:t>algorithms</a:t>
+            </a:r>
+            <a:endParaRPr lang="fr-FR" dirty="0"/>
+          </a:p>
+          <a:p>
+            <a:pPr lvl="1">
+              <a:buFont typeface="Courier New" panose="02070309020205020404" pitchFamily="49" charset="0"/>
+              <a:buChar char="o"/>
+            </a:pPr>
+            <a:r>
+              <a:rPr lang="fr-FR" dirty="0" err="1"/>
+              <a:t>Correlation</a:t>
+            </a:r>
+            <a:r>
+              <a:rPr lang="fr-FR" dirty="0"/>
+              <a:t> </a:t>
+            </a:r>
+            <a:r>
+              <a:rPr lang="fr-FR" dirty="0" err="1"/>
+              <a:t>between</a:t>
+            </a:r>
+            <a:r>
+              <a:rPr lang="fr-FR" dirty="0"/>
+              <a:t> simulation and reality</a:t>
+            </a:r>
+          </a:p>
+          <a:p>
+            <a:pPr lvl="1">
+              <a:buFont typeface="Courier New" panose="02070309020205020404" pitchFamily="49" charset="0"/>
+              <a:buChar char="o"/>
+            </a:pPr>
+            <a:r>
+              <a:rPr lang="fr-FR" dirty="0" err="1"/>
+              <a:t>Results</a:t>
+            </a:r>
+            <a:r>
+              <a:rPr lang="fr-FR" dirty="0"/>
+              <a:t> </a:t>
+            </a:r>
+            <a:r>
+              <a:rPr lang="fr-FR" dirty="0" err="1"/>
+              <a:t>analysis</a:t>
+            </a:r>
+            <a:endParaRPr lang="fr-FR" dirty="0"/>
+          </a:p>
+          <a:p>
+            <a:pPr lvl="1">
+              <a:buFont typeface="Courier New" panose="02070309020205020404" pitchFamily="49" charset="0"/>
+              <a:buChar char="o"/>
+            </a:pPr>
+            <a:r>
+              <a:rPr lang="fr-FR" dirty="0" err="1"/>
+              <a:t>Difficulty</a:t>
+            </a:r>
+            <a:r>
+              <a:rPr lang="fr-FR" dirty="0"/>
+              <a:t> =&gt; DDPG </a:t>
+            </a:r>
+            <a:r>
+              <a:rPr lang="fr-FR" dirty="0" err="1"/>
+              <a:t>complete</a:t>
+            </a:r>
+            <a:r>
+              <a:rPr lang="fr-FR" dirty="0"/>
+              <a:t> </a:t>
+            </a:r>
+            <a:r>
+              <a:rPr lang="fr-FR" dirty="0" err="1"/>
+              <a:t>understanding</a:t>
+            </a:r>
+            <a:r>
+              <a:rPr lang="fr-FR" dirty="0"/>
+              <a:t> (black box)</a:t>
+            </a:r>
+          </a:p>
+          <a:p>
+            <a:pPr lvl="1">
+              <a:buFont typeface="Courier New" panose="02070309020205020404" pitchFamily="49" charset="0"/>
+              <a:buChar char="o"/>
+            </a:pPr>
+            <a:r>
+              <a:rPr lang="fr-FR" dirty="0"/>
+              <a:t>Next </a:t>
+            </a:r>
+            <a:r>
+              <a:rPr lang="fr-FR" dirty="0" err="1"/>
+              <a:t>step</a:t>
+            </a:r>
+            <a:r>
+              <a:rPr lang="fr-FR" dirty="0"/>
+              <a:t> =&gt; </a:t>
+            </a:r>
+            <a:r>
+              <a:rPr lang="fr-FR" dirty="0" err="1"/>
+              <a:t>fully</a:t>
+            </a:r>
+            <a:r>
+              <a:rPr lang="fr-FR" dirty="0"/>
+              <a:t> </a:t>
+            </a:r>
+            <a:r>
+              <a:rPr lang="fr-FR" dirty="0" err="1"/>
+              <a:t>integrate</a:t>
+            </a:r>
+            <a:r>
+              <a:rPr lang="fr-FR" dirty="0"/>
+              <a:t> </a:t>
+            </a:r>
+            <a:r>
+              <a:rPr lang="fr-FR" dirty="0" err="1"/>
+              <a:t>HiL</a:t>
+            </a:r>
+            <a:r>
+              <a:rPr lang="fr-FR" dirty="0"/>
+              <a:t> and </a:t>
+            </a:r>
+            <a:r>
+              <a:rPr lang="fr-FR" dirty="0" err="1"/>
+              <a:t>try</a:t>
+            </a:r>
+            <a:r>
+              <a:rPr lang="fr-FR" dirty="0"/>
+              <a:t> more </a:t>
+            </a:r>
+            <a:r>
+              <a:rPr lang="fr-FR" dirty="0" err="1"/>
+              <a:t>difficult</a:t>
+            </a:r>
+            <a:r>
+              <a:rPr lang="fr-FR" dirty="0"/>
+              <a:t> </a:t>
+            </a:r>
+            <a:r>
+              <a:rPr lang="fr-FR" dirty="0" err="1"/>
+              <a:t>tasks</a:t>
+            </a:r>
+            <a:endParaRPr lang="fr-FR" dirty="0"/>
+          </a:p>
+          <a:p>
+            <a:pPr lvl="1">
+              <a:buFont typeface="Courier New" panose="02070309020205020404" pitchFamily="49" charset="0"/>
+              <a:buChar char="o"/>
+            </a:pPr>
+            <a:endParaRPr lang="fr-FR" dirty="0"/>
+          </a:p>
+          <a:p>
+            <a:r>
+              <a:rPr lang="fr-FR" dirty="0"/>
+              <a:t>Appropriation of a </a:t>
+            </a:r>
+            <a:r>
+              <a:rPr lang="fr-FR" dirty="0" err="1"/>
+              <a:t>simplified</a:t>
+            </a:r>
+            <a:r>
+              <a:rPr lang="fr-FR" dirty="0"/>
+              <a:t> but </a:t>
+            </a:r>
+            <a:r>
+              <a:rPr lang="fr-FR" dirty="0" err="1"/>
+              <a:t>complex</a:t>
+            </a:r>
+            <a:r>
+              <a:rPr lang="fr-FR" dirty="0"/>
+              <a:t> model</a:t>
+            </a:r>
+          </a:p>
+          <a:p>
+            <a:endParaRPr lang="fr-FR" dirty="0"/>
+          </a:p>
+          <a:p>
+            <a:r>
+              <a:rPr lang="fr-FR" dirty="0"/>
+              <a:t>Hang of the QCAR and </a:t>
+            </a:r>
+            <a:r>
+              <a:rPr lang="fr-FR" dirty="0" err="1"/>
+              <a:t>embedded</a:t>
+            </a:r>
+            <a:r>
+              <a:rPr lang="fr-FR" dirty="0"/>
+              <a:t> system (and </a:t>
+            </a:r>
+            <a:r>
+              <a:rPr lang="fr-FR" dirty="0" err="1"/>
+              <a:t>problems</a:t>
+            </a:r>
+            <a:r>
+              <a:rPr lang="fr-FR" dirty="0"/>
+              <a:t> </a:t>
+            </a:r>
+            <a:r>
+              <a:rPr lang="fr-FR" dirty="0" err="1"/>
+              <a:t>associated</a:t>
+            </a:r>
+            <a:r>
+              <a:rPr lang="fr-FR" dirty="0"/>
+              <a:t>)</a:t>
+            </a:r>
+          </a:p>
+        </p:txBody>
+      </p:sp>
+    </p:spTree>
+    <p:extLst>
+      <p:ext uri="{BB962C8B-B14F-4D97-AF65-F5344CB8AC3E}">
+        <p14:creationId xmlns:p14="http://schemas.microsoft.com/office/powerpoint/2010/main" val="3591741461"/>
+      </p:ext>
+    </p:extLst>
+  </p:cSld>
+  <p:clrMapOvr>
+    <a:masterClrMapping/>
+  </p:clrMapOvr>
+</p:sld>
+</file>
+
+<file path=ppt/slides/slide22.xml><?xml version="1.0" encoding="utf-8"?>
 <p:sld xmlns:a="http://schemas.openxmlformats.org/drawingml/2006/main" xmlns:r="http://schemas.openxmlformats.org/officeDocument/2006/relationships" xmlns:p="http://schemas.openxmlformats.org/presentationml/2006/main">
   <p:cSld>
     <p:spTree>

--- a/Ressources_perso/Screens_soutenance/Support_Soutenance_GUYOT.pptx
+++ b/Ressources_perso/Screens_soutenance/Support_Soutenance_GUYOT.pptx
@@ -11,31 +11,32 @@
     <p:sldMasterId id="2147483785" r:id="rId7"/>
   </p:sldMasterIdLst>
   <p:notesMasterIdLst>
-    <p:notesMasterId r:id="rId30"/>
+    <p:notesMasterId r:id="rId31"/>
   </p:notesMasterIdLst>
   <p:sldIdLst>
     <p:sldId id="256" r:id="rId8"/>
     <p:sldId id="258" r:id="rId9"/>
     <p:sldId id="261" r:id="rId10"/>
     <p:sldId id="262" r:id="rId11"/>
-    <p:sldId id="265" r:id="rId12"/>
-    <p:sldId id="274" r:id="rId13"/>
-    <p:sldId id="275" r:id="rId14"/>
-    <p:sldId id="266" r:id="rId15"/>
-    <p:sldId id="277" r:id="rId16"/>
-    <p:sldId id="276" r:id="rId17"/>
-    <p:sldId id="268" r:id="rId18"/>
-    <p:sldId id="280" r:id="rId19"/>
-    <p:sldId id="278" r:id="rId20"/>
-    <p:sldId id="279" r:id="rId21"/>
-    <p:sldId id="269" r:id="rId22"/>
-    <p:sldId id="270" r:id="rId23"/>
-    <p:sldId id="271" r:id="rId24"/>
-    <p:sldId id="267" r:id="rId25"/>
-    <p:sldId id="281" r:id="rId26"/>
-    <p:sldId id="282" r:id="rId27"/>
-    <p:sldId id="273" r:id="rId28"/>
-    <p:sldId id="263" r:id="rId29"/>
+    <p:sldId id="283" r:id="rId12"/>
+    <p:sldId id="265" r:id="rId13"/>
+    <p:sldId id="274" r:id="rId14"/>
+    <p:sldId id="275" r:id="rId15"/>
+    <p:sldId id="266" r:id="rId16"/>
+    <p:sldId id="277" r:id="rId17"/>
+    <p:sldId id="276" r:id="rId18"/>
+    <p:sldId id="268" r:id="rId19"/>
+    <p:sldId id="280" r:id="rId20"/>
+    <p:sldId id="278" r:id="rId21"/>
+    <p:sldId id="279" r:id="rId22"/>
+    <p:sldId id="269" r:id="rId23"/>
+    <p:sldId id="270" r:id="rId24"/>
+    <p:sldId id="271" r:id="rId25"/>
+    <p:sldId id="267" r:id="rId26"/>
+    <p:sldId id="281" r:id="rId27"/>
+    <p:sldId id="282" r:id="rId28"/>
+    <p:sldId id="273" r:id="rId29"/>
+    <p:sldId id="263" r:id="rId30"/>
   </p:sldIdLst>
   <p:sldSz cx="12192000" cy="6858000"/>
   <p:notesSz cx="6799263" cy="9929813"/>
@@ -175,7 +176,7 @@
 <file path=ppt/revisionInfo.xml><?xml version="1.0" encoding="utf-8"?>
 <p1510:revInfo xmlns:a="http://schemas.openxmlformats.org/drawingml/2006/main" xmlns:r="http://schemas.openxmlformats.org/officeDocument/2006/relationships" xmlns:p1510="http://schemas.microsoft.com/office/powerpoint/2015/10/main">
   <p1510:revLst>
-    <p1510:client id="{E43CD600-32A3-493E-955E-8385423FD0B6}" v="71" dt="2023-01-31T07:29:34.727"/>
+    <p1510:client id="{E43CD600-32A3-493E-955E-8385423FD0B6}" v="182" dt="2023-02-07T23:22:19.969"/>
   </p1510:revLst>
 </p1510:revInfo>
 </file>
@@ -185,7 +186,7 @@
   <pc:docChgLst>
     <pc:chgData name="Antonin Guyot" userId="92edcf39896b7356" providerId="LiveId" clId="{E43CD600-32A3-493E-955E-8385423FD0B6}"/>
     <pc:docChg chg="undo custSel addSld delSld modSld modMainMaster">
-      <pc:chgData name="Antonin Guyot" userId="92edcf39896b7356" providerId="LiveId" clId="{E43CD600-32A3-493E-955E-8385423FD0B6}" dt="2023-01-31T07:36:48.367" v="2870" actId="20577"/>
+      <pc:chgData name="Antonin Guyot" userId="92edcf39896b7356" providerId="LiveId" clId="{E43CD600-32A3-493E-955E-8385423FD0B6}" dt="2023-02-07T23:26:12.089" v="3655" actId="20577"/>
       <pc:docMkLst>
         <pc:docMk/>
       </pc:docMkLst>
@@ -498,6 +499,157 @@
             <ac:spMk id="3" creationId="{00000000-0000-0000-0000-000000000000}"/>
           </ac:spMkLst>
         </pc:spChg>
+      </pc:sldChg>
+      <pc:sldChg chg="addSp delSp modSp add mod modNotesTx">
+        <pc:chgData name="Antonin Guyot" userId="92edcf39896b7356" providerId="LiveId" clId="{E43CD600-32A3-493E-955E-8385423FD0B6}" dt="2023-02-07T23:26:12.089" v="3655" actId="20577"/>
+        <pc:sldMkLst>
+          <pc:docMk/>
+          <pc:sldMk cId="2698336446" sldId="283"/>
+        </pc:sldMkLst>
+        <pc:spChg chg="mod">
+          <ac:chgData name="Antonin Guyot" userId="92edcf39896b7356" providerId="LiveId" clId="{E43CD600-32A3-493E-955E-8385423FD0B6}" dt="2023-02-07T23:22:19.969" v="3306" actId="255"/>
+          <ac:spMkLst>
+            <pc:docMk/>
+            <pc:sldMk cId="2698336446" sldId="283"/>
+            <ac:spMk id="3" creationId="{00000000-0000-0000-0000-000000000000}"/>
+          </ac:spMkLst>
+        </pc:spChg>
+        <pc:spChg chg="add mod">
+          <ac:chgData name="Antonin Guyot" userId="92edcf39896b7356" providerId="LiveId" clId="{E43CD600-32A3-493E-955E-8385423FD0B6}" dt="2023-02-07T23:15:50.501" v="3156" actId="1076"/>
+          <ac:spMkLst>
+            <pc:docMk/>
+            <pc:sldMk cId="2698336446" sldId="283"/>
+            <ac:spMk id="4" creationId="{A4FDE96B-775A-A3C7-3D34-51E5D79E0A1B}"/>
+          </ac:spMkLst>
+        </pc:spChg>
+        <pc:spChg chg="add mod">
+          <ac:chgData name="Antonin Guyot" userId="92edcf39896b7356" providerId="LiveId" clId="{E43CD600-32A3-493E-955E-8385423FD0B6}" dt="2023-02-07T23:15:50.501" v="3156" actId="1076"/>
+          <ac:spMkLst>
+            <pc:docMk/>
+            <pc:sldMk cId="2698336446" sldId="283"/>
+            <ac:spMk id="5" creationId="{181ECE93-F8FB-1899-9760-A34A0F2D91DF}"/>
+          </ac:spMkLst>
+        </pc:spChg>
+        <pc:spChg chg="add mod">
+          <ac:chgData name="Antonin Guyot" userId="92edcf39896b7356" providerId="LiveId" clId="{E43CD600-32A3-493E-955E-8385423FD0B6}" dt="2023-02-07T23:15:50.501" v="3156" actId="1076"/>
+          <ac:spMkLst>
+            <pc:docMk/>
+            <pc:sldMk cId="2698336446" sldId="283"/>
+            <ac:spMk id="18" creationId="{056A440A-C487-0DAB-F5A8-AB74304E385A}"/>
+          </ac:spMkLst>
+        </pc:spChg>
+        <pc:spChg chg="add mod">
+          <ac:chgData name="Antonin Guyot" userId="92edcf39896b7356" providerId="LiveId" clId="{E43CD600-32A3-493E-955E-8385423FD0B6}" dt="2023-02-07T23:15:50.501" v="3156" actId="1076"/>
+          <ac:spMkLst>
+            <pc:docMk/>
+            <pc:sldMk cId="2698336446" sldId="283"/>
+            <ac:spMk id="19" creationId="{76E89143-43C8-1468-D1ED-C90E415E401F}"/>
+          </ac:spMkLst>
+        </pc:spChg>
+        <pc:spChg chg="add del mod">
+          <ac:chgData name="Antonin Guyot" userId="92edcf39896b7356" providerId="LiveId" clId="{E43CD600-32A3-493E-955E-8385423FD0B6}" dt="2023-02-07T23:15:40.795" v="3155"/>
+          <ac:spMkLst>
+            <pc:docMk/>
+            <pc:sldMk cId="2698336446" sldId="283"/>
+            <ac:spMk id="20" creationId="{04C49AF3-D930-C6EE-6837-BF2784F7ADBA}"/>
+          </ac:spMkLst>
+        </pc:spChg>
+        <pc:spChg chg="add mod">
+          <ac:chgData name="Antonin Guyot" userId="92edcf39896b7356" providerId="LiveId" clId="{E43CD600-32A3-493E-955E-8385423FD0B6}" dt="2023-02-07T23:15:40.248" v="3153" actId="1076"/>
+          <ac:spMkLst>
+            <pc:docMk/>
+            <pc:sldMk cId="2698336446" sldId="283"/>
+            <ac:spMk id="21" creationId="{10E64347-7C5C-6DA4-D520-3092A386A9B0}"/>
+          </ac:spMkLst>
+        </pc:spChg>
+        <pc:spChg chg="add mod">
+          <ac:chgData name="Antonin Guyot" userId="92edcf39896b7356" providerId="LiveId" clId="{E43CD600-32A3-493E-955E-8385423FD0B6}" dt="2023-02-07T23:15:40.248" v="3153" actId="1076"/>
+          <ac:spMkLst>
+            <pc:docMk/>
+            <pc:sldMk cId="2698336446" sldId="283"/>
+            <ac:spMk id="26" creationId="{58ED07D8-918F-F16A-24C2-712106C46228}"/>
+          </ac:spMkLst>
+        </pc:spChg>
+        <pc:spChg chg="add mod">
+          <ac:chgData name="Antonin Guyot" userId="92edcf39896b7356" providerId="LiveId" clId="{E43CD600-32A3-493E-955E-8385423FD0B6}" dt="2023-02-07T23:15:40.248" v="3153" actId="1076"/>
+          <ac:spMkLst>
+            <pc:docMk/>
+            <pc:sldMk cId="2698336446" sldId="283"/>
+            <ac:spMk id="28" creationId="{17BA9B8A-FC39-1ADF-2A1B-7273C74BF54C}"/>
+          </ac:spMkLst>
+        </pc:spChg>
+        <pc:spChg chg="add mod">
+          <ac:chgData name="Antonin Guyot" userId="92edcf39896b7356" providerId="LiveId" clId="{E43CD600-32A3-493E-955E-8385423FD0B6}" dt="2023-02-07T23:16:22.334" v="3173" actId="1076"/>
+          <ac:spMkLst>
+            <pc:docMk/>
+            <pc:sldMk cId="2698336446" sldId="283"/>
+            <ac:spMk id="30" creationId="{39312568-BAD9-3E32-6C7D-3EC79EFCD8EA}"/>
+          </ac:spMkLst>
+        </pc:spChg>
+        <pc:spChg chg="add mod">
+          <ac:chgData name="Antonin Guyot" userId="92edcf39896b7356" providerId="LiveId" clId="{E43CD600-32A3-493E-955E-8385423FD0B6}" dt="2023-02-07T23:16:35.121" v="3180" actId="14100"/>
+          <ac:spMkLst>
+            <pc:docMk/>
+            <pc:sldMk cId="2698336446" sldId="283"/>
+            <ac:spMk id="31" creationId="{77293D99-1EF5-0DA7-19D8-B888FA802F47}"/>
+          </ac:spMkLst>
+        </pc:spChg>
+        <pc:cxnChg chg="add mod">
+          <ac:chgData name="Antonin Guyot" userId="92edcf39896b7356" providerId="LiveId" clId="{E43CD600-32A3-493E-955E-8385423FD0B6}" dt="2023-02-07T23:15:50.501" v="3156" actId="1076"/>
+          <ac:cxnSpMkLst>
+            <pc:docMk/>
+            <pc:sldMk cId="2698336446" sldId="283"/>
+            <ac:cxnSpMk id="7" creationId="{FB816436-5761-65E0-93A1-BFAB749FFC41}"/>
+          </ac:cxnSpMkLst>
+        </pc:cxnChg>
+        <pc:cxnChg chg="add mod">
+          <ac:chgData name="Antonin Guyot" userId="92edcf39896b7356" providerId="LiveId" clId="{E43CD600-32A3-493E-955E-8385423FD0B6}" dt="2023-02-07T23:15:50.501" v="3156" actId="1076"/>
+          <ac:cxnSpMkLst>
+            <pc:docMk/>
+            <pc:sldMk cId="2698336446" sldId="283"/>
+            <ac:cxnSpMk id="9" creationId="{40572CFA-684C-7886-515E-95F067A8587B}"/>
+          </ac:cxnSpMkLst>
+        </pc:cxnChg>
+        <pc:cxnChg chg="add mod">
+          <ac:chgData name="Antonin Guyot" userId="92edcf39896b7356" providerId="LiveId" clId="{E43CD600-32A3-493E-955E-8385423FD0B6}" dt="2023-02-07T23:15:50.501" v="3156" actId="1076"/>
+          <ac:cxnSpMkLst>
+            <pc:docMk/>
+            <pc:sldMk cId="2698336446" sldId="283"/>
+            <ac:cxnSpMk id="11" creationId="{1E6BF17D-43A3-9FED-A684-5EB0C725BF2E}"/>
+          </ac:cxnSpMkLst>
+        </pc:cxnChg>
+        <pc:cxnChg chg="add mod">
+          <ac:chgData name="Antonin Guyot" userId="92edcf39896b7356" providerId="LiveId" clId="{E43CD600-32A3-493E-955E-8385423FD0B6}" dt="2023-02-07T23:15:50.501" v="3156" actId="1076"/>
+          <ac:cxnSpMkLst>
+            <pc:docMk/>
+            <pc:sldMk cId="2698336446" sldId="283"/>
+            <ac:cxnSpMk id="15" creationId="{B902D612-843A-0CB5-9897-1F245CC6FECD}"/>
+          </ac:cxnSpMkLst>
+        </pc:cxnChg>
+        <pc:cxnChg chg="add mod">
+          <ac:chgData name="Antonin Guyot" userId="92edcf39896b7356" providerId="LiveId" clId="{E43CD600-32A3-493E-955E-8385423FD0B6}" dt="2023-02-07T23:15:40.248" v="3153" actId="1076"/>
+          <ac:cxnSpMkLst>
+            <pc:docMk/>
+            <pc:sldMk cId="2698336446" sldId="283"/>
+            <ac:cxnSpMk id="22" creationId="{F6F7A9A1-55DA-FB70-E28C-5DD8ECDA7195}"/>
+          </ac:cxnSpMkLst>
+        </pc:cxnChg>
+        <pc:cxnChg chg="add mod">
+          <ac:chgData name="Antonin Guyot" userId="92edcf39896b7356" providerId="LiveId" clId="{E43CD600-32A3-493E-955E-8385423FD0B6}" dt="2023-02-07T23:15:40.248" v="3153" actId="1076"/>
+          <ac:cxnSpMkLst>
+            <pc:docMk/>
+            <pc:sldMk cId="2698336446" sldId="283"/>
+            <ac:cxnSpMk id="25" creationId="{5131E44E-932B-D28C-CD2D-12BE0428E3B6}"/>
+          </ac:cxnSpMkLst>
+        </pc:cxnChg>
+        <pc:cxnChg chg="add mod">
+          <ac:chgData name="Antonin Guyot" userId="92edcf39896b7356" providerId="LiveId" clId="{E43CD600-32A3-493E-955E-8385423FD0B6}" dt="2023-02-07T23:15:40.248" v="3153" actId="1076"/>
+          <ac:cxnSpMkLst>
+            <pc:docMk/>
+            <pc:sldMk cId="2698336446" sldId="283"/>
+            <ac:cxnSpMk id="27" creationId="{EAED62DD-5F85-60AA-E73A-5BA154FC35A0}"/>
+          </ac:cxnSpMkLst>
+        </pc:cxnChg>
       </pc:sldChg>
       <pc:sldMasterChg chg="modSldLayout">
         <pc:chgData name="Antonin Guyot" userId="92edcf39896b7356" providerId="LiveId" clId="{E43CD600-32A3-493E-955E-8385423FD0B6}" dt="2023-01-31T07:07:34.837" v="139" actId="20577"/>
@@ -1405,42 +1557,183 @@
           <a:bodyPr/>
           <a:lstStyle/>
           <a:p>
-            <a:pPr marL="0" marR="0" lvl="0" indent="0" algn="l" defTabSz="914400" rtl="0" eaLnBrk="1" fontAlgn="auto" latinLnBrk="0" hangingPunct="1">
-              <a:lnSpc>
-                <a:spcPct val="100000"/>
-              </a:lnSpc>
-              <a:spcBef>
-                <a:spcPts val="0"/>
-              </a:spcBef>
-              <a:spcAft>
-                <a:spcPts val="0"/>
-              </a:spcAft>
-              <a:buClrTx/>
-              <a:buSzTx/>
-              <a:buFontTx/>
-              <a:buNone/>
-              <a:tabLst/>
-              <a:defRPr/>
-            </a:pPr>
+            <a:r>
+              <a:rPr lang="fr-FR" dirty="0"/>
+              <a:t>Gamma : discount (0,99</a:t>
+            </a:r>
+            <a:r>
+              <a:rPr lang="fr-FR"/>
+              <a:t>) =&gt; </a:t>
+            </a:r>
+            <a:r>
+              <a:rPr lang="fr-FR" dirty="0"/>
+              <a:t>long </a:t>
+            </a:r>
             <a:r>
               <a:rPr lang="fr-FR" dirty="0" err="1"/>
-              <a:t>Had</a:t>
-            </a:r>
-            <a:r>
-              <a:rPr lang="fr-FR" dirty="0"/>
-              <a:t> to update </a:t>
+              <a:t>term</a:t>
+            </a:r>
+            <a:r>
+              <a:rPr lang="fr-FR" dirty="0"/>
+              <a:t> </a:t>
             </a:r>
             <a:r>
               <a:rPr lang="fr-FR" dirty="0" err="1"/>
-              <a:t>it</a:t>
-            </a:r>
-            <a:r>
-              <a:rPr lang="fr-FR" dirty="0"/>
-              <a:t> =&gt; TP </a:t>
+              <a:t>reward</a:t>
+            </a:r>
+            <a:endParaRPr lang="fr-FR" dirty="0"/>
+          </a:p>
+          <a:p>
+            <a:endParaRPr lang="fr-FR" dirty="0"/>
+          </a:p>
+          <a:p>
+            <a:r>
+              <a:rPr lang="fr-FR" dirty="0"/>
+              <a:t>Use of a </a:t>
             </a:r>
             <a:r>
               <a:rPr lang="fr-FR" dirty="0" err="1"/>
-              <a:t>preparation</a:t>
+              <a:t>target</a:t>
+            </a:r>
+            <a:r>
+              <a:rPr lang="fr-FR" dirty="0"/>
+              <a:t> network to freeze the </a:t>
+            </a:r>
+            <a:r>
+              <a:rPr lang="fr-FR" dirty="0" err="1"/>
+              <a:t>critic</a:t>
+            </a:r>
+            <a:r>
+              <a:rPr lang="fr-FR" dirty="0"/>
+              <a:t> </a:t>
+            </a:r>
+            <a:r>
+              <a:rPr lang="fr-FR" dirty="0" err="1"/>
+              <a:t>while</a:t>
+            </a:r>
+            <a:r>
+              <a:rPr lang="fr-FR" dirty="0"/>
+              <a:t> training the </a:t>
+            </a:r>
+            <a:r>
+              <a:rPr lang="fr-FR" dirty="0" err="1"/>
+              <a:t>actor</a:t>
+            </a:r>
+            <a:r>
+              <a:rPr lang="fr-FR" dirty="0"/>
+              <a:t>, and freeze the </a:t>
+            </a:r>
+            <a:r>
+              <a:rPr lang="fr-FR" dirty="0" err="1"/>
+              <a:t>actor</a:t>
+            </a:r>
+            <a:r>
+              <a:rPr lang="fr-FR" dirty="0"/>
+              <a:t> and </a:t>
+            </a:r>
+            <a:r>
+              <a:rPr lang="fr-FR" dirty="0" err="1"/>
+              <a:t>next</a:t>
+            </a:r>
+            <a:r>
+              <a:rPr lang="fr-FR" dirty="0"/>
+              <a:t> </a:t>
+            </a:r>
+            <a:r>
+              <a:rPr lang="fr-FR" dirty="0" err="1"/>
+              <a:t>critic</a:t>
+            </a:r>
+            <a:r>
+              <a:rPr lang="fr-FR" dirty="0"/>
+              <a:t> </a:t>
+            </a:r>
+            <a:r>
+              <a:rPr lang="fr-FR" dirty="0" err="1"/>
+              <a:t>while</a:t>
+            </a:r>
+            <a:r>
+              <a:rPr lang="fr-FR" dirty="0"/>
+              <a:t> training the </a:t>
+            </a:r>
+            <a:r>
+              <a:rPr lang="fr-FR" dirty="0" err="1"/>
+              <a:t>critic</a:t>
+            </a:r>
+            <a:endParaRPr lang="fr-FR" dirty="0"/>
+          </a:p>
+          <a:p>
+            <a:endParaRPr lang="fr-FR" dirty="0"/>
+          </a:p>
+          <a:p>
+            <a:r>
+              <a:rPr lang="fr-FR" dirty="0"/>
+              <a:t>Train </a:t>
+            </a:r>
+            <a:r>
+              <a:rPr lang="fr-FR" dirty="0" err="1"/>
+              <a:t>actor</a:t>
+            </a:r>
+            <a:r>
+              <a:rPr lang="fr-FR" dirty="0"/>
+              <a:t> =&gt; </a:t>
+            </a:r>
+            <a:r>
+              <a:rPr lang="fr-FR" dirty="0" err="1"/>
+              <a:t>inject</a:t>
+            </a:r>
+            <a:r>
+              <a:rPr lang="fr-FR" dirty="0"/>
+              <a:t> observation and </a:t>
+            </a:r>
+            <a:r>
+              <a:rPr lang="fr-FR" dirty="0" err="1"/>
+              <a:t>try</a:t>
+            </a:r>
+            <a:r>
+              <a:rPr lang="fr-FR" dirty="0"/>
+              <a:t> to maximise Q</a:t>
+            </a:r>
+          </a:p>
+          <a:p>
+            <a:r>
+              <a:rPr lang="fr-FR" dirty="0"/>
+              <a:t>Train </a:t>
+            </a:r>
+            <a:r>
+              <a:rPr lang="fr-FR" dirty="0" err="1"/>
+              <a:t>critic</a:t>
+            </a:r>
+            <a:r>
+              <a:rPr lang="fr-FR" dirty="0"/>
+              <a:t> =&gt; </a:t>
+            </a:r>
+            <a:r>
+              <a:rPr lang="fr-FR" dirty="0" err="1"/>
+              <a:t>inject</a:t>
+            </a:r>
+            <a:r>
+              <a:rPr lang="fr-FR" dirty="0"/>
+              <a:t> observation, action and </a:t>
+            </a:r>
+            <a:r>
+              <a:rPr lang="fr-FR" dirty="0" err="1"/>
+              <a:t>next</a:t>
+            </a:r>
+            <a:r>
+              <a:rPr lang="fr-FR" dirty="0"/>
+              <a:t> observation and </a:t>
+            </a:r>
+            <a:r>
+              <a:rPr lang="fr-FR" dirty="0" err="1"/>
+              <a:t>try</a:t>
+            </a:r>
+            <a:r>
+              <a:rPr lang="fr-FR" dirty="0"/>
+              <a:t> to </a:t>
+            </a:r>
+            <a:r>
+              <a:rPr lang="fr-FR" dirty="0" err="1"/>
+              <a:t>minimize</a:t>
             </a:r>
             <a:endParaRPr lang="fr-FR" dirty="0"/>
           </a:p>
@@ -1463,7 +1756,7 @@
           <a:p>
             <a:fld id="{A1131108-E555-4F32-A518-627CBF0F6968}" type="slidenum">
               <a:rPr lang="fr-FR" smtClean="0"/>
-              <a:t>7</a:t>
+              <a:t>5</a:t>
             </a:fld>
             <a:endParaRPr lang="fr-FR"/>
           </a:p>
@@ -1472,7 +1765,7 @@
     </p:spTree>
     <p:extLst>
       <p:ext uri="{BB962C8B-B14F-4D97-AF65-F5344CB8AC3E}">
-        <p14:creationId xmlns:p14="http://schemas.microsoft.com/office/powerpoint/2010/main" val="3369962964"/>
+        <p14:creationId xmlns:p14="http://schemas.microsoft.com/office/powerpoint/2010/main" val="889893654"/>
       </p:ext>
     </p:extLst>
   </p:cSld>
@@ -1526,10 +1819,44 @@
           <a:bodyPr/>
           <a:lstStyle/>
           <a:p>
-            <a:r>
-              <a:rPr lang="fr-FR" dirty="0"/>
-              <a:t>Calculation AND supervision of the system</a:t>
-            </a:r>
+            <a:pPr marL="0" marR="0" lvl="0" indent="0" algn="l" defTabSz="914400" rtl="0" eaLnBrk="1" fontAlgn="auto" latinLnBrk="0" hangingPunct="1">
+              <a:lnSpc>
+                <a:spcPct val="100000"/>
+              </a:lnSpc>
+              <a:spcBef>
+                <a:spcPts val="0"/>
+              </a:spcBef>
+              <a:spcAft>
+                <a:spcPts val="0"/>
+              </a:spcAft>
+              <a:buClrTx/>
+              <a:buSzTx/>
+              <a:buFontTx/>
+              <a:buNone/>
+              <a:tabLst/>
+              <a:defRPr/>
+            </a:pPr>
+            <a:r>
+              <a:rPr lang="fr-FR" dirty="0" err="1"/>
+              <a:t>Had</a:t>
+            </a:r>
+            <a:r>
+              <a:rPr lang="fr-FR" dirty="0"/>
+              <a:t> to update </a:t>
+            </a:r>
+            <a:r>
+              <a:rPr lang="fr-FR" dirty="0" err="1"/>
+              <a:t>it</a:t>
+            </a:r>
+            <a:r>
+              <a:rPr lang="fr-FR" dirty="0"/>
+              <a:t> =&gt; TP </a:t>
+            </a:r>
+            <a:r>
+              <a:rPr lang="fr-FR" dirty="0" err="1"/>
+              <a:t>preparation</a:t>
+            </a:r>
+            <a:endParaRPr lang="fr-FR" dirty="0"/>
           </a:p>
         </p:txBody>
       </p:sp>
@@ -1550,7 +1877,7 @@
           <a:p>
             <a:fld id="{A1131108-E555-4F32-A518-627CBF0F6968}" type="slidenum">
               <a:rPr lang="fr-FR" smtClean="0"/>
-              <a:t>20</a:t>
+              <a:t>8</a:t>
             </a:fld>
             <a:endParaRPr lang="fr-FR"/>
           </a:p>
@@ -1559,7 +1886,7 @@
     </p:spTree>
     <p:extLst>
       <p:ext uri="{BB962C8B-B14F-4D97-AF65-F5344CB8AC3E}">
-        <p14:creationId xmlns:p14="http://schemas.microsoft.com/office/powerpoint/2010/main" val="2400817221"/>
+        <p14:creationId xmlns:p14="http://schemas.microsoft.com/office/powerpoint/2010/main" val="3369962964"/>
       </p:ext>
     </p:extLst>
   </p:cSld>
@@ -1615,23 +1942,7 @@
           <a:p>
             <a:r>
               <a:rPr lang="fr-FR" dirty="0"/>
-              <a:t>J’ai pris en main =&gt; I </a:t>
-            </a:r>
-            <a:r>
-              <a:rPr lang="fr-FR" dirty="0" err="1"/>
-              <a:t>got</a:t>
-            </a:r>
-            <a:r>
-              <a:rPr lang="fr-FR" dirty="0"/>
-              <a:t> the </a:t>
-            </a:r>
-            <a:r>
-              <a:rPr lang="fr-FR" dirty="0" err="1"/>
-              <a:t>hang</a:t>
-            </a:r>
-            <a:r>
-              <a:rPr lang="fr-FR" dirty="0"/>
-              <a:t> of</a:t>
+              <a:t>Calculation AND supervision of the system</a:t>
             </a:r>
           </a:p>
         </p:txBody>
@@ -1654,6 +1965,109 @@
             <a:fld id="{A1131108-E555-4F32-A518-627CBF0F6968}" type="slidenum">
               <a:rPr lang="fr-FR" smtClean="0"/>
               <a:t>21</a:t>
+            </a:fld>
+            <a:endParaRPr lang="fr-FR"/>
+          </a:p>
+        </p:txBody>
+      </p:sp>
+    </p:spTree>
+    <p:extLst>
+      <p:ext uri="{BB962C8B-B14F-4D97-AF65-F5344CB8AC3E}">
+        <p14:creationId xmlns:p14="http://schemas.microsoft.com/office/powerpoint/2010/main" val="2400817221"/>
+      </p:ext>
+    </p:extLst>
+  </p:cSld>
+  <p:clrMapOvr>
+    <a:masterClrMapping/>
+  </p:clrMapOvr>
+</p:notes>
+</file>
+
+<file path=ppt/notesSlides/notesSlide5.xml><?xml version="1.0" encoding="utf-8"?>
+<p:notes xmlns:a="http://schemas.openxmlformats.org/drawingml/2006/main" xmlns:r="http://schemas.openxmlformats.org/officeDocument/2006/relationships" xmlns:p="http://schemas.openxmlformats.org/presentationml/2006/main">
+  <p:cSld>
+    <p:spTree>
+      <p:nvGrpSpPr>
+        <p:cNvPr id="1" name=""/>
+        <p:cNvGrpSpPr/>
+        <p:nvPr/>
+      </p:nvGrpSpPr>
+      <p:grpSpPr>
+        <a:xfrm>
+          <a:off x="0" y="0"/>
+          <a:ext cx="0" cy="0"/>
+          <a:chOff x="0" y="0"/>
+          <a:chExt cx="0" cy="0"/>
+        </a:xfrm>
+      </p:grpSpPr>
+      <p:sp>
+        <p:nvSpPr>
+          <p:cNvPr id="2" name="Espace réservé de l'image des diapositives 1"/>
+          <p:cNvSpPr>
+            <a:spLocks noGrp="1" noRot="1" noChangeAspect="1"/>
+          </p:cNvSpPr>
+          <p:nvPr>
+            <p:ph type="sldImg"/>
+          </p:nvPr>
+        </p:nvSpPr>
+        <p:spPr/>
+      </p:sp>
+      <p:sp>
+        <p:nvSpPr>
+          <p:cNvPr id="3" name="Espace réservé des notes 2"/>
+          <p:cNvSpPr>
+            <a:spLocks noGrp="1"/>
+          </p:cNvSpPr>
+          <p:nvPr>
+            <p:ph type="body" idx="1"/>
+          </p:nvPr>
+        </p:nvSpPr>
+        <p:spPr/>
+        <p:txBody>
+          <a:bodyPr/>
+          <a:lstStyle/>
+          <a:p>
+            <a:r>
+              <a:rPr lang="fr-FR" dirty="0"/>
+              <a:t>J’ai pris en main =&gt; I </a:t>
+            </a:r>
+            <a:r>
+              <a:rPr lang="fr-FR" dirty="0" err="1"/>
+              <a:t>got</a:t>
+            </a:r>
+            <a:r>
+              <a:rPr lang="fr-FR" dirty="0"/>
+              <a:t> the </a:t>
+            </a:r>
+            <a:r>
+              <a:rPr lang="fr-FR" dirty="0" err="1"/>
+              <a:t>hang</a:t>
+            </a:r>
+            <a:r>
+              <a:rPr lang="fr-FR" dirty="0"/>
+              <a:t> of</a:t>
+            </a:r>
+          </a:p>
+        </p:txBody>
+      </p:sp>
+      <p:sp>
+        <p:nvSpPr>
+          <p:cNvPr id="4" name="Espace réservé du numéro de diapositive 3"/>
+          <p:cNvSpPr>
+            <a:spLocks noGrp="1"/>
+          </p:cNvSpPr>
+          <p:nvPr>
+            <p:ph type="sldNum" sz="quarter" idx="5"/>
+          </p:nvPr>
+        </p:nvSpPr>
+        <p:spPr/>
+        <p:txBody>
+          <a:bodyPr/>
+          <a:lstStyle/>
+          <a:p>
+            <a:fld id="{A1131108-E555-4F32-A518-627CBF0F6968}" type="slidenum">
+              <a:rPr lang="fr-FR" smtClean="0"/>
+              <a:t>22</a:t>
             </a:fld>
             <a:endParaRPr lang="fr-FR"/>
           </a:p>
@@ -13572,6 +13986,187 @@
       </p:grpSpPr>
       <p:sp>
         <p:nvSpPr>
+          <p:cNvPr id="2" name="Titre 1"/>
+          <p:cNvSpPr>
+            <a:spLocks noGrp="1"/>
+          </p:cNvSpPr>
+          <p:nvPr>
+            <p:ph type="title"/>
+          </p:nvPr>
+        </p:nvSpPr>
+        <p:spPr>
+          <a:xfrm>
+            <a:off x="838200" y="880533"/>
+            <a:ext cx="10830886" cy="810155"/>
+          </a:xfrm>
+        </p:spPr>
+        <p:txBody>
+          <a:bodyPr/>
+          <a:lstStyle/>
+          <a:p>
+            <a:r>
+              <a:rPr lang="fr-FR" dirty="0"/>
+              <a:t>Simulation </a:t>
+            </a:r>
+            <a:r>
+              <a:rPr lang="fr-FR" dirty="0" err="1"/>
+              <a:t>with</a:t>
+            </a:r>
+            <a:r>
+              <a:rPr lang="fr-FR" dirty="0"/>
+              <a:t> MATLAB Simulink</a:t>
+            </a:r>
+          </a:p>
+        </p:txBody>
+      </p:sp>
+      <p:sp>
+        <p:nvSpPr>
+          <p:cNvPr id="3" name="Espace réservé du contenu 2"/>
+          <p:cNvSpPr>
+            <a:spLocks noGrp="1"/>
+          </p:cNvSpPr>
+          <p:nvPr>
+            <p:ph idx="1"/>
+          </p:nvPr>
+        </p:nvSpPr>
+        <p:spPr>
+          <a:xfrm>
+            <a:off x="838200" y="1730375"/>
+            <a:ext cx="10515600" cy="4351338"/>
+          </a:xfrm>
+        </p:spPr>
+        <p:txBody>
+          <a:bodyPr/>
+          <a:lstStyle/>
+          <a:p>
+            <a:r>
+              <a:rPr lang="fr-FR" dirty="0"/>
+              <a:t>RL Toolbox</a:t>
+            </a:r>
+          </a:p>
+        </p:txBody>
+      </p:sp>
+      <p:pic>
+        <p:nvPicPr>
+          <p:cNvPr id="6" name="Image 5">
+            <a:extLst>
+              <a:ext uri="{FF2B5EF4-FFF2-40B4-BE49-F238E27FC236}">
+                <a16:creationId xmlns:a16="http://schemas.microsoft.com/office/drawing/2014/main" id="{F7D793EF-F5EA-0492-06A4-50869B8FE31A}"/>
+              </a:ext>
+            </a:extLst>
+          </p:cNvPr>
+          <p:cNvPicPr>
+            <a:picLocks noChangeAspect="1"/>
+          </p:cNvPicPr>
+          <p:nvPr/>
+        </p:nvPicPr>
+        <p:blipFill>
+          <a:blip r:embed="rId2"/>
+          <a:stretch>
+            <a:fillRect/>
+          </a:stretch>
+        </p:blipFill>
+        <p:spPr>
+          <a:xfrm>
+            <a:off x="9188220" y="2755786"/>
+            <a:ext cx="2841606" cy="2091422"/>
+          </a:xfrm>
+          <a:prstGeom prst="rect">
+            <a:avLst/>
+          </a:prstGeom>
+        </p:spPr>
+      </p:pic>
+      <p:pic>
+        <p:nvPicPr>
+          <p:cNvPr id="9" name="Image 8">
+            <a:extLst>
+              <a:ext uri="{FF2B5EF4-FFF2-40B4-BE49-F238E27FC236}">
+                <a16:creationId xmlns:a16="http://schemas.microsoft.com/office/drawing/2014/main" id="{BD435654-FB18-27DB-3992-172ED528533B}"/>
+              </a:ext>
+            </a:extLst>
+          </p:cNvPr>
+          <p:cNvPicPr>
+            <a:picLocks noChangeAspect="1"/>
+          </p:cNvPicPr>
+          <p:nvPr/>
+        </p:nvPicPr>
+        <p:blipFill>
+          <a:blip r:embed="rId3"/>
+          <a:stretch>
+            <a:fillRect/>
+          </a:stretch>
+        </p:blipFill>
+        <p:spPr>
+          <a:xfrm>
+            <a:off x="641042" y="2451691"/>
+            <a:ext cx="1279494" cy="3331096"/>
+          </a:xfrm>
+          <a:prstGeom prst="rect">
+            <a:avLst/>
+          </a:prstGeom>
+        </p:spPr>
+      </p:pic>
+      <p:pic>
+        <p:nvPicPr>
+          <p:cNvPr id="11" name="Image 10">
+            <a:extLst>
+              <a:ext uri="{FF2B5EF4-FFF2-40B4-BE49-F238E27FC236}">
+                <a16:creationId xmlns:a16="http://schemas.microsoft.com/office/drawing/2014/main" id="{9D86746A-4B11-DC76-0B8B-E270339768B2}"/>
+              </a:ext>
+            </a:extLst>
+          </p:cNvPr>
+          <p:cNvPicPr>
+            <a:picLocks noChangeAspect="1"/>
+          </p:cNvPicPr>
+          <p:nvPr/>
+        </p:nvPicPr>
+        <p:blipFill rotWithShape="1">
+          <a:blip r:embed="rId4"/>
+          <a:srcRect l="5004"/>
+          <a:stretch/>
+        </p:blipFill>
+        <p:spPr>
+          <a:xfrm>
+            <a:off x="2689934" y="2057515"/>
+            <a:ext cx="6067355" cy="4119448"/>
+          </a:xfrm>
+          <a:prstGeom prst="rect">
+            <a:avLst/>
+          </a:prstGeom>
+        </p:spPr>
+      </p:pic>
+    </p:spTree>
+    <p:extLst>
+      <p:ext uri="{BB962C8B-B14F-4D97-AF65-F5344CB8AC3E}">
+        <p14:creationId xmlns:p14="http://schemas.microsoft.com/office/powerpoint/2010/main" val="1379701163"/>
+      </p:ext>
+    </p:extLst>
+  </p:cSld>
+  <p:clrMapOvr>
+    <a:masterClrMapping/>
+  </p:clrMapOvr>
+</p:sld>
+</file>
+
+<file path=ppt/slides/slide11.xml><?xml version="1.0" encoding="utf-8"?>
+<p:sld xmlns:a="http://schemas.openxmlformats.org/drawingml/2006/main" xmlns:r="http://schemas.openxmlformats.org/officeDocument/2006/relationships" xmlns:p="http://schemas.openxmlformats.org/presentationml/2006/main">
+  <p:cSld>
+    <p:spTree>
+      <p:nvGrpSpPr>
+        <p:cNvPr id="1" name=""/>
+        <p:cNvGrpSpPr/>
+        <p:nvPr/>
+      </p:nvGrpSpPr>
+      <p:grpSpPr>
+        <a:xfrm>
+          <a:off x="0" y="0"/>
+          <a:ext cx="0" cy="0"/>
+          <a:chOff x="0" y="0"/>
+          <a:chExt cx="0" cy="0"/>
+        </a:xfrm>
+      </p:grpSpPr>
+      <p:sp>
+        <p:nvSpPr>
           <p:cNvPr id="3" name="Espace réservé du contenu 2"/>
           <p:cNvSpPr>
             <a:spLocks noGrp="1"/>
@@ -14483,7 +15078,7 @@
 </p:sld>
 </file>
 
-<file path=ppt/slides/slide11.xml><?xml version="1.0" encoding="utf-8"?>
+<file path=ppt/slides/slide12.xml><?xml version="1.0" encoding="utf-8"?>
 <p:sld xmlns:a="http://schemas.openxmlformats.org/drawingml/2006/main" xmlns:r="http://schemas.openxmlformats.org/officeDocument/2006/relationships" xmlns:p="http://schemas.openxmlformats.org/presentationml/2006/main">
   <p:cSld>
     <p:spTree>
@@ -14825,7 +15420,7 @@
 </p:sld>
 </file>
 
-<file path=ppt/slides/slide12.xml><?xml version="1.0" encoding="utf-8"?>
+<file path=ppt/slides/slide13.xml><?xml version="1.0" encoding="utf-8"?>
 <p:sld xmlns:a="http://schemas.openxmlformats.org/drawingml/2006/main" xmlns:r="http://schemas.openxmlformats.org/officeDocument/2006/relationships" xmlns:p="http://schemas.openxmlformats.org/presentationml/2006/main">
   <p:cSld>
     <p:spTree>
@@ -15013,7 +15608,7 @@
 </p:sld>
 </file>
 
-<file path=ppt/slides/slide13.xml><?xml version="1.0" encoding="utf-8"?>
+<file path=ppt/slides/slide14.xml><?xml version="1.0" encoding="utf-8"?>
 <p:sld xmlns:a="http://schemas.openxmlformats.org/drawingml/2006/main" xmlns:r="http://schemas.openxmlformats.org/officeDocument/2006/relationships" xmlns:p="http://schemas.openxmlformats.org/presentationml/2006/main">
   <p:cSld>
     <p:spTree>
@@ -15202,7 +15797,7 @@
 </p:sld>
 </file>
 
-<file path=ppt/slides/slide14.xml><?xml version="1.0" encoding="utf-8"?>
+<file path=ppt/slides/slide15.xml><?xml version="1.0" encoding="utf-8"?>
 <p:sld xmlns:a="http://schemas.openxmlformats.org/drawingml/2006/main" xmlns:r="http://schemas.openxmlformats.org/officeDocument/2006/relationships" xmlns:p="http://schemas.openxmlformats.org/presentationml/2006/main">
   <p:cSld>
     <p:spTree>
@@ -15408,7 +16003,7 @@
 </p:sld>
 </file>
 
-<file path=ppt/slides/slide15.xml><?xml version="1.0" encoding="utf-8"?>
+<file path=ppt/slides/slide16.xml><?xml version="1.0" encoding="utf-8"?>
 <p:sld xmlns:a="http://schemas.openxmlformats.org/drawingml/2006/main" xmlns:r="http://schemas.openxmlformats.org/officeDocument/2006/relationships" xmlns:p="http://schemas.openxmlformats.org/presentationml/2006/main">
   <p:cSld>
     <p:spTree>
@@ -16509,7 +17104,7 @@
 </p:sld>
 </file>
 
-<file path=ppt/slides/slide16.xml><?xml version="1.0" encoding="utf-8"?>
+<file path=ppt/slides/slide17.xml><?xml version="1.0" encoding="utf-8"?>
 <p:sld xmlns:a="http://schemas.openxmlformats.org/drawingml/2006/main" xmlns:r="http://schemas.openxmlformats.org/officeDocument/2006/relationships" xmlns:p="http://schemas.openxmlformats.org/presentationml/2006/main">
   <p:cSld>
     <p:spTree>
@@ -16670,7 +17265,7 @@
 </p:sld>
 </file>
 
-<file path=ppt/slides/slide17.xml><?xml version="1.0" encoding="utf-8"?>
+<file path=ppt/slides/slide18.xml><?xml version="1.0" encoding="utf-8"?>
 <p:sld xmlns:a="http://schemas.openxmlformats.org/drawingml/2006/main" xmlns:r="http://schemas.openxmlformats.org/officeDocument/2006/relationships" xmlns:p="http://schemas.openxmlformats.org/presentationml/2006/main">
   <p:cSld>
     <p:spTree>
@@ -16836,7 +17431,7 @@
 </p:sld>
 </file>
 
-<file path=ppt/slides/slide18.xml><?xml version="1.0" encoding="utf-8"?>
+<file path=ppt/slides/slide19.xml><?xml version="1.0" encoding="utf-8"?>
 <p:sld xmlns:a="http://schemas.openxmlformats.org/drawingml/2006/main" xmlns:r="http://schemas.openxmlformats.org/officeDocument/2006/relationships" xmlns:p="http://schemas.openxmlformats.org/presentationml/2006/main">
   <p:cSld>
     <p:spTree>
@@ -17023,7 +17618,201 @@
 </p:sld>
 </file>
 
-<file path=ppt/slides/slide19.xml><?xml version="1.0" encoding="utf-8"?>
+<file path=ppt/slides/slide2.xml><?xml version="1.0" encoding="utf-8"?>
+<p:sld xmlns:a="http://schemas.openxmlformats.org/drawingml/2006/main" xmlns:r="http://schemas.openxmlformats.org/officeDocument/2006/relationships" xmlns:p="http://schemas.openxmlformats.org/presentationml/2006/main">
+  <p:cSld>
+    <p:spTree>
+      <p:nvGrpSpPr>
+        <p:cNvPr id="1" name=""/>
+        <p:cNvGrpSpPr/>
+        <p:nvPr/>
+      </p:nvGrpSpPr>
+      <p:grpSpPr>
+        <a:xfrm>
+          <a:off x="0" y="0"/>
+          <a:ext cx="0" cy="0"/>
+          <a:chOff x="0" y="0"/>
+          <a:chExt cx="0" cy="0"/>
+        </a:xfrm>
+      </p:grpSpPr>
+      <p:sp>
+        <p:nvSpPr>
+          <p:cNvPr id="4" name="Titre 3"/>
+          <p:cNvSpPr>
+            <a:spLocks noGrp="1"/>
+          </p:cNvSpPr>
+          <p:nvPr>
+            <p:ph type="title"/>
+          </p:nvPr>
+        </p:nvSpPr>
+        <p:spPr/>
+        <p:txBody>
+          <a:bodyPr/>
+          <a:lstStyle/>
+          <a:p>
+            <a:r>
+              <a:rPr lang="fr-FR" dirty="0"/>
+              <a:t>Content</a:t>
+            </a:r>
+          </a:p>
+        </p:txBody>
+      </p:sp>
+      <p:sp>
+        <p:nvSpPr>
+          <p:cNvPr id="5" name="Espace réservé du contenu 4"/>
+          <p:cNvSpPr>
+            <a:spLocks noGrp="1"/>
+          </p:cNvSpPr>
+          <p:nvPr>
+            <p:ph idx="1"/>
+          </p:nvPr>
+        </p:nvSpPr>
+        <p:spPr>
+          <a:xfrm>
+            <a:off x="838200" y="1730375"/>
+            <a:ext cx="10515600" cy="4351338"/>
+          </a:xfrm>
+        </p:spPr>
+        <p:txBody>
+          <a:bodyPr/>
+          <a:lstStyle/>
+          <a:p>
+            <a:r>
+              <a:rPr lang="fr-FR" dirty="0" err="1"/>
+              <a:t>Context</a:t>
+            </a:r>
+            <a:endParaRPr lang="fr-FR" dirty="0"/>
+          </a:p>
+          <a:p>
+            <a:pPr lvl="1">
+              <a:buFont typeface="Courier New" panose="02070309020205020404" pitchFamily="49" charset="0"/>
+              <a:buChar char="o"/>
+            </a:pPr>
+            <a:r>
+              <a:rPr lang="fr-FR" dirty="0"/>
+              <a:t>QCAR </a:t>
+            </a:r>
+            <a:r>
+              <a:rPr lang="fr-FR" dirty="0" err="1"/>
+              <a:t>presentation</a:t>
+            </a:r>
+            <a:endParaRPr lang="fr-FR" dirty="0"/>
+          </a:p>
+          <a:p>
+            <a:pPr lvl="1">
+              <a:buFont typeface="Courier New" panose="02070309020205020404" pitchFamily="49" charset="0"/>
+              <a:buChar char="o"/>
+            </a:pPr>
+            <a:r>
+              <a:rPr lang="fr-FR" dirty="0" err="1"/>
+              <a:t>Reinforcement</a:t>
+            </a:r>
+            <a:r>
+              <a:rPr lang="fr-FR" dirty="0"/>
+              <a:t> Learning introduction</a:t>
+            </a:r>
+          </a:p>
+          <a:p>
+            <a:pPr lvl="1">
+              <a:buFont typeface="Courier New" panose="02070309020205020404" pitchFamily="49" charset="0"/>
+              <a:buChar char="o"/>
+            </a:pPr>
+            <a:endParaRPr lang="fr-FR" dirty="0"/>
+          </a:p>
+          <a:p>
+            <a:r>
+              <a:rPr lang="fr-FR" dirty="0" err="1"/>
+              <a:t>Strategy</a:t>
+            </a:r>
+            <a:r>
+              <a:rPr lang="fr-FR" dirty="0"/>
+              <a:t> and </a:t>
+            </a:r>
+            <a:r>
+              <a:rPr lang="fr-FR" dirty="0" err="1"/>
+              <a:t>results</a:t>
+            </a:r>
+            <a:endParaRPr lang="fr-FR" dirty="0"/>
+          </a:p>
+          <a:p>
+            <a:pPr lvl="1">
+              <a:buFont typeface="Courier New" panose="02070309020205020404" pitchFamily="49" charset="0"/>
+              <a:buChar char="o"/>
+            </a:pPr>
+            <a:r>
+              <a:rPr lang="fr-FR" dirty="0"/>
+              <a:t>Bicycle model control</a:t>
+            </a:r>
+          </a:p>
+          <a:p>
+            <a:pPr lvl="1">
+              <a:buFont typeface="Courier New" panose="02070309020205020404" pitchFamily="49" charset="0"/>
+              <a:buChar char="o"/>
+            </a:pPr>
+            <a:r>
+              <a:rPr lang="fr-FR" dirty="0"/>
+              <a:t>Simulation </a:t>
+            </a:r>
+            <a:r>
+              <a:rPr lang="fr-FR" dirty="0" err="1"/>
+              <a:t>with</a:t>
+            </a:r>
+            <a:r>
+              <a:rPr lang="fr-FR" dirty="0"/>
+              <a:t> MATLAB/Simulink</a:t>
+            </a:r>
+          </a:p>
+          <a:p>
+            <a:pPr lvl="1">
+              <a:buFont typeface="Courier New" panose="02070309020205020404" pitchFamily="49" charset="0"/>
+              <a:buChar char="o"/>
+            </a:pPr>
+            <a:r>
+              <a:rPr lang="fr-FR" dirty="0" err="1"/>
+              <a:t>HiL</a:t>
+            </a:r>
+            <a:r>
+              <a:rPr lang="fr-FR" dirty="0"/>
+              <a:t> </a:t>
+            </a:r>
+            <a:r>
+              <a:rPr lang="fr-FR" dirty="0" err="1"/>
+              <a:t>integration</a:t>
+            </a:r>
+            <a:endParaRPr lang="fr-FR" dirty="0"/>
+          </a:p>
+          <a:p>
+            <a:pPr lvl="1">
+              <a:buFont typeface="Courier New" panose="02070309020205020404" pitchFamily="49" charset="0"/>
+              <a:buChar char="o"/>
+            </a:pPr>
+            <a:endParaRPr lang="fr-FR" dirty="0"/>
+          </a:p>
+          <a:p>
+            <a:r>
+              <a:rPr lang="fr-FR" dirty="0"/>
+              <a:t>Conclusion</a:t>
+            </a:r>
+          </a:p>
+          <a:p>
+            <a:endParaRPr lang="fr-FR" dirty="0"/>
+          </a:p>
+        </p:txBody>
+      </p:sp>
+    </p:spTree>
+    <p:extLst>
+      <p:ext uri="{BB962C8B-B14F-4D97-AF65-F5344CB8AC3E}">
+        <p14:creationId xmlns:p14="http://schemas.microsoft.com/office/powerpoint/2010/main" val="746370004"/>
+      </p:ext>
+    </p:extLst>
+  </p:cSld>
+  <p:clrMapOvr>
+    <a:masterClrMapping/>
+  </p:clrMapOvr>
+</p:sld>
+</file>
+
+<file path=ppt/slides/slide20.xml><?xml version="1.0" encoding="utf-8"?>
 <p:sld xmlns:a="http://schemas.openxmlformats.org/drawingml/2006/main" xmlns:r="http://schemas.openxmlformats.org/officeDocument/2006/relationships" xmlns:p="http://schemas.openxmlformats.org/presentationml/2006/main">
   <p:cSld>
     <p:spTree>
@@ -17147,201 +17936,7 @@
 </p:sld>
 </file>
 
-<file path=ppt/slides/slide2.xml><?xml version="1.0" encoding="utf-8"?>
-<p:sld xmlns:a="http://schemas.openxmlformats.org/drawingml/2006/main" xmlns:r="http://schemas.openxmlformats.org/officeDocument/2006/relationships" xmlns:p="http://schemas.openxmlformats.org/presentationml/2006/main">
-  <p:cSld>
-    <p:spTree>
-      <p:nvGrpSpPr>
-        <p:cNvPr id="1" name=""/>
-        <p:cNvGrpSpPr/>
-        <p:nvPr/>
-      </p:nvGrpSpPr>
-      <p:grpSpPr>
-        <a:xfrm>
-          <a:off x="0" y="0"/>
-          <a:ext cx="0" cy="0"/>
-          <a:chOff x="0" y="0"/>
-          <a:chExt cx="0" cy="0"/>
-        </a:xfrm>
-      </p:grpSpPr>
-      <p:sp>
-        <p:nvSpPr>
-          <p:cNvPr id="4" name="Titre 3"/>
-          <p:cNvSpPr>
-            <a:spLocks noGrp="1"/>
-          </p:cNvSpPr>
-          <p:nvPr>
-            <p:ph type="title"/>
-          </p:nvPr>
-        </p:nvSpPr>
-        <p:spPr/>
-        <p:txBody>
-          <a:bodyPr/>
-          <a:lstStyle/>
-          <a:p>
-            <a:r>
-              <a:rPr lang="fr-FR" dirty="0"/>
-              <a:t>Content</a:t>
-            </a:r>
-          </a:p>
-        </p:txBody>
-      </p:sp>
-      <p:sp>
-        <p:nvSpPr>
-          <p:cNvPr id="5" name="Espace réservé du contenu 4"/>
-          <p:cNvSpPr>
-            <a:spLocks noGrp="1"/>
-          </p:cNvSpPr>
-          <p:nvPr>
-            <p:ph idx="1"/>
-          </p:nvPr>
-        </p:nvSpPr>
-        <p:spPr>
-          <a:xfrm>
-            <a:off x="838200" y="1730375"/>
-            <a:ext cx="10515600" cy="4351338"/>
-          </a:xfrm>
-        </p:spPr>
-        <p:txBody>
-          <a:bodyPr/>
-          <a:lstStyle/>
-          <a:p>
-            <a:r>
-              <a:rPr lang="fr-FR" dirty="0" err="1"/>
-              <a:t>Context</a:t>
-            </a:r>
-            <a:endParaRPr lang="fr-FR" dirty="0"/>
-          </a:p>
-          <a:p>
-            <a:pPr lvl="1">
-              <a:buFont typeface="Courier New" panose="02070309020205020404" pitchFamily="49" charset="0"/>
-              <a:buChar char="o"/>
-            </a:pPr>
-            <a:r>
-              <a:rPr lang="fr-FR" dirty="0"/>
-              <a:t>QCAR </a:t>
-            </a:r>
-            <a:r>
-              <a:rPr lang="fr-FR" dirty="0" err="1"/>
-              <a:t>presentation</a:t>
-            </a:r>
-            <a:endParaRPr lang="fr-FR" dirty="0"/>
-          </a:p>
-          <a:p>
-            <a:pPr lvl="1">
-              <a:buFont typeface="Courier New" panose="02070309020205020404" pitchFamily="49" charset="0"/>
-              <a:buChar char="o"/>
-            </a:pPr>
-            <a:r>
-              <a:rPr lang="fr-FR" dirty="0" err="1"/>
-              <a:t>Reinforcement</a:t>
-            </a:r>
-            <a:r>
-              <a:rPr lang="fr-FR" dirty="0"/>
-              <a:t> Learning introduction</a:t>
-            </a:r>
-          </a:p>
-          <a:p>
-            <a:pPr lvl="1">
-              <a:buFont typeface="Courier New" panose="02070309020205020404" pitchFamily="49" charset="0"/>
-              <a:buChar char="o"/>
-            </a:pPr>
-            <a:endParaRPr lang="fr-FR" dirty="0"/>
-          </a:p>
-          <a:p>
-            <a:r>
-              <a:rPr lang="fr-FR" dirty="0" err="1"/>
-              <a:t>Strategy</a:t>
-            </a:r>
-            <a:r>
-              <a:rPr lang="fr-FR" dirty="0"/>
-              <a:t> and </a:t>
-            </a:r>
-            <a:r>
-              <a:rPr lang="fr-FR" dirty="0" err="1"/>
-              <a:t>results</a:t>
-            </a:r>
-            <a:endParaRPr lang="fr-FR" dirty="0"/>
-          </a:p>
-          <a:p>
-            <a:pPr lvl="1">
-              <a:buFont typeface="Courier New" panose="02070309020205020404" pitchFamily="49" charset="0"/>
-              <a:buChar char="o"/>
-            </a:pPr>
-            <a:r>
-              <a:rPr lang="fr-FR" dirty="0"/>
-              <a:t>Bicycle model control</a:t>
-            </a:r>
-          </a:p>
-          <a:p>
-            <a:pPr lvl="1">
-              <a:buFont typeface="Courier New" panose="02070309020205020404" pitchFamily="49" charset="0"/>
-              <a:buChar char="o"/>
-            </a:pPr>
-            <a:r>
-              <a:rPr lang="fr-FR" dirty="0"/>
-              <a:t>Simulation </a:t>
-            </a:r>
-            <a:r>
-              <a:rPr lang="fr-FR" dirty="0" err="1"/>
-              <a:t>with</a:t>
-            </a:r>
-            <a:r>
-              <a:rPr lang="fr-FR" dirty="0"/>
-              <a:t> MATLAB/Simulink</a:t>
-            </a:r>
-          </a:p>
-          <a:p>
-            <a:pPr lvl="1">
-              <a:buFont typeface="Courier New" panose="02070309020205020404" pitchFamily="49" charset="0"/>
-              <a:buChar char="o"/>
-            </a:pPr>
-            <a:r>
-              <a:rPr lang="fr-FR" dirty="0" err="1"/>
-              <a:t>HiL</a:t>
-            </a:r>
-            <a:r>
-              <a:rPr lang="fr-FR" dirty="0"/>
-              <a:t> </a:t>
-            </a:r>
-            <a:r>
-              <a:rPr lang="fr-FR" dirty="0" err="1"/>
-              <a:t>integration</a:t>
-            </a:r>
-            <a:endParaRPr lang="fr-FR" dirty="0"/>
-          </a:p>
-          <a:p>
-            <a:pPr lvl="1">
-              <a:buFont typeface="Courier New" panose="02070309020205020404" pitchFamily="49" charset="0"/>
-              <a:buChar char="o"/>
-            </a:pPr>
-            <a:endParaRPr lang="fr-FR" dirty="0"/>
-          </a:p>
-          <a:p>
-            <a:r>
-              <a:rPr lang="fr-FR" dirty="0"/>
-              <a:t>Conclusion</a:t>
-            </a:r>
-          </a:p>
-          <a:p>
-            <a:endParaRPr lang="fr-FR" dirty="0"/>
-          </a:p>
-        </p:txBody>
-      </p:sp>
-    </p:spTree>
-    <p:extLst>
-      <p:ext uri="{BB962C8B-B14F-4D97-AF65-F5344CB8AC3E}">
-        <p14:creationId xmlns:p14="http://schemas.microsoft.com/office/powerpoint/2010/main" val="746370004"/>
-      </p:ext>
-    </p:extLst>
-  </p:cSld>
-  <p:clrMapOvr>
-    <a:masterClrMapping/>
-  </p:clrMapOvr>
-</p:sld>
-</file>
-
-<file path=ppt/slides/slide20.xml><?xml version="1.0" encoding="utf-8"?>
+<file path=ppt/slides/slide21.xml><?xml version="1.0" encoding="utf-8"?>
 <p:sld xmlns:a="http://schemas.openxmlformats.org/drawingml/2006/main" xmlns:r="http://schemas.openxmlformats.org/officeDocument/2006/relationships" xmlns:p="http://schemas.openxmlformats.org/presentationml/2006/main">
   <p:cSld>
     <p:spTree>
@@ -17477,7 +18072,7 @@
 </p:sld>
 </file>
 
-<file path=ppt/slides/slide21.xml><?xml version="1.0" encoding="utf-8"?>
+<file path=ppt/slides/slide22.xml><?xml version="1.0" encoding="utf-8"?>
 <p:sld xmlns:a="http://schemas.openxmlformats.org/drawingml/2006/main" xmlns:r="http://schemas.openxmlformats.org/officeDocument/2006/relationships" xmlns:p="http://schemas.openxmlformats.org/presentationml/2006/main">
   <p:cSld>
     <p:spTree>
@@ -17757,7 +18352,7 @@
 </p:sld>
 </file>
 
-<file path=ppt/slides/slide22.xml><?xml version="1.0" encoding="utf-8"?>
+<file path=ppt/slides/slide23.xml><?xml version="1.0" encoding="utf-8"?>
 <p:sld xmlns:a="http://schemas.openxmlformats.org/drawingml/2006/main" xmlns:r="http://schemas.openxmlformats.org/officeDocument/2006/relationships" xmlns:p="http://schemas.openxmlformats.org/presentationml/2006/main">
   <p:cSld>
     <p:spTree>
@@ -18268,6 +18863,1131 @@
 </file>
 
 <file path=ppt/slides/slide5.xml><?xml version="1.0" encoding="utf-8"?>
+<p:sld xmlns:a="http://schemas.openxmlformats.org/drawingml/2006/main" xmlns:r="http://schemas.openxmlformats.org/officeDocument/2006/relationships" xmlns:p="http://schemas.openxmlformats.org/presentationml/2006/main">
+  <p:cSld>
+    <p:spTree>
+      <p:nvGrpSpPr>
+        <p:cNvPr id="1" name=""/>
+        <p:cNvGrpSpPr/>
+        <p:nvPr/>
+      </p:nvGrpSpPr>
+      <p:grpSpPr>
+        <a:xfrm>
+          <a:off x="0" y="0"/>
+          <a:ext cx="0" cy="0"/>
+          <a:chOff x="0" y="0"/>
+          <a:chExt cx="0" cy="0"/>
+        </a:xfrm>
+      </p:grpSpPr>
+      <p:sp>
+        <p:nvSpPr>
+          <p:cNvPr id="2" name="Titre 1"/>
+          <p:cNvSpPr>
+            <a:spLocks noGrp="1"/>
+          </p:cNvSpPr>
+          <p:nvPr>
+            <p:ph type="title"/>
+          </p:nvPr>
+        </p:nvSpPr>
+        <p:spPr/>
+        <p:txBody>
+          <a:bodyPr/>
+          <a:lstStyle/>
+          <a:p>
+            <a:r>
+              <a:rPr lang="fr-FR" dirty="0" err="1"/>
+              <a:t>Reinforcement</a:t>
+            </a:r>
+            <a:r>
+              <a:rPr lang="fr-FR" dirty="0"/>
+              <a:t> Learning (RL) introduction</a:t>
+            </a:r>
+          </a:p>
+        </p:txBody>
+      </p:sp>
+      <mc:AlternateContent xmlns:mc="http://schemas.openxmlformats.org/markup-compatibility/2006">
+        <mc:Choice xmlns:a14="http://schemas.microsoft.com/office/drawing/2010/main" Requires="a14">
+          <p:sp>
+            <p:nvSpPr>
+              <p:cNvPr id="3" name="Espace réservé du contenu 2"/>
+              <p:cNvSpPr>
+                <a:spLocks noGrp="1"/>
+              </p:cNvSpPr>
+              <p:nvPr>
+                <p:ph idx="1"/>
+              </p:nvPr>
+            </p:nvSpPr>
+            <p:spPr>
+              <a:xfrm>
+                <a:off x="838200" y="1730375"/>
+                <a:ext cx="10515600" cy="4351338"/>
+              </a:xfrm>
+            </p:spPr>
+            <p:txBody>
+              <a:bodyPr/>
+              <a:lstStyle/>
+              <a:p>
+                <a:r>
+                  <a:rPr lang="fr-FR" dirty="0"/>
+                  <a:t>Actor-</a:t>
+                </a:r>
+                <a:r>
+                  <a:rPr lang="fr-FR" dirty="0" err="1"/>
+                  <a:t>critic</a:t>
+                </a:r>
+                <a:r>
+                  <a:rPr lang="fr-FR" dirty="0"/>
+                  <a:t> network</a:t>
+                </a:r>
+              </a:p>
+              <a:p>
+                <a:endParaRPr lang="fr-FR" dirty="0"/>
+              </a:p>
+              <a:p>
+                <a:r>
+                  <a:rPr lang="fr-FR" dirty="0"/>
+                  <a:t>Q-value </a:t>
+                </a:r>
+                <a:endParaRPr lang="fr-FR" i="1" dirty="0">
+                  <a:latin typeface="Cambria Math" panose="02040503050406030204" pitchFamily="18" charset="0"/>
+                </a:endParaRPr>
+              </a:p>
+              <a:p>
+                <a:pPr lvl="1">
+                  <a:buFont typeface="Courier New" panose="02070309020205020404" pitchFamily="49" charset="0"/>
+                  <a:buChar char="o"/>
+                </a:pPr>
+                <a14:m>
+                  <m:oMath xmlns:m="http://schemas.openxmlformats.org/officeDocument/2006/math">
+                    <m:r>
+                      <a:rPr lang="fr-FR" i="1" dirty="0" smtClean="0">
+                        <a:latin typeface="Cambria Math" panose="02040503050406030204" pitchFamily="18" charset="0"/>
+                      </a:rPr>
+                      <m:t>𝑄</m:t>
+                    </m:r>
+                    <m:r>
+                      <a:rPr lang="fr-FR" i="1" dirty="0" smtClean="0">
+                        <a:latin typeface="Cambria Math" panose="02040503050406030204" pitchFamily="18" charset="0"/>
+                      </a:rPr>
+                      <m:t> = </m:t>
+                    </m:r>
+                    <m:r>
+                      <a:rPr lang="fr-FR" i="1" dirty="0" err="1" smtClean="0">
+                        <a:latin typeface="Cambria Math" panose="02040503050406030204" pitchFamily="18" charset="0"/>
+                      </a:rPr>
+                      <m:t>𝑟𝑒𝑤𝑎𝑟𝑑</m:t>
+                    </m:r>
+                    <m:r>
+                      <a:rPr lang="fr-FR" i="1" dirty="0" smtClean="0">
+                        <a:latin typeface="Cambria Math" panose="02040503050406030204" pitchFamily="18" charset="0"/>
+                      </a:rPr>
+                      <m:t> + </m:t>
+                    </m:r>
+                    <m:r>
+                      <a:rPr lang="el-GR" i="1" dirty="0" smtClean="0">
+                        <a:latin typeface="Cambria Math" panose="02040503050406030204" pitchFamily="18" charset="0"/>
+                      </a:rPr>
+                      <m:t>𝛾</m:t>
+                    </m:r>
+                    <m:r>
+                      <a:rPr lang="fr-FR" i="1" dirty="0" smtClean="0">
+                        <a:latin typeface="Cambria Math" panose="02040503050406030204" pitchFamily="18" charset="0"/>
+                      </a:rPr>
+                      <m:t> </m:t>
+                    </m:r>
+                    <m:r>
+                      <a:rPr lang="fr-FR" i="1" dirty="0" smtClean="0">
+                        <a:latin typeface="Cambria Math" panose="02040503050406030204" pitchFamily="18" charset="0"/>
+                        <a:ea typeface="Cambria Math" panose="02040503050406030204" pitchFamily="18" charset="0"/>
+                      </a:rPr>
+                      <m:t>∙</m:t>
+                    </m:r>
+                    <m:r>
+                      <a:rPr lang="fr-FR" b="0" i="1" dirty="0" smtClean="0">
+                        <a:latin typeface="Cambria Math" panose="02040503050406030204" pitchFamily="18" charset="0"/>
+                        <a:ea typeface="Cambria Math" panose="02040503050406030204" pitchFamily="18" charset="0"/>
+                      </a:rPr>
+                      <m:t> </m:t>
+                    </m:r>
+                    <m:sSub>
+                      <m:sSubPr>
+                        <m:ctrlPr>
+                          <a:rPr lang="fr-FR" b="0" i="1" dirty="0" smtClean="0">
+                            <a:latin typeface="Cambria Math" panose="02040503050406030204" pitchFamily="18" charset="0"/>
+                            <a:ea typeface="Cambria Math" panose="02040503050406030204" pitchFamily="18" charset="0"/>
+                          </a:rPr>
+                        </m:ctrlPr>
+                      </m:sSubPr>
+                      <m:e>
+                        <m:r>
+                          <a:rPr lang="fr-FR" b="0" i="1" dirty="0" smtClean="0">
+                            <a:latin typeface="Cambria Math" panose="02040503050406030204" pitchFamily="18" charset="0"/>
+                            <a:ea typeface="Cambria Math" panose="02040503050406030204" pitchFamily="18" charset="0"/>
+                          </a:rPr>
+                          <m:t>𝑄</m:t>
+                        </m:r>
+                      </m:e>
+                      <m:sub>
+                        <m:r>
+                          <a:rPr lang="fr-FR" b="0" i="1" dirty="0" smtClean="0">
+                            <a:latin typeface="Cambria Math" panose="02040503050406030204" pitchFamily="18" charset="0"/>
+                            <a:ea typeface="Cambria Math" panose="02040503050406030204" pitchFamily="18" charset="0"/>
+                          </a:rPr>
+                          <m:t>𝑛𝑒𝑥𝑡</m:t>
+                        </m:r>
+                      </m:sub>
+                    </m:sSub>
+                  </m:oMath>
+                </a14:m>
+                <a:endParaRPr lang="fr-FR" dirty="0"/>
+              </a:p>
+              <a:p>
+                <a:pPr lvl="1">
+                  <a:buFont typeface="Courier New" panose="02070309020205020404" pitchFamily="49" charset="0"/>
+                  <a:buChar char="o"/>
+                </a:pPr>
+                <a:endParaRPr lang="fr-FR" dirty="0"/>
+              </a:p>
+              <a:p>
+                <a:pPr lvl="1">
+                  <a:buFont typeface="Courier New" panose="02070309020205020404" pitchFamily="49" charset="0"/>
+                  <a:buChar char="o"/>
+                </a:pPr>
+                <a:r>
+                  <a:rPr lang="fr-FR" dirty="0"/>
+                  <a:t>Train </a:t>
+                </a:r>
+                <a:r>
+                  <a:rPr lang="fr-FR" dirty="0" err="1"/>
+                  <a:t>actor</a:t>
+                </a:r>
+                <a:r>
+                  <a:rPr lang="fr-FR" dirty="0"/>
+                  <a:t> : </a:t>
+                </a:r>
+                <a:r>
+                  <a:rPr lang="fr-FR" dirty="0" err="1"/>
+                  <a:t>Maximize</a:t>
+                </a:r>
+                <a:r>
+                  <a:rPr lang="fr-FR" dirty="0"/>
+                  <a:t> Q</a:t>
+                </a:r>
+              </a:p>
+              <a:p>
+                <a:pPr lvl="1">
+                  <a:buFont typeface="Courier New" panose="02070309020205020404" pitchFamily="49" charset="0"/>
+                  <a:buChar char="o"/>
+                </a:pPr>
+                <a:endParaRPr lang="fr-FR" dirty="0"/>
+              </a:p>
+              <a:p>
+                <a:pPr lvl="1">
+                  <a:buFont typeface="Courier New" panose="02070309020205020404" pitchFamily="49" charset="0"/>
+                  <a:buChar char="o"/>
+                </a:pPr>
+                <a:r>
+                  <a:rPr lang="fr-FR" dirty="0"/>
+                  <a:t>Train </a:t>
+                </a:r>
+                <a:r>
+                  <a:rPr lang="fr-FR" dirty="0" err="1"/>
+                  <a:t>critic</a:t>
+                </a:r>
+                <a:r>
+                  <a:rPr lang="fr-FR" dirty="0"/>
+                  <a:t> : </a:t>
+                </a:r>
+                <a:r>
+                  <a:rPr lang="fr-FR" dirty="0" err="1"/>
+                  <a:t>Minimize</a:t>
+                </a:r>
+                <a:r>
+                  <a:rPr lang="fr-FR" dirty="0"/>
+                  <a:t> Q – (</a:t>
+                </a:r>
+                <a:r>
+                  <a:rPr lang="fr-FR" dirty="0" err="1"/>
+                  <a:t>reward</a:t>
+                </a:r>
+                <a:r>
+                  <a:rPr lang="fr-FR" dirty="0"/>
+                  <a:t> + </a:t>
+                </a:r>
+                <a:r>
+                  <a:rPr lang="el-GR" dirty="0"/>
+                  <a:t>γ</a:t>
+                </a:r>
+                <a:r>
+                  <a:rPr lang="fr-FR" dirty="0"/>
+                  <a:t> </a:t>
+                </a:r>
+                <a:r>
+                  <a:rPr lang="fr-FR" dirty="0" err="1"/>
+                  <a:t>Q</a:t>
+                </a:r>
+                <a:r>
+                  <a:rPr lang="fr-FR" baseline="-25000" dirty="0" err="1"/>
+                  <a:t>next</a:t>
+                </a:r>
+                <a:r>
+                  <a:rPr lang="fr-FR" dirty="0"/>
+                  <a:t>)</a:t>
+                </a:r>
+              </a:p>
+              <a:p>
+                <a:pPr marL="0" indent="0">
+                  <a:buNone/>
+                </a:pPr>
+                <a:endParaRPr lang="fr-FR" dirty="0"/>
+              </a:p>
+              <a:p>
+                <a:r>
+                  <a:rPr lang="fr-FR" dirty="0"/>
+                  <a:t>Replay Buffer</a:t>
+                </a:r>
+              </a:p>
+              <a:p>
+                <a:pPr marL="0" indent="0">
+                  <a:buNone/>
+                </a:pPr>
+                <a14:m>
+                  <m:oMathPara xmlns:m="http://schemas.openxmlformats.org/officeDocument/2006/math">
+                    <m:oMathParaPr>
+                      <m:jc m:val="centerGroup"/>
+                    </m:oMathParaPr>
+                    <m:oMath xmlns:m="http://schemas.openxmlformats.org/officeDocument/2006/math">
+                      <m:r>
+                        <a:rPr lang="fr-FR" sz="2000" b="0" i="1" smtClean="0">
+                          <a:latin typeface="Cambria Math" panose="02040503050406030204" pitchFamily="18" charset="0"/>
+                        </a:rPr>
+                        <m:t>[&lt;</m:t>
+                      </m:r>
+                      <m:r>
+                        <a:rPr lang="fr-FR" sz="2000" b="0" i="1" smtClean="0">
+                          <a:latin typeface="Cambria Math" panose="02040503050406030204" pitchFamily="18" charset="0"/>
+                        </a:rPr>
+                        <m:t>𝑜𝑏𝑠</m:t>
+                      </m:r>
+                      <m:r>
+                        <a:rPr lang="fr-FR" sz="2000" b="0" i="1" smtClean="0">
+                          <a:latin typeface="Cambria Math" panose="02040503050406030204" pitchFamily="18" charset="0"/>
+                        </a:rPr>
+                        <m:t>, </m:t>
+                      </m:r>
+                      <m:r>
+                        <a:rPr lang="fr-FR" sz="2000" b="0" i="1" smtClean="0">
+                          <a:latin typeface="Cambria Math" panose="02040503050406030204" pitchFamily="18" charset="0"/>
+                        </a:rPr>
+                        <m:t>𝑎𝑐𝑡</m:t>
+                      </m:r>
+                      <m:r>
+                        <a:rPr lang="fr-FR" sz="2000" b="0" i="1" smtClean="0">
+                          <a:latin typeface="Cambria Math" panose="02040503050406030204" pitchFamily="18" charset="0"/>
+                        </a:rPr>
+                        <m:t>, </m:t>
+                      </m:r>
+                      <m:r>
+                        <a:rPr lang="fr-FR" sz="2000" b="0" i="1" smtClean="0">
+                          <a:latin typeface="Cambria Math" panose="02040503050406030204" pitchFamily="18" charset="0"/>
+                        </a:rPr>
+                        <m:t>𝑟𝑒𝑤𝑎𝑟𝑑</m:t>
+                      </m:r>
+                      <m:r>
+                        <a:rPr lang="fr-FR" sz="2000" b="0" i="1" smtClean="0">
+                          <a:latin typeface="Cambria Math" panose="02040503050406030204" pitchFamily="18" charset="0"/>
+                        </a:rPr>
+                        <m:t>, </m:t>
+                      </m:r>
+                      <m:sSub>
+                        <m:sSubPr>
+                          <m:ctrlPr>
+                            <a:rPr lang="fr-FR" sz="2000" b="0" i="1" smtClean="0">
+                              <a:latin typeface="Cambria Math" panose="02040503050406030204" pitchFamily="18" charset="0"/>
+                            </a:rPr>
+                          </m:ctrlPr>
+                        </m:sSubPr>
+                        <m:e>
+                          <m:r>
+                            <a:rPr lang="fr-FR" sz="2000" b="0" i="1" smtClean="0">
+                              <a:latin typeface="Cambria Math" panose="02040503050406030204" pitchFamily="18" charset="0"/>
+                            </a:rPr>
+                            <m:t>𝑜𝑏𝑠</m:t>
+                          </m:r>
+                        </m:e>
+                        <m:sub>
+                          <m:r>
+                            <a:rPr lang="fr-FR" sz="2000" b="0" i="1" smtClean="0">
+                              <a:latin typeface="Cambria Math" panose="02040503050406030204" pitchFamily="18" charset="0"/>
+                            </a:rPr>
+                            <m:t>𝑛𝑒𝑥𝑡</m:t>
+                          </m:r>
+                        </m:sub>
+                      </m:sSub>
+                      <m:r>
+                        <a:rPr lang="fr-FR" sz="2000" b="0" i="1" smtClean="0">
+                          <a:latin typeface="Cambria Math" panose="02040503050406030204" pitchFamily="18" charset="0"/>
+                        </a:rPr>
+                        <m:t>&gt;]</m:t>
+                      </m:r>
+                    </m:oMath>
+                  </m:oMathPara>
+                </a14:m>
+                <a:endParaRPr lang="fr-FR" sz="2000" dirty="0"/>
+              </a:p>
+            </p:txBody>
+          </p:sp>
+        </mc:Choice>
+        <mc:Fallback>
+          <p:sp>
+            <p:nvSpPr>
+              <p:cNvPr id="3" name="Espace réservé du contenu 2"/>
+              <p:cNvSpPr>
+                <a:spLocks noGrp="1" noRot="1" noChangeAspect="1" noMove="1" noResize="1" noEditPoints="1" noAdjustHandles="1" noChangeArrowheads="1" noChangeShapeType="1" noTextEdit="1"/>
+              </p:cNvSpPr>
+              <p:nvPr>
+                <p:ph idx="1"/>
+              </p:nvPr>
+            </p:nvSpPr>
+            <p:spPr>
+              <a:xfrm>
+                <a:off x="838200" y="1730375"/>
+                <a:ext cx="10515600" cy="4351338"/>
+              </a:xfrm>
+              <a:blipFill>
+                <a:blip r:embed="rId3"/>
+                <a:stretch>
+                  <a:fillRect l="-812" t="-1821"/>
+                </a:stretch>
+              </a:blipFill>
+            </p:spPr>
+            <p:txBody>
+              <a:bodyPr/>
+              <a:lstStyle/>
+              <a:p>
+                <a:r>
+                  <a:rPr lang="fr-FR">
+                    <a:noFill/>
+                  </a:rPr>
+                  <a:t> </a:t>
+                </a:r>
+              </a:p>
+            </p:txBody>
+          </p:sp>
+        </mc:Fallback>
+      </mc:AlternateContent>
+      <p:sp>
+        <p:nvSpPr>
+          <p:cNvPr id="4" name="Rectangle 3">
+            <a:extLst>
+              <a:ext uri="{FF2B5EF4-FFF2-40B4-BE49-F238E27FC236}">
+                <a16:creationId xmlns:a16="http://schemas.microsoft.com/office/drawing/2014/main" id="{A4FDE96B-775A-A3C7-3D34-51E5D79E0A1B}"/>
+              </a:ext>
+            </a:extLst>
+          </p:cNvPr>
+          <p:cNvSpPr/>
+          <p:nvPr/>
+        </p:nvSpPr>
+        <p:spPr>
+          <a:xfrm>
+            <a:off x="8128616" y="2539414"/>
+            <a:ext cx="1972322" cy="712029"/>
+          </a:xfrm>
+          <a:prstGeom prst="rect">
+            <a:avLst/>
+          </a:prstGeom>
+          <a:solidFill>
+            <a:srgbClr val="009CDD"/>
+          </a:solidFill>
+        </p:spPr>
+        <p:style>
+          <a:lnRef idx="2">
+            <a:schemeClr val="accent1">
+              <a:shade val="50000"/>
+            </a:schemeClr>
+          </a:lnRef>
+          <a:fillRef idx="1">
+            <a:schemeClr val="accent1"/>
+          </a:fillRef>
+          <a:effectRef idx="0">
+            <a:schemeClr val="accent1"/>
+          </a:effectRef>
+          <a:fontRef idx="minor">
+            <a:schemeClr val="lt1"/>
+          </a:fontRef>
+        </p:style>
+        <p:txBody>
+          <a:bodyPr rtlCol="0" anchor="ctr"/>
+          <a:lstStyle/>
+          <a:p>
+            <a:pPr algn="ctr"/>
+            <a:r>
+              <a:rPr lang="fr-FR" dirty="0" err="1"/>
+              <a:t>Critic</a:t>
+            </a:r>
+            <a:endParaRPr lang="fr-FR" dirty="0"/>
+          </a:p>
+        </p:txBody>
+      </p:sp>
+      <p:sp>
+        <p:nvSpPr>
+          <p:cNvPr id="5" name="Rectangle 4">
+            <a:extLst>
+              <a:ext uri="{FF2B5EF4-FFF2-40B4-BE49-F238E27FC236}">
+                <a16:creationId xmlns:a16="http://schemas.microsoft.com/office/drawing/2014/main" id="{181ECE93-F8FB-1899-9760-A34A0F2D91DF}"/>
+              </a:ext>
+            </a:extLst>
+          </p:cNvPr>
+          <p:cNvSpPr/>
+          <p:nvPr/>
+        </p:nvSpPr>
+        <p:spPr>
+          <a:xfrm>
+            <a:off x="8600612" y="3728487"/>
+            <a:ext cx="1500326" cy="685800"/>
+          </a:xfrm>
+          <a:prstGeom prst="rect">
+            <a:avLst/>
+          </a:prstGeom>
+          <a:solidFill>
+            <a:srgbClr val="009CDD"/>
+          </a:solidFill>
+        </p:spPr>
+        <p:style>
+          <a:lnRef idx="2">
+            <a:schemeClr val="accent1">
+              <a:shade val="50000"/>
+            </a:schemeClr>
+          </a:lnRef>
+          <a:fillRef idx="1">
+            <a:schemeClr val="accent1"/>
+          </a:fillRef>
+          <a:effectRef idx="0">
+            <a:schemeClr val="accent1"/>
+          </a:effectRef>
+          <a:fontRef idx="minor">
+            <a:schemeClr val="lt1"/>
+          </a:fontRef>
+        </p:style>
+        <p:txBody>
+          <a:bodyPr rtlCol="0" anchor="ctr"/>
+          <a:lstStyle/>
+          <a:p>
+            <a:pPr algn="ctr"/>
+            <a:r>
+              <a:rPr lang="fr-FR" dirty="0"/>
+              <a:t>Actor</a:t>
+            </a:r>
+          </a:p>
+        </p:txBody>
+      </p:sp>
+      <p:cxnSp>
+        <p:nvCxnSpPr>
+          <p:cNvPr id="7" name="Connecteur droit avec flèche 6">
+            <a:extLst>
+              <a:ext uri="{FF2B5EF4-FFF2-40B4-BE49-F238E27FC236}">
+                <a16:creationId xmlns:a16="http://schemas.microsoft.com/office/drawing/2014/main" id="{FB816436-5761-65E0-93A1-BFAB749FFC41}"/>
+              </a:ext>
+            </a:extLst>
+          </p:cNvPr>
+          <p:cNvCxnSpPr>
+            <a:endCxn id="5" idx="2"/>
+          </p:cNvCxnSpPr>
+          <p:nvPr/>
+        </p:nvCxnSpPr>
+        <p:spPr>
+          <a:xfrm flipV="1">
+            <a:off x="9350775" y="4414287"/>
+            <a:ext cx="0" cy="601593"/>
+          </a:xfrm>
+          <a:prstGeom prst="straightConnector1">
+            <a:avLst/>
+          </a:prstGeom>
+          <a:ln>
+            <a:solidFill>
+              <a:srgbClr val="004877"/>
+            </a:solidFill>
+            <a:tailEnd type="triangle"/>
+          </a:ln>
+        </p:spPr>
+        <p:style>
+          <a:lnRef idx="1">
+            <a:schemeClr val="accent1"/>
+          </a:lnRef>
+          <a:fillRef idx="0">
+            <a:schemeClr val="accent1"/>
+          </a:fillRef>
+          <a:effectRef idx="0">
+            <a:schemeClr val="accent1"/>
+          </a:effectRef>
+          <a:fontRef idx="minor">
+            <a:schemeClr val="tx1"/>
+          </a:fontRef>
+        </p:style>
+      </p:cxnSp>
+      <p:cxnSp>
+        <p:nvCxnSpPr>
+          <p:cNvPr id="9" name="Connecteur : en angle 8">
+            <a:extLst>
+              <a:ext uri="{FF2B5EF4-FFF2-40B4-BE49-F238E27FC236}">
+                <a16:creationId xmlns:a16="http://schemas.microsoft.com/office/drawing/2014/main" id="{40572CFA-684C-7886-515E-95F067A8587B}"/>
+              </a:ext>
+            </a:extLst>
+          </p:cNvPr>
+          <p:cNvCxnSpPr/>
+          <p:nvPr/>
+        </p:nvCxnSpPr>
+        <p:spPr>
+          <a:xfrm rot="16200000" flipV="1">
+            <a:off x="8083336" y="3447643"/>
+            <a:ext cx="1463640" cy="1071239"/>
+          </a:xfrm>
+          <a:prstGeom prst="bentConnector3">
+            <a:avLst>
+              <a:gd name="adj1" fmla="val -344"/>
+            </a:avLst>
+          </a:prstGeom>
+          <a:ln>
+            <a:solidFill>
+              <a:srgbClr val="004877"/>
+            </a:solidFill>
+            <a:tailEnd type="triangle"/>
+          </a:ln>
+        </p:spPr>
+        <p:style>
+          <a:lnRef idx="1">
+            <a:schemeClr val="accent1"/>
+          </a:lnRef>
+          <a:fillRef idx="0">
+            <a:schemeClr val="accent1"/>
+          </a:fillRef>
+          <a:effectRef idx="0">
+            <a:schemeClr val="accent1"/>
+          </a:effectRef>
+          <a:fontRef idx="minor">
+            <a:schemeClr val="tx1"/>
+          </a:fontRef>
+        </p:style>
+      </p:cxnSp>
+      <p:cxnSp>
+        <p:nvCxnSpPr>
+          <p:cNvPr id="11" name="Connecteur droit avec flèche 10">
+            <a:extLst>
+              <a:ext uri="{FF2B5EF4-FFF2-40B4-BE49-F238E27FC236}">
+                <a16:creationId xmlns:a16="http://schemas.microsoft.com/office/drawing/2014/main" id="{1E6BF17D-43A3-9FED-A684-5EB0C725BF2E}"/>
+              </a:ext>
+            </a:extLst>
+          </p:cNvPr>
+          <p:cNvCxnSpPr>
+            <a:cxnSpLocks/>
+            <a:stCxn id="5" idx="0"/>
+          </p:cNvCxnSpPr>
+          <p:nvPr/>
+        </p:nvCxnSpPr>
+        <p:spPr>
+          <a:xfrm flipV="1">
+            <a:off x="9350775" y="3251442"/>
+            <a:ext cx="0" cy="477045"/>
+          </a:xfrm>
+          <a:prstGeom prst="straightConnector1">
+            <a:avLst/>
+          </a:prstGeom>
+          <a:ln>
+            <a:solidFill>
+              <a:srgbClr val="004877"/>
+            </a:solidFill>
+            <a:tailEnd type="triangle"/>
+          </a:ln>
+        </p:spPr>
+        <p:style>
+          <a:lnRef idx="1">
+            <a:schemeClr val="accent1"/>
+          </a:lnRef>
+          <a:fillRef idx="0">
+            <a:schemeClr val="accent1"/>
+          </a:fillRef>
+          <a:effectRef idx="0">
+            <a:schemeClr val="accent1"/>
+          </a:effectRef>
+          <a:fontRef idx="minor">
+            <a:schemeClr val="tx1"/>
+          </a:fontRef>
+        </p:style>
+      </p:cxnSp>
+      <p:cxnSp>
+        <p:nvCxnSpPr>
+          <p:cNvPr id="15" name="Connecteur droit avec flèche 14">
+            <a:extLst>
+              <a:ext uri="{FF2B5EF4-FFF2-40B4-BE49-F238E27FC236}">
+                <a16:creationId xmlns:a16="http://schemas.microsoft.com/office/drawing/2014/main" id="{B902D612-843A-0CB5-9897-1F245CC6FECD}"/>
+              </a:ext>
+            </a:extLst>
+          </p:cNvPr>
+          <p:cNvCxnSpPr>
+            <a:cxnSpLocks/>
+            <a:stCxn id="4" idx="0"/>
+          </p:cNvCxnSpPr>
+          <p:nvPr/>
+        </p:nvCxnSpPr>
+        <p:spPr>
+          <a:xfrm flipV="1">
+            <a:off x="9114777" y="2062369"/>
+            <a:ext cx="0" cy="477045"/>
+          </a:xfrm>
+          <a:prstGeom prst="straightConnector1">
+            <a:avLst/>
+          </a:prstGeom>
+          <a:ln>
+            <a:solidFill>
+              <a:srgbClr val="004877"/>
+            </a:solidFill>
+            <a:tailEnd type="triangle"/>
+          </a:ln>
+        </p:spPr>
+        <p:style>
+          <a:lnRef idx="1">
+            <a:schemeClr val="accent1"/>
+          </a:lnRef>
+          <a:fillRef idx="0">
+            <a:schemeClr val="accent1"/>
+          </a:fillRef>
+          <a:effectRef idx="0">
+            <a:schemeClr val="accent1"/>
+          </a:effectRef>
+          <a:fontRef idx="minor">
+            <a:schemeClr val="tx1"/>
+          </a:fontRef>
+        </p:style>
+      </p:cxnSp>
+      <p:sp>
+        <p:nvSpPr>
+          <p:cNvPr id="18" name="ZoneTexte 17">
+            <a:extLst>
+              <a:ext uri="{FF2B5EF4-FFF2-40B4-BE49-F238E27FC236}">
+                <a16:creationId xmlns:a16="http://schemas.microsoft.com/office/drawing/2014/main" id="{056A440A-C487-0DAB-F5A8-AB74304E385A}"/>
+              </a:ext>
+            </a:extLst>
+          </p:cNvPr>
+          <p:cNvSpPr txBox="1"/>
+          <p:nvPr/>
+        </p:nvSpPr>
+        <p:spPr>
+          <a:xfrm>
+            <a:off x="9350775" y="4778568"/>
+            <a:ext cx="589841" cy="276999"/>
+          </a:xfrm>
+          <a:prstGeom prst="rect">
+            <a:avLst/>
+          </a:prstGeom>
+          <a:noFill/>
+        </p:spPr>
+        <p:txBody>
+          <a:bodyPr wrap="none" rtlCol="0">
+            <a:spAutoFit/>
+          </a:bodyPr>
+          <a:lstStyle/>
+          <a:p>
+            <a:r>
+              <a:rPr lang="fr-FR" sz="1200" dirty="0" err="1"/>
+              <a:t>obs</a:t>
+            </a:r>
+            <a:r>
+              <a:rPr lang="fr-FR" sz="1200" baseline="-25000" dirty="0" err="1"/>
+              <a:t>next</a:t>
+            </a:r>
+            <a:endParaRPr lang="fr-FR" sz="1200" dirty="0"/>
+          </a:p>
+        </p:txBody>
+      </p:sp>
+      <p:sp>
+        <p:nvSpPr>
+          <p:cNvPr id="19" name="ZoneTexte 18">
+            <a:extLst>
+              <a:ext uri="{FF2B5EF4-FFF2-40B4-BE49-F238E27FC236}">
+                <a16:creationId xmlns:a16="http://schemas.microsoft.com/office/drawing/2014/main" id="{76E89143-43C8-1468-D1ED-C90E415E401F}"/>
+              </a:ext>
+            </a:extLst>
+          </p:cNvPr>
+          <p:cNvSpPr txBox="1"/>
+          <p:nvPr/>
+        </p:nvSpPr>
+        <p:spPr>
+          <a:xfrm>
+            <a:off x="9319143" y="3388003"/>
+            <a:ext cx="558551" cy="276999"/>
+          </a:xfrm>
+          <a:prstGeom prst="rect">
+            <a:avLst/>
+          </a:prstGeom>
+          <a:noFill/>
+        </p:spPr>
+        <p:txBody>
+          <a:bodyPr wrap="none" rtlCol="0">
+            <a:spAutoFit/>
+          </a:bodyPr>
+          <a:lstStyle/>
+          <a:p>
+            <a:r>
+              <a:rPr lang="fr-FR" sz="1200" dirty="0" err="1"/>
+              <a:t>act</a:t>
+            </a:r>
+            <a:r>
+              <a:rPr lang="fr-FR" sz="1200" baseline="-25000" dirty="0" err="1"/>
+              <a:t>next</a:t>
+            </a:r>
+            <a:endParaRPr lang="fr-FR" sz="1200" dirty="0"/>
+          </a:p>
+        </p:txBody>
+      </p:sp>
+      <p:sp>
+        <p:nvSpPr>
+          <p:cNvPr id="21" name="Rectangle 20">
+            <a:extLst>
+              <a:ext uri="{FF2B5EF4-FFF2-40B4-BE49-F238E27FC236}">
+                <a16:creationId xmlns:a16="http://schemas.microsoft.com/office/drawing/2014/main" id="{10E64347-7C5C-6DA4-D520-3092A386A9B0}"/>
+              </a:ext>
+            </a:extLst>
+          </p:cNvPr>
+          <p:cNvSpPr/>
+          <p:nvPr/>
+        </p:nvSpPr>
+        <p:spPr>
+          <a:xfrm>
+            <a:off x="5160146" y="2539414"/>
+            <a:ext cx="1972322" cy="712029"/>
+          </a:xfrm>
+          <a:prstGeom prst="rect">
+            <a:avLst/>
+          </a:prstGeom>
+          <a:solidFill>
+            <a:srgbClr val="009CDD"/>
+          </a:solidFill>
+        </p:spPr>
+        <p:style>
+          <a:lnRef idx="2">
+            <a:schemeClr val="accent1">
+              <a:shade val="50000"/>
+            </a:schemeClr>
+          </a:lnRef>
+          <a:fillRef idx="1">
+            <a:schemeClr val="accent1"/>
+          </a:fillRef>
+          <a:effectRef idx="0">
+            <a:schemeClr val="accent1"/>
+          </a:effectRef>
+          <a:fontRef idx="minor">
+            <a:schemeClr val="lt1"/>
+          </a:fontRef>
+        </p:style>
+        <p:txBody>
+          <a:bodyPr rtlCol="0" anchor="ctr"/>
+          <a:lstStyle/>
+          <a:p>
+            <a:pPr algn="ctr"/>
+            <a:r>
+              <a:rPr lang="fr-FR" dirty="0" err="1"/>
+              <a:t>Critic</a:t>
+            </a:r>
+            <a:endParaRPr lang="fr-FR" dirty="0"/>
+          </a:p>
+        </p:txBody>
+      </p:sp>
+      <p:cxnSp>
+        <p:nvCxnSpPr>
+          <p:cNvPr id="22" name="Connecteur droit avec flèche 21">
+            <a:extLst>
+              <a:ext uri="{FF2B5EF4-FFF2-40B4-BE49-F238E27FC236}">
+                <a16:creationId xmlns:a16="http://schemas.microsoft.com/office/drawing/2014/main" id="{F6F7A9A1-55DA-FB70-E28C-5DD8ECDA7195}"/>
+              </a:ext>
+            </a:extLst>
+          </p:cNvPr>
+          <p:cNvCxnSpPr>
+            <a:cxnSpLocks/>
+            <a:stCxn id="21" idx="0"/>
+          </p:cNvCxnSpPr>
+          <p:nvPr/>
+        </p:nvCxnSpPr>
+        <p:spPr>
+          <a:xfrm flipV="1">
+            <a:off x="6146307" y="2062370"/>
+            <a:ext cx="0" cy="477044"/>
+          </a:xfrm>
+          <a:prstGeom prst="straightConnector1">
+            <a:avLst/>
+          </a:prstGeom>
+          <a:ln>
+            <a:solidFill>
+              <a:srgbClr val="004877"/>
+            </a:solidFill>
+            <a:tailEnd type="triangle"/>
+          </a:ln>
+        </p:spPr>
+        <p:style>
+          <a:lnRef idx="1">
+            <a:schemeClr val="accent1"/>
+          </a:lnRef>
+          <a:fillRef idx="0">
+            <a:schemeClr val="accent1"/>
+          </a:fillRef>
+          <a:effectRef idx="0">
+            <a:schemeClr val="accent1"/>
+          </a:effectRef>
+          <a:fontRef idx="minor">
+            <a:schemeClr val="tx1"/>
+          </a:fontRef>
+        </p:style>
+      </p:cxnSp>
+      <p:cxnSp>
+        <p:nvCxnSpPr>
+          <p:cNvPr id="25" name="Connecteur droit avec flèche 24">
+            <a:extLst>
+              <a:ext uri="{FF2B5EF4-FFF2-40B4-BE49-F238E27FC236}">
+                <a16:creationId xmlns:a16="http://schemas.microsoft.com/office/drawing/2014/main" id="{5131E44E-932B-D28C-CD2D-12BE0428E3B6}"/>
+              </a:ext>
+            </a:extLst>
+          </p:cNvPr>
+          <p:cNvCxnSpPr>
+            <a:cxnSpLocks/>
+          </p:cNvCxnSpPr>
+          <p:nvPr/>
+        </p:nvCxnSpPr>
+        <p:spPr>
+          <a:xfrm flipV="1">
+            <a:off x="6523977" y="3251443"/>
+            <a:ext cx="0" cy="477045"/>
+          </a:xfrm>
+          <a:prstGeom prst="straightConnector1">
+            <a:avLst/>
+          </a:prstGeom>
+          <a:ln>
+            <a:solidFill>
+              <a:srgbClr val="004877"/>
+            </a:solidFill>
+            <a:tailEnd type="triangle"/>
+          </a:ln>
+        </p:spPr>
+        <p:style>
+          <a:lnRef idx="1">
+            <a:schemeClr val="accent1"/>
+          </a:lnRef>
+          <a:fillRef idx="0">
+            <a:schemeClr val="accent1"/>
+          </a:fillRef>
+          <a:effectRef idx="0">
+            <a:schemeClr val="accent1"/>
+          </a:effectRef>
+          <a:fontRef idx="minor">
+            <a:schemeClr val="tx1"/>
+          </a:fontRef>
+        </p:style>
+      </p:cxnSp>
+      <p:sp>
+        <p:nvSpPr>
+          <p:cNvPr id="26" name="ZoneTexte 25">
+            <a:extLst>
+              <a:ext uri="{FF2B5EF4-FFF2-40B4-BE49-F238E27FC236}">
+                <a16:creationId xmlns:a16="http://schemas.microsoft.com/office/drawing/2014/main" id="{58ED07D8-918F-F16A-24C2-712106C46228}"/>
+              </a:ext>
+            </a:extLst>
+          </p:cNvPr>
+          <p:cNvSpPr txBox="1"/>
+          <p:nvPr/>
+        </p:nvSpPr>
+        <p:spPr>
+          <a:xfrm>
+            <a:off x="6501604" y="3388003"/>
+            <a:ext cx="375424" cy="276999"/>
+          </a:xfrm>
+          <a:prstGeom prst="rect">
+            <a:avLst/>
+          </a:prstGeom>
+          <a:noFill/>
+        </p:spPr>
+        <p:txBody>
+          <a:bodyPr wrap="none" rtlCol="0">
+            <a:spAutoFit/>
+          </a:bodyPr>
+          <a:lstStyle/>
+          <a:p>
+            <a:r>
+              <a:rPr lang="fr-FR" sz="1200" dirty="0" err="1"/>
+              <a:t>act</a:t>
+            </a:r>
+            <a:endParaRPr lang="fr-FR" sz="1200" dirty="0"/>
+          </a:p>
+        </p:txBody>
+      </p:sp>
+      <p:cxnSp>
+        <p:nvCxnSpPr>
+          <p:cNvPr id="27" name="Connecteur droit avec flèche 26">
+            <a:extLst>
+              <a:ext uri="{FF2B5EF4-FFF2-40B4-BE49-F238E27FC236}">
+                <a16:creationId xmlns:a16="http://schemas.microsoft.com/office/drawing/2014/main" id="{EAED62DD-5F85-60AA-E73A-5BA154FC35A0}"/>
+              </a:ext>
+            </a:extLst>
+          </p:cNvPr>
+          <p:cNvCxnSpPr>
+            <a:cxnSpLocks/>
+          </p:cNvCxnSpPr>
+          <p:nvPr/>
+        </p:nvCxnSpPr>
+        <p:spPr>
+          <a:xfrm flipV="1">
+            <a:off x="5736462" y="3251443"/>
+            <a:ext cx="0" cy="477045"/>
+          </a:xfrm>
+          <a:prstGeom prst="straightConnector1">
+            <a:avLst/>
+          </a:prstGeom>
+          <a:ln>
+            <a:solidFill>
+              <a:srgbClr val="004877"/>
+            </a:solidFill>
+            <a:tailEnd type="triangle"/>
+          </a:ln>
+        </p:spPr>
+        <p:style>
+          <a:lnRef idx="1">
+            <a:schemeClr val="accent1"/>
+          </a:lnRef>
+          <a:fillRef idx="0">
+            <a:schemeClr val="accent1"/>
+          </a:fillRef>
+          <a:effectRef idx="0">
+            <a:schemeClr val="accent1"/>
+          </a:effectRef>
+          <a:fontRef idx="minor">
+            <a:schemeClr val="tx1"/>
+          </a:fontRef>
+        </p:style>
+      </p:cxnSp>
+      <p:sp>
+        <p:nvSpPr>
+          <p:cNvPr id="28" name="ZoneTexte 27">
+            <a:extLst>
+              <a:ext uri="{FF2B5EF4-FFF2-40B4-BE49-F238E27FC236}">
+                <a16:creationId xmlns:a16="http://schemas.microsoft.com/office/drawing/2014/main" id="{17BA9B8A-FC39-1ADF-2A1B-7273C74BF54C}"/>
+              </a:ext>
+            </a:extLst>
+          </p:cNvPr>
+          <p:cNvSpPr txBox="1"/>
+          <p:nvPr/>
+        </p:nvSpPr>
+        <p:spPr>
+          <a:xfrm>
+            <a:off x="5714089" y="3388003"/>
+            <a:ext cx="406714" cy="276999"/>
+          </a:xfrm>
+          <a:prstGeom prst="rect">
+            <a:avLst/>
+          </a:prstGeom>
+          <a:noFill/>
+        </p:spPr>
+        <p:txBody>
+          <a:bodyPr wrap="none" rtlCol="0">
+            <a:spAutoFit/>
+          </a:bodyPr>
+          <a:lstStyle/>
+          <a:p>
+            <a:r>
+              <a:rPr lang="fr-FR" sz="1200" dirty="0" err="1"/>
+              <a:t>obs</a:t>
+            </a:r>
+            <a:endParaRPr lang="fr-FR" sz="1200" dirty="0"/>
+          </a:p>
+        </p:txBody>
+      </p:sp>
+      <p:sp>
+        <p:nvSpPr>
+          <p:cNvPr id="30" name="ZoneTexte 29">
+            <a:extLst>
+              <a:ext uri="{FF2B5EF4-FFF2-40B4-BE49-F238E27FC236}">
+                <a16:creationId xmlns:a16="http://schemas.microsoft.com/office/drawing/2014/main" id="{39312568-BAD9-3E32-6C7D-3EC79EFCD8EA}"/>
+              </a:ext>
+            </a:extLst>
+          </p:cNvPr>
+          <p:cNvSpPr txBox="1"/>
+          <p:nvPr/>
+        </p:nvSpPr>
+        <p:spPr>
+          <a:xfrm>
+            <a:off x="5997511" y="1771921"/>
+            <a:ext cx="439633" cy="307777"/>
+          </a:xfrm>
+          <a:prstGeom prst="rect">
+            <a:avLst/>
+          </a:prstGeom>
+          <a:noFill/>
+        </p:spPr>
+        <p:txBody>
+          <a:bodyPr wrap="square">
+            <a:spAutoFit/>
+          </a:bodyPr>
+          <a:lstStyle/>
+          <a:p>
+            <a:pPr/>
+            <a:r>
+              <a:rPr lang="fr-FR" sz="1400" dirty="0"/>
+              <a:t>Q</a:t>
+            </a:r>
+          </a:p>
+        </p:txBody>
+      </p:sp>
+      <p:sp>
+        <p:nvSpPr>
+          <p:cNvPr id="31" name="ZoneTexte 30">
+            <a:extLst>
+              <a:ext uri="{FF2B5EF4-FFF2-40B4-BE49-F238E27FC236}">
+                <a16:creationId xmlns:a16="http://schemas.microsoft.com/office/drawing/2014/main" id="{77293D99-1EF5-0DA7-19D8-B888FA802F47}"/>
+              </a:ext>
+            </a:extLst>
+          </p:cNvPr>
+          <p:cNvSpPr txBox="1"/>
+          <p:nvPr/>
+        </p:nvSpPr>
+        <p:spPr>
+          <a:xfrm>
+            <a:off x="8911142" y="1771921"/>
+            <a:ext cx="730008" cy="307777"/>
+          </a:xfrm>
+          <a:prstGeom prst="rect">
+            <a:avLst/>
+          </a:prstGeom>
+          <a:noFill/>
+        </p:spPr>
+        <p:txBody>
+          <a:bodyPr wrap="square">
+            <a:spAutoFit/>
+          </a:bodyPr>
+          <a:lstStyle/>
+          <a:p>
+            <a:pPr/>
+            <a:r>
+              <a:rPr lang="fr-FR" sz="1400" dirty="0" err="1"/>
+              <a:t>Q</a:t>
+            </a:r>
+            <a:r>
+              <a:rPr lang="fr-FR" sz="1400" baseline="-25000" dirty="0" err="1"/>
+              <a:t>next</a:t>
+            </a:r>
+            <a:endParaRPr lang="fr-FR" sz="1400" dirty="0"/>
+          </a:p>
+        </p:txBody>
+      </p:sp>
+    </p:spTree>
+    <p:extLst>
+      <p:ext uri="{BB962C8B-B14F-4D97-AF65-F5344CB8AC3E}">
+        <p14:creationId xmlns:p14="http://schemas.microsoft.com/office/powerpoint/2010/main" val="2698336446"/>
+      </p:ext>
+    </p:extLst>
+  </p:cSld>
+  <p:clrMapOvr>
+    <a:masterClrMapping/>
+  </p:clrMapOvr>
+</p:sld>
+</file>
+
+<file path=ppt/slides/slide6.xml><?xml version="1.0" encoding="utf-8"?>
 <p:sld xmlns:a="http://schemas.openxmlformats.org/drawingml/2006/main" xmlns:r="http://schemas.openxmlformats.org/officeDocument/2006/relationships" xmlns:p="http://schemas.openxmlformats.org/presentationml/2006/main">
   <p:cSld>
     <p:spTree>
@@ -18854,7 +20574,7 @@
 </p:sld>
 </file>
 
-<file path=ppt/slides/slide6.xml><?xml version="1.0" encoding="utf-8"?>
+<file path=ppt/slides/slide7.xml><?xml version="1.0" encoding="utf-8"?>
 <p:sld xmlns:a="http://schemas.openxmlformats.org/drawingml/2006/main" xmlns:r="http://schemas.openxmlformats.org/officeDocument/2006/relationships" xmlns:p="http://schemas.openxmlformats.org/presentationml/2006/main">
   <p:cSld>
     <p:spTree>
@@ -19662,7 +21382,7 @@
 </p:sld>
 </file>
 
-<file path=ppt/slides/slide7.xml><?xml version="1.0" encoding="utf-8"?>
+<file path=ppt/slides/slide8.xml><?xml version="1.0" encoding="utf-8"?>
 <p:sld xmlns:a="http://schemas.openxmlformats.org/drawingml/2006/main" xmlns:r="http://schemas.openxmlformats.org/officeDocument/2006/relationships" xmlns:p="http://schemas.openxmlformats.org/presentationml/2006/main">
   <p:cSld>
     <p:spTree>
@@ -19880,7 +21600,7 @@
 </p:sld>
 </file>
 
-<file path=ppt/slides/slide8.xml><?xml version="1.0" encoding="utf-8"?>
+<file path=ppt/slides/slide9.xml><?xml version="1.0" encoding="utf-8"?>
 <p:sld xmlns:a="http://schemas.openxmlformats.org/drawingml/2006/main" xmlns:r="http://schemas.openxmlformats.org/officeDocument/2006/relationships" xmlns:p="http://schemas.openxmlformats.org/presentationml/2006/main">
   <p:cSld>
     <p:spTree>
@@ -20064,187 +21784,6 @@
     <p:extLst>
       <p:ext uri="{BB962C8B-B14F-4D97-AF65-F5344CB8AC3E}">
         <p14:creationId xmlns:p14="http://schemas.microsoft.com/office/powerpoint/2010/main" val="2979524745"/>
-      </p:ext>
-    </p:extLst>
-  </p:cSld>
-  <p:clrMapOvr>
-    <a:masterClrMapping/>
-  </p:clrMapOvr>
-</p:sld>
-</file>
-
-<file path=ppt/slides/slide9.xml><?xml version="1.0" encoding="utf-8"?>
-<p:sld xmlns:a="http://schemas.openxmlformats.org/drawingml/2006/main" xmlns:r="http://schemas.openxmlformats.org/officeDocument/2006/relationships" xmlns:p="http://schemas.openxmlformats.org/presentationml/2006/main">
-  <p:cSld>
-    <p:spTree>
-      <p:nvGrpSpPr>
-        <p:cNvPr id="1" name=""/>
-        <p:cNvGrpSpPr/>
-        <p:nvPr/>
-      </p:nvGrpSpPr>
-      <p:grpSpPr>
-        <a:xfrm>
-          <a:off x="0" y="0"/>
-          <a:ext cx="0" cy="0"/>
-          <a:chOff x="0" y="0"/>
-          <a:chExt cx="0" cy="0"/>
-        </a:xfrm>
-      </p:grpSpPr>
-      <p:sp>
-        <p:nvSpPr>
-          <p:cNvPr id="2" name="Titre 1"/>
-          <p:cNvSpPr>
-            <a:spLocks noGrp="1"/>
-          </p:cNvSpPr>
-          <p:nvPr>
-            <p:ph type="title"/>
-          </p:nvPr>
-        </p:nvSpPr>
-        <p:spPr>
-          <a:xfrm>
-            <a:off x="838200" y="880533"/>
-            <a:ext cx="10830886" cy="810155"/>
-          </a:xfrm>
-        </p:spPr>
-        <p:txBody>
-          <a:bodyPr/>
-          <a:lstStyle/>
-          <a:p>
-            <a:r>
-              <a:rPr lang="fr-FR" dirty="0"/>
-              <a:t>Simulation </a:t>
-            </a:r>
-            <a:r>
-              <a:rPr lang="fr-FR" dirty="0" err="1"/>
-              <a:t>with</a:t>
-            </a:r>
-            <a:r>
-              <a:rPr lang="fr-FR" dirty="0"/>
-              <a:t> MATLAB Simulink</a:t>
-            </a:r>
-          </a:p>
-        </p:txBody>
-      </p:sp>
-      <p:sp>
-        <p:nvSpPr>
-          <p:cNvPr id="3" name="Espace réservé du contenu 2"/>
-          <p:cNvSpPr>
-            <a:spLocks noGrp="1"/>
-          </p:cNvSpPr>
-          <p:nvPr>
-            <p:ph idx="1"/>
-          </p:nvPr>
-        </p:nvSpPr>
-        <p:spPr>
-          <a:xfrm>
-            <a:off x="838200" y="1730375"/>
-            <a:ext cx="10515600" cy="4351338"/>
-          </a:xfrm>
-        </p:spPr>
-        <p:txBody>
-          <a:bodyPr/>
-          <a:lstStyle/>
-          <a:p>
-            <a:r>
-              <a:rPr lang="fr-FR" dirty="0"/>
-              <a:t>RL Toolbox</a:t>
-            </a:r>
-          </a:p>
-        </p:txBody>
-      </p:sp>
-      <p:pic>
-        <p:nvPicPr>
-          <p:cNvPr id="6" name="Image 5">
-            <a:extLst>
-              <a:ext uri="{FF2B5EF4-FFF2-40B4-BE49-F238E27FC236}">
-                <a16:creationId xmlns:a16="http://schemas.microsoft.com/office/drawing/2014/main" id="{F7D793EF-F5EA-0492-06A4-50869B8FE31A}"/>
-              </a:ext>
-            </a:extLst>
-          </p:cNvPr>
-          <p:cNvPicPr>
-            <a:picLocks noChangeAspect="1"/>
-          </p:cNvPicPr>
-          <p:nvPr/>
-        </p:nvPicPr>
-        <p:blipFill>
-          <a:blip r:embed="rId2"/>
-          <a:stretch>
-            <a:fillRect/>
-          </a:stretch>
-        </p:blipFill>
-        <p:spPr>
-          <a:xfrm>
-            <a:off x="9188220" y="2755786"/>
-            <a:ext cx="2841606" cy="2091422"/>
-          </a:xfrm>
-          <a:prstGeom prst="rect">
-            <a:avLst/>
-          </a:prstGeom>
-        </p:spPr>
-      </p:pic>
-      <p:pic>
-        <p:nvPicPr>
-          <p:cNvPr id="9" name="Image 8">
-            <a:extLst>
-              <a:ext uri="{FF2B5EF4-FFF2-40B4-BE49-F238E27FC236}">
-                <a16:creationId xmlns:a16="http://schemas.microsoft.com/office/drawing/2014/main" id="{BD435654-FB18-27DB-3992-172ED528533B}"/>
-              </a:ext>
-            </a:extLst>
-          </p:cNvPr>
-          <p:cNvPicPr>
-            <a:picLocks noChangeAspect="1"/>
-          </p:cNvPicPr>
-          <p:nvPr/>
-        </p:nvPicPr>
-        <p:blipFill>
-          <a:blip r:embed="rId3"/>
-          <a:stretch>
-            <a:fillRect/>
-          </a:stretch>
-        </p:blipFill>
-        <p:spPr>
-          <a:xfrm>
-            <a:off x="641042" y="2451691"/>
-            <a:ext cx="1279494" cy="3331096"/>
-          </a:xfrm>
-          <a:prstGeom prst="rect">
-            <a:avLst/>
-          </a:prstGeom>
-        </p:spPr>
-      </p:pic>
-      <p:pic>
-        <p:nvPicPr>
-          <p:cNvPr id="11" name="Image 10">
-            <a:extLst>
-              <a:ext uri="{FF2B5EF4-FFF2-40B4-BE49-F238E27FC236}">
-                <a16:creationId xmlns:a16="http://schemas.microsoft.com/office/drawing/2014/main" id="{9D86746A-4B11-DC76-0B8B-E270339768B2}"/>
-              </a:ext>
-            </a:extLst>
-          </p:cNvPr>
-          <p:cNvPicPr>
-            <a:picLocks noChangeAspect="1"/>
-          </p:cNvPicPr>
-          <p:nvPr/>
-        </p:nvPicPr>
-        <p:blipFill rotWithShape="1">
-          <a:blip r:embed="rId4"/>
-          <a:srcRect l="5004"/>
-          <a:stretch/>
-        </p:blipFill>
-        <p:spPr>
-          <a:xfrm>
-            <a:off x="2689934" y="2057515"/>
-            <a:ext cx="6067355" cy="4119448"/>
-          </a:xfrm>
-          <a:prstGeom prst="rect">
-            <a:avLst/>
-          </a:prstGeom>
-        </p:spPr>
-      </p:pic>
-    </p:spTree>
-    <p:extLst>
-      <p:ext uri="{BB962C8B-B14F-4D97-AF65-F5344CB8AC3E}">
-        <p14:creationId xmlns:p14="http://schemas.microsoft.com/office/powerpoint/2010/main" val="1379701163"/>
       </p:ext>
     </p:extLst>
   </p:cSld>
